--- a/aws_sra_examples/solutions/macie/macie_org/documentation/macie-org.pptx
+++ b/aws_sra_examples/solutions/macie/macie_org/documentation/macie-org.pptx
@@ -197,7 +197,7 @@
           <a:p>
             <a:fld id="{FD8D84E3-00BA-4A46-8256-7E527D8B4480}" type="datetimeFigureOut">
               <a:rPr lang="en-US" smtClean="0"/>
-              <a:t>11/17/21</a:t>
+              <a:t>3/10/22</a:t>
             </a:fld>
             <a:endParaRPr lang="en-US"/>
           </a:p>
@@ -695,7 +695,7 @@
           <a:p>
             <a:fld id="{9FE185F7-9B28-9F45-9F43-9CB5A0B99390}" type="datetimeFigureOut">
               <a:rPr lang="en-US" smtClean="0"/>
-              <a:t>11/17/21</a:t>
+              <a:t>3/10/22</a:t>
             </a:fld>
             <a:endParaRPr lang="en-US"/>
           </a:p>
@@ -893,7 +893,7 @@
           <a:p>
             <a:fld id="{9FE185F7-9B28-9F45-9F43-9CB5A0B99390}" type="datetimeFigureOut">
               <a:rPr lang="en-US" smtClean="0"/>
-              <a:t>11/17/21</a:t>
+              <a:t>3/10/22</a:t>
             </a:fld>
             <a:endParaRPr lang="en-US"/>
           </a:p>
@@ -1101,7 +1101,7 @@
           <a:p>
             <a:fld id="{9FE185F7-9B28-9F45-9F43-9CB5A0B99390}" type="datetimeFigureOut">
               <a:rPr lang="en-US" smtClean="0"/>
-              <a:t>11/17/21</a:t>
+              <a:t>3/10/22</a:t>
             </a:fld>
             <a:endParaRPr lang="en-US"/>
           </a:p>
@@ -1299,7 +1299,7 @@
           <a:p>
             <a:fld id="{9FE185F7-9B28-9F45-9F43-9CB5A0B99390}" type="datetimeFigureOut">
               <a:rPr lang="en-US" smtClean="0"/>
-              <a:t>11/17/21</a:t>
+              <a:t>3/10/22</a:t>
             </a:fld>
             <a:endParaRPr lang="en-US"/>
           </a:p>
@@ -1574,7 +1574,7 @@
           <a:p>
             <a:fld id="{9FE185F7-9B28-9F45-9F43-9CB5A0B99390}" type="datetimeFigureOut">
               <a:rPr lang="en-US" smtClean="0"/>
-              <a:t>11/17/21</a:t>
+              <a:t>3/10/22</a:t>
             </a:fld>
             <a:endParaRPr lang="en-US"/>
           </a:p>
@@ -1839,7 +1839,7 @@
           <a:p>
             <a:fld id="{9FE185F7-9B28-9F45-9F43-9CB5A0B99390}" type="datetimeFigureOut">
               <a:rPr lang="en-US" smtClean="0"/>
-              <a:t>11/17/21</a:t>
+              <a:t>3/10/22</a:t>
             </a:fld>
             <a:endParaRPr lang="en-US"/>
           </a:p>
@@ -2251,7 +2251,7 @@
           <a:p>
             <a:fld id="{9FE185F7-9B28-9F45-9F43-9CB5A0B99390}" type="datetimeFigureOut">
               <a:rPr lang="en-US" smtClean="0"/>
-              <a:t>11/17/21</a:t>
+              <a:t>3/10/22</a:t>
             </a:fld>
             <a:endParaRPr lang="en-US"/>
           </a:p>
@@ -2392,7 +2392,7 @@
           <a:p>
             <a:fld id="{9FE185F7-9B28-9F45-9F43-9CB5A0B99390}" type="datetimeFigureOut">
               <a:rPr lang="en-US" smtClean="0"/>
-              <a:t>11/17/21</a:t>
+              <a:t>3/10/22</a:t>
             </a:fld>
             <a:endParaRPr lang="en-US"/>
           </a:p>
@@ -2505,7 +2505,7 @@
           <a:p>
             <a:fld id="{9FE185F7-9B28-9F45-9F43-9CB5A0B99390}" type="datetimeFigureOut">
               <a:rPr lang="en-US" smtClean="0"/>
-              <a:t>11/17/21</a:t>
+              <a:t>3/10/22</a:t>
             </a:fld>
             <a:endParaRPr lang="en-US"/>
           </a:p>
@@ -2816,7 +2816,7 @@
           <a:p>
             <a:fld id="{9FE185F7-9B28-9F45-9F43-9CB5A0B99390}" type="datetimeFigureOut">
               <a:rPr lang="en-US" smtClean="0"/>
-              <a:t>11/17/21</a:t>
+              <a:t>3/10/22</a:t>
             </a:fld>
             <a:endParaRPr lang="en-US"/>
           </a:p>
@@ -3104,7 +3104,7 @@
           <a:p>
             <a:fld id="{9FE185F7-9B28-9F45-9F43-9CB5A0B99390}" type="datetimeFigureOut">
               <a:rPr lang="en-US" smtClean="0"/>
-              <a:t>11/17/21</a:t>
+              <a:t>3/10/22</a:t>
             </a:fld>
             <a:endParaRPr lang="en-US"/>
           </a:p>
@@ -3345,7 +3345,7 @@
           <a:p>
             <a:fld id="{9FE185F7-9B28-9F45-9F43-9CB5A0B99390}" type="datetimeFigureOut">
               <a:rPr lang="en-US" smtClean="0"/>
-              <a:t>11/17/21</a:t>
+              <a:t>3/10/22</a:t>
             </a:fld>
             <a:endParaRPr lang="en-US"/>
           </a:p>
@@ -3748,6 +3748,17 @@
 <file path=ppt/slides/slide1.xml><?xml version="1.0" encoding="utf-8"?>
 <p:sld xmlns:a="http://schemas.openxmlformats.org/drawingml/2006/main" xmlns:r="http://schemas.openxmlformats.org/officeDocument/2006/relationships" xmlns:p="http://schemas.openxmlformats.org/presentationml/2006/main">
   <p:cSld>
+    <p:bg>
+      <p:bgPr>
+        <a:solidFill>
+          <a:schemeClr val="tx1">
+            <a:lumMod val="75000"/>
+            <a:lumOff val="25000"/>
+          </a:schemeClr>
+        </a:solidFill>
+        <a:effectLst/>
+      </p:bgPr>
+    </p:bg>
     <p:spTree>
       <p:nvGrpSpPr>
         <p:cNvPr id="1" name=""/>
@@ -3764,10 +3775,10 @@
       </p:grpSpPr>
       <p:sp>
         <p:nvSpPr>
-          <p:cNvPr id="125" name="Rectangle 124">
-            <a:extLst>
-              <a:ext uri="{FF2B5EF4-FFF2-40B4-BE49-F238E27FC236}">
-                <a16:creationId xmlns:a16="http://schemas.microsoft.com/office/drawing/2014/main" id="{09FB3F18-5D37-9F42-BE21-657A66F925D2}"/>
+          <p:cNvPr id="201" name="Rectangle 200">
+            <a:extLst>
+              <a:ext uri="{FF2B5EF4-FFF2-40B4-BE49-F238E27FC236}">
+                <a16:creationId xmlns:a16="http://schemas.microsoft.com/office/drawing/2014/main" id="{5F393B6E-D105-6D49-81CE-DE0E0899AE01}"/>
               </a:ext>
             </a:extLst>
           </p:cNvPr>
@@ -3776,8 +3787,8 @@
         </p:nvSpPr>
         <p:spPr>
           <a:xfrm>
-            <a:off x="678234" y="245353"/>
-            <a:ext cx="10828547" cy="6363991"/>
+            <a:off x="1169153" y="111193"/>
+            <a:ext cx="9655464" cy="6512892"/>
           </a:xfrm>
           <a:prstGeom prst="rect">
             <a:avLst/>
@@ -3809,6 +3820,9 @@
         </p:style>
         <p:txBody>
           <a:bodyPr rot="0" spcFirstLastPara="0" vert="horz" wrap="square" lIns="457200" tIns="91440" rIns="91440" bIns="45720" numCol="1" spcCol="0" rtlCol="0" fromWordArt="0" anchor="t" anchorCtr="0" forceAA="0" compatLnSpc="1">
+            <a:prstTxWarp prst="textNoShape">
+              <a:avLst/>
+            </a:prstTxWarp>
             <a:noAutofit/>
           </a:bodyPr>
           <a:lstStyle>
@@ -3908,7 +3922,7 @@
             <a:r>
               <a:rPr lang="en-US" sz="1400" dirty="0">
                 <a:solidFill>
-                  <a:schemeClr val="tx1"/>
+                  <a:sysClr val="windowText" lastClr="000000"/>
                 </a:solidFill>
                 <a:latin typeface="Arial" panose="020B0604020202020204" pitchFamily="34" charset="0"/>
                 <a:cs typeface="Arial" panose="020B0604020202020204" pitchFamily="34" charset="0"/>
@@ -3920,10 +3934,10 @@
       </p:sp>
       <p:sp>
         <p:nvSpPr>
-          <p:cNvPr id="129" name="Rectangle 128">
-            <a:extLst>
-              <a:ext uri="{FF2B5EF4-FFF2-40B4-BE49-F238E27FC236}">
-                <a16:creationId xmlns:a16="http://schemas.microsoft.com/office/drawing/2014/main" id="{FB73AA4D-BE37-B546-8168-72555838077A}"/>
+          <p:cNvPr id="202" name="Rectangle 201">
+            <a:extLst>
+              <a:ext uri="{FF2B5EF4-FFF2-40B4-BE49-F238E27FC236}">
+                <a16:creationId xmlns:a16="http://schemas.microsoft.com/office/drawing/2014/main" id="{AE33C853-A977-D848-9CAD-1676CB3D2E99}"/>
               </a:ext>
             </a:extLst>
           </p:cNvPr>
@@ -3932,8 +3946,8 @@
         </p:nvSpPr>
         <p:spPr>
           <a:xfrm>
-            <a:off x="851281" y="599420"/>
-            <a:ext cx="5805330" cy="2985951"/>
+            <a:off x="1342199" y="486488"/>
+            <a:ext cx="6028838" cy="3523847"/>
           </a:xfrm>
           <a:prstGeom prst="rect">
             <a:avLst/>
@@ -3964,6 +3978,9 @@
         </p:style>
         <p:txBody>
           <a:bodyPr rot="0" spcFirstLastPara="0" vertOverflow="overflow" horzOverflow="overflow" vert="horz" wrap="square" lIns="91440" tIns="91440" rIns="91440" bIns="45720" numCol="1" spcCol="0" rtlCol="0" fromWordArt="0" anchor="t" anchorCtr="0" forceAA="0" compatLnSpc="1">
+            <a:prstTxWarp prst="textNoShape">
+              <a:avLst/>
+            </a:prstTxWarp>
             <a:noAutofit/>
           </a:bodyPr>
           <a:lstStyle/>
@@ -3980,27 +3997,14 @@
               <a:t>Organization Management Account</a:t>
             </a:r>
           </a:p>
-          <a:p>
-            <a:pPr algn="ctr"/>
-            <a:r>
-              <a:rPr lang="en-US" sz="1400" dirty="0">
-                <a:solidFill>
-                  <a:schemeClr val="tx1"/>
-                </a:solidFill>
-                <a:latin typeface="Arial" panose="020B0604020202020204" pitchFamily="34" charset="0"/>
-                <a:cs typeface="Arial" panose="020B0604020202020204" pitchFamily="34" charset="0"/>
-              </a:rPr>
-              <a:t>OU: management</a:t>
-            </a:r>
-          </a:p>
         </p:txBody>
       </p:sp>
       <p:pic>
         <p:nvPicPr>
-          <p:cNvPr id="126" name="Graphic 2">
-            <a:extLst>
-              <a:ext uri="{FF2B5EF4-FFF2-40B4-BE49-F238E27FC236}">
-                <a16:creationId xmlns:a16="http://schemas.microsoft.com/office/drawing/2014/main" id="{F04267D0-7955-2C4A-842B-D8A3A9599CC0}"/>
+          <p:cNvPr id="203" name="Graphic 2">
+            <a:extLst>
+              <a:ext uri="{FF2B5EF4-FFF2-40B4-BE49-F238E27FC236}">
+                <a16:creationId xmlns:a16="http://schemas.microsoft.com/office/drawing/2014/main" id="{CC19A815-4C28-4F45-9CE0-0ADA0344C8E5}"/>
               </a:ext>
             </a:extLst>
           </p:cNvPr>
@@ -4023,7 +4027,7 @@
         </p:blipFill>
         <p:spPr>
           <a:xfrm>
-            <a:off x="685219" y="248656"/>
+            <a:off x="1175468" y="109318"/>
             <a:ext cx="330200" cy="330200"/>
           </a:xfrm>
           <a:prstGeom prst="rect">
@@ -4033,10 +4037,10 @@
       </p:pic>
       <p:sp>
         <p:nvSpPr>
-          <p:cNvPr id="127" name="Rectangle 126">
-            <a:extLst>
-              <a:ext uri="{FF2B5EF4-FFF2-40B4-BE49-F238E27FC236}">
-                <a16:creationId xmlns:a16="http://schemas.microsoft.com/office/drawing/2014/main" id="{7B8BF6E7-84AF-DE4E-9817-454F0E8CE80F}"/>
+          <p:cNvPr id="204" name="Rectangle 203">
+            <a:extLst>
+              <a:ext uri="{FF2B5EF4-FFF2-40B4-BE49-F238E27FC236}">
+                <a16:creationId xmlns:a16="http://schemas.microsoft.com/office/drawing/2014/main" id="{A7A074E6-1E10-F740-BB5A-2B9C6EC97605}"/>
               </a:ext>
             </a:extLst>
           </p:cNvPr>
@@ -4045,8 +4049,8 @@
         </p:nvSpPr>
         <p:spPr>
           <a:xfrm>
-            <a:off x="847509" y="3682316"/>
-            <a:ext cx="6680822" cy="2794835"/>
+            <a:off x="1329577" y="4073746"/>
+            <a:ext cx="6041460" cy="2381951"/>
           </a:xfrm>
           <a:prstGeom prst="rect">
             <a:avLst/>
@@ -4077,6 +4081,9 @@
         </p:style>
         <p:txBody>
           <a:bodyPr rot="0" spcFirstLastPara="0" vertOverflow="overflow" horzOverflow="overflow" vert="horz" wrap="square" lIns="91440" tIns="91440" rIns="91440" bIns="45720" numCol="1" spcCol="0" rtlCol="0" fromWordArt="0" anchor="t" anchorCtr="0" forceAA="0" compatLnSpc="1">
+            <a:prstTxWarp prst="textNoShape">
+              <a:avLst/>
+            </a:prstTxWarp>
             <a:noAutofit/>
           </a:bodyPr>
           <a:lstStyle/>
@@ -4096,24 +4103,24 @@
           <a:p>
             <a:pPr algn="ctr"/>
             <a:r>
-              <a:rPr lang="en-US" sz="1400" dirty="0">
+              <a:rPr lang="en-US" sz="1200" dirty="0">
                 <a:solidFill>
                   <a:schemeClr val="tx1"/>
                 </a:solidFill>
                 <a:latin typeface="Arial" panose="020B0604020202020204" pitchFamily="34" charset="0"/>
                 <a:cs typeface="Arial" panose="020B0604020202020204" pitchFamily="34" charset="0"/>
               </a:rPr>
-              <a:t>OU: Core</a:t>
-            </a:r>
-          </a:p>
-        </p:txBody>
-      </p:sp>
-      <p:sp>
-        <p:nvSpPr>
-          <p:cNvPr id="128" name="Rectangle 127">
-            <a:extLst>
-              <a:ext uri="{FF2B5EF4-FFF2-40B4-BE49-F238E27FC236}">
-                <a16:creationId xmlns:a16="http://schemas.microsoft.com/office/drawing/2014/main" id="{747041A4-100F-0D48-87F9-E63DDDFD96C6}"/>
+              <a:t>OU: Security</a:t>
+            </a:r>
+          </a:p>
+        </p:txBody>
+      </p:sp>
+      <p:sp>
+        <p:nvSpPr>
+          <p:cNvPr id="206" name="Rectangle 205">
+            <a:extLst>
+              <a:ext uri="{FF2B5EF4-FFF2-40B4-BE49-F238E27FC236}">
+                <a16:creationId xmlns:a16="http://schemas.microsoft.com/office/drawing/2014/main" id="{959AFEF5-C370-0E4A-AD4D-46A2FA333B7E}"/>
               </a:ext>
             </a:extLst>
           </p:cNvPr>
@@ -4122,8 +4129,8 @@
         </p:nvSpPr>
         <p:spPr>
           <a:xfrm>
-            <a:off x="7610345" y="3682163"/>
-            <a:ext cx="3751846" cy="2802448"/>
+            <a:off x="7439883" y="3858451"/>
+            <a:ext cx="3178486" cy="2381950"/>
           </a:xfrm>
           <a:prstGeom prst="rect">
             <a:avLst/>
@@ -4154,6 +4161,9 @@
         </p:style>
         <p:txBody>
           <a:bodyPr rot="0" spcFirstLastPara="0" vertOverflow="overflow" horzOverflow="overflow" vert="horz" wrap="square" lIns="91440" tIns="91440" rIns="91440" bIns="45720" numCol="1" spcCol="0" rtlCol="0" fromWordArt="0" anchor="t" anchorCtr="0" forceAA="0" compatLnSpc="1">
+            <a:prstTxWarp prst="textNoShape">
+              <a:avLst/>
+            </a:prstTxWarp>
             <a:noAutofit/>
           </a:bodyPr>
           <a:lstStyle/>
@@ -4187,10 +4197,10 @@
       </p:sp>
       <p:sp>
         <p:nvSpPr>
-          <p:cNvPr id="140" name="TextBox 2">
-            <a:extLst>
-              <a:ext uri="{FF2B5EF4-FFF2-40B4-BE49-F238E27FC236}">
-                <a16:creationId xmlns:a16="http://schemas.microsoft.com/office/drawing/2014/main" id="{B5F7962F-8AB1-7644-826B-EA87E913FED5}"/>
+          <p:cNvPr id="207" name="TextBox 2">
+            <a:extLst>
+              <a:ext uri="{FF2B5EF4-FFF2-40B4-BE49-F238E27FC236}">
+                <a16:creationId xmlns:a16="http://schemas.microsoft.com/office/drawing/2014/main" id="{678A7DEA-6F9A-224C-A01E-9E4025149EEA}"/>
               </a:ext>
             </a:extLst>
           </p:cNvPr>
@@ -4199,8 +4209,8 @@
         </p:nvSpPr>
         <p:spPr>
           <a:xfrm>
-            <a:off x="2646410" y="3155374"/>
-            <a:ext cx="1132876" cy="261610"/>
+            <a:off x="3848982" y="3552853"/>
+            <a:ext cx="1273984" cy="261610"/>
           </a:xfrm>
           <a:prstGeom prst="rect">
             <a:avLst/>
@@ -4295,53 +4305,17 @@
                 <a:latin typeface="Arial" panose="020B0604020202020204" pitchFamily="34" charset="0"/>
                 <a:cs typeface="Arial" panose="020B0604020202020204" pitchFamily="34" charset="0"/>
               </a:rPr>
-              <a:t>Lambda</a:t>
-            </a:r>
-          </a:p>
-        </p:txBody>
-      </p:sp>
-      <p:pic>
-        <p:nvPicPr>
-          <p:cNvPr id="141" name="Graphic 1">
-            <a:extLst>
-              <a:ext uri="{FF2B5EF4-FFF2-40B4-BE49-F238E27FC236}">
-                <a16:creationId xmlns:a16="http://schemas.microsoft.com/office/drawing/2014/main" id="{D5F02E8F-2628-DD4D-8A36-AFD09623FB49}"/>
-              </a:ext>
-            </a:extLst>
-          </p:cNvPr>
-          <p:cNvPicPr>
-            <a:picLocks noChangeAspect="1"/>
-          </p:cNvPicPr>
-          <p:nvPr/>
-        </p:nvPicPr>
-        <p:blipFill>
-          <a:blip r:embed="rId5">
-            <a:extLst>
-              <a:ext uri="{96DAC541-7B7A-43D3-8B79-37D633B846F1}">
-                <asvg:svgBlip xmlns:asvg="http://schemas.microsoft.com/office/drawing/2016/SVG/main" r:embed="rId6"/>
-              </a:ext>
-            </a:extLst>
-          </a:blip>
-          <a:stretch>
-            <a:fillRect/>
-          </a:stretch>
-        </p:blipFill>
-        <p:spPr>
-          <a:xfrm>
-            <a:off x="2874148" y="1233072"/>
-            <a:ext cx="555156" cy="555156"/>
-          </a:xfrm>
-          <a:prstGeom prst="rect">
-            <a:avLst/>
-          </a:prstGeom>
-        </p:spPr>
-      </p:pic>
-      <p:sp>
-        <p:nvSpPr>
-          <p:cNvPr id="142" name="TextBox 2">
-            <a:extLst>
-              <a:ext uri="{FF2B5EF4-FFF2-40B4-BE49-F238E27FC236}">
-                <a16:creationId xmlns:a16="http://schemas.microsoft.com/office/drawing/2014/main" id="{D113A073-4FA6-4F4D-BFAE-1FDACEBA1D05}"/>
+              <a:t>Lambda Function</a:t>
+            </a:r>
+          </a:p>
+        </p:txBody>
+      </p:sp>
+      <p:sp>
+        <p:nvSpPr>
+          <p:cNvPr id="210" name="TextBox 2">
+            <a:extLst>
+              <a:ext uri="{FF2B5EF4-FFF2-40B4-BE49-F238E27FC236}">
+                <a16:creationId xmlns:a16="http://schemas.microsoft.com/office/drawing/2014/main" id="{0BD41343-CCDD-8A42-B9D8-450CBB1259C2}"/>
               </a:ext>
             </a:extLst>
           </p:cNvPr>
@@ -4350,8 +4324,8 @@
         </p:nvSpPr>
         <p:spPr>
           <a:xfrm>
-            <a:off x="2369725" y="1788228"/>
-            <a:ext cx="1578705" cy="430887"/>
+            <a:off x="2867704" y="2196547"/>
+            <a:ext cx="1098724" cy="430887"/>
           </a:xfrm>
           <a:prstGeom prst="rect">
             <a:avLst/>
@@ -4446,17 +4420,56 @@
                 <a:latin typeface="Arial" panose="020B0604020202020204" pitchFamily="34" charset="0"/>
                 <a:cs typeface="Arial" panose="020B0604020202020204" pitchFamily="34" charset="0"/>
               </a:rPr>
-              <a:t>Lambda CloudWatch Log Group</a:t>
+              <a:t>CloudWatch Log Group</a:t>
+            </a:r>
+          </a:p>
+        </p:txBody>
+      </p:sp>
+      <p:sp>
+        <p:nvSpPr>
+          <p:cNvPr id="211" name="TextBox 210">
+            <a:extLst>
+              <a:ext uri="{FF2B5EF4-FFF2-40B4-BE49-F238E27FC236}">
+                <a16:creationId xmlns:a16="http://schemas.microsoft.com/office/drawing/2014/main" id="{F9AEB7C6-7787-FF42-8081-DD2966675FEF}"/>
+              </a:ext>
+            </a:extLst>
+          </p:cNvPr>
+          <p:cNvSpPr txBox="1"/>
+          <p:nvPr/>
+        </p:nvSpPr>
+        <p:spPr>
+          <a:xfrm>
+            <a:off x="2823625" y="1281771"/>
+            <a:ext cx="1103001" cy="261610"/>
+          </a:xfrm>
+          <a:prstGeom prst="rect">
+            <a:avLst/>
+          </a:prstGeom>
+          <a:noFill/>
+        </p:spPr>
+        <p:txBody>
+          <a:bodyPr wrap="square" rtlCol="0">
+            <a:spAutoFit/>
+          </a:bodyPr>
+          <a:lstStyle/>
+          <a:p>
+            <a:pPr algn="ctr"/>
+            <a:r>
+              <a:rPr lang="en-US" sz="1100" dirty="0">
+                <a:latin typeface="Arial" panose="020B0604020202020204" pitchFamily="34" charset="0"/>
+                <a:cs typeface="Arial" panose="020B0604020202020204" pitchFamily="34" charset="0"/>
+              </a:rPr>
+              <a:t>Lambda Role</a:t>
             </a:r>
           </a:p>
         </p:txBody>
       </p:sp>
       <p:pic>
         <p:nvPicPr>
-          <p:cNvPr id="143" name="Graphic 142">
-            <a:extLst>
-              <a:ext uri="{FF2B5EF4-FFF2-40B4-BE49-F238E27FC236}">
-                <a16:creationId xmlns:a16="http://schemas.microsoft.com/office/drawing/2014/main" id="{6CED07F6-5569-A94B-AE05-B599813B32A6}"/>
+          <p:cNvPr id="212" name="Graphic 211">
+            <a:extLst>
+              <a:ext uri="{FF2B5EF4-FFF2-40B4-BE49-F238E27FC236}">
+                <a16:creationId xmlns:a16="http://schemas.microsoft.com/office/drawing/2014/main" id="{670D1340-BA12-4647-972C-F0891289C266}"/>
               </a:ext>
             </a:extLst>
           </p:cNvPr>
@@ -4466,10 +4479,10 @@
           <p:nvPr/>
         </p:nvPicPr>
         <p:blipFill>
-          <a:blip r:embed="rId7">
+          <a:blip r:embed="rId5">
             <a:extLst>
               <a:ext uri="{96DAC541-7B7A-43D3-8B79-37D633B846F1}">
-                <asvg:svgBlip xmlns:asvg="http://schemas.microsoft.com/office/drawing/2016/SVG/main" r:embed="rId8"/>
+                <asvg:svgBlip xmlns:asvg="http://schemas.microsoft.com/office/drawing/2016/SVG/main" r:embed="rId6"/>
               </a:ext>
             </a:extLst>
           </a:blip>
@@ -4479,8 +4492,8 @@
         </p:blipFill>
         <p:spPr>
           <a:xfrm>
-            <a:off x="2917327" y="2600117"/>
-            <a:ext cx="555156" cy="555156"/>
+            <a:off x="3144757" y="914096"/>
+            <a:ext cx="469900" cy="469900"/>
           </a:xfrm>
           <a:prstGeom prst="rect">
             <a:avLst/>
@@ -4489,10 +4502,10 @@
       </p:pic>
       <p:sp>
         <p:nvSpPr>
-          <p:cNvPr id="144" name="TextBox 143">
-            <a:extLst>
-              <a:ext uri="{FF2B5EF4-FFF2-40B4-BE49-F238E27FC236}">
-                <a16:creationId xmlns:a16="http://schemas.microsoft.com/office/drawing/2014/main" id="{11460688-CF57-0645-ADC6-FB4EF5AFD30A}"/>
+          <p:cNvPr id="213" name="TextBox 212">
+            <a:extLst>
+              <a:ext uri="{FF2B5EF4-FFF2-40B4-BE49-F238E27FC236}">
+                <a16:creationId xmlns:a16="http://schemas.microsoft.com/office/drawing/2014/main" id="{AB93B108-2A31-0642-99C3-CB9532086B4E}"/>
               </a:ext>
             </a:extLst>
           </p:cNvPr>
@@ -4501,173 +4514,8 @@
         </p:nvSpPr>
         <p:spPr>
           <a:xfrm>
-            <a:off x="3613915" y="2291157"/>
-            <a:ext cx="1103001" cy="261610"/>
-          </a:xfrm>
-          <a:prstGeom prst="rect">
-            <a:avLst/>
-          </a:prstGeom>
-          <a:noFill/>
-        </p:spPr>
-        <p:txBody>
-          <a:bodyPr wrap="square" rtlCol="0">
-            <a:spAutoFit/>
-          </a:bodyPr>
-          <a:lstStyle/>
-          <a:p>
-            <a:pPr algn="ctr"/>
-            <a:r>
-              <a:rPr lang="en-US" sz="1100" dirty="0">
-                <a:latin typeface="Arial" panose="020B0604020202020204" pitchFamily="34" charset="0"/>
-                <a:cs typeface="Arial" panose="020B0604020202020204" pitchFamily="34" charset="0"/>
-              </a:rPr>
-              <a:t>Lambda Role</a:t>
-            </a:r>
-          </a:p>
-        </p:txBody>
-      </p:sp>
-      <p:pic>
-        <p:nvPicPr>
-          <p:cNvPr id="145" name="Graphic 144">
-            <a:extLst>
-              <a:ext uri="{FF2B5EF4-FFF2-40B4-BE49-F238E27FC236}">
-                <a16:creationId xmlns:a16="http://schemas.microsoft.com/office/drawing/2014/main" id="{C2D32431-760D-C84E-8B09-2C214FF2B238}"/>
-              </a:ext>
-            </a:extLst>
-          </p:cNvPr>
-          <p:cNvPicPr>
-            <a:picLocks noChangeAspect="1"/>
-          </p:cNvPicPr>
-          <p:nvPr/>
-        </p:nvPicPr>
-        <p:blipFill>
-          <a:blip r:embed="rId9">
-            <a:extLst>
-              <a:ext uri="{96DAC541-7B7A-43D3-8B79-37D633B846F1}">
-                <asvg:svgBlip xmlns:asvg="http://schemas.microsoft.com/office/drawing/2016/SVG/main" r:embed="rId10"/>
-              </a:ext>
-            </a:extLst>
-          </a:blip>
-          <a:stretch>
-            <a:fillRect/>
-          </a:stretch>
-        </p:blipFill>
-        <p:spPr>
-          <a:xfrm>
-            <a:off x="3888521" y="1890340"/>
-            <a:ext cx="469900" cy="469900"/>
-          </a:xfrm>
-          <a:prstGeom prst="rect">
-            <a:avLst/>
-          </a:prstGeom>
-        </p:spPr>
-      </p:pic>
-      <p:cxnSp>
-        <p:nvCxnSpPr>
-          <p:cNvPr id="148" name="Straight Arrow Connector 147">
-            <a:extLst>
-              <a:ext uri="{FF2B5EF4-FFF2-40B4-BE49-F238E27FC236}">
-                <a16:creationId xmlns:a16="http://schemas.microsoft.com/office/drawing/2014/main" id="{6F49BA0C-6430-BE44-84A2-07F1A2B399AE}"/>
-              </a:ext>
-            </a:extLst>
-          </p:cNvPr>
-          <p:cNvCxnSpPr>
-            <a:cxnSpLocks/>
-          </p:cNvCxnSpPr>
-          <p:nvPr/>
-        </p:nvCxnSpPr>
-        <p:spPr>
-          <a:xfrm>
-            <a:off x="3712719" y="2849554"/>
-            <a:ext cx="835165" cy="0"/>
-          </a:xfrm>
-          <a:prstGeom prst="straightConnector1">
-            <a:avLst/>
-          </a:prstGeom>
-          <a:ln w="12700">
-            <a:solidFill>
-              <a:srgbClr val="545B64"/>
-            </a:solidFill>
-            <a:headEnd type="none" w="med" len="sm"/>
-            <a:tailEnd type="arrow" w="med" len="sm"/>
-          </a:ln>
-        </p:spPr>
-        <p:style>
-          <a:lnRef idx="1">
-            <a:schemeClr val="accent1"/>
-          </a:lnRef>
-          <a:fillRef idx="0">
-            <a:schemeClr val="accent1"/>
-          </a:fillRef>
-          <a:effectRef idx="0">
-            <a:schemeClr val="accent1"/>
-          </a:effectRef>
-          <a:fontRef idx="minor">
-            <a:schemeClr val="tx1"/>
-          </a:fontRef>
-        </p:style>
-      </p:cxnSp>
-      <p:cxnSp>
-        <p:nvCxnSpPr>
-          <p:cNvPr id="149" name="Straight Arrow Connector 148">
-            <a:extLst>
-              <a:ext uri="{FF2B5EF4-FFF2-40B4-BE49-F238E27FC236}">
-                <a16:creationId xmlns:a16="http://schemas.microsoft.com/office/drawing/2014/main" id="{6F0CE74A-09C5-4A4E-9C83-096CC31B5CE1}"/>
-              </a:ext>
-            </a:extLst>
-          </p:cNvPr>
-          <p:cNvCxnSpPr>
-            <a:cxnSpLocks/>
-          </p:cNvCxnSpPr>
-          <p:nvPr/>
-        </p:nvCxnSpPr>
-        <p:spPr>
-          <a:xfrm flipV="1">
-            <a:off x="3171456" y="2234600"/>
-            <a:ext cx="0" cy="287466"/>
-          </a:xfrm>
-          <a:prstGeom prst="straightConnector1">
-            <a:avLst/>
-          </a:prstGeom>
-          <a:ln w="12700">
-            <a:solidFill>
-              <a:srgbClr val="545B64"/>
-            </a:solidFill>
-            <a:headEnd type="none" w="med" len="sm"/>
-            <a:tailEnd type="arrow" w="med" len="sm"/>
-          </a:ln>
-        </p:spPr>
-        <p:style>
-          <a:lnRef idx="1">
-            <a:schemeClr val="accent1"/>
-          </a:lnRef>
-          <a:fillRef idx="0">
-            <a:schemeClr val="accent1"/>
-          </a:fillRef>
-          <a:effectRef idx="0">
-            <a:schemeClr val="accent1"/>
-          </a:effectRef>
-          <a:fontRef idx="minor">
-            <a:schemeClr val="tx1"/>
-          </a:fontRef>
-        </p:style>
-      </p:cxnSp>
-      <p:sp>
-        <p:nvSpPr>
-          <p:cNvPr id="151" name="TextBox 150">
-            <a:extLst>
-              <a:ext uri="{FF2B5EF4-FFF2-40B4-BE49-F238E27FC236}">
-                <a16:creationId xmlns:a16="http://schemas.microsoft.com/office/drawing/2014/main" id="{08B67E83-7D09-C748-AEEF-49786315014A}"/>
-              </a:ext>
-            </a:extLst>
-          </p:cNvPr>
-          <p:cNvSpPr txBox="1"/>
-          <p:nvPr/>
-        </p:nvSpPr>
-        <p:spPr>
-          <a:xfrm>
-            <a:off x="804630" y="2494765"/>
-            <a:ext cx="1307240" cy="430887"/>
+            <a:off x="1516624" y="2522220"/>
+            <a:ext cx="1233913" cy="430887"/>
           </a:xfrm>
           <a:prstGeom prst="rect">
             <a:avLst/>
@@ -4691,48 +4539,12 @@
           </a:p>
         </p:txBody>
       </p:sp>
-      <p:pic>
-        <p:nvPicPr>
-          <p:cNvPr id="152" name="Graphic 151">
-            <a:extLst>
-              <a:ext uri="{FF2B5EF4-FFF2-40B4-BE49-F238E27FC236}">
-                <a16:creationId xmlns:a16="http://schemas.microsoft.com/office/drawing/2014/main" id="{399FFB55-9DC7-0642-93ED-51225281247C}"/>
-              </a:ext>
-            </a:extLst>
-          </p:cNvPr>
-          <p:cNvPicPr>
-            <a:picLocks noChangeAspect="1"/>
-          </p:cNvPicPr>
-          <p:nvPr/>
-        </p:nvPicPr>
-        <p:blipFill>
-          <a:blip r:embed="rId11">
-            <a:extLst>
-              <a:ext uri="{96DAC541-7B7A-43D3-8B79-37D633B846F1}">
-                <asvg:svgBlip xmlns:asvg="http://schemas.microsoft.com/office/drawing/2016/SVG/main" r:embed="rId12"/>
-              </a:ext>
-            </a:extLst>
-          </a:blip>
-          <a:stretch>
-            <a:fillRect/>
-          </a:stretch>
-        </p:blipFill>
-        <p:spPr>
-          <a:xfrm>
-            <a:off x="1180672" y="1906371"/>
-            <a:ext cx="555156" cy="555156"/>
-          </a:xfrm>
-          <a:prstGeom prst="rect">
-            <a:avLst/>
-          </a:prstGeom>
-        </p:spPr>
-      </p:pic>
-      <p:sp>
-        <p:nvSpPr>
-          <p:cNvPr id="153" name="Rectangle 152">
-            <a:extLst>
-              <a:ext uri="{FF2B5EF4-FFF2-40B4-BE49-F238E27FC236}">
-                <a16:creationId xmlns:a16="http://schemas.microsoft.com/office/drawing/2014/main" id="{CB91CC3D-9B41-4F4E-A36E-8EBAE5690590}"/>
+      <p:sp>
+        <p:nvSpPr>
+          <p:cNvPr id="219" name="Rectangle 218">
+            <a:extLst>
+              <a:ext uri="{FF2B5EF4-FFF2-40B4-BE49-F238E27FC236}">
+                <a16:creationId xmlns:a16="http://schemas.microsoft.com/office/drawing/2014/main" id="{35246DDF-7E65-504D-B8BD-BB8A2FB991EF}"/>
               </a:ext>
             </a:extLst>
           </p:cNvPr>
@@ -4741,8 +4553,8 @@
         </p:nvSpPr>
         <p:spPr>
           <a:xfrm>
-            <a:off x="2412020" y="1140316"/>
-            <a:ext cx="4104636" cy="2303390"/>
+            <a:off x="1505668" y="882588"/>
+            <a:ext cx="5702665" cy="3011794"/>
           </a:xfrm>
           <a:prstGeom prst="rect">
             <a:avLst/>
@@ -4772,73 +4584,147 @@
           </a:fontRef>
         </p:style>
         <p:txBody>
-          <a:bodyPr rot="0" spcFirstLastPara="0" vertOverflow="overflow" horzOverflow="overflow" vert="horz" wrap="square" lIns="91440" tIns="91440" rIns="91440" bIns="45720" numCol="1" spcCol="0" rtlCol="0" fromWordArt="0" anchor="t" anchorCtr="0" forceAA="0" compatLnSpc="1">
+          <a:bodyPr rot="0" spcFirstLastPara="0" vertOverflow="overflow" horzOverflow="overflow" vert="horz" wrap="square" lIns="91440" tIns="0" rIns="91440" bIns="45720" numCol="1" spcCol="0" rtlCol="0" fromWordArt="0" anchor="t" anchorCtr="0" forceAA="0" compatLnSpc="1">
+            <a:prstTxWarp prst="textNoShape">
+              <a:avLst/>
+            </a:prstTxWarp>
             <a:noAutofit/>
           </a:bodyPr>
           <a:lstStyle/>
           <a:p>
-            <a:pPr algn="ctr"/>
-            <a:endParaRPr lang="en-US" sz="1400" dirty="0">
-              <a:solidFill>
-                <a:schemeClr val="tx1"/>
-              </a:solidFill>
-              <a:latin typeface="Arial" panose="020B0604020202020204" pitchFamily="34" charset="0"/>
-              <a:cs typeface="Arial" panose="020B0604020202020204" pitchFamily="34" charset="0"/>
-            </a:endParaRPr>
-          </a:p>
-        </p:txBody>
-      </p:sp>
-      <p:cxnSp>
-        <p:nvCxnSpPr>
-          <p:cNvPr id="154" name="Straight Arrow Connector 153">
-            <a:extLst>
-              <a:ext uri="{FF2B5EF4-FFF2-40B4-BE49-F238E27FC236}">
-                <a16:creationId xmlns:a16="http://schemas.microsoft.com/office/drawing/2014/main" id="{0FBB0361-D6B4-2F47-A0BE-F9DF0B40739C}"/>
-              </a:ext>
-            </a:extLst>
-          </p:cNvPr>
-          <p:cNvCxnSpPr>
-            <a:cxnSpLocks/>
-          </p:cNvCxnSpPr>
+            <a:r>
+              <a:rPr lang="en-US" sz="1200" b="1" dirty="0">
+                <a:solidFill>
+                  <a:schemeClr val="tx1"/>
+                </a:solidFill>
+                <a:latin typeface="Arial" panose="020B0604020202020204" pitchFamily="34" charset="0"/>
+                <a:cs typeface="Arial" panose="020B0604020202020204" pitchFamily="34" charset="0"/>
+              </a:rPr>
+              <a:t>Home-region</a:t>
+            </a:r>
+          </a:p>
+        </p:txBody>
+      </p:sp>
+      <p:sp>
+        <p:nvSpPr>
+          <p:cNvPr id="220" name="TextBox 219">
+            <a:extLst>
+              <a:ext uri="{FF2B5EF4-FFF2-40B4-BE49-F238E27FC236}">
+                <a16:creationId xmlns:a16="http://schemas.microsoft.com/office/drawing/2014/main" id="{BA0BA3EB-7425-9141-BDCB-BEAF897AA527}"/>
+              </a:ext>
+            </a:extLst>
+          </p:cNvPr>
+          <p:cNvSpPr txBox="1"/>
           <p:nvPr/>
-        </p:nvCxnSpPr>
-        <p:spPr>
-          <a:xfrm>
-            <a:off x="1823230" y="2185957"/>
-            <a:ext cx="486285" cy="0"/>
-          </a:xfrm>
-          <a:prstGeom prst="straightConnector1">
+        </p:nvSpPr>
+        <p:spPr>
+          <a:xfrm>
+            <a:off x="4378130" y="5449705"/>
+            <a:ext cx="1103001" cy="430887"/>
+          </a:xfrm>
+          <a:prstGeom prst="rect">
             <a:avLst/>
           </a:prstGeom>
-          <a:ln w="12700">
-            <a:solidFill>
-              <a:srgbClr val="545B64"/>
-            </a:solidFill>
-            <a:headEnd type="none" w="med" len="sm"/>
-            <a:tailEnd type="arrow" w="med" len="sm"/>
-          </a:ln>
-        </p:spPr>
-        <p:style>
-          <a:lnRef idx="1">
-            <a:schemeClr val="accent1"/>
-          </a:lnRef>
-          <a:fillRef idx="0">
-            <a:schemeClr val="accent1"/>
-          </a:fillRef>
-          <a:effectRef idx="0">
-            <a:schemeClr val="accent1"/>
-          </a:effectRef>
-          <a:fontRef idx="minor">
-            <a:schemeClr val="tx1"/>
-          </a:fontRef>
-        </p:style>
-      </p:cxnSp>
-      <p:sp>
-        <p:nvSpPr>
-          <p:cNvPr id="161" name="Rectangle 160">
-            <a:extLst>
-              <a:ext uri="{FF2B5EF4-FFF2-40B4-BE49-F238E27FC236}">
-                <a16:creationId xmlns:a16="http://schemas.microsoft.com/office/drawing/2014/main" id="{8DF520C0-1ED7-D14B-B849-8D3D81D0B87A}"/>
+          <a:noFill/>
+        </p:spPr>
+        <p:txBody>
+          <a:bodyPr wrap="square" rtlCol="0">
+            <a:spAutoFit/>
+          </a:bodyPr>
+          <a:lstStyle/>
+          <a:p>
+            <a:pPr algn="ctr"/>
+            <a:r>
+              <a:rPr lang="en-US" sz="1100" dirty="0">
+                <a:latin typeface="Arial" panose="020B0604020202020204" pitchFamily="34" charset="0"/>
+                <a:cs typeface="Arial" panose="020B0604020202020204" pitchFamily="34" charset="0"/>
+              </a:rPr>
+              <a:t>Configuration Role</a:t>
+            </a:r>
+          </a:p>
+        </p:txBody>
+      </p:sp>
+      <p:pic>
+        <p:nvPicPr>
+          <p:cNvPr id="221" name="Graphic 220">
+            <a:extLst>
+              <a:ext uri="{FF2B5EF4-FFF2-40B4-BE49-F238E27FC236}">
+                <a16:creationId xmlns:a16="http://schemas.microsoft.com/office/drawing/2014/main" id="{E13F3DEE-D82E-7440-98A6-F6124F39932C}"/>
+              </a:ext>
+            </a:extLst>
+          </p:cNvPr>
+          <p:cNvPicPr>
+            <a:picLocks noChangeAspect="1"/>
+          </p:cNvPicPr>
+          <p:nvPr/>
+        </p:nvPicPr>
+        <p:blipFill>
+          <a:blip r:embed="rId5">
+            <a:extLst>
+              <a:ext uri="{96DAC541-7B7A-43D3-8B79-37D633B846F1}">
+                <asvg:svgBlip xmlns:asvg="http://schemas.microsoft.com/office/drawing/2016/SVG/main" r:embed="rId6"/>
+              </a:ext>
+            </a:extLst>
+          </a:blip>
+          <a:stretch>
+            <a:fillRect/>
+          </a:stretch>
+        </p:blipFill>
+        <p:spPr>
+          <a:xfrm>
+            <a:off x="4660057" y="5093841"/>
+            <a:ext cx="469900" cy="469900"/>
+          </a:xfrm>
+          <a:prstGeom prst="rect">
+            <a:avLst/>
+          </a:prstGeom>
+        </p:spPr>
+      </p:pic>
+      <p:sp>
+        <p:nvSpPr>
+          <p:cNvPr id="222" name="TextBox 221">
+            <a:extLst>
+              <a:ext uri="{FF2B5EF4-FFF2-40B4-BE49-F238E27FC236}">
+                <a16:creationId xmlns:a16="http://schemas.microsoft.com/office/drawing/2014/main" id="{025F4F24-A6B0-D848-9F84-1C216B29A89D}"/>
+              </a:ext>
+            </a:extLst>
+          </p:cNvPr>
+          <p:cNvSpPr txBox="1"/>
+          <p:nvPr/>
+        </p:nvSpPr>
+        <p:spPr>
+          <a:xfrm>
+            <a:off x="1474789" y="5615514"/>
+            <a:ext cx="1186521" cy="430887"/>
+          </a:xfrm>
+          <a:prstGeom prst="rect">
+            <a:avLst/>
+          </a:prstGeom>
+          <a:noFill/>
+        </p:spPr>
+        <p:txBody>
+          <a:bodyPr wrap="square" rtlCol="0">
+            <a:spAutoFit/>
+          </a:bodyPr>
+          <a:lstStyle/>
+          <a:p>
+            <a:pPr algn="ctr"/>
+            <a:r>
+              <a:rPr lang="en-US" sz="1100" dirty="0">
+                <a:latin typeface="Arial" panose="020B0604020202020204" pitchFamily="34" charset="0"/>
+                <a:cs typeface="Arial" panose="020B0604020202020204" pitchFamily="34" charset="0"/>
+              </a:rPr>
+              <a:t>AWS CloudFormation</a:t>
+            </a:r>
+          </a:p>
+        </p:txBody>
+      </p:sp>
+      <p:sp>
+        <p:nvSpPr>
+          <p:cNvPr id="224" name="Rectangle 223">
+            <a:extLst>
+              <a:ext uri="{FF2B5EF4-FFF2-40B4-BE49-F238E27FC236}">
+                <a16:creationId xmlns:a16="http://schemas.microsoft.com/office/drawing/2014/main" id="{372565BF-3038-A34F-B25C-AFBFFEA536BB}"/>
               </a:ext>
             </a:extLst>
           </p:cNvPr>
@@ -4847,8 +4733,8 @@
         </p:nvSpPr>
         <p:spPr>
           <a:xfrm>
-            <a:off x="8231519" y="4450861"/>
-            <a:ext cx="1667406" cy="1852278"/>
+            <a:off x="1505668" y="4629686"/>
+            <a:ext cx="5702665" cy="1714979"/>
           </a:xfrm>
           <a:prstGeom prst="rect">
             <a:avLst/>
@@ -4878,200 +4764,54 @@
           </a:fontRef>
         </p:style>
         <p:txBody>
-          <a:bodyPr rot="0" spcFirstLastPara="0" vertOverflow="overflow" horzOverflow="overflow" vert="horz" wrap="square" lIns="91440" tIns="91440" rIns="91440" bIns="45720" numCol="1" spcCol="0" rtlCol="0" fromWordArt="0" anchor="t" anchorCtr="0" forceAA="0" compatLnSpc="1">
+          <a:bodyPr rot="0" spcFirstLastPara="0" vertOverflow="overflow" horzOverflow="overflow" vert="horz" wrap="square" lIns="91440" tIns="0" rIns="91440" bIns="45720" numCol="1" spcCol="0" rtlCol="0" fromWordArt="0" anchor="t" anchorCtr="0" forceAA="0" compatLnSpc="1">
+            <a:prstTxWarp prst="textNoShape">
+              <a:avLst/>
+            </a:prstTxWarp>
             <a:noAutofit/>
           </a:bodyPr>
           <a:lstStyle/>
           <a:p>
             <a:r>
-              <a:rPr lang="en-US" sz="1100" dirty="0">
+              <a:rPr lang="en-US" sz="1200" b="1" dirty="0">
                 <a:solidFill>
                   <a:schemeClr val="tx1"/>
                 </a:solidFill>
                 <a:latin typeface="Arial" panose="020B0604020202020204" pitchFamily="34" charset="0"/>
                 <a:cs typeface="Arial" panose="020B0604020202020204" pitchFamily="34" charset="0"/>
               </a:rPr>
-              <a:t>region-1</a:t>
-            </a:r>
-          </a:p>
-        </p:txBody>
-      </p:sp>
-      <p:sp>
-        <p:nvSpPr>
-          <p:cNvPr id="189" name="TextBox 188">
-            <a:extLst>
-              <a:ext uri="{FF2B5EF4-FFF2-40B4-BE49-F238E27FC236}">
-                <a16:creationId xmlns:a16="http://schemas.microsoft.com/office/drawing/2014/main" id="{16691F4B-2BE3-8C41-A43B-9874A3E0663D}"/>
-              </a:ext>
-            </a:extLst>
-          </p:cNvPr>
-          <p:cNvSpPr txBox="1"/>
+              <a:t>Home-region</a:t>
+            </a:r>
+          </a:p>
+        </p:txBody>
+      </p:sp>
+      <p:sp>
+        <p:nvSpPr>
+          <p:cNvPr id="225" name="Oval 224">
+            <a:extLst>
+              <a:ext uri="{FF2B5EF4-FFF2-40B4-BE49-F238E27FC236}">
+                <a16:creationId xmlns:a16="http://schemas.microsoft.com/office/drawing/2014/main" id="{1C3AF7CE-204C-9149-B2A8-30957AE08A9C}"/>
+              </a:ext>
+            </a:extLst>
+          </p:cNvPr>
+          <p:cNvSpPr/>
           <p:nvPr/>
         </p:nvSpPr>
         <p:spPr>
           <a:xfrm>
-            <a:off x="4061925" y="5424467"/>
-            <a:ext cx="1103001" cy="430887"/>
-          </a:xfrm>
-          <a:prstGeom prst="rect">
+            <a:off x="1367383" y="513335"/>
+            <a:ext cx="253435" cy="212902"/>
+          </a:xfrm>
+          <a:prstGeom prst="ellipse">
             <a:avLst/>
           </a:prstGeom>
-          <a:noFill/>
-        </p:spPr>
-        <p:txBody>
-          <a:bodyPr wrap="square" rtlCol="0">
-            <a:spAutoFit/>
-          </a:bodyPr>
-          <a:lstStyle/>
-          <a:p>
-            <a:pPr algn="ctr"/>
-            <a:r>
-              <a:rPr lang="en-US" sz="1100" dirty="0">
-                <a:latin typeface="Arial" panose="020B0604020202020204" pitchFamily="34" charset="0"/>
-                <a:cs typeface="Arial" panose="020B0604020202020204" pitchFamily="34" charset="0"/>
-              </a:rPr>
-              <a:t>Configuration Role</a:t>
-            </a:r>
-          </a:p>
-        </p:txBody>
-      </p:sp>
-      <p:pic>
-        <p:nvPicPr>
-          <p:cNvPr id="190" name="Graphic 189">
-            <a:extLst>
-              <a:ext uri="{FF2B5EF4-FFF2-40B4-BE49-F238E27FC236}">
-                <a16:creationId xmlns:a16="http://schemas.microsoft.com/office/drawing/2014/main" id="{AA0778F0-4FFC-F040-A4B7-4BD9E4A9C58D}"/>
-              </a:ext>
-            </a:extLst>
-          </p:cNvPr>
-          <p:cNvPicPr>
-            <a:picLocks noChangeAspect="1"/>
-          </p:cNvPicPr>
-          <p:nvPr/>
-        </p:nvPicPr>
-        <p:blipFill>
-          <a:blip r:embed="rId9">
-            <a:extLst>
-              <a:ext uri="{96DAC541-7B7A-43D3-8B79-37D633B846F1}">
-                <asvg:svgBlip xmlns:asvg="http://schemas.microsoft.com/office/drawing/2016/SVG/main" r:embed="rId10"/>
-              </a:ext>
-            </a:extLst>
-          </a:blip>
-          <a:stretch>
-            <a:fillRect/>
-          </a:stretch>
-        </p:blipFill>
-        <p:spPr>
-          <a:xfrm>
-            <a:off x="4336531" y="5023650"/>
-            <a:ext cx="469900" cy="469900"/>
-          </a:xfrm>
-          <a:prstGeom prst="rect">
-            <a:avLst/>
-          </a:prstGeom>
-        </p:spPr>
-      </p:pic>
-      <p:sp>
-        <p:nvSpPr>
-          <p:cNvPr id="193" name="TextBox 192">
-            <a:extLst>
-              <a:ext uri="{FF2B5EF4-FFF2-40B4-BE49-F238E27FC236}">
-                <a16:creationId xmlns:a16="http://schemas.microsoft.com/office/drawing/2014/main" id="{04BAA3FC-2945-F644-9D2A-644DBD513EB6}"/>
-              </a:ext>
-            </a:extLst>
-          </p:cNvPr>
-          <p:cNvSpPr txBox="1"/>
-          <p:nvPr/>
-        </p:nvSpPr>
-        <p:spPr>
-          <a:xfrm>
-            <a:off x="902856" y="5367654"/>
-            <a:ext cx="1186521" cy="430887"/>
-          </a:xfrm>
-          <a:prstGeom prst="rect">
-            <a:avLst/>
-          </a:prstGeom>
-          <a:noFill/>
-        </p:spPr>
-        <p:txBody>
-          <a:bodyPr wrap="square" rtlCol="0">
-            <a:spAutoFit/>
-          </a:bodyPr>
-          <a:lstStyle/>
-          <a:p>
-            <a:pPr algn="ctr"/>
-            <a:r>
-              <a:rPr lang="en-US" sz="1100" dirty="0">
-                <a:latin typeface="Arial" panose="020B0604020202020204" pitchFamily="34" charset="0"/>
-                <a:cs typeface="Arial" panose="020B0604020202020204" pitchFamily="34" charset="0"/>
-              </a:rPr>
-              <a:t>AWS CloudFormation</a:t>
-            </a:r>
-          </a:p>
-        </p:txBody>
-      </p:sp>
-      <p:pic>
-        <p:nvPicPr>
-          <p:cNvPr id="194" name="Graphic 193">
-            <a:extLst>
-              <a:ext uri="{FF2B5EF4-FFF2-40B4-BE49-F238E27FC236}">
-                <a16:creationId xmlns:a16="http://schemas.microsoft.com/office/drawing/2014/main" id="{5B61BE09-FD56-4142-8617-BBF4ACBE2C93}"/>
-              </a:ext>
-            </a:extLst>
-          </p:cNvPr>
-          <p:cNvPicPr>
-            <a:picLocks noChangeAspect="1"/>
-          </p:cNvPicPr>
-          <p:nvPr/>
-        </p:nvPicPr>
-        <p:blipFill>
-          <a:blip r:embed="rId11">
-            <a:extLst>
-              <a:ext uri="{96DAC541-7B7A-43D3-8B79-37D633B846F1}">
-                <asvg:svgBlip xmlns:asvg="http://schemas.microsoft.com/office/drawing/2016/SVG/main" r:embed="rId12"/>
-              </a:ext>
-            </a:extLst>
-          </a:blip>
-          <a:stretch>
-            <a:fillRect/>
-          </a:stretch>
-        </p:blipFill>
-        <p:spPr>
-          <a:xfrm>
-            <a:off x="1235205" y="4788183"/>
-            <a:ext cx="555156" cy="555156"/>
-          </a:xfrm>
-          <a:prstGeom prst="rect">
-            <a:avLst/>
-          </a:prstGeom>
-        </p:spPr>
-      </p:pic>
-      <p:sp>
-        <p:nvSpPr>
-          <p:cNvPr id="195" name="Rectangle 194">
-            <a:extLst>
-              <a:ext uri="{FF2B5EF4-FFF2-40B4-BE49-F238E27FC236}">
-                <a16:creationId xmlns:a16="http://schemas.microsoft.com/office/drawing/2014/main" id="{F0CA800E-A50B-114F-87E0-3783ED123AB8}"/>
-              </a:ext>
-            </a:extLst>
-          </p:cNvPr>
-          <p:cNvSpPr/>
-          <p:nvPr/>
-        </p:nvSpPr>
-        <p:spPr>
-          <a:xfrm>
-            <a:off x="2468790" y="4310604"/>
-            <a:ext cx="4894178" cy="2103137"/>
-          </a:xfrm>
-          <a:prstGeom prst="rect">
-            <a:avLst/>
-          </a:prstGeom>
-          <a:noFill/>
-          <a:ln w="12700">
+          <a:solidFill>
+            <a:schemeClr val="tx1"/>
+          </a:solidFill>
+          <a:ln>
             <a:solidFill>
               <a:schemeClr val="tx1"/>
             </a:solidFill>
-            <a:prstDash val="dash"/>
           </a:ln>
         </p:spPr>
         <p:style>
@@ -5091,112 +4831,26 @@
           </a:fontRef>
         </p:style>
         <p:txBody>
-          <a:bodyPr rot="0" spcFirstLastPara="0" vertOverflow="overflow" horzOverflow="overflow" vert="horz" wrap="square" lIns="91440" tIns="91440" rIns="91440" bIns="45720" numCol="1" spcCol="0" rtlCol="0" fromWordArt="0" anchor="t" anchorCtr="0" forceAA="0" compatLnSpc="1">
-            <a:noAutofit/>
-          </a:bodyPr>
+          <a:bodyPr lIns="0" tIns="0" rIns="0" bIns="0" rtlCol="0" anchor="ctr"/>
           <a:lstStyle/>
           <a:p>
             <a:pPr algn="ctr"/>
-            <a:endParaRPr lang="en-US" sz="1400" dirty="0">
-              <a:solidFill>
-                <a:schemeClr val="tx1"/>
-              </a:solidFill>
-              <a:latin typeface="Arial" panose="020B0604020202020204" pitchFamily="34" charset="0"/>
-              <a:cs typeface="Arial" panose="020B0604020202020204" pitchFamily="34" charset="0"/>
-            </a:endParaRPr>
-          </a:p>
-        </p:txBody>
-      </p:sp>
-      <p:cxnSp>
-        <p:nvCxnSpPr>
-          <p:cNvPr id="196" name="Straight Arrow Connector 195">
-            <a:extLst>
-              <a:ext uri="{FF2B5EF4-FFF2-40B4-BE49-F238E27FC236}">
-                <a16:creationId xmlns:a16="http://schemas.microsoft.com/office/drawing/2014/main" id="{608E574B-049F-DD43-AF4F-C396CC8C7873}"/>
-              </a:ext>
-            </a:extLst>
-          </p:cNvPr>
-          <p:cNvCxnSpPr>
-            <a:cxnSpLocks/>
-          </p:cNvCxnSpPr>
-          <p:nvPr/>
-        </p:nvCxnSpPr>
-        <p:spPr>
-          <a:xfrm>
-            <a:off x="1846234" y="5065761"/>
-            <a:ext cx="486285" cy="0"/>
-          </a:xfrm>
-          <a:prstGeom prst="straightConnector1">
-            <a:avLst/>
-          </a:prstGeom>
-          <a:ln w="12700">
-            <a:solidFill>
-              <a:srgbClr val="545B64"/>
-            </a:solidFill>
-            <a:headEnd type="none" w="med" len="sm"/>
-            <a:tailEnd type="arrow" w="med" len="sm"/>
-          </a:ln>
-        </p:spPr>
-        <p:style>
-          <a:lnRef idx="1">
-            <a:schemeClr val="accent1"/>
-          </a:lnRef>
-          <a:fillRef idx="0">
-            <a:schemeClr val="accent1"/>
-          </a:fillRef>
-          <a:effectRef idx="0">
-            <a:schemeClr val="accent1"/>
-          </a:effectRef>
-          <a:fontRef idx="minor">
-            <a:schemeClr val="tx1"/>
-          </a:fontRef>
-        </p:style>
-      </p:cxnSp>
-      <p:sp>
-        <p:nvSpPr>
-          <p:cNvPr id="205" name="TextBox 204">
-            <a:extLst>
-              <a:ext uri="{FF2B5EF4-FFF2-40B4-BE49-F238E27FC236}">
-                <a16:creationId xmlns:a16="http://schemas.microsoft.com/office/drawing/2014/main" id="{BA5653F7-53B6-E948-8175-933F5728786C}"/>
-              </a:ext>
-            </a:extLst>
-          </p:cNvPr>
-          <p:cNvSpPr txBox="1"/>
-          <p:nvPr/>
-        </p:nvSpPr>
-        <p:spPr>
-          <a:xfrm>
-            <a:off x="8685713" y="5988604"/>
-            <a:ext cx="1047687" cy="261610"/>
-          </a:xfrm>
-          <a:prstGeom prst="rect">
-            <a:avLst/>
-          </a:prstGeom>
-          <a:noFill/>
-        </p:spPr>
-        <p:txBody>
-          <a:bodyPr wrap="square" rtlCol="0">
-            <a:spAutoFit/>
-          </a:bodyPr>
-          <a:lstStyle/>
-          <a:p>
-            <a:pPr algn="ctr"/>
-            <a:r>
-              <a:rPr lang="en-US" sz="1100" dirty="0">
+            <a:r>
+              <a:rPr lang="en-US" sz="800" dirty="0">
                 <a:latin typeface="Arial" panose="020B0604020202020204" pitchFamily="34" charset="0"/>
                 <a:cs typeface="Arial" panose="020B0604020202020204" pitchFamily="34" charset="0"/>
               </a:rPr>
-              <a:t>Macie</a:t>
-            </a:r>
-          </a:p>
-        </p:txBody>
-      </p:sp>
-      <p:sp>
-        <p:nvSpPr>
-          <p:cNvPr id="208" name="Rectangle 207">
-            <a:extLst>
-              <a:ext uri="{FF2B5EF4-FFF2-40B4-BE49-F238E27FC236}">
-                <a16:creationId xmlns:a16="http://schemas.microsoft.com/office/drawing/2014/main" id="{AD1587EE-9009-444D-B7A4-F476E2BA0C52}"/>
+              <a:t>1.0</a:t>
+            </a:r>
+          </a:p>
+        </p:txBody>
+      </p:sp>
+      <p:sp>
+        <p:nvSpPr>
+          <p:cNvPr id="235" name="Oval 234">
+            <a:extLst>
+              <a:ext uri="{FF2B5EF4-FFF2-40B4-BE49-F238E27FC236}">
+                <a16:creationId xmlns:a16="http://schemas.microsoft.com/office/drawing/2014/main" id="{33289B52-3BEF-4541-AA1C-6C5AC91B9470}"/>
               </a:ext>
             </a:extLst>
           </p:cNvPr>
@@ -5205,18 +4859,19 @@
         </p:nvSpPr>
         <p:spPr>
           <a:xfrm>
-            <a:off x="8383919" y="4767851"/>
-            <a:ext cx="1515006" cy="1535288"/>
-          </a:xfrm>
-          <a:prstGeom prst="rect">
+            <a:off x="2941605" y="957351"/>
+            <a:ext cx="253435" cy="212902"/>
+          </a:xfrm>
+          <a:prstGeom prst="ellipse">
             <a:avLst/>
           </a:prstGeom>
-          <a:noFill/>
-          <a:ln w="12700">
+          <a:solidFill>
+            <a:schemeClr val="tx1"/>
+          </a:solidFill>
+          <a:ln>
             <a:solidFill>
               <a:schemeClr val="tx1"/>
             </a:solidFill>
-            <a:prstDash val="dash"/>
           </a:ln>
         </p:spPr>
         <p:style>
@@ -5236,30 +4891,26 @@
           </a:fontRef>
         </p:style>
         <p:txBody>
-          <a:bodyPr rot="0" spcFirstLastPara="0" vertOverflow="overflow" horzOverflow="overflow" vert="horz" wrap="square" lIns="91440" tIns="91440" rIns="91440" bIns="45720" numCol="1" spcCol="0" rtlCol="0" fromWordArt="0" anchor="t" anchorCtr="0" forceAA="0" compatLnSpc="1">
-            <a:noAutofit/>
-          </a:bodyPr>
-          <a:lstStyle/>
-          <a:p>
-            <a:r>
-              <a:rPr lang="en-US" sz="1100" dirty="0">
-                <a:solidFill>
-                  <a:schemeClr val="tx1"/>
-                </a:solidFill>
+          <a:bodyPr lIns="0" tIns="0" rIns="0" bIns="0" rtlCol="0" anchor="ctr"/>
+          <a:lstStyle/>
+          <a:p>
+            <a:pPr algn="ctr"/>
+            <a:r>
+              <a:rPr lang="en-US" sz="800" dirty="0">
                 <a:latin typeface="Arial" panose="020B0604020202020204" pitchFamily="34" charset="0"/>
                 <a:cs typeface="Arial" panose="020B0604020202020204" pitchFamily="34" charset="0"/>
               </a:rPr>
-              <a:t>region-2</a:t>
-            </a:r>
-          </a:p>
-        </p:txBody>
-      </p:sp>
-      <p:sp>
-        <p:nvSpPr>
-          <p:cNvPr id="209" name="Rectangle 208">
-            <a:extLst>
-              <a:ext uri="{FF2B5EF4-FFF2-40B4-BE49-F238E27FC236}">
-                <a16:creationId xmlns:a16="http://schemas.microsoft.com/office/drawing/2014/main" id="{632FA3F5-6057-C544-B5DE-2CE9A37FDE3B}"/>
+              <a:t>1.3</a:t>
+            </a:r>
+          </a:p>
+        </p:txBody>
+      </p:sp>
+      <p:sp>
+        <p:nvSpPr>
+          <p:cNvPr id="236" name="Oval 235">
+            <a:extLst>
+              <a:ext uri="{FF2B5EF4-FFF2-40B4-BE49-F238E27FC236}">
+                <a16:creationId xmlns:a16="http://schemas.microsoft.com/office/drawing/2014/main" id="{90E58747-D05A-1B49-BA76-DF58BE01124F}"/>
               </a:ext>
             </a:extLst>
           </p:cNvPr>
@@ -5268,18 +4919,19 @@
         </p:nvSpPr>
         <p:spPr>
           <a:xfrm>
-            <a:off x="8520189" y="5092847"/>
-            <a:ext cx="1378736" cy="1210292"/>
-          </a:xfrm>
-          <a:prstGeom prst="rect">
+            <a:off x="3015049" y="1852118"/>
+            <a:ext cx="253435" cy="212902"/>
+          </a:xfrm>
+          <a:prstGeom prst="ellipse">
             <a:avLst/>
           </a:prstGeom>
-          <a:noFill/>
-          <a:ln w="12700">
+          <a:solidFill>
+            <a:schemeClr val="tx1"/>
+          </a:solidFill>
+          <a:ln>
             <a:solidFill>
               <a:schemeClr val="tx1"/>
             </a:solidFill>
-            <a:prstDash val="dash"/>
           </a:ln>
         </p:spPr>
         <p:style>
@@ -5299,30 +4951,26 @@
           </a:fontRef>
         </p:style>
         <p:txBody>
-          <a:bodyPr rot="0" spcFirstLastPara="0" vertOverflow="overflow" horzOverflow="overflow" vert="horz" wrap="square" lIns="91440" tIns="91440" rIns="91440" bIns="45720" numCol="1" spcCol="0" rtlCol="0" fromWordArt="0" anchor="t" anchorCtr="0" forceAA="0" compatLnSpc="1">
-            <a:noAutofit/>
-          </a:bodyPr>
-          <a:lstStyle/>
-          <a:p>
-            <a:r>
-              <a:rPr lang="en-US" sz="1100" dirty="0">
-                <a:solidFill>
-                  <a:schemeClr val="tx1"/>
-                </a:solidFill>
+          <a:bodyPr lIns="0" tIns="0" rIns="0" bIns="0" rtlCol="0" anchor="ctr"/>
+          <a:lstStyle/>
+          <a:p>
+            <a:pPr algn="ctr"/>
+            <a:r>
+              <a:rPr lang="en-US" sz="800" dirty="0">
                 <a:latin typeface="Arial" panose="020B0604020202020204" pitchFamily="34" charset="0"/>
                 <a:cs typeface="Arial" panose="020B0604020202020204" pitchFamily="34" charset="0"/>
               </a:rPr>
-              <a:t>region-n</a:t>
-            </a:r>
-          </a:p>
-        </p:txBody>
-      </p:sp>
-      <p:sp>
-        <p:nvSpPr>
-          <p:cNvPr id="214" name="Rectangle 213">
-            <a:extLst>
-              <a:ext uri="{FF2B5EF4-FFF2-40B4-BE49-F238E27FC236}">
-                <a16:creationId xmlns:a16="http://schemas.microsoft.com/office/drawing/2014/main" id="{06761242-ECE5-1642-8F32-8372B25D2776}"/>
+              <a:t>1.4</a:t>
+            </a:r>
+          </a:p>
+        </p:txBody>
+      </p:sp>
+      <p:sp>
+        <p:nvSpPr>
+          <p:cNvPr id="238" name="Oval 237">
+            <a:extLst>
+              <a:ext uri="{FF2B5EF4-FFF2-40B4-BE49-F238E27FC236}">
+                <a16:creationId xmlns:a16="http://schemas.microsoft.com/office/drawing/2014/main" id="{EF16BDD5-5011-2E46-95B9-E9DB5EB4CA72}"/>
               </a:ext>
             </a:extLst>
           </p:cNvPr>
@@ -5331,18 +4979,19 @@
         </p:nvSpPr>
         <p:spPr>
           <a:xfrm>
-            <a:off x="5576748" y="4450861"/>
-            <a:ext cx="1667406" cy="1852278"/>
-          </a:xfrm>
-          <a:prstGeom prst="rect">
+            <a:off x="1363576" y="4108339"/>
+            <a:ext cx="253435" cy="212902"/>
+          </a:xfrm>
+          <a:prstGeom prst="ellipse">
             <a:avLst/>
           </a:prstGeom>
-          <a:noFill/>
-          <a:ln w="12700">
+          <a:solidFill>
+            <a:schemeClr val="tx1"/>
+          </a:solidFill>
+          <a:ln>
             <a:solidFill>
               <a:schemeClr val="tx1"/>
             </a:solidFill>
-            <a:prstDash val="dash"/>
           </a:ln>
         </p:spPr>
         <p:style>
@@ -5362,89 +5011,47 @@
           </a:fontRef>
         </p:style>
         <p:txBody>
-          <a:bodyPr rot="0" spcFirstLastPara="0" vertOverflow="overflow" horzOverflow="overflow" vert="horz" wrap="square" lIns="91440" tIns="91440" rIns="91440" bIns="45720" numCol="1" spcCol="0" rtlCol="0" fromWordArt="0" anchor="t" anchorCtr="0" forceAA="0" compatLnSpc="1">
-            <a:noAutofit/>
-          </a:bodyPr>
-          <a:lstStyle/>
-          <a:p>
-            <a:r>
-              <a:rPr lang="en-US" sz="1100" dirty="0">
-                <a:solidFill>
-                  <a:schemeClr val="tx1"/>
-                </a:solidFill>
+          <a:bodyPr lIns="0" tIns="0" rIns="0" bIns="0" rtlCol="0" anchor="ctr"/>
+          <a:lstStyle/>
+          <a:p>
+            <a:pPr algn="ctr"/>
+            <a:r>
+              <a:rPr lang="en-US" sz="800" dirty="0">
                 <a:latin typeface="Arial" panose="020B0604020202020204" pitchFamily="34" charset="0"/>
                 <a:cs typeface="Arial" panose="020B0604020202020204" pitchFamily="34" charset="0"/>
               </a:rPr>
-              <a:t>region-1</a:t>
-            </a:r>
-          </a:p>
-        </p:txBody>
-      </p:sp>
-      <p:sp>
-        <p:nvSpPr>
-          <p:cNvPr id="216" name="TextBox 215">
-            <a:extLst>
-              <a:ext uri="{FF2B5EF4-FFF2-40B4-BE49-F238E27FC236}">
-                <a16:creationId xmlns:a16="http://schemas.microsoft.com/office/drawing/2014/main" id="{B50B9B08-BBED-7E45-8B7F-DD8CE43DA833}"/>
-              </a:ext>
-            </a:extLst>
-          </p:cNvPr>
-          <p:cNvSpPr txBox="1"/>
+              <a:t>3.0</a:t>
+            </a:r>
+          </a:p>
+        </p:txBody>
+      </p:sp>
+      <p:sp>
+        <p:nvSpPr>
+          <p:cNvPr id="239" name="Oval 238">
+            <a:extLst>
+              <a:ext uri="{FF2B5EF4-FFF2-40B4-BE49-F238E27FC236}">
+                <a16:creationId xmlns:a16="http://schemas.microsoft.com/office/drawing/2014/main" id="{9692254B-A694-4741-8446-955D06D3DAFF}"/>
+              </a:ext>
+            </a:extLst>
+          </p:cNvPr>
+          <p:cNvSpPr/>
           <p:nvPr/>
         </p:nvSpPr>
         <p:spPr>
           <a:xfrm>
-            <a:off x="6029344" y="5985490"/>
-            <a:ext cx="1047687" cy="276999"/>
-          </a:xfrm>
-          <a:prstGeom prst="rect">
+            <a:off x="7484576" y="3893043"/>
+            <a:ext cx="253435" cy="212902"/>
+          </a:xfrm>
+          <a:prstGeom prst="ellipse">
             <a:avLst/>
           </a:prstGeom>
-          <a:noFill/>
-        </p:spPr>
-        <p:txBody>
-          <a:bodyPr wrap="square" rtlCol="0">
-            <a:spAutoFit/>
-          </a:bodyPr>
-          <a:lstStyle/>
-          <a:p>
-            <a:pPr algn="ctr"/>
-            <a:r>
-              <a:rPr lang="en-US" sz="1200" dirty="0">
-                <a:latin typeface="Arial" panose="020B0604020202020204" pitchFamily="34" charset="0"/>
-                <a:cs typeface="Arial" panose="020B0604020202020204" pitchFamily="34" charset="0"/>
-              </a:rPr>
-              <a:t>Macie</a:t>
-            </a:r>
-          </a:p>
-        </p:txBody>
-      </p:sp>
-      <p:sp>
-        <p:nvSpPr>
-          <p:cNvPr id="217" name="Rectangle 216">
-            <a:extLst>
-              <a:ext uri="{FF2B5EF4-FFF2-40B4-BE49-F238E27FC236}">
-                <a16:creationId xmlns:a16="http://schemas.microsoft.com/office/drawing/2014/main" id="{F2669857-055F-9249-BD81-EA41A2C36BC1}"/>
-              </a:ext>
-            </a:extLst>
-          </p:cNvPr>
-          <p:cNvSpPr/>
-          <p:nvPr/>
-        </p:nvSpPr>
-        <p:spPr>
-          <a:xfrm>
-            <a:off x="5729148" y="4767851"/>
-            <a:ext cx="1515006" cy="1535288"/>
-          </a:xfrm>
-          <a:prstGeom prst="rect">
-            <a:avLst/>
-          </a:prstGeom>
-          <a:noFill/>
-          <a:ln w="12700">
+          <a:solidFill>
+            <a:schemeClr val="tx1"/>
+          </a:solidFill>
+          <a:ln>
             <a:solidFill>
               <a:schemeClr val="tx1"/>
             </a:solidFill>
-            <a:prstDash val="dash"/>
           </a:ln>
         </p:spPr>
         <p:style>
@@ -5464,30 +5071,26 @@
           </a:fontRef>
         </p:style>
         <p:txBody>
-          <a:bodyPr rot="0" spcFirstLastPara="0" vertOverflow="overflow" horzOverflow="overflow" vert="horz" wrap="square" lIns="91440" tIns="91440" rIns="91440" bIns="45720" numCol="1" spcCol="0" rtlCol="0" fromWordArt="0" anchor="t" anchorCtr="0" forceAA="0" compatLnSpc="1">
-            <a:noAutofit/>
-          </a:bodyPr>
-          <a:lstStyle/>
-          <a:p>
-            <a:r>
-              <a:rPr lang="en-US" sz="1100" dirty="0">
-                <a:solidFill>
-                  <a:schemeClr val="tx1"/>
-                </a:solidFill>
+          <a:bodyPr lIns="0" tIns="0" rIns="0" bIns="0" rtlCol="0" anchor="ctr"/>
+          <a:lstStyle/>
+          <a:p>
+            <a:pPr algn="ctr"/>
+            <a:r>
+              <a:rPr lang="en-US" sz="800" dirty="0">
                 <a:latin typeface="Arial" panose="020B0604020202020204" pitchFamily="34" charset="0"/>
                 <a:cs typeface="Arial" panose="020B0604020202020204" pitchFamily="34" charset="0"/>
               </a:rPr>
-              <a:t>region-2</a:t>
-            </a:r>
-          </a:p>
-        </p:txBody>
-      </p:sp>
-      <p:sp>
-        <p:nvSpPr>
-          <p:cNvPr id="218" name="Rectangle 217">
-            <a:extLst>
-              <a:ext uri="{FF2B5EF4-FFF2-40B4-BE49-F238E27FC236}">
-                <a16:creationId xmlns:a16="http://schemas.microsoft.com/office/drawing/2014/main" id="{AF6BC02D-93DE-2346-BBA6-FF8509345613}"/>
+              <a:t>4.0</a:t>
+            </a:r>
+          </a:p>
+        </p:txBody>
+      </p:sp>
+      <p:sp>
+        <p:nvSpPr>
+          <p:cNvPr id="243" name="Oval 242">
+            <a:extLst>
+              <a:ext uri="{FF2B5EF4-FFF2-40B4-BE49-F238E27FC236}">
+                <a16:creationId xmlns:a16="http://schemas.microsoft.com/office/drawing/2014/main" id="{5CE7B8F4-8F29-A640-817C-00C7F8E034BB}"/>
               </a:ext>
             </a:extLst>
           </p:cNvPr>
@@ -5496,18 +5099,19 @@
         </p:nvSpPr>
         <p:spPr>
           <a:xfrm>
-            <a:off x="5865418" y="5092847"/>
-            <a:ext cx="1378736" cy="1210292"/>
-          </a:xfrm>
-          <a:prstGeom prst="rect">
+            <a:off x="4505560" y="5106201"/>
+            <a:ext cx="253435" cy="212902"/>
+          </a:xfrm>
+          <a:prstGeom prst="ellipse">
             <a:avLst/>
           </a:prstGeom>
-          <a:noFill/>
-          <a:ln w="12700">
+          <a:solidFill>
+            <a:schemeClr val="tx1"/>
+          </a:solidFill>
+          <a:ln>
             <a:solidFill>
               <a:schemeClr val="tx1"/>
             </a:solidFill>
-            <a:prstDash val="dash"/>
           </a:ln>
         </p:spPr>
         <p:style>
@@ -5527,30 +5131,26 @@
           </a:fontRef>
         </p:style>
         <p:txBody>
-          <a:bodyPr rot="0" spcFirstLastPara="0" vertOverflow="overflow" horzOverflow="overflow" vert="horz" wrap="square" lIns="91440" tIns="91440" rIns="91440" bIns="45720" numCol="1" spcCol="0" rtlCol="0" fromWordArt="0" anchor="t" anchorCtr="0" forceAA="0" compatLnSpc="1">
-            <a:noAutofit/>
-          </a:bodyPr>
-          <a:lstStyle/>
-          <a:p>
-            <a:r>
-              <a:rPr lang="en-US" sz="1100" dirty="0">
-                <a:solidFill>
-                  <a:schemeClr val="tx1"/>
-                </a:solidFill>
+          <a:bodyPr lIns="0" tIns="0" rIns="0" bIns="0" rtlCol="0" anchor="ctr"/>
+          <a:lstStyle/>
+          <a:p>
+            <a:pPr algn="ctr"/>
+            <a:r>
+              <a:rPr lang="en-US" sz="800" dirty="0">
                 <a:latin typeface="Arial" panose="020B0604020202020204" pitchFamily="34" charset="0"/>
                 <a:cs typeface="Arial" panose="020B0604020202020204" pitchFamily="34" charset="0"/>
               </a:rPr>
-              <a:t>region-n</a:t>
-            </a:r>
-          </a:p>
-        </p:txBody>
-      </p:sp>
-      <p:sp>
-        <p:nvSpPr>
-          <p:cNvPr id="226" name="Oval 225">
-            <a:extLst>
-              <a:ext uri="{FF2B5EF4-FFF2-40B4-BE49-F238E27FC236}">
-                <a16:creationId xmlns:a16="http://schemas.microsoft.com/office/drawing/2014/main" id="{B075B0CF-8F6A-3947-BD02-50EB6DA85CEE}"/>
+              <a:t>3.3</a:t>
+            </a:r>
+          </a:p>
+        </p:txBody>
+      </p:sp>
+      <p:sp>
+        <p:nvSpPr>
+          <p:cNvPr id="244" name="Rectangle 243">
+            <a:extLst>
+              <a:ext uri="{FF2B5EF4-FFF2-40B4-BE49-F238E27FC236}">
+                <a16:creationId xmlns:a16="http://schemas.microsoft.com/office/drawing/2014/main" id="{2E74786F-F274-9B4E-ACBD-C18291751AFE}"/>
               </a:ext>
             </a:extLst>
           </p:cNvPr>
@@ -5559,19 +5159,18 @@
         </p:nvSpPr>
         <p:spPr>
           <a:xfrm>
-            <a:off x="882972" y="626852"/>
-            <a:ext cx="253435" cy="212902"/>
-          </a:xfrm>
-          <a:prstGeom prst="ellipse">
+            <a:off x="7437600" y="679404"/>
+            <a:ext cx="3183403" cy="3106931"/>
+          </a:xfrm>
+          <a:prstGeom prst="rect">
             <a:avLst/>
           </a:prstGeom>
-          <a:solidFill>
-            <a:schemeClr val="tx1"/>
-          </a:solidFill>
-          <a:ln>
+          <a:noFill/>
+          <a:ln w="12700">
             <a:solidFill>
               <a:schemeClr val="tx1"/>
             </a:solidFill>
+            <a:prstDash val="solid"/>
           </a:ln>
         </p:spPr>
         <p:style>
@@ -5591,786 +5190,10 @@
           </a:fontRef>
         </p:style>
         <p:txBody>
-          <a:bodyPr lIns="0" tIns="0" rIns="0" bIns="0" rtlCol="0" anchor="ctr"/>
-          <a:lstStyle/>
-          <a:p>
-            <a:pPr algn="ctr"/>
-            <a:r>
-              <a:rPr lang="en-US" sz="800" dirty="0">
-                <a:latin typeface="Arial" panose="020B0604020202020204" pitchFamily="34" charset="0"/>
-                <a:cs typeface="Arial" panose="020B0604020202020204" pitchFamily="34" charset="0"/>
-              </a:rPr>
-              <a:t>1.0</a:t>
-            </a:r>
-          </a:p>
-        </p:txBody>
-      </p:sp>
-      <p:sp>
-        <p:nvSpPr>
-          <p:cNvPr id="227" name="Oval 226">
-            <a:extLst>
-              <a:ext uri="{FF2B5EF4-FFF2-40B4-BE49-F238E27FC236}">
-                <a16:creationId xmlns:a16="http://schemas.microsoft.com/office/drawing/2014/main" id="{F0D1735B-0005-B145-8C48-3E3934A1D64E}"/>
-              </a:ext>
-            </a:extLst>
-          </p:cNvPr>
-          <p:cNvSpPr/>
-          <p:nvPr/>
-        </p:nvSpPr>
-        <p:spPr>
-          <a:xfrm>
-            <a:off x="1188823" y="1913076"/>
-            <a:ext cx="253435" cy="212902"/>
-          </a:xfrm>
-          <a:prstGeom prst="ellipse">
-            <a:avLst/>
-          </a:prstGeom>
-          <a:solidFill>
-            <a:schemeClr val="tx1"/>
-          </a:solidFill>
-          <a:ln>
-            <a:solidFill>
-              <a:schemeClr val="tx1"/>
-            </a:solidFill>
-          </a:ln>
-        </p:spPr>
-        <p:style>
-          <a:lnRef idx="2">
-            <a:schemeClr val="accent1">
-              <a:shade val="50000"/>
-            </a:schemeClr>
-          </a:lnRef>
-          <a:fillRef idx="1">
-            <a:schemeClr val="accent1"/>
-          </a:fillRef>
-          <a:effectRef idx="0">
-            <a:schemeClr val="accent1"/>
-          </a:effectRef>
-          <a:fontRef idx="minor">
-            <a:schemeClr val="lt1"/>
-          </a:fontRef>
-        </p:style>
-        <p:txBody>
-          <a:bodyPr lIns="0" tIns="0" rIns="0" bIns="0" rtlCol="0" anchor="ctr"/>
-          <a:lstStyle/>
-          <a:p>
-            <a:pPr algn="ctr"/>
-            <a:r>
-              <a:rPr lang="en-US" sz="800" dirty="0">
-                <a:latin typeface="Arial" panose="020B0604020202020204" pitchFamily="34" charset="0"/>
-                <a:cs typeface="Arial" panose="020B0604020202020204" pitchFamily="34" charset="0"/>
-              </a:rPr>
-              <a:t>1.1</a:t>
-            </a:r>
-          </a:p>
-        </p:txBody>
-      </p:sp>
-      <p:sp>
-        <p:nvSpPr>
-          <p:cNvPr id="228" name="Oval 227">
-            <a:extLst>
-              <a:ext uri="{FF2B5EF4-FFF2-40B4-BE49-F238E27FC236}">
-                <a16:creationId xmlns:a16="http://schemas.microsoft.com/office/drawing/2014/main" id="{2825B996-8DA9-604E-ADB8-7AADC93D3485}"/>
-              </a:ext>
-            </a:extLst>
-          </p:cNvPr>
-          <p:cNvSpPr/>
-          <p:nvPr/>
-        </p:nvSpPr>
-        <p:spPr>
-          <a:xfrm>
-            <a:off x="2917327" y="2600190"/>
-            <a:ext cx="253435" cy="212902"/>
-          </a:xfrm>
-          <a:prstGeom prst="ellipse">
-            <a:avLst/>
-          </a:prstGeom>
-          <a:solidFill>
-            <a:schemeClr val="tx1"/>
-          </a:solidFill>
-          <a:ln>
-            <a:solidFill>
-              <a:schemeClr val="tx1"/>
-            </a:solidFill>
-          </a:ln>
-        </p:spPr>
-        <p:style>
-          <a:lnRef idx="2">
-            <a:schemeClr val="accent1">
-              <a:shade val="50000"/>
-            </a:schemeClr>
-          </a:lnRef>
-          <a:fillRef idx="1">
-            <a:schemeClr val="accent1"/>
-          </a:fillRef>
-          <a:effectRef idx="0">
-            <a:schemeClr val="accent1"/>
-          </a:effectRef>
-          <a:fontRef idx="minor">
-            <a:schemeClr val="lt1"/>
-          </a:fontRef>
-        </p:style>
-        <p:txBody>
-          <a:bodyPr lIns="0" tIns="0" rIns="0" bIns="0" rtlCol="0" anchor="ctr"/>
-          <a:lstStyle/>
-          <a:p>
-            <a:pPr algn="ctr"/>
-            <a:r>
-              <a:rPr lang="en-US" sz="800" dirty="0">
-                <a:latin typeface="Arial" panose="020B0604020202020204" pitchFamily="34" charset="0"/>
-                <a:cs typeface="Arial" panose="020B0604020202020204" pitchFamily="34" charset="0"/>
-              </a:rPr>
-              <a:t>1.2</a:t>
-            </a:r>
-          </a:p>
-        </p:txBody>
-      </p:sp>
-      <p:sp>
-        <p:nvSpPr>
-          <p:cNvPr id="229" name="Oval 228">
-            <a:extLst>
-              <a:ext uri="{FF2B5EF4-FFF2-40B4-BE49-F238E27FC236}">
-                <a16:creationId xmlns:a16="http://schemas.microsoft.com/office/drawing/2014/main" id="{859652C7-00A9-F34A-9655-67677985A48F}"/>
-              </a:ext>
-            </a:extLst>
-          </p:cNvPr>
-          <p:cNvSpPr/>
-          <p:nvPr/>
-        </p:nvSpPr>
-        <p:spPr>
-          <a:xfrm>
-            <a:off x="4013888" y="1740085"/>
-            <a:ext cx="253435" cy="212902"/>
-          </a:xfrm>
-          <a:prstGeom prst="ellipse">
-            <a:avLst/>
-          </a:prstGeom>
-          <a:solidFill>
-            <a:schemeClr val="tx1"/>
-          </a:solidFill>
-          <a:ln>
-            <a:solidFill>
-              <a:schemeClr val="tx1"/>
-            </a:solidFill>
-          </a:ln>
-        </p:spPr>
-        <p:style>
-          <a:lnRef idx="2">
-            <a:schemeClr val="accent1">
-              <a:shade val="50000"/>
-            </a:schemeClr>
-          </a:lnRef>
-          <a:fillRef idx="1">
-            <a:schemeClr val="accent1"/>
-          </a:fillRef>
-          <a:effectRef idx="0">
-            <a:schemeClr val="accent1"/>
-          </a:effectRef>
-          <a:fontRef idx="minor">
-            <a:schemeClr val="lt1"/>
-          </a:fontRef>
-        </p:style>
-        <p:txBody>
-          <a:bodyPr lIns="0" tIns="0" rIns="0" bIns="0" rtlCol="0" anchor="ctr"/>
-          <a:lstStyle/>
-          <a:p>
-            <a:pPr algn="ctr"/>
-            <a:r>
-              <a:rPr lang="en-US" sz="800" dirty="0">
-                <a:latin typeface="Arial" panose="020B0604020202020204" pitchFamily="34" charset="0"/>
-                <a:cs typeface="Arial" panose="020B0604020202020204" pitchFamily="34" charset="0"/>
-              </a:rPr>
-              <a:t>1.4</a:t>
-            </a:r>
-          </a:p>
-        </p:txBody>
-      </p:sp>
-      <p:sp>
-        <p:nvSpPr>
-          <p:cNvPr id="230" name="Oval 229">
-            <a:extLst>
-              <a:ext uri="{FF2B5EF4-FFF2-40B4-BE49-F238E27FC236}">
-                <a16:creationId xmlns:a16="http://schemas.microsoft.com/office/drawing/2014/main" id="{A8B92BA9-A7C6-BB4E-B68F-9B0ADFBA3120}"/>
-              </a:ext>
-            </a:extLst>
-          </p:cNvPr>
-          <p:cNvSpPr/>
-          <p:nvPr/>
-        </p:nvSpPr>
-        <p:spPr>
-          <a:xfrm>
-            <a:off x="2889455" y="1239047"/>
-            <a:ext cx="253435" cy="212902"/>
-          </a:xfrm>
-          <a:prstGeom prst="ellipse">
-            <a:avLst/>
-          </a:prstGeom>
-          <a:solidFill>
-            <a:schemeClr val="tx1"/>
-          </a:solidFill>
-          <a:ln>
-            <a:solidFill>
-              <a:schemeClr val="tx1"/>
-            </a:solidFill>
-          </a:ln>
-        </p:spPr>
-        <p:style>
-          <a:lnRef idx="2">
-            <a:schemeClr val="accent1">
-              <a:shade val="50000"/>
-            </a:schemeClr>
-          </a:lnRef>
-          <a:fillRef idx="1">
-            <a:schemeClr val="accent1"/>
-          </a:fillRef>
-          <a:effectRef idx="0">
-            <a:schemeClr val="accent1"/>
-          </a:effectRef>
-          <a:fontRef idx="minor">
-            <a:schemeClr val="lt1"/>
-          </a:fontRef>
-        </p:style>
-        <p:txBody>
-          <a:bodyPr lIns="0" tIns="0" rIns="0" bIns="0" rtlCol="0" anchor="ctr"/>
-          <a:lstStyle/>
-          <a:p>
-            <a:pPr algn="ctr"/>
-            <a:r>
-              <a:rPr lang="en-US" sz="800" dirty="0">
-                <a:latin typeface="Arial" panose="020B0604020202020204" pitchFamily="34" charset="0"/>
-                <a:cs typeface="Arial" panose="020B0604020202020204" pitchFamily="34" charset="0"/>
-              </a:rPr>
-              <a:t>1.3</a:t>
-            </a:r>
-          </a:p>
-        </p:txBody>
-      </p:sp>
-      <p:sp>
-        <p:nvSpPr>
-          <p:cNvPr id="232" name="Oval 231">
-            <a:extLst>
-              <a:ext uri="{FF2B5EF4-FFF2-40B4-BE49-F238E27FC236}">
-                <a16:creationId xmlns:a16="http://schemas.microsoft.com/office/drawing/2014/main" id="{9BABBBA8-4173-384F-B7CD-669D9E9EFCCE}"/>
-              </a:ext>
-            </a:extLst>
-          </p:cNvPr>
-          <p:cNvSpPr/>
-          <p:nvPr/>
-        </p:nvSpPr>
-        <p:spPr>
-          <a:xfrm>
-            <a:off x="868641" y="3697492"/>
-            <a:ext cx="253435" cy="212902"/>
-          </a:xfrm>
-          <a:prstGeom prst="ellipse">
-            <a:avLst/>
-          </a:prstGeom>
-          <a:solidFill>
-            <a:schemeClr val="tx1"/>
-          </a:solidFill>
-          <a:ln>
-            <a:solidFill>
-              <a:schemeClr val="tx1"/>
-            </a:solidFill>
-          </a:ln>
-        </p:spPr>
-        <p:style>
-          <a:lnRef idx="2">
-            <a:schemeClr val="accent1">
-              <a:shade val="50000"/>
-            </a:schemeClr>
-          </a:lnRef>
-          <a:fillRef idx="1">
-            <a:schemeClr val="accent1"/>
-          </a:fillRef>
-          <a:effectRef idx="0">
-            <a:schemeClr val="accent1"/>
-          </a:effectRef>
-          <a:fontRef idx="minor">
-            <a:schemeClr val="lt1"/>
-          </a:fontRef>
-        </p:style>
-        <p:txBody>
-          <a:bodyPr lIns="0" tIns="0" rIns="0" bIns="0" rtlCol="0" anchor="ctr"/>
-          <a:lstStyle/>
-          <a:p>
-            <a:pPr algn="ctr"/>
-            <a:r>
-              <a:rPr lang="en-US" sz="800" dirty="0">
-                <a:latin typeface="Arial" panose="020B0604020202020204" pitchFamily="34" charset="0"/>
-                <a:cs typeface="Arial" panose="020B0604020202020204" pitchFamily="34" charset="0"/>
-              </a:rPr>
-              <a:t>3.0</a:t>
-            </a:r>
-          </a:p>
-        </p:txBody>
-      </p:sp>
-      <p:pic>
-        <p:nvPicPr>
-          <p:cNvPr id="96" name="Graphic 6">
-            <a:extLst>
-              <a:ext uri="{FF2B5EF4-FFF2-40B4-BE49-F238E27FC236}">
-                <a16:creationId xmlns:a16="http://schemas.microsoft.com/office/drawing/2014/main" id="{A4DE3B50-F701-964F-B14B-FF84FA5F2891}"/>
-              </a:ext>
-            </a:extLst>
-          </p:cNvPr>
-          <p:cNvPicPr>
-            <a:picLocks noChangeAspect="1" noChangeArrowheads="1"/>
-          </p:cNvPicPr>
-          <p:nvPr/>
-        </p:nvPicPr>
-        <p:blipFill>
-          <a:blip r:embed="rId13">
-            <a:extLst>
-              <a:ext uri="{28A0092B-C50C-407E-A947-70E740481C1C}">
-                <a14:useLocalDpi xmlns:a14="http://schemas.microsoft.com/office/drawing/2010/main" val="0"/>
-              </a:ext>
-            </a:extLst>
-          </a:blip>
-          <a:srcRect/>
-          <a:stretch>
-            <a:fillRect/>
-          </a:stretch>
-        </p:blipFill>
-        <p:spPr bwMode="auto">
-          <a:xfrm>
-            <a:off x="8914994" y="5450415"/>
-            <a:ext cx="553929" cy="553929"/>
-          </a:xfrm>
-          <a:prstGeom prst="rect">
-            <a:avLst/>
-          </a:prstGeom>
-          <a:noFill/>
-          <a:ln>
-            <a:noFill/>
-          </a:ln>
-          <a:extLst>
-            <a:ext uri="{909E8E84-426E-40DD-AFC4-6F175D3DCCD1}">
-              <a14:hiddenFill xmlns:a14="http://schemas.microsoft.com/office/drawing/2010/main">
-                <a:solidFill>
-                  <a:srgbClr val="FFFFFF"/>
-                </a:solidFill>
-              </a14:hiddenFill>
-            </a:ext>
-            <a:ext uri="{91240B29-F687-4F45-9708-019B960494DF}">
-              <a14:hiddenLine xmlns:a14="http://schemas.microsoft.com/office/drawing/2010/main" w="9525">
-                <a:solidFill>
-                  <a:srgbClr val="000000"/>
-                </a:solidFill>
-                <a:miter lim="800000"/>
-                <a:headEnd/>
-                <a:tailEnd/>
-              </a14:hiddenLine>
-            </a:ext>
-          </a:extLst>
-        </p:spPr>
-      </p:pic>
-      <p:sp>
-        <p:nvSpPr>
-          <p:cNvPr id="233" name="Oval 232">
-            <a:extLst>
-              <a:ext uri="{FF2B5EF4-FFF2-40B4-BE49-F238E27FC236}">
-                <a16:creationId xmlns:a16="http://schemas.microsoft.com/office/drawing/2014/main" id="{4E5E3A8F-6978-7E4A-B538-0774C0EF83DA}"/>
-              </a:ext>
-            </a:extLst>
-          </p:cNvPr>
-          <p:cNvSpPr/>
-          <p:nvPr/>
-        </p:nvSpPr>
-        <p:spPr>
-          <a:xfrm>
-            <a:off x="7641353" y="3702906"/>
-            <a:ext cx="253435" cy="212902"/>
-          </a:xfrm>
-          <a:prstGeom prst="ellipse">
-            <a:avLst/>
-          </a:prstGeom>
-          <a:solidFill>
-            <a:schemeClr val="tx1"/>
-          </a:solidFill>
-          <a:ln>
-            <a:solidFill>
-              <a:schemeClr val="tx1"/>
-            </a:solidFill>
-          </a:ln>
-        </p:spPr>
-        <p:style>
-          <a:lnRef idx="2">
-            <a:schemeClr val="accent1">
-              <a:shade val="50000"/>
-            </a:schemeClr>
-          </a:lnRef>
-          <a:fillRef idx="1">
-            <a:schemeClr val="accent1"/>
-          </a:fillRef>
-          <a:effectRef idx="0">
-            <a:schemeClr val="accent1"/>
-          </a:effectRef>
-          <a:fontRef idx="minor">
-            <a:schemeClr val="lt1"/>
-          </a:fontRef>
-        </p:style>
-        <p:txBody>
-          <a:bodyPr lIns="0" tIns="0" rIns="0" bIns="0" rtlCol="0" anchor="ctr"/>
-          <a:lstStyle/>
-          <a:p>
-            <a:pPr algn="ctr"/>
-            <a:r>
-              <a:rPr lang="en-US" sz="800" dirty="0">
-                <a:latin typeface="Arial" panose="020B0604020202020204" pitchFamily="34" charset="0"/>
-                <a:cs typeface="Arial" panose="020B0604020202020204" pitchFamily="34" charset="0"/>
-              </a:rPr>
-              <a:t>4.0</a:t>
-            </a:r>
-          </a:p>
-        </p:txBody>
-      </p:sp>
-      <p:sp>
-        <p:nvSpPr>
-          <p:cNvPr id="234" name="Oval 233">
-            <a:extLst>
-              <a:ext uri="{FF2B5EF4-FFF2-40B4-BE49-F238E27FC236}">
-                <a16:creationId xmlns:a16="http://schemas.microsoft.com/office/drawing/2014/main" id="{EE906B53-BFD9-4940-8CF0-14D1223CDDBC}"/>
-              </a:ext>
-            </a:extLst>
-          </p:cNvPr>
-          <p:cNvSpPr/>
-          <p:nvPr/>
-        </p:nvSpPr>
-        <p:spPr>
-          <a:xfrm>
-            <a:off x="8925047" y="5455050"/>
-            <a:ext cx="253435" cy="212902"/>
-          </a:xfrm>
-          <a:prstGeom prst="ellipse">
-            <a:avLst/>
-          </a:prstGeom>
-          <a:solidFill>
-            <a:schemeClr val="tx1"/>
-          </a:solidFill>
-          <a:ln>
-            <a:solidFill>
-              <a:schemeClr val="tx1"/>
-            </a:solidFill>
-          </a:ln>
-        </p:spPr>
-        <p:style>
-          <a:lnRef idx="2">
-            <a:schemeClr val="accent1">
-              <a:shade val="50000"/>
-            </a:schemeClr>
-          </a:lnRef>
-          <a:fillRef idx="1">
-            <a:schemeClr val="accent1"/>
-          </a:fillRef>
-          <a:effectRef idx="0">
-            <a:schemeClr val="accent1"/>
-          </a:effectRef>
-          <a:fontRef idx="minor">
-            <a:schemeClr val="lt1"/>
-          </a:fontRef>
-        </p:style>
-        <p:txBody>
-          <a:bodyPr lIns="0" tIns="0" rIns="0" bIns="0" rtlCol="0" anchor="ctr"/>
-          <a:lstStyle/>
-          <a:p>
-            <a:pPr algn="ctr"/>
-            <a:r>
-              <a:rPr lang="en-US" sz="800" dirty="0">
-                <a:latin typeface="Arial" panose="020B0604020202020204" pitchFamily="34" charset="0"/>
-                <a:cs typeface="Arial" panose="020B0604020202020204" pitchFamily="34" charset="0"/>
-              </a:rPr>
-              <a:t>4.1</a:t>
-            </a:r>
-          </a:p>
-        </p:txBody>
-      </p:sp>
-      <p:sp>
-        <p:nvSpPr>
-          <p:cNvPr id="237" name="Oval 236">
-            <a:extLst>
-              <a:ext uri="{FF2B5EF4-FFF2-40B4-BE49-F238E27FC236}">
-                <a16:creationId xmlns:a16="http://schemas.microsoft.com/office/drawing/2014/main" id="{6BA035C0-F86D-6346-86AE-2BA9D3B2E833}"/>
-              </a:ext>
-            </a:extLst>
-          </p:cNvPr>
-          <p:cNvSpPr/>
-          <p:nvPr/>
-        </p:nvSpPr>
-        <p:spPr>
-          <a:xfrm>
-            <a:off x="1250431" y="4796690"/>
-            <a:ext cx="253435" cy="212902"/>
-          </a:xfrm>
-          <a:prstGeom prst="ellipse">
-            <a:avLst/>
-          </a:prstGeom>
-          <a:solidFill>
-            <a:schemeClr val="tx1"/>
-          </a:solidFill>
-          <a:ln>
-            <a:solidFill>
-              <a:schemeClr val="tx1"/>
-            </a:solidFill>
-          </a:ln>
-        </p:spPr>
-        <p:style>
-          <a:lnRef idx="2">
-            <a:schemeClr val="accent1">
-              <a:shade val="50000"/>
-            </a:schemeClr>
-          </a:lnRef>
-          <a:fillRef idx="1">
-            <a:schemeClr val="accent1"/>
-          </a:fillRef>
-          <a:effectRef idx="0">
-            <a:schemeClr val="accent1"/>
-          </a:effectRef>
-          <a:fontRef idx="minor">
-            <a:schemeClr val="lt1"/>
-          </a:fontRef>
-        </p:style>
-        <p:txBody>
-          <a:bodyPr lIns="0" tIns="0" rIns="0" bIns="0" rtlCol="0" anchor="ctr"/>
-          <a:lstStyle/>
-          <a:p>
-            <a:pPr algn="ctr"/>
-            <a:r>
-              <a:rPr lang="en-US" sz="800" dirty="0">
-                <a:latin typeface="Arial" panose="020B0604020202020204" pitchFamily="34" charset="0"/>
-                <a:cs typeface="Arial" panose="020B0604020202020204" pitchFamily="34" charset="0"/>
-              </a:rPr>
-              <a:t>3.1</a:t>
-            </a:r>
-          </a:p>
-        </p:txBody>
-      </p:sp>
-      <p:sp>
-        <p:nvSpPr>
-          <p:cNvPr id="240" name="Oval 239">
-            <a:extLst>
-              <a:ext uri="{FF2B5EF4-FFF2-40B4-BE49-F238E27FC236}">
-                <a16:creationId xmlns:a16="http://schemas.microsoft.com/office/drawing/2014/main" id="{41536248-F316-A743-87DD-EBD98D9E1FA9}"/>
-              </a:ext>
-            </a:extLst>
-          </p:cNvPr>
-          <p:cNvSpPr/>
-          <p:nvPr/>
-        </p:nvSpPr>
-        <p:spPr>
-          <a:xfrm>
-            <a:off x="4469842" y="4872313"/>
-            <a:ext cx="253435" cy="212902"/>
-          </a:xfrm>
-          <a:prstGeom prst="ellipse">
-            <a:avLst/>
-          </a:prstGeom>
-          <a:solidFill>
-            <a:schemeClr val="tx1"/>
-          </a:solidFill>
-          <a:ln>
-            <a:solidFill>
-              <a:schemeClr val="tx1"/>
-            </a:solidFill>
-          </a:ln>
-        </p:spPr>
-        <p:style>
-          <a:lnRef idx="2">
-            <a:schemeClr val="accent1">
-              <a:shade val="50000"/>
-            </a:schemeClr>
-          </a:lnRef>
-          <a:fillRef idx="1">
-            <a:schemeClr val="accent1"/>
-          </a:fillRef>
-          <a:effectRef idx="0">
-            <a:schemeClr val="accent1"/>
-          </a:effectRef>
-          <a:fontRef idx="minor">
-            <a:schemeClr val="lt1"/>
-          </a:fontRef>
-        </p:style>
-        <p:txBody>
-          <a:bodyPr lIns="0" tIns="0" rIns="0" bIns="0" rtlCol="0" anchor="ctr"/>
-          <a:lstStyle/>
-          <a:p>
-            <a:pPr algn="ctr"/>
-            <a:r>
-              <a:rPr lang="en-US" sz="800" dirty="0">
-                <a:latin typeface="Arial" panose="020B0604020202020204" pitchFamily="34" charset="0"/>
-                <a:cs typeface="Arial" panose="020B0604020202020204" pitchFamily="34" charset="0"/>
-              </a:rPr>
-              <a:t>3.3</a:t>
-            </a:r>
-          </a:p>
-        </p:txBody>
-      </p:sp>
-      <p:pic>
-        <p:nvPicPr>
-          <p:cNvPr id="95" name="Graphic 6">
-            <a:extLst>
-              <a:ext uri="{FF2B5EF4-FFF2-40B4-BE49-F238E27FC236}">
-                <a16:creationId xmlns:a16="http://schemas.microsoft.com/office/drawing/2014/main" id="{4CC7B708-C2FB-FD42-AE44-3A063FEB52EA}"/>
-              </a:ext>
-            </a:extLst>
-          </p:cNvPr>
-          <p:cNvPicPr>
-            <a:picLocks noChangeAspect="1" noChangeArrowheads="1"/>
-          </p:cNvPicPr>
-          <p:nvPr/>
-        </p:nvPicPr>
-        <p:blipFill>
-          <a:blip r:embed="rId13">
-            <a:extLst>
-              <a:ext uri="{28A0092B-C50C-407E-A947-70E740481C1C}">
-                <a14:useLocalDpi xmlns:a14="http://schemas.microsoft.com/office/drawing/2010/main" val="0"/>
-              </a:ext>
-            </a:extLst>
-          </a:blip>
-          <a:srcRect/>
-          <a:stretch>
-            <a:fillRect/>
-          </a:stretch>
-        </p:blipFill>
-        <p:spPr bwMode="auto">
-          <a:xfrm>
-            <a:off x="6277986" y="5447579"/>
-            <a:ext cx="553929" cy="553929"/>
-          </a:xfrm>
-          <a:prstGeom prst="rect">
-            <a:avLst/>
-          </a:prstGeom>
-          <a:noFill/>
-          <a:ln>
-            <a:noFill/>
-          </a:ln>
-          <a:extLst>
-            <a:ext uri="{909E8E84-426E-40DD-AFC4-6F175D3DCCD1}">
-              <a14:hiddenFill xmlns:a14="http://schemas.microsoft.com/office/drawing/2010/main">
-                <a:solidFill>
-                  <a:srgbClr val="FFFFFF"/>
-                </a:solidFill>
-              </a14:hiddenFill>
-            </a:ext>
-            <a:ext uri="{91240B29-F687-4F45-9708-019B960494DF}">
-              <a14:hiddenLine xmlns:a14="http://schemas.microsoft.com/office/drawing/2010/main" w="9525">
-                <a:solidFill>
-                  <a:srgbClr val="000000"/>
-                </a:solidFill>
-                <a:miter lim="800000"/>
-                <a:headEnd/>
-                <a:tailEnd/>
-              </a14:hiddenLine>
-            </a:ext>
-          </a:extLst>
-        </p:spPr>
-      </p:pic>
-      <p:sp>
-        <p:nvSpPr>
-          <p:cNvPr id="241" name="Oval 240">
-            <a:extLst>
-              <a:ext uri="{FF2B5EF4-FFF2-40B4-BE49-F238E27FC236}">
-                <a16:creationId xmlns:a16="http://schemas.microsoft.com/office/drawing/2014/main" id="{0AB58273-2C96-D048-8FE3-6652D9012A87}"/>
-              </a:ext>
-            </a:extLst>
-          </p:cNvPr>
-          <p:cNvSpPr/>
-          <p:nvPr/>
-        </p:nvSpPr>
-        <p:spPr>
-          <a:xfrm>
-            <a:off x="6285385" y="5462617"/>
-            <a:ext cx="253435" cy="212902"/>
-          </a:xfrm>
-          <a:prstGeom prst="ellipse">
-            <a:avLst/>
-          </a:prstGeom>
-          <a:solidFill>
-            <a:schemeClr val="tx1"/>
-          </a:solidFill>
-          <a:ln>
-            <a:solidFill>
-              <a:schemeClr val="tx1"/>
-            </a:solidFill>
-          </a:ln>
-        </p:spPr>
-        <p:style>
-          <a:lnRef idx="2">
-            <a:schemeClr val="accent1">
-              <a:shade val="50000"/>
-            </a:schemeClr>
-          </a:lnRef>
-          <a:fillRef idx="1">
-            <a:schemeClr val="accent1"/>
-          </a:fillRef>
-          <a:effectRef idx="0">
-            <a:schemeClr val="accent1"/>
-          </a:effectRef>
-          <a:fontRef idx="minor">
-            <a:schemeClr val="lt1"/>
-          </a:fontRef>
-        </p:style>
-        <p:txBody>
-          <a:bodyPr lIns="0" tIns="0" rIns="0" bIns="0" rtlCol="0" anchor="ctr"/>
-          <a:lstStyle/>
-          <a:p>
-            <a:pPr algn="ctr"/>
-            <a:r>
-              <a:rPr lang="en-US" sz="800" dirty="0">
-                <a:latin typeface="Arial" panose="020B0604020202020204" pitchFamily="34" charset="0"/>
-                <a:cs typeface="Arial" panose="020B0604020202020204" pitchFamily="34" charset="0"/>
-              </a:rPr>
-              <a:t>3.4</a:t>
-            </a:r>
-          </a:p>
-        </p:txBody>
-      </p:sp>
-      <p:sp>
-        <p:nvSpPr>
-          <p:cNvPr id="58" name="Rectangle 57">
-            <a:extLst>
-              <a:ext uri="{FF2B5EF4-FFF2-40B4-BE49-F238E27FC236}">
-                <a16:creationId xmlns:a16="http://schemas.microsoft.com/office/drawing/2014/main" id="{C2A080D2-2DB2-A44B-A3CD-E6CC160F6988}"/>
-              </a:ext>
-            </a:extLst>
-          </p:cNvPr>
-          <p:cNvSpPr/>
-          <p:nvPr/>
-        </p:nvSpPr>
-        <p:spPr>
-          <a:xfrm>
-            <a:off x="6751046" y="600267"/>
-            <a:ext cx="4599021" cy="2985104"/>
-          </a:xfrm>
-          <a:prstGeom prst="rect">
-            <a:avLst/>
-          </a:prstGeom>
-          <a:noFill/>
-          <a:ln w="12700">
-            <a:solidFill>
-              <a:schemeClr val="tx1"/>
-            </a:solidFill>
-            <a:prstDash val="solid"/>
-          </a:ln>
-        </p:spPr>
-        <p:style>
-          <a:lnRef idx="2">
-            <a:schemeClr val="accent1">
-              <a:shade val="50000"/>
-            </a:schemeClr>
-          </a:lnRef>
-          <a:fillRef idx="1">
-            <a:schemeClr val="accent1"/>
-          </a:fillRef>
-          <a:effectRef idx="0">
-            <a:schemeClr val="accent1"/>
-          </a:effectRef>
-          <a:fontRef idx="minor">
-            <a:schemeClr val="lt1"/>
-          </a:fontRef>
-        </p:style>
-        <p:txBody>
           <a:bodyPr rot="0" spcFirstLastPara="0" vertOverflow="overflow" horzOverflow="overflow" vert="horz" wrap="square" lIns="91440" tIns="91440" rIns="91440" bIns="45720" numCol="1" spcCol="0" rtlCol="0" fromWordArt="0" anchor="t" anchorCtr="0" forceAA="0" compatLnSpc="1">
+            <a:prstTxWarp prst="textNoShape">
+              <a:avLst/>
+            </a:prstTxWarp>
             <a:noAutofit/>
           </a:bodyPr>
           <a:lstStyle/>
@@ -6384,30 +5207,30 @@
                 <a:latin typeface="Arial" panose="020B0604020202020204" pitchFamily="34" charset="0"/>
                 <a:cs typeface="Arial" panose="020B0604020202020204" pitchFamily="34" charset="0"/>
               </a:rPr>
-              <a:t>Security Log Archive Account</a:t>
+              <a:t>Log Archive Account</a:t>
             </a:r>
           </a:p>
           <a:p>
             <a:pPr algn="ctr"/>
             <a:r>
-              <a:rPr lang="en-US" sz="1400" dirty="0">
+              <a:rPr lang="en-US" sz="1200" dirty="0">
                 <a:solidFill>
                   <a:schemeClr val="tx1"/>
                 </a:solidFill>
                 <a:latin typeface="Arial" panose="020B0604020202020204" pitchFamily="34" charset="0"/>
                 <a:cs typeface="Arial" panose="020B0604020202020204" pitchFamily="34" charset="0"/>
               </a:rPr>
-              <a:t>OU: Core</a:t>
-            </a:r>
-          </a:p>
-        </p:txBody>
-      </p:sp>
-      <p:sp>
-        <p:nvSpPr>
-          <p:cNvPr id="59" name="TextBox 2">
-            <a:extLst>
-              <a:ext uri="{FF2B5EF4-FFF2-40B4-BE49-F238E27FC236}">
-                <a16:creationId xmlns:a16="http://schemas.microsoft.com/office/drawing/2014/main" id="{59F7A831-865C-5E41-ACA4-C2D312CBA32E}"/>
+              <a:t>OU: Security</a:t>
+            </a:r>
+          </a:p>
+        </p:txBody>
+      </p:sp>
+      <p:sp>
+        <p:nvSpPr>
+          <p:cNvPr id="245" name="TextBox 2">
+            <a:extLst>
+              <a:ext uri="{FF2B5EF4-FFF2-40B4-BE49-F238E27FC236}">
+                <a16:creationId xmlns:a16="http://schemas.microsoft.com/office/drawing/2014/main" id="{9B0DB50C-C9B1-9448-A81F-030280827857}"/>
               </a:ext>
             </a:extLst>
           </p:cNvPr>
@@ -6416,8 +5239,8 @@
         </p:nvSpPr>
         <p:spPr>
           <a:xfrm>
-            <a:off x="8367012" y="2328541"/>
-            <a:ext cx="1049878" cy="430887"/>
+            <a:off x="7757527" y="3112301"/>
+            <a:ext cx="834101" cy="430887"/>
           </a:xfrm>
           <a:prstGeom prst="rect">
             <a:avLst/>
@@ -6512,27 +5335,17 @@
                 <a:latin typeface="Arial" panose="020B0604020202020204" pitchFamily="34" charset="0"/>
                 <a:cs typeface="Arial" panose="020B0604020202020204" pitchFamily="34" charset="0"/>
               </a:rPr>
-              <a:t>Macie </a:t>
-            </a:r>
-          </a:p>
-          <a:p>
-            <a:pPr algn="ctr"/>
-            <a:r>
-              <a:rPr lang="en-US" sz="1100" dirty="0">
-                <a:latin typeface="Arial" panose="020B0604020202020204" pitchFamily="34" charset="0"/>
-                <a:cs typeface="Arial" panose="020B0604020202020204" pitchFamily="34" charset="0"/>
-              </a:rPr>
-              <a:t>Bucket</a:t>
-            </a:r>
-          </a:p>
-        </p:txBody>
-      </p:sp>
-      <p:sp>
-        <p:nvSpPr>
-          <p:cNvPr id="67" name="TextBox 66">
-            <a:extLst>
-              <a:ext uri="{FF2B5EF4-FFF2-40B4-BE49-F238E27FC236}">
-                <a16:creationId xmlns:a16="http://schemas.microsoft.com/office/drawing/2014/main" id="{21E2D8E4-B49F-FF47-B1B8-67D7E792FDE9}"/>
+              <a:t>Delivery S3 Bucket</a:t>
+            </a:r>
+          </a:p>
+        </p:txBody>
+      </p:sp>
+      <p:sp>
+        <p:nvSpPr>
+          <p:cNvPr id="246" name="TextBox 245">
+            <a:extLst>
+              <a:ext uri="{FF2B5EF4-FFF2-40B4-BE49-F238E27FC236}">
+                <a16:creationId xmlns:a16="http://schemas.microsoft.com/office/drawing/2014/main" id="{979D2EE7-174B-6B4E-82EE-85EF8E674AE2}"/>
               </a:ext>
             </a:extLst>
           </p:cNvPr>
@@ -6541,7 +5354,7 @@
         </p:nvSpPr>
         <p:spPr>
           <a:xfrm>
-            <a:off x="6767094" y="2465950"/>
+            <a:off x="7582999" y="2000226"/>
             <a:ext cx="1184753" cy="430887"/>
           </a:xfrm>
           <a:prstGeom prst="rect">
@@ -6566,48 +5379,12 @@
           </a:p>
         </p:txBody>
       </p:sp>
-      <p:pic>
-        <p:nvPicPr>
-          <p:cNvPr id="68" name="Graphic 67">
-            <a:extLst>
-              <a:ext uri="{FF2B5EF4-FFF2-40B4-BE49-F238E27FC236}">
-                <a16:creationId xmlns:a16="http://schemas.microsoft.com/office/drawing/2014/main" id="{BC2BCBB9-BD20-D146-B8E4-86BEE922750A}"/>
-              </a:ext>
-            </a:extLst>
-          </p:cNvPr>
-          <p:cNvPicPr>
-            <a:picLocks noChangeAspect="1"/>
-          </p:cNvPicPr>
-          <p:nvPr/>
-        </p:nvPicPr>
-        <p:blipFill>
-          <a:blip r:embed="rId11">
-            <a:extLst>
-              <a:ext uri="{96DAC541-7B7A-43D3-8B79-37D633B846F1}">
-                <asvg:svgBlip xmlns:asvg="http://schemas.microsoft.com/office/drawing/2016/SVG/main" r:embed="rId12"/>
-              </a:ext>
-            </a:extLst>
-          </a:blip>
-          <a:stretch>
-            <a:fillRect/>
-          </a:stretch>
-        </p:blipFill>
-        <p:spPr>
-          <a:xfrm>
-            <a:off x="7069290" y="1897012"/>
-            <a:ext cx="555156" cy="555156"/>
-          </a:xfrm>
-          <a:prstGeom prst="rect">
-            <a:avLst/>
-          </a:prstGeom>
-        </p:spPr>
-      </p:pic>
-      <p:sp>
-        <p:nvSpPr>
-          <p:cNvPr id="69" name="Rectangle 68">
-            <a:extLst>
-              <a:ext uri="{FF2B5EF4-FFF2-40B4-BE49-F238E27FC236}">
-                <a16:creationId xmlns:a16="http://schemas.microsoft.com/office/drawing/2014/main" id="{1A0421ED-D908-2F4E-B6F3-4313C5B8CE02}"/>
+      <p:sp>
+        <p:nvSpPr>
+          <p:cNvPr id="248" name="Rectangle 247">
+            <a:extLst>
+              <a:ext uri="{FF2B5EF4-FFF2-40B4-BE49-F238E27FC236}">
+                <a16:creationId xmlns:a16="http://schemas.microsoft.com/office/drawing/2014/main" id="{4F68761F-79C6-6B4C-8A98-14656FA8ABC1}"/>
               </a:ext>
             </a:extLst>
           </p:cNvPr>
@@ -6616,8 +5393,8 @@
         </p:nvSpPr>
         <p:spPr>
           <a:xfrm>
-            <a:off x="8321622" y="1201885"/>
-            <a:ext cx="2923191" cy="2263232"/>
+            <a:off x="7564225" y="1284952"/>
+            <a:ext cx="2937845" cy="2360247"/>
           </a:xfrm>
           <a:prstGeom prst="rect">
             <a:avLst/>
@@ -6647,73 +5424,33 @@
           </a:fontRef>
         </p:style>
         <p:txBody>
-          <a:bodyPr rot="0" spcFirstLastPara="0" vertOverflow="overflow" horzOverflow="overflow" vert="horz" wrap="square" lIns="91440" tIns="91440" rIns="91440" bIns="45720" numCol="1" spcCol="0" rtlCol="0" fromWordArt="0" anchor="t" anchorCtr="0" forceAA="0" compatLnSpc="1">
+          <a:bodyPr rot="0" spcFirstLastPara="0" vertOverflow="overflow" horzOverflow="overflow" vert="horz" wrap="square" lIns="91440" tIns="0" rIns="91440" bIns="45720" numCol="1" spcCol="0" rtlCol="0" fromWordArt="0" anchor="t" anchorCtr="0" forceAA="0" compatLnSpc="1">
+            <a:prstTxWarp prst="textNoShape">
+              <a:avLst/>
+            </a:prstTxWarp>
             <a:noAutofit/>
           </a:bodyPr>
           <a:lstStyle/>
           <a:p>
-            <a:pPr algn="ctr"/>
-            <a:endParaRPr lang="en-US" sz="1400" dirty="0">
-              <a:solidFill>
-                <a:schemeClr val="tx1"/>
-              </a:solidFill>
-              <a:latin typeface="Arial" panose="020B0604020202020204" pitchFamily="34" charset="0"/>
-              <a:cs typeface="Arial" panose="020B0604020202020204" pitchFamily="34" charset="0"/>
-            </a:endParaRPr>
-          </a:p>
-        </p:txBody>
-      </p:sp>
-      <p:cxnSp>
-        <p:nvCxnSpPr>
-          <p:cNvPr id="70" name="Straight Arrow Connector 69">
-            <a:extLst>
-              <a:ext uri="{FF2B5EF4-FFF2-40B4-BE49-F238E27FC236}">
-                <a16:creationId xmlns:a16="http://schemas.microsoft.com/office/drawing/2014/main" id="{BA23C49A-76FB-AD4F-ABBE-A137DA074C95}"/>
-              </a:ext>
-            </a:extLst>
-          </p:cNvPr>
-          <p:cNvCxnSpPr>
-            <a:cxnSpLocks/>
-          </p:cNvCxnSpPr>
-          <p:nvPr/>
-        </p:nvCxnSpPr>
-        <p:spPr>
-          <a:xfrm>
-            <a:off x="7702208" y="2181859"/>
-            <a:ext cx="486285" cy="0"/>
-          </a:xfrm>
-          <a:prstGeom prst="straightConnector1">
-            <a:avLst/>
-          </a:prstGeom>
-          <a:ln w="12700">
-            <a:solidFill>
-              <a:srgbClr val="545B64"/>
-            </a:solidFill>
-            <a:headEnd type="none" w="med" len="sm"/>
-            <a:tailEnd type="arrow" w="med" len="sm"/>
-          </a:ln>
-        </p:spPr>
-        <p:style>
-          <a:lnRef idx="1">
-            <a:schemeClr val="accent1"/>
-          </a:lnRef>
-          <a:fillRef idx="0">
-            <a:schemeClr val="accent1"/>
-          </a:fillRef>
-          <a:effectRef idx="0">
-            <a:schemeClr val="accent1"/>
-          </a:effectRef>
-          <a:fontRef idx="minor">
-            <a:schemeClr val="tx1"/>
-          </a:fontRef>
-        </p:style>
-      </p:cxnSp>
-      <p:sp>
-        <p:nvSpPr>
-          <p:cNvPr id="71" name="Rectangle 70">
-            <a:extLst>
-              <a:ext uri="{FF2B5EF4-FFF2-40B4-BE49-F238E27FC236}">
-                <a16:creationId xmlns:a16="http://schemas.microsoft.com/office/drawing/2014/main" id="{256D65BE-EB86-A649-AFA0-B61FCD886D98}"/>
+            <a:r>
+              <a:rPr lang="en-US" sz="1200" b="1" dirty="0">
+                <a:solidFill>
+                  <a:schemeClr val="tx1"/>
+                </a:solidFill>
+                <a:latin typeface="Arial" panose="020B0604020202020204" pitchFamily="34" charset="0"/>
+                <a:cs typeface="Arial" panose="020B0604020202020204" pitchFamily="34" charset="0"/>
+              </a:rPr>
+              <a:t>Home-region</a:t>
+            </a:r>
+          </a:p>
+        </p:txBody>
+      </p:sp>
+      <p:sp>
+        <p:nvSpPr>
+          <p:cNvPr id="249" name="Rectangle 248">
+            <a:extLst>
+              <a:ext uri="{FF2B5EF4-FFF2-40B4-BE49-F238E27FC236}">
+                <a16:creationId xmlns:a16="http://schemas.microsoft.com/office/drawing/2014/main" id="{A2986284-688D-2D4C-ADE5-D0467623872F}"/>
               </a:ext>
             </a:extLst>
           </p:cNvPr>
@@ -6722,8 +5459,8 @@
         </p:nvSpPr>
         <p:spPr>
           <a:xfrm>
-            <a:off x="9437469" y="1474970"/>
-            <a:ext cx="1667406" cy="1847538"/>
+            <a:off x="9060079" y="1997104"/>
+            <a:ext cx="1298909" cy="1435376"/>
           </a:xfrm>
           <a:prstGeom prst="rect">
             <a:avLst/>
@@ -6753,13 +5490,13 @@
           </a:fontRef>
         </p:style>
         <p:txBody>
-          <a:bodyPr rot="0" spcFirstLastPara="0" vertOverflow="overflow" horzOverflow="overflow" vert="horz" wrap="square" lIns="91440" tIns="91440" rIns="91440" bIns="45720" numCol="1" spcCol="0" rtlCol="0" fromWordArt="0" anchor="t" anchorCtr="0" forceAA="0" compatLnSpc="1">
+          <a:bodyPr rot="0" spcFirstLastPara="0" vertOverflow="overflow" horzOverflow="overflow" vert="horz" wrap="square" lIns="91440" tIns="0" rIns="91440" bIns="45720" numCol="1" spcCol="0" rtlCol="0" fromWordArt="0" anchor="t" anchorCtr="0" forceAA="0" compatLnSpc="1">
             <a:noAutofit/>
           </a:bodyPr>
           <a:lstStyle/>
           <a:p>
             <a:r>
-              <a:rPr lang="en-US" sz="1100" dirty="0">
+              <a:rPr lang="en-US" sz="1100" b="1" dirty="0">
                 <a:solidFill>
                   <a:schemeClr val="tx1"/>
                 </a:solidFill>
@@ -6773,10 +5510,10 @@
       </p:sp>
       <p:sp>
         <p:nvSpPr>
-          <p:cNvPr id="73" name="TextBox 72">
-            <a:extLst>
-              <a:ext uri="{FF2B5EF4-FFF2-40B4-BE49-F238E27FC236}">
-                <a16:creationId xmlns:a16="http://schemas.microsoft.com/office/drawing/2014/main" id="{82172134-AE06-D64C-BD7E-D17D2E044C41}"/>
+          <p:cNvPr id="251" name="TextBox 250">
+            <a:extLst>
+              <a:ext uri="{FF2B5EF4-FFF2-40B4-BE49-F238E27FC236}">
+                <a16:creationId xmlns:a16="http://schemas.microsoft.com/office/drawing/2014/main" id="{3C525726-B52E-5046-82A0-DA41C8FD51C2}"/>
               </a:ext>
             </a:extLst>
           </p:cNvPr>
@@ -6785,7 +5522,7 @@
         </p:nvSpPr>
         <p:spPr>
           <a:xfrm>
-            <a:off x="9909468" y="3030872"/>
+            <a:off x="9348230" y="3158486"/>
             <a:ext cx="1047687" cy="261610"/>
           </a:xfrm>
           <a:prstGeom prst="rect">
@@ -6812,10 +5549,10 @@
       </p:sp>
       <p:sp>
         <p:nvSpPr>
-          <p:cNvPr id="74" name="Rectangle 73">
-            <a:extLst>
-              <a:ext uri="{FF2B5EF4-FFF2-40B4-BE49-F238E27FC236}">
-                <a16:creationId xmlns:a16="http://schemas.microsoft.com/office/drawing/2014/main" id="{14A11693-82B1-5542-929C-E7D09EFF487C}"/>
+          <p:cNvPr id="252" name="Rectangle 251">
+            <a:extLst>
+              <a:ext uri="{FF2B5EF4-FFF2-40B4-BE49-F238E27FC236}">
+                <a16:creationId xmlns:a16="http://schemas.microsoft.com/office/drawing/2014/main" id="{A461E271-0DAB-8445-A363-7DD31E1E3749}"/>
               </a:ext>
             </a:extLst>
           </p:cNvPr>
@@ -6824,8 +5561,8 @@
         </p:nvSpPr>
         <p:spPr>
           <a:xfrm>
-            <a:off x="9589869" y="1791960"/>
-            <a:ext cx="1515006" cy="1530548"/>
+            <a:off x="9188858" y="2219512"/>
+            <a:ext cx="1170130" cy="1212968"/>
           </a:xfrm>
           <a:prstGeom prst="rect">
             <a:avLst/>
@@ -6855,13 +5592,13 @@
           </a:fontRef>
         </p:style>
         <p:txBody>
-          <a:bodyPr rot="0" spcFirstLastPara="0" vertOverflow="overflow" horzOverflow="overflow" vert="horz" wrap="square" lIns="91440" tIns="91440" rIns="91440" bIns="45720" numCol="1" spcCol="0" rtlCol="0" fromWordArt="0" anchor="t" anchorCtr="0" forceAA="0" compatLnSpc="1">
+          <a:bodyPr rot="0" spcFirstLastPara="0" vertOverflow="overflow" horzOverflow="overflow" vert="horz" wrap="square" lIns="91440" tIns="0" rIns="91440" bIns="45720" numCol="1" spcCol="0" rtlCol="0" fromWordArt="0" anchor="t" anchorCtr="0" forceAA="0" compatLnSpc="1">
             <a:noAutofit/>
           </a:bodyPr>
           <a:lstStyle/>
           <a:p>
             <a:r>
-              <a:rPr lang="en-US" sz="1100" dirty="0">
+              <a:rPr lang="en-US" sz="1100" b="1" dirty="0">
                 <a:solidFill>
                   <a:schemeClr val="tx1"/>
                 </a:solidFill>
@@ -6875,10 +5612,10 @@
       </p:sp>
       <p:sp>
         <p:nvSpPr>
-          <p:cNvPr id="75" name="Rectangle 74">
-            <a:extLst>
-              <a:ext uri="{FF2B5EF4-FFF2-40B4-BE49-F238E27FC236}">
-                <a16:creationId xmlns:a16="http://schemas.microsoft.com/office/drawing/2014/main" id="{3D27112C-DA37-2E4D-9382-E7D7B4F90212}"/>
+          <p:cNvPr id="253" name="Rectangle 252">
+            <a:extLst>
+              <a:ext uri="{FF2B5EF4-FFF2-40B4-BE49-F238E27FC236}">
+                <a16:creationId xmlns:a16="http://schemas.microsoft.com/office/drawing/2014/main" id="{B2FA736C-08E6-5E49-9D58-251F15693D70}"/>
               </a:ext>
             </a:extLst>
           </p:cNvPr>
@@ -6887,8 +5624,8 @@
         </p:nvSpPr>
         <p:spPr>
           <a:xfrm>
-            <a:off x="9726139" y="2116956"/>
-            <a:ext cx="1378736" cy="1205552"/>
+            <a:off x="9306055" y="2452736"/>
+            <a:ext cx="1052932" cy="979744"/>
           </a:xfrm>
           <a:prstGeom prst="rect">
             <a:avLst/>
@@ -6918,13 +5655,13 @@
           </a:fontRef>
         </p:style>
         <p:txBody>
-          <a:bodyPr rot="0" spcFirstLastPara="0" vertOverflow="overflow" horzOverflow="overflow" vert="horz" wrap="square" lIns="91440" tIns="91440" rIns="91440" bIns="45720" numCol="1" spcCol="0" rtlCol="0" fromWordArt="0" anchor="t" anchorCtr="0" forceAA="0" compatLnSpc="1">
+          <a:bodyPr rot="0" spcFirstLastPara="0" vertOverflow="overflow" horzOverflow="overflow" vert="horz" wrap="square" lIns="91440" tIns="0" rIns="91440" bIns="45720" numCol="1" spcCol="0" rtlCol="0" fromWordArt="0" anchor="t" anchorCtr="0" forceAA="0" compatLnSpc="1">
             <a:noAutofit/>
           </a:bodyPr>
           <a:lstStyle/>
           <a:p>
             <a:r>
-              <a:rPr lang="en-US" sz="1100" dirty="0">
+              <a:rPr lang="en-US" sz="1100" b="1" dirty="0">
                 <a:solidFill>
                   <a:schemeClr val="tx1"/>
                 </a:solidFill>
@@ -6938,10 +5675,10 @@
       </p:sp>
       <p:sp>
         <p:nvSpPr>
-          <p:cNvPr id="76" name="Oval 75">
-            <a:extLst>
-              <a:ext uri="{FF2B5EF4-FFF2-40B4-BE49-F238E27FC236}">
-                <a16:creationId xmlns:a16="http://schemas.microsoft.com/office/drawing/2014/main" id="{5956ECF1-B006-254C-B1BF-A3052784E7EE}"/>
+          <p:cNvPr id="254" name="Oval 253">
+            <a:extLst>
+              <a:ext uri="{FF2B5EF4-FFF2-40B4-BE49-F238E27FC236}">
+                <a16:creationId xmlns:a16="http://schemas.microsoft.com/office/drawing/2014/main" id="{046C9846-B1B8-324B-99F4-530715C14749}"/>
               </a:ext>
             </a:extLst>
           </p:cNvPr>
@@ -6950,7 +5687,7 @@
         </p:nvSpPr>
         <p:spPr>
           <a:xfrm>
-            <a:off x="6779524" y="619926"/>
+            <a:off x="7474847" y="714413"/>
             <a:ext cx="253435" cy="212902"/>
           </a:xfrm>
           <a:prstGeom prst="ellipse">
@@ -6998,10 +5735,10 @@
       </p:sp>
       <p:sp>
         <p:nvSpPr>
-          <p:cNvPr id="77" name="Oval 76">
-            <a:extLst>
-              <a:ext uri="{FF2B5EF4-FFF2-40B4-BE49-F238E27FC236}">
-                <a16:creationId xmlns:a16="http://schemas.microsoft.com/office/drawing/2014/main" id="{AED94000-28EA-A04C-B6B2-408F1241E4F2}"/>
+          <p:cNvPr id="257" name="Oval 256">
+            <a:extLst>
+              <a:ext uri="{FF2B5EF4-FFF2-40B4-BE49-F238E27FC236}">
+                <a16:creationId xmlns:a16="http://schemas.microsoft.com/office/drawing/2014/main" id="{11ACEA41-62BF-684C-83BD-D1F1D0674BEC}"/>
               </a:ext>
             </a:extLst>
           </p:cNvPr>
@@ -7010,7 +5747,7 @@
         </p:nvSpPr>
         <p:spPr>
           <a:xfrm>
-            <a:off x="7084516" y="1895791"/>
+            <a:off x="8048353" y="2447630"/>
             <a:ext cx="253435" cy="212902"/>
           </a:xfrm>
           <a:prstGeom prst="ellipse">
@@ -7051,17 +5788,191 @@
                 <a:latin typeface="Arial" panose="020B0604020202020204" pitchFamily="34" charset="0"/>
                 <a:cs typeface="Arial" panose="020B0604020202020204" pitchFamily="34" charset="0"/>
               </a:rPr>
-              <a:t>2.1</a:t>
+              <a:t>2.2</a:t>
+            </a:r>
+          </a:p>
+        </p:txBody>
+      </p:sp>
+      <p:sp>
+        <p:nvSpPr>
+          <p:cNvPr id="259" name="TextBox 258">
+            <a:extLst>
+              <a:ext uri="{FF2B5EF4-FFF2-40B4-BE49-F238E27FC236}">
+                <a16:creationId xmlns:a16="http://schemas.microsoft.com/office/drawing/2014/main" id="{F16354E4-1788-2840-AF43-019E5DAF735C}"/>
+              </a:ext>
+            </a:extLst>
+          </p:cNvPr>
+          <p:cNvSpPr txBox="1"/>
+          <p:nvPr/>
+        </p:nvSpPr>
+        <p:spPr>
+          <a:xfrm>
+            <a:off x="3024605" y="5594528"/>
+            <a:ext cx="907653" cy="430887"/>
+          </a:xfrm>
+          <a:prstGeom prst="rect">
+            <a:avLst/>
+          </a:prstGeom>
+          <a:noFill/>
+        </p:spPr>
+        <p:txBody>
+          <a:bodyPr wrap="square" rtlCol="0">
+            <a:spAutoFit/>
+          </a:bodyPr>
+          <a:lstStyle/>
+          <a:p>
+            <a:pPr algn="ctr"/>
+            <a:r>
+              <a:rPr lang="en-US" sz="1100" dirty="0">
+                <a:latin typeface="Arial" panose="020B0604020202020204" pitchFamily="34" charset="0"/>
+                <a:cs typeface="Arial" panose="020B0604020202020204" pitchFamily="34" charset="0"/>
+              </a:rPr>
+              <a:t>Delivery KMS Key</a:t>
+            </a:r>
+          </a:p>
+        </p:txBody>
+      </p:sp>
+      <p:sp>
+        <p:nvSpPr>
+          <p:cNvPr id="261" name="TextBox 260">
+            <a:extLst>
+              <a:ext uri="{FF2B5EF4-FFF2-40B4-BE49-F238E27FC236}">
+                <a16:creationId xmlns:a16="http://schemas.microsoft.com/office/drawing/2014/main" id="{46A2B6BA-793A-7640-9867-E9F409C7C5BB}"/>
+              </a:ext>
+            </a:extLst>
+          </p:cNvPr>
+          <p:cNvSpPr txBox="1"/>
+          <p:nvPr/>
+        </p:nvSpPr>
+        <p:spPr>
+          <a:xfrm>
+            <a:off x="9308870" y="5370628"/>
+            <a:ext cx="1103001" cy="430887"/>
+          </a:xfrm>
+          <a:prstGeom prst="rect">
+            <a:avLst/>
+          </a:prstGeom>
+          <a:noFill/>
+        </p:spPr>
+        <p:txBody>
+          <a:bodyPr wrap="square" rtlCol="0">
+            <a:spAutoFit/>
+          </a:bodyPr>
+          <a:lstStyle/>
+          <a:p>
+            <a:pPr algn="ctr"/>
+            <a:r>
+              <a:rPr lang="en-US" sz="1100" dirty="0">
+                <a:latin typeface="Arial" panose="020B0604020202020204" pitchFamily="34" charset="0"/>
+                <a:cs typeface="Arial" panose="020B0604020202020204" pitchFamily="34" charset="0"/>
+              </a:rPr>
+              <a:t>Disable Macie Role</a:t>
             </a:r>
           </a:p>
         </p:txBody>
       </p:sp>
       <p:pic>
         <p:nvPicPr>
-          <p:cNvPr id="94" name="Graphic 6">
-            <a:extLst>
-              <a:ext uri="{FF2B5EF4-FFF2-40B4-BE49-F238E27FC236}">
-                <a16:creationId xmlns:a16="http://schemas.microsoft.com/office/drawing/2014/main" id="{11602F17-0F55-F14F-B77D-AC4D8AF62B60}"/>
+          <p:cNvPr id="262" name="Graphic 261">
+            <a:extLst>
+              <a:ext uri="{FF2B5EF4-FFF2-40B4-BE49-F238E27FC236}">
+                <a16:creationId xmlns:a16="http://schemas.microsoft.com/office/drawing/2014/main" id="{A1BA5688-D63A-D64E-A020-F057F86C52FA}"/>
+              </a:ext>
+            </a:extLst>
+          </p:cNvPr>
+          <p:cNvPicPr>
+            <a:picLocks noChangeAspect="1"/>
+          </p:cNvPicPr>
+          <p:nvPr/>
+        </p:nvPicPr>
+        <p:blipFill>
+          <a:blip r:embed="rId5">
+            <a:extLst>
+              <a:ext uri="{96DAC541-7B7A-43D3-8B79-37D633B846F1}">
+                <asvg:svgBlip xmlns:asvg="http://schemas.microsoft.com/office/drawing/2016/SVG/main" r:embed="rId6"/>
+              </a:ext>
+            </a:extLst>
+          </a:blip>
+          <a:stretch>
+            <a:fillRect/>
+          </a:stretch>
+        </p:blipFill>
+        <p:spPr>
+          <a:xfrm>
+            <a:off x="9589394" y="5022961"/>
+            <a:ext cx="469900" cy="469900"/>
+          </a:xfrm>
+          <a:prstGeom prst="rect">
+            <a:avLst/>
+          </a:prstGeom>
+        </p:spPr>
+      </p:pic>
+      <p:sp>
+        <p:nvSpPr>
+          <p:cNvPr id="263" name="Oval 262">
+            <a:extLst>
+              <a:ext uri="{FF2B5EF4-FFF2-40B4-BE49-F238E27FC236}">
+                <a16:creationId xmlns:a16="http://schemas.microsoft.com/office/drawing/2014/main" id="{0FEA7298-465F-DD48-8A05-6286FBCD20BC}"/>
+              </a:ext>
+            </a:extLst>
+          </p:cNvPr>
+          <p:cNvSpPr/>
+          <p:nvPr/>
+        </p:nvSpPr>
+        <p:spPr>
+          <a:xfrm>
+            <a:off x="9720114" y="4879142"/>
+            <a:ext cx="253435" cy="212902"/>
+          </a:xfrm>
+          <a:prstGeom prst="ellipse">
+            <a:avLst/>
+          </a:prstGeom>
+          <a:solidFill>
+            <a:schemeClr val="tx1"/>
+          </a:solidFill>
+          <a:ln>
+            <a:solidFill>
+              <a:schemeClr val="tx1"/>
+            </a:solidFill>
+          </a:ln>
+        </p:spPr>
+        <p:style>
+          <a:lnRef idx="2">
+            <a:schemeClr val="accent1">
+              <a:shade val="50000"/>
+            </a:schemeClr>
+          </a:lnRef>
+          <a:fillRef idx="1">
+            <a:schemeClr val="accent1"/>
+          </a:fillRef>
+          <a:effectRef idx="0">
+            <a:schemeClr val="accent1"/>
+          </a:effectRef>
+          <a:fontRef idx="minor">
+            <a:schemeClr val="lt1"/>
+          </a:fontRef>
+        </p:style>
+        <p:txBody>
+          <a:bodyPr lIns="0" tIns="0" rIns="0" bIns="0" rtlCol="0" anchor="ctr"/>
+          <a:lstStyle/>
+          <a:p>
+            <a:pPr algn="ctr"/>
+            <a:r>
+              <a:rPr lang="en-US" sz="800" dirty="0">
+                <a:latin typeface="Arial" panose="020B0604020202020204" pitchFamily="34" charset="0"/>
+                <a:cs typeface="Arial" panose="020B0604020202020204" pitchFamily="34" charset="0"/>
+              </a:rPr>
+              <a:t>4.2</a:t>
+            </a:r>
+          </a:p>
+        </p:txBody>
+      </p:sp>
+      <p:pic>
+        <p:nvPicPr>
+          <p:cNvPr id="264" name="Graphic 13">
+            <a:extLst>
+              <a:ext uri="{FF2B5EF4-FFF2-40B4-BE49-F238E27FC236}">
+                <a16:creationId xmlns:a16="http://schemas.microsoft.com/office/drawing/2014/main" id="{FB7840C9-37B4-384E-9711-D09A4FF5CEF3}"/>
               </a:ext>
             </a:extLst>
           </p:cNvPr>
@@ -7071,7 +5982,7 @@
           <p:nvPr/>
         </p:nvPicPr>
         <p:blipFill>
-          <a:blip r:embed="rId13">
+          <a:blip r:embed="rId7">
             <a:extLst>
               <a:ext uri="{28A0092B-C50C-407E-A947-70E740481C1C}">
                 <a14:useLocalDpi xmlns:a14="http://schemas.microsoft.com/office/drawing/2010/main" val="0"/>
@@ -7085,8 +5996,8 @@
         </p:blipFill>
         <p:spPr bwMode="auto">
           <a:xfrm>
-            <a:off x="10146106" y="2488429"/>
-            <a:ext cx="553929" cy="553929"/>
+            <a:off x="4258467" y="3101157"/>
+            <a:ext cx="457200" cy="457200"/>
           </a:xfrm>
           <a:prstGeom prst="rect">
             <a:avLst/>
@@ -7118,10 +6029,10 @@
       </p:pic>
       <p:sp>
         <p:nvSpPr>
-          <p:cNvPr id="81" name="Oval 80">
-            <a:extLst>
-              <a:ext uri="{FF2B5EF4-FFF2-40B4-BE49-F238E27FC236}">
-                <a16:creationId xmlns:a16="http://schemas.microsoft.com/office/drawing/2014/main" id="{CC0C6702-E491-584C-9DAD-C57A70340998}"/>
+          <p:cNvPr id="265" name="Oval 264">
+            <a:extLst>
+              <a:ext uri="{FF2B5EF4-FFF2-40B4-BE49-F238E27FC236}">
+                <a16:creationId xmlns:a16="http://schemas.microsoft.com/office/drawing/2014/main" id="{FA13A6A4-6700-AE46-A064-503448024C09}"/>
               </a:ext>
             </a:extLst>
           </p:cNvPr>
@@ -7130,7 +6041,7 @@
         </p:nvSpPr>
         <p:spPr>
           <a:xfrm>
-            <a:off x="10153601" y="2494221"/>
+            <a:off x="4097362" y="3013658"/>
             <a:ext cx="253435" cy="212902"/>
           </a:xfrm>
           <a:prstGeom prst="ellipse">
@@ -7171,486 +6082,17 @@
                 <a:latin typeface="Arial" panose="020B0604020202020204" pitchFamily="34" charset="0"/>
                 <a:cs typeface="Arial" panose="020B0604020202020204" pitchFamily="34" charset="0"/>
               </a:rPr>
-              <a:t>2.3</a:t>
+              <a:t>1.2</a:t>
             </a:r>
           </a:p>
         </p:txBody>
       </p:sp>
       <p:pic>
         <p:nvPicPr>
-          <p:cNvPr id="82" name="Graphic 81">
-            <a:extLst>
-              <a:ext uri="{FF2B5EF4-FFF2-40B4-BE49-F238E27FC236}">
-                <a16:creationId xmlns:a16="http://schemas.microsoft.com/office/drawing/2014/main" id="{C140AE3D-3CF1-4D44-B1FF-B13C3BFD3266}"/>
-              </a:ext>
-            </a:extLst>
-          </p:cNvPr>
-          <p:cNvPicPr>
-            <a:picLocks noChangeAspect="1"/>
-          </p:cNvPicPr>
-          <p:nvPr/>
-        </p:nvPicPr>
-        <p:blipFill>
-          <a:blip r:embed="rId14">
-            <a:extLst>
-              <a:ext uri="{96DAC541-7B7A-43D3-8B79-37D633B846F1}">
-                <asvg:svgBlip xmlns:asvg="http://schemas.microsoft.com/office/drawing/2016/SVG/main" r:embed="rId15"/>
-              </a:ext>
-            </a:extLst>
-          </a:blip>
-          <a:stretch>
-            <a:fillRect/>
-          </a:stretch>
-        </p:blipFill>
-        <p:spPr>
-          <a:xfrm>
-            <a:off x="8591208" y="1759086"/>
-            <a:ext cx="569455" cy="569455"/>
-          </a:xfrm>
-          <a:prstGeom prst="rect">
-            <a:avLst/>
-          </a:prstGeom>
-        </p:spPr>
-      </p:pic>
-      <p:sp>
-        <p:nvSpPr>
-          <p:cNvPr id="85" name="Oval 84">
-            <a:extLst>
-              <a:ext uri="{FF2B5EF4-FFF2-40B4-BE49-F238E27FC236}">
-                <a16:creationId xmlns:a16="http://schemas.microsoft.com/office/drawing/2014/main" id="{F63B8CB6-3CF2-CF41-8CAF-9E6836E55BB9}"/>
-              </a:ext>
-            </a:extLst>
-          </p:cNvPr>
-          <p:cNvSpPr/>
-          <p:nvPr/>
-        </p:nvSpPr>
-        <p:spPr>
-          <a:xfrm>
-            <a:off x="8594374" y="1770588"/>
-            <a:ext cx="253435" cy="212902"/>
-          </a:xfrm>
-          <a:prstGeom prst="ellipse">
-            <a:avLst/>
-          </a:prstGeom>
-          <a:solidFill>
-            <a:schemeClr val="tx1"/>
-          </a:solidFill>
-          <a:ln>
-            <a:solidFill>
-              <a:schemeClr val="tx1"/>
-            </a:solidFill>
-          </a:ln>
-        </p:spPr>
-        <p:style>
-          <a:lnRef idx="2">
-            <a:schemeClr val="accent1">
-              <a:shade val="50000"/>
-            </a:schemeClr>
-          </a:lnRef>
-          <a:fillRef idx="1">
-            <a:schemeClr val="accent1"/>
-          </a:fillRef>
-          <a:effectRef idx="0">
-            <a:schemeClr val="accent1"/>
-          </a:effectRef>
-          <a:fontRef idx="minor">
-            <a:schemeClr val="lt1"/>
-          </a:fontRef>
-        </p:style>
-        <p:txBody>
-          <a:bodyPr lIns="0" tIns="0" rIns="0" bIns="0" rtlCol="0" anchor="ctr"/>
-          <a:lstStyle/>
-          <a:p>
-            <a:pPr algn="ctr"/>
-            <a:r>
-              <a:rPr lang="en-US" sz="800" dirty="0">
-                <a:latin typeface="Arial" panose="020B0604020202020204" pitchFamily="34" charset="0"/>
-                <a:cs typeface="Arial" panose="020B0604020202020204" pitchFamily="34" charset="0"/>
-              </a:rPr>
-              <a:t>2.2</a:t>
-            </a:r>
-          </a:p>
-        </p:txBody>
-      </p:sp>
-      <p:pic>
-        <p:nvPicPr>
-          <p:cNvPr id="88" name="Graphic 87">
-            <a:extLst>
-              <a:ext uri="{FF2B5EF4-FFF2-40B4-BE49-F238E27FC236}">
-                <a16:creationId xmlns:a16="http://schemas.microsoft.com/office/drawing/2014/main" id="{7A5F4F15-0601-B046-90F0-00E1EB8664B9}"/>
-              </a:ext>
-            </a:extLst>
-          </p:cNvPr>
-          <p:cNvPicPr>
-            <a:picLocks noChangeAspect="1"/>
-          </p:cNvPicPr>
-          <p:nvPr/>
-        </p:nvPicPr>
-        <p:blipFill>
-          <a:blip r:embed="rId16">
-            <a:extLst>
-              <a:ext uri="{96DAC541-7B7A-43D3-8B79-37D633B846F1}">
-                <asvg:svgBlip xmlns:asvg="http://schemas.microsoft.com/office/drawing/2016/SVG/main" r:embed="rId17"/>
-              </a:ext>
-            </a:extLst>
-          </a:blip>
-          <a:stretch>
-            <a:fillRect/>
-          </a:stretch>
-        </p:blipFill>
-        <p:spPr>
-          <a:xfrm>
-            <a:off x="3072684" y="4877215"/>
-            <a:ext cx="563472" cy="563472"/>
-          </a:xfrm>
-          <a:prstGeom prst="rect">
-            <a:avLst/>
-          </a:prstGeom>
-        </p:spPr>
-      </p:pic>
-      <p:sp>
-        <p:nvSpPr>
-          <p:cNvPr id="89" name="TextBox 88">
-            <a:extLst>
-              <a:ext uri="{FF2B5EF4-FFF2-40B4-BE49-F238E27FC236}">
-                <a16:creationId xmlns:a16="http://schemas.microsoft.com/office/drawing/2014/main" id="{8DBD3F82-3429-E24C-8E32-5EB1A489A3C5}"/>
-              </a:ext>
-            </a:extLst>
-          </p:cNvPr>
-          <p:cNvSpPr txBox="1"/>
-          <p:nvPr/>
-        </p:nvSpPr>
-        <p:spPr>
-          <a:xfrm>
-            <a:off x="2857898" y="5424545"/>
-            <a:ext cx="1017869" cy="430887"/>
-          </a:xfrm>
-          <a:prstGeom prst="rect">
-            <a:avLst/>
-          </a:prstGeom>
-          <a:noFill/>
-        </p:spPr>
-        <p:txBody>
-          <a:bodyPr wrap="square" rtlCol="0">
-            <a:spAutoFit/>
-          </a:bodyPr>
-          <a:lstStyle/>
-          <a:p>
-            <a:pPr algn="ctr"/>
-            <a:r>
-              <a:rPr lang="en-US" sz="1100" dirty="0">
-                <a:latin typeface="Arial" panose="020B0604020202020204" pitchFamily="34" charset="0"/>
-                <a:cs typeface="Arial" panose="020B0604020202020204" pitchFamily="34" charset="0"/>
-              </a:rPr>
-              <a:t>Macie </a:t>
-            </a:r>
-          </a:p>
-          <a:p>
-            <a:pPr algn="ctr"/>
-            <a:r>
-              <a:rPr lang="en-US" sz="1100" dirty="0">
-                <a:latin typeface="Arial" panose="020B0604020202020204" pitchFamily="34" charset="0"/>
-                <a:cs typeface="Arial" panose="020B0604020202020204" pitchFamily="34" charset="0"/>
-              </a:rPr>
-              <a:t>KMS Key</a:t>
-            </a:r>
-          </a:p>
-        </p:txBody>
-      </p:sp>
-      <p:sp>
-        <p:nvSpPr>
-          <p:cNvPr id="90" name="Oval 89">
-            <a:extLst>
-              <a:ext uri="{FF2B5EF4-FFF2-40B4-BE49-F238E27FC236}">
-                <a16:creationId xmlns:a16="http://schemas.microsoft.com/office/drawing/2014/main" id="{9E632F0A-53C5-0B4E-96BD-D10C16583EAC}"/>
-              </a:ext>
-            </a:extLst>
-          </p:cNvPr>
-          <p:cNvSpPr/>
-          <p:nvPr/>
-        </p:nvSpPr>
-        <p:spPr>
-          <a:xfrm>
-            <a:off x="3082412" y="4889861"/>
-            <a:ext cx="253435" cy="212902"/>
-          </a:xfrm>
-          <a:prstGeom prst="ellipse">
-            <a:avLst/>
-          </a:prstGeom>
-          <a:solidFill>
-            <a:schemeClr val="tx1"/>
-          </a:solidFill>
-          <a:ln>
-            <a:solidFill>
-              <a:schemeClr val="tx1"/>
-            </a:solidFill>
-          </a:ln>
-        </p:spPr>
-        <p:style>
-          <a:lnRef idx="2">
-            <a:schemeClr val="accent1">
-              <a:shade val="50000"/>
-            </a:schemeClr>
-          </a:lnRef>
-          <a:fillRef idx="1">
-            <a:schemeClr val="accent1"/>
-          </a:fillRef>
-          <a:effectRef idx="0">
-            <a:schemeClr val="accent1"/>
-          </a:effectRef>
-          <a:fontRef idx="minor">
-            <a:schemeClr val="lt1"/>
-          </a:fontRef>
-        </p:style>
-        <p:txBody>
-          <a:bodyPr lIns="0" tIns="0" rIns="0" bIns="0" rtlCol="0" anchor="ctr"/>
-          <a:lstStyle/>
-          <a:p>
-            <a:pPr algn="ctr"/>
-            <a:r>
-              <a:rPr lang="en-US" sz="800" dirty="0">
-                <a:latin typeface="Arial" panose="020B0604020202020204" pitchFamily="34" charset="0"/>
-                <a:cs typeface="Arial" panose="020B0604020202020204" pitchFamily="34" charset="0"/>
-              </a:rPr>
-              <a:t>3.2</a:t>
-            </a:r>
-          </a:p>
-        </p:txBody>
-      </p:sp>
-      <p:sp>
-        <p:nvSpPr>
-          <p:cNvPr id="78" name="Rectangle 77">
-            <a:extLst>
-              <a:ext uri="{FF2B5EF4-FFF2-40B4-BE49-F238E27FC236}">
-                <a16:creationId xmlns:a16="http://schemas.microsoft.com/office/drawing/2014/main" id="{2504BF38-737D-E645-BD69-E4AEB7284927}"/>
-              </a:ext>
-            </a:extLst>
-          </p:cNvPr>
-          <p:cNvSpPr/>
-          <p:nvPr/>
-        </p:nvSpPr>
-        <p:spPr>
-          <a:xfrm>
-            <a:off x="4744272" y="1486294"/>
-            <a:ext cx="1667406" cy="1852278"/>
-          </a:xfrm>
-          <a:prstGeom prst="rect">
-            <a:avLst/>
-          </a:prstGeom>
-          <a:noFill/>
-          <a:ln w="12700">
-            <a:solidFill>
-              <a:schemeClr val="tx1"/>
-            </a:solidFill>
-            <a:prstDash val="dash"/>
-          </a:ln>
-        </p:spPr>
-        <p:style>
-          <a:lnRef idx="2">
-            <a:schemeClr val="accent1">
-              <a:shade val="50000"/>
-            </a:schemeClr>
-          </a:lnRef>
-          <a:fillRef idx="1">
-            <a:schemeClr val="accent1"/>
-          </a:fillRef>
-          <a:effectRef idx="0">
-            <a:schemeClr val="accent1"/>
-          </a:effectRef>
-          <a:fontRef idx="minor">
-            <a:schemeClr val="lt1"/>
-          </a:fontRef>
-        </p:style>
-        <p:txBody>
-          <a:bodyPr rot="0" spcFirstLastPara="0" vertOverflow="overflow" horzOverflow="overflow" vert="horz" wrap="square" lIns="91440" tIns="91440" rIns="91440" bIns="45720" numCol="1" spcCol="0" rtlCol="0" fromWordArt="0" anchor="t" anchorCtr="0" forceAA="0" compatLnSpc="1">
-            <a:noAutofit/>
-          </a:bodyPr>
-          <a:lstStyle/>
-          <a:p>
-            <a:r>
-              <a:rPr lang="en-US" sz="1100" dirty="0">
-                <a:solidFill>
-                  <a:schemeClr val="tx1"/>
-                </a:solidFill>
-                <a:latin typeface="Arial" panose="020B0604020202020204" pitchFamily="34" charset="0"/>
-                <a:cs typeface="Arial" panose="020B0604020202020204" pitchFamily="34" charset="0"/>
-              </a:rPr>
-              <a:t>region-1</a:t>
-            </a:r>
-          </a:p>
-        </p:txBody>
-      </p:sp>
-      <p:sp>
-        <p:nvSpPr>
-          <p:cNvPr id="80" name="TextBox 79">
-            <a:extLst>
-              <a:ext uri="{FF2B5EF4-FFF2-40B4-BE49-F238E27FC236}">
-                <a16:creationId xmlns:a16="http://schemas.microsoft.com/office/drawing/2014/main" id="{252E1B2D-9686-0D42-981C-FD0A979454A3}"/>
-              </a:ext>
-            </a:extLst>
-          </p:cNvPr>
-          <p:cNvSpPr txBox="1"/>
-          <p:nvPr/>
-        </p:nvSpPr>
-        <p:spPr>
-          <a:xfrm>
-            <a:off x="5206543" y="3051924"/>
-            <a:ext cx="1047687" cy="276999"/>
-          </a:xfrm>
-          <a:prstGeom prst="rect">
-            <a:avLst/>
-          </a:prstGeom>
-          <a:noFill/>
-        </p:spPr>
-        <p:txBody>
-          <a:bodyPr wrap="square" rtlCol="0">
-            <a:spAutoFit/>
-          </a:bodyPr>
-          <a:lstStyle/>
-          <a:p>
-            <a:pPr algn="ctr"/>
-            <a:r>
-              <a:rPr lang="en-US" sz="1200" dirty="0">
-                <a:latin typeface="Arial" panose="020B0604020202020204" pitchFamily="34" charset="0"/>
-                <a:cs typeface="Arial" panose="020B0604020202020204" pitchFamily="34" charset="0"/>
-              </a:rPr>
-              <a:t>Macie</a:t>
-            </a:r>
-          </a:p>
-        </p:txBody>
-      </p:sp>
-      <p:sp>
-        <p:nvSpPr>
-          <p:cNvPr id="83" name="Rectangle 82">
-            <a:extLst>
-              <a:ext uri="{FF2B5EF4-FFF2-40B4-BE49-F238E27FC236}">
-                <a16:creationId xmlns:a16="http://schemas.microsoft.com/office/drawing/2014/main" id="{458D3A72-DEF2-0640-9B88-1CB7A5140657}"/>
-              </a:ext>
-            </a:extLst>
-          </p:cNvPr>
-          <p:cNvSpPr/>
-          <p:nvPr/>
-        </p:nvSpPr>
-        <p:spPr>
-          <a:xfrm>
-            <a:off x="4896672" y="1803284"/>
-            <a:ext cx="1515006" cy="1535288"/>
-          </a:xfrm>
-          <a:prstGeom prst="rect">
-            <a:avLst/>
-          </a:prstGeom>
-          <a:noFill/>
-          <a:ln w="12700">
-            <a:solidFill>
-              <a:schemeClr val="tx1"/>
-            </a:solidFill>
-            <a:prstDash val="dash"/>
-          </a:ln>
-        </p:spPr>
-        <p:style>
-          <a:lnRef idx="2">
-            <a:schemeClr val="accent1">
-              <a:shade val="50000"/>
-            </a:schemeClr>
-          </a:lnRef>
-          <a:fillRef idx="1">
-            <a:schemeClr val="accent1"/>
-          </a:fillRef>
-          <a:effectRef idx="0">
-            <a:schemeClr val="accent1"/>
-          </a:effectRef>
-          <a:fontRef idx="minor">
-            <a:schemeClr val="lt1"/>
-          </a:fontRef>
-        </p:style>
-        <p:txBody>
-          <a:bodyPr rot="0" spcFirstLastPara="0" vertOverflow="overflow" horzOverflow="overflow" vert="horz" wrap="square" lIns="91440" tIns="91440" rIns="91440" bIns="45720" numCol="1" spcCol="0" rtlCol="0" fromWordArt="0" anchor="t" anchorCtr="0" forceAA="0" compatLnSpc="1">
-            <a:noAutofit/>
-          </a:bodyPr>
-          <a:lstStyle/>
-          <a:p>
-            <a:r>
-              <a:rPr lang="en-US" sz="1100" dirty="0">
-                <a:solidFill>
-                  <a:schemeClr val="tx1"/>
-                </a:solidFill>
-                <a:latin typeface="Arial" panose="020B0604020202020204" pitchFamily="34" charset="0"/>
-                <a:cs typeface="Arial" panose="020B0604020202020204" pitchFamily="34" charset="0"/>
-              </a:rPr>
-              <a:t>region-2</a:t>
-            </a:r>
-          </a:p>
-        </p:txBody>
-      </p:sp>
-      <p:sp>
-        <p:nvSpPr>
-          <p:cNvPr id="84" name="Rectangle 83">
-            <a:extLst>
-              <a:ext uri="{FF2B5EF4-FFF2-40B4-BE49-F238E27FC236}">
-                <a16:creationId xmlns:a16="http://schemas.microsoft.com/office/drawing/2014/main" id="{5F66B291-918D-3F4C-989B-109B93F1536D}"/>
-              </a:ext>
-            </a:extLst>
-          </p:cNvPr>
-          <p:cNvSpPr/>
-          <p:nvPr/>
-        </p:nvSpPr>
-        <p:spPr>
-          <a:xfrm>
-            <a:off x="5032942" y="2128280"/>
-            <a:ext cx="1378736" cy="1210292"/>
-          </a:xfrm>
-          <a:prstGeom prst="rect">
-            <a:avLst/>
-          </a:prstGeom>
-          <a:noFill/>
-          <a:ln w="12700">
-            <a:solidFill>
-              <a:schemeClr val="tx1"/>
-            </a:solidFill>
-            <a:prstDash val="dash"/>
-          </a:ln>
-        </p:spPr>
-        <p:style>
-          <a:lnRef idx="2">
-            <a:schemeClr val="accent1">
-              <a:shade val="50000"/>
-            </a:schemeClr>
-          </a:lnRef>
-          <a:fillRef idx="1">
-            <a:schemeClr val="accent1"/>
-          </a:fillRef>
-          <a:effectRef idx="0">
-            <a:schemeClr val="accent1"/>
-          </a:effectRef>
-          <a:fontRef idx="minor">
-            <a:schemeClr val="lt1"/>
-          </a:fontRef>
-        </p:style>
-        <p:txBody>
-          <a:bodyPr rot="0" spcFirstLastPara="0" vertOverflow="overflow" horzOverflow="overflow" vert="horz" wrap="square" lIns="91440" tIns="91440" rIns="91440" bIns="45720" numCol="1" spcCol="0" rtlCol="0" fromWordArt="0" anchor="t" anchorCtr="0" forceAA="0" compatLnSpc="1">
-            <a:noAutofit/>
-          </a:bodyPr>
-          <a:lstStyle/>
-          <a:p>
-            <a:r>
-              <a:rPr lang="en-US" sz="1100" dirty="0">
-                <a:solidFill>
-                  <a:schemeClr val="tx1"/>
-                </a:solidFill>
-                <a:latin typeface="Arial" panose="020B0604020202020204" pitchFamily="34" charset="0"/>
-                <a:cs typeface="Arial" panose="020B0604020202020204" pitchFamily="34" charset="0"/>
-              </a:rPr>
-              <a:t>region-n</a:t>
-            </a:r>
-          </a:p>
-        </p:txBody>
-      </p:sp>
-      <p:pic>
-        <p:nvPicPr>
-          <p:cNvPr id="93" name="Graphic 6">
-            <a:extLst>
-              <a:ext uri="{FF2B5EF4-FFF2-40B4-BE49-F238E27FC236}">
-                <a16:creationId xmlns:a16="http://schemas.microsoft.com/office/drawing/2014/main" id="{8EC5185E-1B1B-3A4A-A53B-A768B99AF8F4}"/>
+          <p:cNvPr id="266" name="Graphic 14">
+            <a:extLst>
+              <a:ext uri="{FF2B5EF4-FFF2-40B4-BE49-F238E27FC236}">
+                <a16:creationId xmlns:a16="http://schemas.microsoft.com/office/drawing/2014/main" id="{BCC21AA9-6F6F-154F-A023-C2B5FB86EF4B}"/>
               </a:ext>
             </a:extLst>
           </p:cNvPr>
@@ -7660,7 +6102,7 @@
           <p:nvPr/>
         </p:nvPicPr>
         <p:blipFill>
-          <a:blip r:embed="rId13">
+          <a:blip r:embed="rId8">
             <a:extLst>
               <a:ext uri="{28A0092B-C50C-407E-A947-70E740481C1C}">
                 <a14:useLocalDpi xmlns:a14="http://schemas.microsoft.com/office/drawing/2010/main" val="0"/>
@@ -7674,8 +6116,8 @@
         </p:blipFill>
         <p:spPr bwMode="auto">
           <a:xfrm>
-            <a:off x="5459329" y="2504725"/>
-            <a:ext cx="553929" cy="553929"/>
+            <a:off x="7946471" y="2672927"/>
+            <a:ext cx="457200" cy="457200"/>
           </a:xfrm>
           <a:prstGeom prst="rect">
             <a:avLst/>
@@ -7705,12 +6147,113 @@
           </a:extLst>
         </p:spPr>
       </p:pic>
-      <p:sp>
-        <p:nvSpPr>
-          <p:cNvPr id="86" name="Oval 85">
-            <a:extLst>
-              <a:ext uri="{FF2B5EF4-FFF2-40B4-BE49-F238E27FC236}">
-                <a16:creationId xmlns:a16="http://schemas.microsoft.com/office/drawing/2014/main" id="{C69975ED-D724-5D4A-B63D-87D44AB2A082}"/>
+      <p:pic>
+        <p:nvPicPr>
+          <p:cNvPr id="267" name="Graphic 7">
+            <a:extLst>
+              <a:ext uri="{FF2B5EF4-FFF2-40B4-BE49-F238E27FC236}">
+                <a16:creationId xmlns:a16="http://schemas.microsoft.com/office/drawing/2014/main" id="{251291D2-1290-0140-A42E-600AD58CA081}"/>
+              </a:ext>
+            </a:extLst>
+          </p:cNvPr>
+          <p:cNvPicPr>
+            <a:picLocks noChangeAspect="1" noChangeArrowheads="1"/>
+          </p:cNvPicPr>
+          <p:nvPr/>
+        </p:nvPicPr>
+        <p:blipFill>
+          <a:blip r:embed="rId9">
+            <a:extLst>
+              <a:ext uri="{28A0092B-C50C-407E-A947-70E740481C1C}">
+                <a14:useLocalDpi xmlns:a14="http://schemas.microsoft.com/office/drawing/2010/main" val="0"/>
+              </a:ext>
+            </a:extLst>
+          </a:blip>
+          <a:srcRect/>
+          <a:stretch>
+            <a:fillRect/>
+          </a:stretch>
+        </p:blipFill>
+        <p:spPr bwMode="auto">
+          <a:xfrm>
+            <a:off x="3309601" y="1786933"/>
+            <a:ext cx="457200" cy="457200"/>
+          </a:xfrm>
+          <a:prstGeom prst="rect">
+            <a:avLst/>
+          </a:prstGeom>
+          <a:noFill/>
+          <a:ln>
+            <a:noFill/>
+          </a:ln>
+          <a:extLst>
+            <a:ext uri="{909E8E84-426E-40DD-AFC4-6F175D3DCCD1}">
+              <a14:hiddenFill xmlns:a14="http://schemas.microsoft.com/office/drawing/2010/main">
+                <a:solidFill>
+                  <a:srgbClr val="FFFFFF"/>
+                </a:solidFill>
+              </a14:hiddenFill>
+            </a:ext>
+            <a:ext uri="{91240B29-F687-4F45-9708-019B960494DF}">
+              <a14:hiddenLine xmlns:a14="http://schemas.microsoft.com/office/drawing/2010/main" w="9525">
+                <a:solidFill>
+                  <a:srgbClr val="000000"/>
+                </a:solidFill>
+                <a:miter lim="800000"/>
+                <a:headEnd/>
+                <a:tailEnd/>
+              </a14:hiddenLine>
+            </a:ext>
+          </a:extLst>
+        </p:spPr>
+      </p:pic>
+      <p:cxnSp>
+        <p:nvCxnSpPr>
+          <p:cNvPr id="268" name="Straight Arrow Connector 267">
+            <a:extLst>
+              <a:ext uri="{FF2B5EF4-FFF2-40B4-BE49-F238E27FC236}">
+                <a16:creationId xmlns:a16="http://schemas.microsoft.com/office/drawing/2014/main" id="{92B6C9FB-1DE3-0E48-B06C-C284E06F7440}"/>
+              </a:ext>
+            </a:extLst>
+          </p:cNvPr>
+          <p:cNvCxnSpPr>
+            <a:cxnSpLocks/>
+          </p:cNvCxnSpPr>
+          <p:nvPr/>
+        </p:nvCxnSpPr>
+        <p:spPr>
+          <a:xfrm flipH="1" flipV="1">
+            <a:off x="3908376" y="2614566"/>
+            <a:ext cx="206160" cy="328000"/>
+          </a:xfrm>
+          <a:prstGeom prst="straightConnector1">
+            <a:avLst/>
+          </a:prstGeom>
+          <a:ln>
+            <a:tailEnd type="triangle"/>
+          </a:ln>
+        </p:spPr>
+        <p:style>
+          <a:lnRef idx="1">
+            <a:schemeClr val="dk1"/>
+          </a:lnRef>
+          <a:fillRef idx="0">
+            <a:schemeClr val="dk1"/>
+          </a:fillRef>
+          <a:effectRef idx="0">
+            <a:schemeClr val="dk1"/>
+          </a:effectRef>
+          <a:fontRef idx="minor">
+            <a:schemeClr val="tx1"/>
+          </a:fontRef>
+        </p:style>
+      </p:cxnSp>
+      <p:sp>
+        <p:nvSpPr>
+          <p:cNvPr id="269" name="Rectangle 268">
+            <a:extLst>
+              <a:ext uri="{FF2B5EF4-FFF2-40B4-BE49-F238E27FC236}">
+                <a16:creationId xmlns:a16="http://schemas.microsoft.com/office/drawing/2014/main" id="{B3648405-44AF-7543-A07D-CE9A20758F38}"/>
               </a:ext>
             </a:extLst>
           </p:cNvPr>
@@ -7719,19 +6262,18 @@
         </p:nvSpPr>
         <p:spPr>
           <a:xfrm>
-            <a:off x="5452909" y="2498050"/>
-            <a:ext cx="253435" cy="212902"/>
-          </a:xfrm>
-          <a:prstGeom prst="ellipse">
+            <a:off x="5886124" y="2376544"/>
+            <a:ext cx="1215960" cy="1429548"/>
+          </a:xfrm>
+          <a:prstGeom prst="rect">
             <a:avLst/>
           </a:prstGeom>
-          <a:solidFill>
-            <a:schemeClr val="tx1"/>
-          </a:solidFill>
-          <a:ln>
+          <a:noFill/>
+          <a:ln w="12700">
             <a:solidFill>
               <a:schemeClr val="tx1"/>
             </a:solidFill>
+            <a:prstDash val="dash"/>
           </a:ln>
         </p:spPr>
         <p:style>
@@ -7751,26 +6293,30 @@
           </a:fontRef>
         </p:style>
         <p:txBody>
-          <a:bodyPr lIns="0" tIns="0" rIns="0" bIns="0" rtlCol="0" anchor="ctr"/>
-          <a:lstStyle/>
-          <a:p>
-            <a:pPr algn="ctr"/>
-            <a:r>
-              <a:rPr lang="en-US" sz="800" dirty="0">
+          <a:bodyPr rot="0" spcFirstLastPara="0" vertOverflow="overflow" horzOverflow="overflow" vert="horz" wrap="square" lIns="91440" tIns="0" rIns="91440" bIns="45720" numCol="1" spcCol="0" rtlCol="0" fromWordArt="0" anchor="t" anchorCtr="0" forceAA="0" compatLnSpc="1">
+            <a:noAutofit/>
+          </a:bodyPr>
+          <a:lstStyle/>
+          <a:p>
+            <a:r>
+              <a:rPr lang="en-US" sz="1100" b="1" dirty="0">
+                <a:solidFill>
+                  <a:schemeClr val="tx1"/>
+                </a:solidFill>
                 <a:latin typeface="Arial" panose="020B0604020202020204" pitchFamily="34" charset="0"/>
                 <a:cs typeface="Arial" panose="020B0604020202020204" pitchFamily="34" charset="0"/>
               </a:rPr>
-              <a:t>1.5</a:t>
-            </a:r>
-          </a:p>
-        </p:txBody>
-      </p:sp>
-      <p:sp>
-        <p:nvSpPr>
-          <p:cNvPr id="87" name="TextBox 86">
-            <a:extLst>
-              <a:ext uri="{FF2B5EF4-FFF2-40B4-BE49-F238E27FC236}">
-                <a16:creationId xmlns:a16="http://schemas.microsoft.com/office/drawing/2014/main" id="{D3BE5D26-F11D-224A-B273-443BC6F8CEBB}"/>
+              <a:t>region-1</a:t>
+            </a:r>
+          </a:p>
+        </p:txBody>
+      </p:sp>
+      <p:sp>
+        <p:nvSpPr>
+          <p:cNvPr id="271" name="TextBox 270">
+            <a:extLst>
+              <a:ext uri="{FF2B5EF4-FFF2-40B4-BE49-F238E27FC236}">
+                <a16:creationId xmlns:a16="http://schemas.microsoft.com/office/drawing/2014/main" id="{377B276E-F221-E94E-BC9D-3FB2A6D410AD}"/>
               </a:ext>
             </a:extLst>
           </p:cNvPr>
@@ -7779,8 +6325,8 @@
         </p:nvSpPr>
         <p:spPr>
           <a:xfrm>
-            <a:off x="10077506" y="5371604"/>
-            <a:ext cx="1103001" cy="430887"/>
+            <a:off x="6149926" y="3544482"/>
+            <a:ext cx="1047687" cy="261610"/>
           </a:xfrm>
           <a:prstGeom prst="rect">
             <a:avLst/>
@@ -7799,74 +6345,37 @@
                 <a:latin typeface="Arial" panose="020B0604020202020204" pitchFamily="34" charset="0"/>
                 <a:cs typeface="Arial" panose="020B0604020202020204" pitchFamily="34" charset="0"/>
               </a:rPr>
-              <a:t>Disable Macie Role</a:t>
-            </a:r>
-          </a:p>
-        </p:txBody>
-      </p:sp>
-      <p:pic>
-        <p:nvPicPr>
-          <p:cNvPr id="91" name="Graphic 90">
-            <a:extLst>
-              <a:ext uri="{FF2B5EF4-FFF2-40B4-BE49-F238E27FC236}">
-                <a16:creationId xmlns:a16="http://schemas.microsoft.com/office/drawing/2014/main" id="{1BFEB7BE-0AE6-2A44-9FA3-BCF9B4D0855B}"/>
-              </a:ext>
-            </a:extLst>
-          </p:cNvPr>
-          <p:cNvPicPr>
-            <a:picLocks noChangeAspect="1"/>
-          </p:cNvPicPr>
+              <a:t>Macie</a:t>
+            </a:r>
+          </a:p>
+        </p:txBody>
+      </p:sp>
+      <p:sp>
+        <p:nvSpPr>
+          <p:cNvPr id="272" name="Rectangle 271">
+            <a:extLst>
+              <a:ext uri="{FF2B5EF4-FFF2-40B4-BE49-F238E27FC236}">
+                <a16:creationId xmlns:a16="http://schemas.microsoft.com/office/drawing/2014/main" id="{0BAB9E1A-093E-2F4E-867C-165B3F0C4493}"/>
+              </a:ext>
+            </a:extLst>
+          </p:cNvPr>
+          <p:cNvSpPr/>
           <p:nvPr/>
-        </p:nvPicPr>
-        <p:blipFill>
-          <a:blip r:embed="rId9">
-            <a:extLst>
-              <a:ext uri="{96DAC541-7B7A-43D3-8B79-37D633B846F1}">
-                <asvg:svgBlip xmlns:asvg="http://schemas.microsoft.com/office/drawing/2016/SVG/main" r:embed="rId10"/>
-              </a:ext>
-            </a:extLst>
-          </a:blip>
-          <a:stretch>
-            <a:fillRect/>
-          </a:stretch>
-        </p:blipFill>
-        <p:spPr>
-          <a:xfrm>
-            <a:off x="10352112" y="4970787"/>
-            <a:ext cx="469900" cy="469900"/>
+        </p:nvSpPr>
+        <p:spPr>
+          <a:xfrm>
+            <a:off x="6027914" y="2598952"/>
+            <a:ext cx="1074169" cy="1207140"/>
           </a:xfrm>
           <a:prstGeom prst="rect">
             <a:avLst/>
           </a:prstGeom>
-        </p:spPr>
-      </p:pic>
-      <p:sp>
-        <p:nvSpPr>
-          <p:cNvPr id="92" name="Oval 91">
-            <a:extLst>
-              <a:ext uri="{FF2B5EF4-FFF2-40B4-BE49-F238E27FC236}">
-                <a16:creationId xmlns:a16="http://schemas.microsoft.com/office/drawing/2014/main" id="{0757465A-6C02-E44B-9C5C-D6BACF8A00E2}"/>
-              </a:ext>
-            </a:extLst>
-          </p:cNvPr>
-          <p:cNvSpPr/>
-          <p:nvPr/>
-        </p:nvSpPr>
-        <p:spPr>
-          <a:xfrm>
-            <a:off x="10482832" y="4826968"/>
-            <a:ext cx="253435" cy="212902"/>
-          </a:xfrm>
-          <a:prstGeom prst="ellipse">
-            <a:avLst/>
-          </a:prstGeom>
-          <a:solidFill>
-            <a:schemeClr val="tx1"/>
-          </a:solidFill>
-          <a:ln>
+          <a:noFill/>
+          <a:ln w="12700">
             <a:solidFill>
               <a:schemeClr val="tx1"/>
             </a:solidFill>
+            <a:prstDash val="dash"/>
           </a:ln>
         </p:spPr>
         <p:style>
@@ -7886,6 +6395,1279 @@
           </a:fontRef>
         </p:style>
         <p:txBody>
+          <a:bodyPr rot="0" spcFirstLastPara="0" vertOverflow="overflow" horzOverflow="overflow" vert="horz" wrap="square" lIns="91440" tIns="0" rIns="91440" bIns="45720" numCol="1" spcCol="0" rtlCol="0" fromWordArt="0" anchor="t" anchorCtr="0" forceAA="0" compatLnSpc="1">
+            <a:noAutofit/>
+          </a:bodyPr>
+          <a:lstStyle/>
+          <a:p>
+            <a:r>
+              <a:rPr lang="en-US" sz="1100" b="1" dirty="0">
+                <a:solidFill>
+                  <a:schemeClr val="tx1"/>
+                </a:solidFill>
+                <a:latin typeface="Arial" panose="020B0604020202020204" pitchFamily="34" charset="0"/>
+                <a:cs typeface="Arial" panose="020B0604020202020204" pitchFamily="34" charset="0"/>
+              </a:rPr>
+              <a:t>region-2</a:t>
+            </a:r>
+          </a:p>
+        </p:txBody>
+      </p:sp>
+      <p:sp>
+        <p:nvSpPr>
+          <p:cNvPr id="273" name="Rectangle 272">
+            <a:extLst>
+              <a:ext uri="{FF2B5EF4-FFF2-40B4-BE49-F238E27FC236}">
+                <a16:creationId xmlns:a16="http://schemas.microsoft.com/office/drawing/2014/main" id="{D94A79AC-BA80-C64D-B5BB-D19290F083AB}"/>
+              </a:ext>
+            </a:extLst>
+          </p:cNvPr>
+          <p:cNvSpPr/>
+          <p:nvPr/>
+        </p:nvSpPr>
+        <p:spPr>
+          <a:xfrm>
+            <a:off x="6145759" y="2832176"/>
+            <a:ext cx="956324" cy="973916"/>
+          </a:xfrm>
+          <a:prstGeom prst="rect">
+            <a:avLst/>
+          </a:prstGeom>
+          <a:noFill/>
+          <a:ln w="12700">
+            <a:solidFill>
+              <a:schemeClr val="tx1"/>
+            </a:solidFill>
+            <a:prstDash val="dash"/>
+          </a:ln>
+        </p:spPr>
+        <p:style>
+          <a:lnRef idx="2">
+            <a:schemeClr val="accent1">
+              <a:shade val="50000"/>
+            </a:schemeClr>
+          </a:lnRef>
+          <a:fillRef idx="1">
+            <a:schemeClr val="accent1"/>
+          </a:fillRef>
+          <a:effectRef idx="0">
+            <a:schemeClr val="accent1"/>
+          </a:effectRef>
+          <a:fontRef idx="minor">
+            <a:schemeClr val="lt1"/>
+          </a:fontRef>
+        </p:style>
+        <p:txBody>
+          <a:bodyPr rot="0" spcFirstLastPara="0" vertOverflow="overflow" horzOverflow="overflow" vert="horz" wrap="square" lIns="91440" tIns="0" rIns="91440" bIns="45720" numCol="1" spcCol="0" rtlCol="0" fromWordArt="0" anchor="t" anchorCtr="0" forceAA="0" compatLnSpc="1">
+            <a:noAutofit/>
+          </a:bodyPr>
+          <a:lstStyle/>
+          <a:p>
+            <a:r>
+              <a:rPr lang="en-US" sz="1100" b="1" dirty="0">
+                <a:solidFill>
+                  <a:schemeClr val="tx1"/>
+                </a:solidFill>
+                <a:latin typeface="Arial" panose="020B0604020202020204" pitchFamily="34" charset="0"/>
+                <a:cs typeface="Arial" panose="020B0604020202020204" pitchFamily="34" charset="0"/>
+              </a:rPr>
+              <a:t>region-n</a:t>
+            </a:r>
+          </a:p>
+        </p:txBody>
+      </p:sp>
+      <p:cxnSp>
+        <p:nvCxnSpPr>
+          <p:cNvPr id="275" name="Straight Arrow Connector 274">
+            <a:extLst>
+              <a:ext uri="{FF2B5EF4-FFF2-40B4-BE49-F238E27FC236}">
+                <a16:creationId xmlns:a16="http://schemas.microsoft.com/office/drawing/2014/main" id="{4519B75B-30A1-A049-9013-376D48BD25F3}"/>
+              </a:ext>
+            </a:extLst>
+          </p:cNvPr>
+          <p:cNvCxnSpPr>
+            <a:cxnSpLocks/>
+          </p:cNvCxnSpPr>
+          <p:nvPr/>
+        </p:nvCxnSpPr>
+        <p:spPr>
+          <a:xfrm>
+            <a:off x="4810361" y="3320936"/>
+            <a:ext cx="955130" cy="0"/>
+          </a:xfrm>
+          <a:prstGeom prst="straightConnector1">
+            <a:avLst/>
+          </a:prstGeom>
+          <a:ln>
+            <a:tailEnd type="triangle"/>
+          </a:ln>
+        </p:spPr>
+        <p:style>
+          <a:lnRef idx="1">
+            <a:schemeClr val="dk1"/>
+          </a:lnRef>
+          <a:fillRef idx="0">
+            <a:schemeClr val="dk1"/>
+          </a:fillRef>
+          <a:effectRef idx="0">
+            <a:schemeClr val="dk1"/>
+          </a:effectRef>
+          <a:fontRef idx="minor">
+            <a:schemeClr val="tx1"/>
+          </a:fontRef>
+        </p:style>
+      </p:cxnSp>
+      <p:sp>
+        <p:nvSpPr>
+          <p:cNvPr id="276" name="Rectangle 275">
+            <a:extLst>
+              <a:ext uri="{FF2B5EF4-FFF2-40B4-BE49-F238E27FC236}">
+                <a16:creationId xmlns:a16="http://schemas.microsoft.com/office/drawing/2014/main" id="{5BED5F59-DD67-9241-BA17-C114690529E2}"/>
+              </a:ext>
+            </a:extLst>
+          </p:cNvPr>
+          <p:cNvSpPr/>
+          <p:nvPr/>
+        </p:nvSpPr>
+        <p:spPr>
+          <a:xfrm>
+            <a:off x="7940306" y="4564364"/>
+            <a:ext cx="1313004" cy="1464814"/>
+          </a:xfrm>
+          <a:prstGeom prst="rect">
+            <a:avLst/>
+          </a:prstGeom>
+          <a:noFill/>
+          <a:ln w="12700">
+            <a:solidFill>
+              <a:schemeClr val="tx1"/>
+            </a:solidFill>
+            <a:prstDash val="dash"/>
+          </a:ln>
+        </p:spPr>
+        <p:style>
+          <a:lnRef idx="2">
+            <a:schemeClr val="accent1">
+              <a:shade val="50000"/>
+            </a:schemeClr>
+          </a:lnRef>
+          <a:fillRef idx="1">
+            <a:schemeClr val="accent1"/>
+          </a:fillRef>
+          <a:effectRef idx="0">
+            <a:schemeClr val="accent1"/>
+          </a:effectRef>
+          <a:fontRef idx="minor">
+            <a:schemeClr val="lt1"/>
+          </a:fontRef>
+        </p:style>
+        <p:txBody>
+          <a:bodyPr rot="0" spcFirstLastPara="0" vertOverflow="overflow" horzOverflow="overflow" vert="horz" wrap="square" lIns="91440" tIns="0" rIns="91440" bIns="45720" numCol="1" spcCol="0" rtlCol="0" fromWordArt="0" anchor="t" anchorCtr="0" forceAA="0" compatLnSpc="1">
+            <a:noAutofit/>
+          </a:bodyPr>
+          <a:lstStyle/>
+          <a:p>
+            <a:r>
+              <a:rPr lang="en-US" sz="1100" b="1" dirty="0">
+                <a:solidFill>
+                  <a:schemeClr val="tx1"/>
+                </a:solidFill>
+                <a:latin typeface="Arial" panose="020B0604020202020204" pitchFamily="34" charset="0"/>
+                <a:cs typeface="Arial" panose="020B0604020202020204" pitchFamily="34" charset="0"/>
+              </a:rPr>
+              <a:t>region-1</a:t>
+            </a:r>
+          </a:p>
+        </p:txBody>
+      </p:sp>
+      <p:sp>
+        <p:nvSpPr>
+          <p:cNvPr id="278" name="TextBox 277">
+            <a:extLst>
+              <a:ext uri="{FF2B5EF4-FFF2-40B4-BE49-F238E27FC236}">
+                <a16:creationId xmlns:a16="http://schemas.microsoft.com/office/drawing/2014/main" id="{78FF5145-7003-F046-9444-FE99EB5C0204}"/>
+              </a:ext>
+            </a:extLst>
+          </p:cNvPr>
+          <p:cNvSpPr txBox="1"/>
+          <p:nvPr/>
+        </p:nvSpPr>
+        <p:spPr>
+          <a:xfrm>
+            <a:off x="8212608" y="5767568"/>
+            <a:ext cx="1047687" cy="261610"/>
+          </a:xfrm>
+          <a:prstGeom prst="rect">
+            <a:avLst/>
+          </a:prstGeom>
+          <a:noFill/>
+        </p:spPr>
+        <p:txBody>
+          <a:bodyPr wrap="square" rtlCol="0">
+            <a:spAutoFit/>
+          </a:bodyPr>
+          <a:lstStyle/>
+          <a:p>
+            <a:pPr algn="ctr"/>
+            <a:r>
+              <a:rPr lang="en-US" sz="1100" dirty="0">
+                <a:latin typeface="Arial" panose="020B0604020202020204" pitchFamily="34" charset="0"/>
+                <a:cs typeface="Arial" panose="020B0604020202020204" pitchFamily="34" charset="0"/>
+              </a:rPr>
+              <a:t>Macie</a:t>
+            </a:r>
+          </a:p>
+        </p:txBody>
+      </p:sp>
+      <p:sp>
+        <p:nvSpPr>
+          <p:cNvPr id="279" name="Rectangle 278">
+            <a:extLst>
+              <a:ext uri="{FF2B5EF4-FFF2-40B4-BE49-F238E27FC236}">
+                <a16:creationId xmlns:a16="http://schemas.microsoft.com/office/drawing/2014/main" id="{A5C45638-4D4E-1B49-9139-87C607B6053E}"/>
+              </a:ext>
+            </a:extLst>
+          </p:cNvPr>
+          <p:cNvSpPr/>
+          <p:nvPr/>
+        </p:nvSpPr>
+        <p:spPr>
+          <a:xfrm>
+            <a:off x="8066662" y="4786772"/>
+            <a:ext cx="1186648" cy="1242406"/>
+          </a:xfrm>
+          <a:prstGeom prst="rect">
+            <a:avLst/>
+          </a:prstGeom>
+          <a:noFill/>
+          <a:ln w="12700">
+            <a:solidFill>
+              <a:schemeClr val="tx1"/>
+            </a:solidFill>
+            <a:prstDash val="dash"/>
+          </a:ln>
+        </p:spPr>
+        <p:style>
+          <a:lnRef idx="2">
+            <a:schemeClr val="accent1">
+              <a:shade val="50000"/>
+            </a:schemeClr>
+          </a:lnRef>
+          <a:fillRef idx="1">
+            <a:schemeClr val="accent1"/>
+          </a:fillRef>
+          <a:effectRef idx="0">
+            <a:schemeClr val="accent1"/>
+          </a:effectRef>
+          <a:fontRef idx="minor">
+            <a:schemeClr val="lt1"/>
+          </a:fontRef>
+        </p:style>
+        <p:txBody>
+          <a:bodyPr rot="0" spcFirstLastPara="0" vertOverflow="overflow" horzOverflow="overflow" vert="horz" wrap="square" lIns="91440" tIns="0" rIns="91440" bIns="45720" numCol="1" spcCol="0" rtlCol="0" fromWordArt="0" anchor="t" anchorCtr="0" forceAA="0" compatLnSpc="1">
+            <a:noAutofit/>
+          </a:bodyPr>
+          <a:lstStyle/>
+          <a:p>
+            <a:r>
+              <a:rPr lang="en-US" sz="1100" b="1" dirty="0">
+                <a:solidFill>
+                  <a:schemeClr val="tx1"/>
+                </a:solidFill>
+                <a:latin typeface="Arial" panose="020B0604020202020204" pitchFamily="34" charset="0"/>
+                <a:cs typeface="Arial" panose="020B0604020202020204" pitchFamily="34" charset="0"/>
+              </a:rPr>
+              <a:t>region-2</a:t>
+            </a:r>
+          </a:p>
+        </p:txBody>
+      </p:sp>
+      <p:sp>
+        <p:nvSpPr>
+          <p:cNvPr id="280" name="Rectangle 279">
+            <a:extLst>
+              <a:ext uri="{FF2B5EF4-FFF2-40B4-BE49-F238E27FC236}">
+                <a16:creationId xmlns:a16="http://schemas.microsoft.com/office/drawing/2014/main" id="{1AB62F62-E430-DE4B-BAA5-52E07460C252}"/>
+              </a:ext>
+            </a:extLst>
+          </p:cNvPr>
+          <p:cNvSpPr/>
+          <p:nvPr/>
+        </p:nvSpPr>
+        <p:spPr>
+          <a:xfrm>
+            <a:off x="8168146" y="5019996"/>
+            <a:ext cx="1085163" cy="1009182"/>
+          </a:xfrm>
+          <a:prstGeom prst="rect">
+            <a:avLst/>
+          </a:prstGeom>
+          <a:noFill/>
+          <a:ln w="12700">
+            <a:solidFill>
+              <a:schemeClr val="tx1"/>
+            </a:solidFill>
+            <a:prstDash val="dash"/>
+          </a:ln>
+        </p:spPr>
+        <p:style>
+          <a:lnRef idx="2">
+            <a:schemeClr val="accent1">
+              <a:shade val="50000"/>
+            </a:schemeClr>
+          </a:lnRef>
+          <a:fillRef idx="1">
+            <a:schemeClr val="accent1"/>
+          </a:fillRef>
+          <a:effectRef idx="0">
+            <a:schemeClr val="accent1"/>
+          </a:effectRef>
+          <a:fontRef idx="minor">
+            <a:schemeClr val="lt1"/>
+          </a:fontRef>
+        </p:style>
+        <p:txBody>
+          <a:bodyPr rot="0" spcFirstLastPara="0" vertOverflow="overflow" horzOverflow="overflow" vert="horz" wrap="square" lIns="91440" tIns="0" rIns="91440" bIns="45720" numCol="1" spcCol="0" rtlCol="0" fromWordArt="0" anchor="t" anchorCtr="0" forceAA="0" compatLnSpc="1">
+            <a:noAutofit/>
+          </a:bodyPr>
+          <a:lstStyle/>
+          <a:p>
+            <a:r>
+              <a:rPr lang="en-US" sz="1100" b="1" dirty="0">
+                <a:solidFill>
+                  <a:schemeClr val="tx1"/>
+                </a:solidFill>
+                <a:latin typeface="Arial" panose="020B0604020202020204" pitchFamily="34" charset="0"/>
+                <a:cs typeface="Arial" panose="020B0604020202020204" pitchFamily="34" charset="0"/>
+              </a:rPr>
+              <a:t>region-n</a:t>
+            </a:r>
+          </a:p>
+        </p:txBody>
+      </p:sp>
+      <p:sp>
+        <p:nvSpPr>
+          <p:cNvPr id="282" name="Rectangle 281">
+            <a:extLst>
+              <a:ext uri="{FF2B5EF4-FFF2-40B4-BE49-F238E27FC236}">
+                <a16:creationId xmlns:a16="http://schemas.microsoft.com/office/drawing/2014/main" id="{2A8B7758-CE1B-0C40-9538-19F68000D5BC}"/>
+              </a:ext>
+            </a:extLst>
+          </p:cNvPr>
+          <p:cNvSpPr/>
+          <p:nvPr/>
+        </p:nvSpPr>
+        <p:spPr>
+          <a:xfrm>
+            <a:off x="5814135" y="4779660"/>
+            <a:ext cx="1273618" cy="1464814"/>
+          </a:xfrm>
+          <a:prstGeom prst="rect">
+            <a:avLst/>
+          </a:prstGeom>
+          <a:noFill/>
+          <a:ln w="12700">
+            <a:solidFill>
+              <a:schemeClr val="tx1"/>
+            </a:solidFill>
+            <a:prstDash val="dash"/>
+          </a:ln>
+        </p:spPr>
+        <p:style>
+          <a:lnRef idx="2">
+            <a:schemeClr val="accent1">
+              <a:shade val="50000"/>
+            </a:schemeClr>
+          </a:lnRef>
+          <a:fillRef idx="1">
+            <a:schemeClr val="accent1"/>
+          </a:fillRef>
+          <a:effectRef idx="0">
+            <a:schemeClr val="accent1"/>
+          </a:effectRef>
+          <a:fontRef idx="minor">
+            <a:schemeClr val="lt1"/>
+          </a:fontRef>
+        </p:style>
+        <p:txBody>
+          <a:bodyPr rot="0" spcFirstLastPara="0" vertOverflow="overflow" horzOverflow="overflow" vert="horz" wrap="square" lIns="91440" tIns="0" rIns="91440" bIns="45720" numCol="1" spcCol="0" rtlCol="0" fromWordArt="0" anchor="t" anchorCtr="0" forceAA="0" compatLnSpc="1">
+            <a:noAutofit/>
+          </a:bodyPr>
+          <a:lstStyle/>
+          <a:p>
+            <a:r>
+              <a:rPr lang="en-US" sz="1100" b="1" dirty="0">
+                <a:solidFill>
+                  <a:schemeClr val="tx1"/>
+                </a:solidFill>
+                <a:latin typeface="Arial" panose="020B0604020202020204" pitchFamily="34" charset="0"/>
+                <a:cs typeface="Arial" panose="020B0604020202020204" pitchFamily="34" charset="0"/>
+              </a:rPr>
+              <a:t>region-1</a:t>
+            </a:r>
+          </a:p>
+        </p:txBody>
+      </p:sp>
+      <p:sp>
+        <p:nvSpPr>
+          <p:cNvPr id="284" name="TextBox 283">
+            <a:extLst>
+              <a:ext uri="{FF2B5EF4-FFF2-40B4-BE49-F238E27FC236}">
+                <a16:creationId xmlns:a16="http://schemas.microsoft.com/office/drawing/2014/main" id="{7024E7A9-C0E9-914F-A8DF-0FB301467205}"/>
+              </a:ext>
+            </a:extLst>
+          </p:cNvPr>
+          <p:cNvSpPr txBox="1"/>
+          <p:nvPr/>
+        </p:nvSpPr>
+        <p:spPr>
+          <a:xfrm>
+            <a:off x="6043062" y="5970768"/>
+            <a:ext cx="1047687" cy="261610"/>
+          </a:xfrm>
+          <a:prstGeom prst="rect">
+            <a:avLst/>
+          </a:prstGeom>
+          <a:noFill/>
+        </p:spPr>
+        <p:txBody>
+          <a:bodyPr wrap="square" rtlCol="0">
+            <a:spAutoFit/>
+          </a:bodyPr>
+          <a:lstStyle/>
+          <a:p>
+            <a:pPr algn="ctr"/>
+            <a:r>
+              <a:rPr lang="en-US" sz="1100" dirty="0">
+                <a:latin typeface="Arial" panose="020B0604020202020204" pitchFamily="34" charset="0"/>
+                <a:cs typeface="Arial" panose="020B0604020202020204" pitchFamily="34" charset="0"/>
+              </a:rPr>
+              <a:t>Macie</a:t>
+            </a:r>
+          </a:p>
+        </p:txBody>
+      </p:sp>
+      <p:sp>
+        <p:nvSpPr>
+          <p:cNvPr id="285" name="Rectangle 284">
+            <a:extLst>
+              <a:ext uri="{FF2B5EF4-FFF2-40B4-BE49-F238E27FC236}">
+                <a16:creationId xmlns:a16="http://schemas.microsoft.com/office/drawing/2014/main" id="{0F227C04-CC34-454A-BDA0-4C3A5A763446}"/>
+              </a:ext>
+            </a:extLst>
+          </p:cNvPr>
+          <p:cNvSpPr/>
+          <p:nvPr/>
+        </p:nvSpPr>
+        <p:spPr>
+          <a:xfrm>
+            <a:off x="5931941" y="5002068"/>
+            <a:ext cx="1155811" cy="1242406"/>
+          </a:xfrm>
+          <a:prstGeom prst="rect">
+            <a:avLst/>
+          </a:prstGeom>
+          <a:noFill/>
+          <a:ln w="12700">
+            <a:solidFill>
+              <a:schemeClr val="tx1"/>
+            </a:solidFill>
+            <a:prstDash val="dash"/>
+          </a:ln>
+        </p:spPr>
+        <p:style>
+          <a:lnRef idx="2">
+            <a:schemeClr val="accent1">
+              <a:shade val="50000"/>
+            </a:schemeClr>
+          </a:lnRef>
+          <a:fillRef idx="1">
+            <a:schemeClr val="accent1"/>
+          </a:fillRef>
+          <a:effectRef idx="0">
+            <a:schemeClr val="accent1"/>
+          </a:effectRef>
+          <a:fontRef idx="minor">
+            <a:schemeClr val="lt1"/>
+          </a:fontRef>
+        </p:style>
+        <p:txBody>
+          <a:bodyPr rot="0" spcFirstLastPara="0" vertOverflow="overflow" horzOverflow="overflow" vert="horz" wrap="square" lIns="91440" tIns="0" rIns="91440" bIns="45720" numCol="1" spcCol="0" rtlCol="0" fromWordArt="0" anchor="t" anchorCtr="0" forceAA="0" compatLnSpc="1">
+            <a:noAutofit/>
+          </a:bodyPr>
+          <a:lstStyle/>
+          <a:p>
+            <a:r>
+              <a:rPr lang="en-US" sz="1100" b="1" dirty="0">
+                <a:solidFill>
+                  <a:schemeClr val="tx1"/>
+                </a:solidFill>
+                <a:latin typeface="Arial" panose="020B0604020202020204" pitchFamily="34" charset="0"/>
+                <a:cs typeface="Arial" panose="020B0604020202020204" pitchFamily="34" charset="0"/>
+              </a:rPr>
+              <a:t>region-2</a:t>
+            </a:r>
+          </a:p>
+        </p:txBody>
+      </p:sp>
+      <p:sp>
+        <p:nvSpPr>
+          <p:cNvPr id="286" name="Rectangle 285">
+            <a:extLst>
+              <a:ext uri="{FF2B5EF4-FFF2-40B4-BE49-F238E27FC236}">
+                <a16:creationId xmlns:a16="http://schemas.microsoft.com/office/drawing/2014/main" id="{7560D1FB-3CD5-8149-84D1-C24D365FF22A}"/>
+              </a:ext>
+            </a:extLst>
+          </p:cNvPr>
+          <p:cNvSpPr/>
+          <p:nvPr/>
+        </p:nvSpPr>
+        <p:spPr>
+          <a:xfrm>
+            <a:off x="6040065" y="5235292"/>
+            <a:ext cx="1047687" cy="1009182"/>
+          </a:xfrm>
+          <a:prstGeom prst="rect">
+            <a:avLst/>
+          </a:prstGeom>
+          <a:noFill/>
+          <a:ln w="12700">
+            <a:solidFill>
+              <a:schemeClr val="tx1"/>
+            </a:solidFill>
+            <a:prstDash val="dash"/>
+          </a:ln>
+        </p:spPr>
+        <p:style>
+          <a:lnRef idx="2">
+            <a:schemeClr val="accent1">
+              <a:shade val="50000"/>
+            </a:schemeClr>
+          </a:lnRef>
+          <a:fillRef idx="1">
+            <a:schemeClr val="accent1"/>
+          </a:fillRef>
+          <a:effectRef idx="0">
+            <a:schemeClr val="accent1"/>
+          </a:effectRef>
+          <a:fontRef idx="minor">
+            <a:schemeClr val="lt1"/>
+          </a:fontRef>
+        </p:style>
+        <p:txBody>
+          <a:bodyPr rot="0" spcFirstLastPara="0" vertOverflow="overflow" horzOverflow="overflow" vert="horz" wrap="square" lIns="91440" tIns="0" rIns="91440" bIns="45720" numCol="1" spcCol="0" rtlCol="0" fromWordArt="0" anchor="t" anchorCtr="0" forceAA="0" compatLnSpc="1">
+            <a:noAutofit/>
+          </a:bodyPr>
+          <a:lstStyle/>
+          <a:p>
+            <a:r>
+              <a:rPr lang="en-US" sz="1100" b="1" dirty="0">
+                <a:solidFill>
+                  <a:schemeClr val="tx1"/>
+                </a:solidFill>
+                <a:latin typeface="Arial" panose="020B0604020202020204" pitchFamily="34" charset="0"/>
+                <a:cs typeface="Arial" panose="020B0604020202020204" pitchFamily="34" charset="0"/>
+              </a:rPr>
+              <a:t>region-n</a:t>
+            </a:r>
+          </a:p>
+        </p:txBody>
+      </p:sp>
+      <p:pic>
+        <p:nvPicPr>
+          <p:cNvPr id="288" name="Graphic 17">
+            <a:extLst>
+              <a:ext uri="{FF2B5EF4-FFF2-40B4-BE49-F238E27FC236}">
+                <a16:creationId xmlns:a16="http://schemas.microsoft.com/office/drawing/2014/main" id="{8430E185-2565-794E-96C5-F0CCF3AE30C5}"/>
+              </a:ext>
+            </a:extLst>
+          </p:cNvPr>
+          <p:cNvPicPr>
+            <a:picLocks noChangeAspect="1" noChangeArrowheads="1"/>
+          </p:cNvPicPr>
+          <p:nvPr/>
+        </p:nvPicPr>
+        <p:blipFill>
+          <a:blip r:embed="rId10">
+            <a:extLst>
+              <a:ext uri="{28A0092B-C50C-407E-A947-70E740481C1C}">
+                <a14:useLocalDpi xmlns:a14="http://schemas.microsoft.com/office/drawing/2010/main" val="0"/>
+              </a:ext>
+            </a:extLst>
+          </a:blip>
+          <a:srcRect/>
+          <a:stretch>
+            <a:fillRect/>
+          </a:stretch>
+        </p:blipFill>
+        <p:spPr bwMode="auto">
+          <a:xfrm>
+            <a:off x="3131174" y="3060606"/>
+            <a:ext cx="457200" cy="457200"/>
+          </a:xfrm>
+          <a:prstGeom prst="rect">
+            <a:avLst/>
+          </a:prstGeom>
+          <a:noFill/>
+          <a:ln>
+            <a:noFill/>
+          </a:ln>
+          <a:extLst>
+            <a:ext uri="{909E8E84-426E-40DD-AFC4-6F175D3DCCD1}">
+              <a14:hiddenFill xmlns:a14="http://schemas.microsoft.com/office/drawing/2010/main">
+                <a:solidFill>
+                  <a:srgbClr val="FFFFFF"/>
+                </a:solidFill>
+              </a14:hiddenFill>
+            </a:ext>
+            <a:ext uri="{91240B29-F687-4F45-9708-019B960494DF}">
+              <a14:hiddenLine xmlns:a14="http://schemas.microsoft.com/office/drawing/2010/main" w="9525">
+                <a:solidFill>
+                  <a:srgbClr val="000000"/>
+                </a:solidFill>
+                <a:miter lim="800000"/>
+                <a:headEnd/>
+                <a:tailEnd/>
+              </a14:hiddenLine>
+            </a:ext>
+          </a:extLst>
+        </p:spPr>
+      </p:pic>
+      <p:sp>
+        <p:nvSpPr>
+          <p:cNvPr id="289" name="TextBox 2">
+            <a:extLst>
+              <a:ext uri="{FF2B5EF4-FFF2-40B4-BE49-F238E27FC236}">
+                <a16:creationId xmlns:a16="http://schemas.microsoft.com/office/drawing/2014/main" id="{A8200F79-8898-3F48-988B-6547DD2DD3AC}"/>
+              </a:ext>
+            </a:extLst>
+          </p:cNvPr>
+          <p:cNvSpPr txBox="1"/>
+          <p:nvPr/>
+        </p:nvSpPr>
+        <p:spPr>
+          <a:xfrm>
+            <a:off x="2738134" y="3453699"/>
+            <a:ext cx="1273984" cy="430887"/>
+          </a:xfrm>
+          <a:prstGeom prst="rect">
+            <a:avLst/>
+          </a:prstGeom>
+          <a:noFill/>
+        </p:spPr>
+        <p:style>
+          <a:lnRef idx="0">
+            <a:scrgbClr r="0" g="0" b="0"/>
+          </a:lnRef>
+          <a:fillRef idx="0">
+            <a:scrgbClr r="0" g="0" b="0"/>
+          </a:fillRef>
+          <a:effectRef idx="0">
+            <a:scrgbClr r="0" g="0" b="0"/>
+          </a:effectRef>
+          <a:fontRef idx="major"/>
+        </p:style>
+        <p:txBody>
+          <a:bodyPr wrap="square" rtlCol="0">
+            <a:spAutoFit/>
+          </a:bodyPr>
+          <a:lstStyle>
+            <a:lvl1pPr>
+              <a:defRPr>
+                <a:latin typeface="+mj-lt"/>
+                <a:ea typeface="+mj-ea"/>
+                <a:cs typeface="+mj-cs"/>
+              </a:defRPr>
+            </a:lvl1pPr>
+            <a:lvl2pPr>
+              <a:defRPr>
+                <a:latin typeface="+mj-lt"/>
+                <a:ea typeface="+mj-ea"/>
+                <a:cs typeface="+mj-cs"/>
+              </a:defRPr>
+            </a:lvl2pPr>
+            <a:lvl3pPr>
+              <a:defRPr>
+                <a:latin typeface="+mj-lt"/>
+                <a:ea typeface="+mj-ea"/>
+                <a:cs typeface="+mj-cs"/>
+              </a:defRPr>
+            </a:lvl3pPr>
+            <a:lvl4pPr>
+              <a:defRPr>
+                <a:latin typeface="+mj-lt"/>
+                <a:ea typeface="+mj-ea"/>
+                <a:cs typeface="+mj-cs"/>
+              </a:defRPr>
+            </a:lvl4pPr>
+            <a:lvl5pPr>
+              <a:defRPr>
+                <a:latin typeface="+mj-lt"/>
+                <a:ea typeface="+mj-ea"/>
+                <a:cs typeface="+mj-cs"/>
+              </a:defRPr>
+            </a:lvl5pPr>
+            <a:lvl6pPr>
+              <a:defRPr>
+                <a:latin typeface="+mj-lt"/>
+                <a:ea typeface="+mj-ea"/>
+                <a:cs typeface="+mj-cs"/>
+              </a:defRPr>
+            </a:lvl6pPr>
+            <a:lvl7pPr>
+              <a:defRPr>
+                <a:latin typeface="+mj-lt"/>
+                <a:ea typeface="+mj-ea"/>
+                <a:cs typeface="+mj-cs"/>
+              </a:defRPr>
+            </a:lvl7pPr>
+            <a:lvl8pPr>
+              <a:defRPr>
+                <a:latin typeface="+mj-lt"/>
+                <a:ea typeface="+mj-ea"/>
+                <a:cs typeface="+mj-cs"/>
+              </a:defRPr>
+            </a:lvl8pPr>
+            <a:lvl9pPr>
+              <a:defRPr>
+                <a:latin typeface="+mj-lt"/>
+                <a:ea typeface="+mj-ea"/>
+                <a:cs typeface="+mj-cs"/>
+              </a:defRPr>
+            </a:lvl9pPr>
+          </a:lstStyle>
+          <a:p>
+            <a:pPr algn="ctr"/>
+            <a:r>
+              <a:rPr lang="en-US" sz="1100" dirty="0">
+                <a:latin typeface="Arial" panose="020B0604020202020204" pitchFamily="34" charset="0"/>
+                <a:cs typeface="Arial" panose="020B0604020202020204" pitchFamily="34" charset="0"/>
+              </a:rPr>
+              <a:t>Configuration Topic</a:t>
+            </a:r>
+          </a:p>
+        </p:txBody>
+      </p:sp>
+      <p:cxnSp>
+        <p:nvCxnSpPr>
+          <p:cNvPr id="290" name="Straight Arrow Connector 289">
+            <a:extLst>
+              <a:ext uri="{FF2B5EF4-FFF2-40B4-BE49-F238E27FC236}">
+                <a16:creationId xmlns:a16="http://schemas.microsoft.com/office/drawing/2014/main" id="{74E0F3FC-F7FB-4D4E-93BA-58F0B2D41041}"/>
+              </a:ext>
+            </a:extLst>
+          </p:cNvPr>
+          <p:cNvCxnSpPr>
+            <a:cxnSpLocks/>
+          </p:cNvCxnSpPr>
+          <p:nvPr/>
+        </p:nvCxnSpPr>
+        <p:spPr>
+          <a:xfrm flipV="1">
+            <a:off x="4501013" y="2328402"/>
+            <a:ext cx="0" cy="685256"/>
+          </a:xfrm>
+          <a:prstGeom prst="straightConnector1">
+            <a:avLst/>
+          </a:prstGeom>
+          <a:ln>
+            <a:tailEnd type="triangle"/>
+          </a:ln>
+        </p:spPr>
+        <p:style>
+          <a:lnRef idx="1">
+            <a:schemeClr val="dk1"/>
+          </a:lnRef>
+          <a:fillRef idx="0">
+            <a:schemeClr val="dk1"/>
+          </a:fillRef>
+          <a:effectRef idx="0">
+            <a:schemeClr val="dk1"/>
+          </a:effectRef>
+          <a:fontRef idx="minor">
+            <a:schemeClr val="tx1"/>
+          </a:fontRef>
+        </p:style>
+      </p:cxnSp>
+      <p:pic>
+        <p:nvPicPr>
+          <p:cNvPr id="291" name="Graphic 17">
+            <a:extLst>
+              <a:ext uri="{FF2B5EF4-FFF2-40B4-BE49-F238E27FC236}">
+                <a16:creationId xmlns:a16="http://schemas.microsoft.com/office/drawing/2014/main" id="{8507FAAA-0918-A242-83C1-1580BA8CA12B}"/>
+              </a:ext>
+            </a:extLst>
+          </p:cNvPr>
+          <p:cNvPicPr>
+            <a:picLocks noChangeAspect="1" noChangeArrowheads="1"/>
+          </p:cNvPicPr>
+          <p:nvPr/>
+        </p:nvPicPr>
+        <p:blipFill>
+          <a:blip r:embed="rId10">
+            <a:extLst>
+              <a:ext uri="{28A0092B-C50C-407E-A947-70E740481C1C}">
+                <a14:useLocalDpi xmlns:a14="http://schemas.microsoft.com/office/drawing/2010/main" val="0"/>
+              </a:ext>
+            </a:extLst>
+          </a:blip>
+          <a:srcRect/>
+          <a:stretch>
+            <a:fillRect/>
+          </a:stretch>
+        </p:blipFill>
+        <p:spPr bwMode="auto">
+          <a:xfrm>
+            <a:off x="5234358" y="1617892"/>
+            <a:ext cx="457200" cy="457200"/>
+          </a:xfrm>
+          <a:prstGeom prst="rect">
+            <a:avLst/>
+          </a:prstGeom>
+          <a:noFill/>
+          <a:ln>
+            <a:noFill/>
+          </a:ln>
+          <a:extLst>
+            <a:ext uri="{909E8E84-426E-40DD-AFC4-6F175D3DCCD1}">
+              <a14:hiddenFill xmlns:a14="http://schemas.microsoft.com/office/drawing/2010/main">
+                <a:solidFill>
+                  <a:srgbClr val="FFFFFF"/>
+                </a:solidFill>
+              </a14:hiddenFill>
+            </a:ext>
+            <a:ext uri="{91240B29-F687-4F45-9708-019B960494DF}">
+              <a14:hiddenLine xmlns:a14="http://schemas.microsoft.com/office/drawing/2010/main" w="9525">
+                <a:solidFill>
+                  <a:srgbClr val="000000"/>
+                </a:solidFill>
+                <a:miter lim="800000"/>
+                <a:headEnd/>
+                <a:tailEnd/>
+              </a14:hiddenLine>
+            </a:ext>
+          </a:extLst>
+        </p:spPr>
+      </p:pic>
+      <p:sp>
+        <p:nvSpPr>
+          <p:cNvPr id="292" name="TextBox 2">
+            <a:extLst>
+              <a:ext uri="{FF2B5EF4-FFF2-40B4-BE49-F238E27FC236}">
+                <a16:creationId xmlns:a16="http://schemas.microsoft.com/office/drawing/2014/main" id="{75BB7BAD-2A9A-F04A-8A45-9E6548FE452A}"/>
+              </a:ext>
+            </a:extLst>
+          </p:cNvPr>
+          <p:cNvSpPr txBox="1"/>
+          <p:nvPr/>
+        </p:nvSpPr>
+        <p:spPr>
+          <a:xfrm>
+            <a:off x="4999833" y="2005292"/>
+            <a:ext cx="932275" cy="261610"/>
+          </a:xfrm>
+          <a:prstGeom prst="rect">
+            <a:avLst/>
+          </a:prstGeom>
+          <a:noFill/>
+        </p:spPr>
+        <p:style>
+          <a:lnRef idx="0">
+            <a:scrgbClr r="0" g="0" b="0"/>
+          </a:lnRef>
+          <a:fillRef idx="0">
+            <a:scrgbClr r="0" g="0" b="0"/>
+          </a:fillRef>
+          <a:effectRef idx="0">
+            <a:scrgbClr r="0" g="0" b="0"/>
+          </a:effectRef>
+          <a:fontRef idx="major"/>
+        </p:style>
+        <p:txBody>
+          <a:bodyPr wrap="square" rtlCol="0">
+            <a:spAutoFit/>
+          </a:bodyPr>
+          <a:lstStyle>
+            <a:lvl1pPr>
+              <a:defRPr>
+                <a:latin typeface="+mj-lt"/>
+                <a:ea typeface="+mj-ea"/>
+                <a:cs typeface="+mj-cs"/>
+              </a:defRPr>
+            </a:lvl1pPr>
+            <a:lvl2pPr>
+              <a:defRPr>
+                <a:latin typeface="+mj-lt"/>
+                <a:ea typeface="+mj-ea"/>
+                <a:cs typeface="+mj-cs"/>
+              </a:defRPr>
+            </a:lvl2pPr>
+            <a:lvl3pPr>
+              <a:defRPr>
+                <a:latin typeface="+mj-lt"/>
+                <a:ea typeface="+mj-ea"/>
+                <a:cs typeface="+mj-cs"/>
+              </a:defRPr>
+            </a:lvl3pPr>
+            <a:lvl4pPr>
+              <a:defRPr>
+                <a:latin typeface="+mj-lt"/>
+                <a:ea typeface="+mj-ea"/>
+                <a:cs typeface="+mj-cs"/>
+              </a:defRPr>
+            </a:lvl4pPr>
+            <a:lvl5pPr>
+              <a:defRPr>
+                <a:latin typeface="+mj-lt"/>
+                <a:ea typeface="+mj-ea"/>
+                <a:cs typeface="+mj-cs"/>
+              </a:defRPr>
+            </a:lvl5pPr>
+            <a:lvl6pPr>
+              <a:defRPr>
+                <a:latin typeface="+mj-lt"/>
+                <a:ea typeface="+mj-ea"/>
+                <a:cs typeface="+mj-cs"/>
+              </a:defRPr>
+            </a:lvl6pPr>
+            <a:lvl7pPr>
+              <a:defRPr>
+                <a:latin typeface="+mj-lt"/>
+                <a:ea typeface="+mj-ea"/>
+                <a:cs typeface="+mj-cs"/>
+              </a:defRPr>
+            </a:lvl7pPr>
+            <a:lvl8pPr>
+              <a:defRPr>
+                <a:latin typeface="+mj-lt"/>
+                <a:ea typeface="+mj-ea"/>
+                <a:cs typeface="+mj-cs"/>
+              </a:defRPr>
+            </a:lvl8pPr>
+            <a:lvl9pPr>
+              <a:defRPr>
+                <a:latin typeface="+mj-lt"/>
+                <a:ea typeface="+mj-ea"/>
+                <a:cs typeface="+mj-cs"/>
+              </a:defRPr>
+            </a:lvl9pPr>
+          </a:lstStyle>
+          <a:p>
+            <a:pPr algn="ctr"/>
+            <a:r>
+              <a:rPr lang="en-US" sz="1100" dirty="0">
+                <a:latin typeface="Arial" panose="020B0604020202020204" pitchFamily="34" charset="0"/>
+                <a:cs typeface="Arial" panose="020B0604020202020204" pitchFamily="34" charset="0"/>
+              </a:rPr>
+              <a:t>Alarm Topic</a:t>
+            </a:r>
+          </a:p>
+        </p:txBody>
+      </p:sp>
+      <p:cxnSp>
+        <p:nvCxnSpPr>
+          <p:cNvPr id="293" name="Straight Arrow Connector 292">
+            <a:extLst>
+              <a:ext uri="{FF2B5EF4-FFF2-40B4-BE49-F238E27FC236}">
+                <a16:creationId xmlns:a16="http://schemas.microsoft.com/office/drawing/2014/main" id="{E2DFEF94-9D42-4947-8400-86CD6F54A586}"/>
+              </a:ext>
+            </a:extLst>
+          </p:cNvPr>
+          <p:cNvCxnSpPr>
+            <a:cxnSpLocks/>
+          </p:cNvCxnSpPr>
+          <p:nvPr/>
+        </p:nvCxnSpPr>
+        <p:spPr>
+          <a:xfrm flipV="1">
+            <a:off x="3651606" y="3324677"/>
+            <a:ext cx="479614" cy="1"/>
+          </a:xfrm>
+          <a:prstGeom prst="straightConnector1">
+            <a:avLst/>
+          </a:prstGeom>
+          <a:ln>
+            <a:headEnd type="triangle"/>
+            <a:tailEnd type="triangle"/>
+          </a:ln>
+        </p:spPr>
+        <p:style>
+          <a:lnRef idx="1">
+            <a:schemeClr val="dk1"/>
+          </a:lnRef>
+          <a:fillRef idx="0">
+            <a:schemeClr val="dk1"/>
+          </a:fillRef>
+          <a:effectRef idx="0">
+            <a:schemeClr val="dk1"/>
+          </a:effectRef>
+          <a:fontRef idx="minor">
+            <a:schemeClr val="tx1"/>
+          </a:fontRef>
+        </p:style>
+      </p:cxnSp>
+      <p:pic>
+        <p:nvPicPr>
+          <p:cNvPr id="294" name="Graphic 29">
+            <a:extLst>
+              <a:ext uri="{FF2B5EF4-FFF2-40B4-BE49-F238E27FC236}">
+                <a16:creationId xmlns:a16="http://schemas.microsoft.com/office/drawing/2014/main" id="{A3497171-9D16-2647-A3A0-556643DFE693}"/>
+              </a:ext>
+            </a:extLst>
+          </p:cNvPr>
+          <p:cNvPicPr>
+            <a:picLocks noChangeAspect="1" noChangeArrowheads="1"/>
+          </p:cNvPicPr>
+          <p:nvPr/>
+        </p:nvPicPr>
+        <p:blipFill>
+          <a:blip r:embed="rId11">
+            <a:extLst>
+              <a:ext uri="{28A0092B-C50C-407E-A947-70E740481C1C}">
+                <a14:useLocalDpi xmlns:a14="http://schemas.microsoft.com/office/drawing/2010/main" val="0"/>
+              </a:ext>
+            </a:extLst>
+          </a:blip>
+          <a:srcRect/>
+          <a:stretch>
+            <a:fillRect/>
+          </a:stretch>
+        </p:blipFill>
+        <p:spPr bwMode="auto">
+          <a:xfrm>
+            <a:off x="4258218" y="1623518"/>
+            <a:ext cx="457200" cy="457200"/>
+          </a:xfrm>
+          <a:prstGeom prst="rect">
+            <a:avLst/>
+          </a:prstGeom>
+          <a:noFill/>
+          <a:ln>
+            <a:noFill/>
+          </a:ln>
+          <a:extLst>
+            <a:ext uri="{909E8E84-426E-40DD-AFC4-6F175D3DCCD1}">
+              <a14:hiddenFill xmlns:a14="http://schemas.microsoft.com/office/drawing/2010/main">
+                <a:solidFill>
+                  <a:srgbClr val="FFFFFF"/>
+                </a:solidFill>
+              </a14:hiddenFill>
+            </a:ext>
+            <a:ext uri="{91240B29-F687-4F45-9708-019B960494DF}">
+              <a14:hiddenLine xmlns:a14="http://schemas.microsoft.com/office/drawing/2010/main" w="9525">
+                <a:solidFill>
+                  <a:srgbClr val="000000"/>
+                </a:solidFill>
+                <a:miter lim="800000"/>
+                <a:headEnd/>
+                <a:tailEnd/>
+              </a14:hiddenLine>
+            </a:ext>
+          </a:extLst>
+        </p:spPr>
+      </p:pic>
+      <p:sp>
+        <p:nvSpPr>
+          <p:cNvPr id="295" name="TextBox 2">
+            <a:extLst>
+              <a:ext uri="{FF2B5EF4-FFF2-40B4-BE49-F238E27FC236}">
+                <a16:creationId xmlns:a16="http://schemas.microsoft.com/office/drawing/2014/main" id="{1AEE7F45-A298-EB48-A4DC-6DD9A3254F2D}"/>
+              </a:ext>
+            </a:extLst>
+          </p:cNvPr>
+          <p:cNvSpPr txBox="1"/>
+          <p:nvPr/>
+        </p:nvSpPr>
+        <p:spPr>
+          <a:xfrm>
+            <a:off x="4019412" y="1998007"/>
+            <a:ext cx="932275" cy="261610"/>
+          </a:xfrm>
+          <a:prstGeom prst="rect">
+            <a:avLst/>
+          </a:prstGeom>
+          <a:noFill/>
+        </p:spPr>
+        <p:style>
+          <a:lnRef idx="0">
+            <a:scrgbClr r="0" g="0" b="0"/>
+          </a:lnRef>
+          <a:fillRef idx="0">
+            <a:scrgbClr r="0" g="0" b="0"/>
+          </a:fillRef>
+          <a:effectRef idx="0">
+            <a:scrgbClr r="0" g="0" b="0"/>
+          </a:effectRef>
+          <a:fontRef idx="major"/>
+        </p:style>
+        <p:txBody>
+          <a:bodyPr wrap="square" rtlCol="0">
+            <a:spAutoFit/>
+          </a:bodyPr>
+          <a:lstStyle>
+            <a:lvl1pPr>
+              <a:defRPr>
+                <a:latin typeface="+mj-lt"/>
+                <a:ea typeface="+mj-ea"/>
+                <a:cs typeface="+mj-cs"/>
+              </a:defRPr>
+            </a:lvl1pPr>
+            <a:lvl2pPr>
+              <a:defRPr>
+                <a:latin typeface="+mj-lt"/>
+                <a:ea typeface="+mj-ea"/>
+                <a:cs typeface="+mj-cs"/>
+              </a:defRPr>
+            </a:lvl2pPr>
+            <a:lvl3pPr>
+              <a:defRPr>
+                <a:latin typeface="+mj-lt"/>
+                <a:ea typeface="+mj-ea"/>
+                <a:cs typeface="+mj-cs"/>
+              </a:defRPr>
+            </a:lvl3pPr>
+            <a:lvl4pPr>
+              <a:defRPr>
+                <a:latin typeface="+mj-lt"/>
+                <a:ea typeface="+mj-ea"/>
+                <a:cs typeface="+mj-cs"/>
+              </a:defRPr>
+            </a:lvl4pPr>
+            <a:lvl5pPr>
+              <a:defRPr>
+                <a:latin typeface="+mj-lt"/>
+                <a:ea typeface="+mj-ea"/>
+                <a:cs typeface="+mj-cs"/>
+              </a:defRPr>
+            </a:lvl5pPr>
+            <a:lvl6pPr>
+              <a:defRPr>
+                <a:latin typeface="+mj-lt"/>
+                <a:ea typeface="+mj-ea"/>
+                <a:cs typeface="+mj-cs"/>
+              </a:defRPr>
+            </a:lvl6pPr>
+            <a:lvl7pPr>
+              <a:defRPr>
+                <a:latin typeface="+mj-lt"/>
+                <a:ea typeface="+mj-ea"/>
+                <a:cs typeface="+mj-cs"/>
+              </a:defRPr>
+            </a:lvl7pPr>
+            <a:lvl8pPr>
+              <a:defRPr>
+                <a:latin typeface="+mj-lt"/>
+                <a:ea typeface="+mj-ea"/>
+                <a:cs typeface="+mj-cs"/>
+              </a:defRPr>
+            </a:lvl8pPr>
+            <a:lvl9pPr>
+              <a:defRPr>
+                <a:latin typeface="+mj-lt"/>
+                <a:ea typeface="+mj-ea"/>
+                <a:cs typeface="+mj-cs"/>
+              </a:defRPr>
+            </a:lvl9pPr>
+          </a:lstStyle>
+          <a:p>
+            <a:pPr algn="ctr"/>
+            <a:r>
+              <a:rPr lang="en-US" sz="1100" dirty="0">
+                <a:latin typeface="Arial" panose="020B0604020202020204" pitchFamily="34" charset="0"/>
+                <a:cs typeface="Arial" panose="020B0604020202020204" pitchFamily="34" charset="0"/>
+              </a:rPr>
+              <a:t>DLQ</a:t>
+            </a:r>
+          </a:p>
+        </p:txBody>
+      </p:sp>
+      <p:cxnSp>
+        <p:nvCxnSpPr>
+          <p:cNvPr id="296" name="Straight Arrow Connector 295">
+            <a:extLst>
+              <a:ext uri="{FF2B5EF4-FFF2-40B4-BE49-F238E27FC236}">
+                <a16:creationId xmlns:a16="http://schemas.microsoft.com/office/drawing/2014/main" id="{781C47FF-2886-A848-AC19-385E5B33B506}"/>
+              </a:ext>
+            </a:extLst>
+          </p:cNvPr>
+          <p:cNvCxnSpPr>
+            <a:cxnSpLocks/>
+          </p:cNvCxnSpPr>
+          <p:nvPr/>
+        </p:nvCxnSpPr>
+        <p:spPr>
+          <a:xfrm>
+            <a:off x="4773417" y="1852118"/>
+            <a:ext cx="356540" cy="0"/>
+          </a:xfrm>
+          <a:prstGeom prst="straightConnector1">
+            <a:avLst/>
+          </a:prstGeom>
+          <a:ln>
+            <a:tailEnd type="triangle"/>
+          </a:ln>
+        </p:spPr>
+        <p:style>
+          <a:lnRef idx="1">
+            <a:schemeClr val="dk1"/>
+          </a:lnRef>
+          <a:fillRef idx="0">
+            <a:schemeClr val="dk1"/>
+          </a:fillRef>
+          <a:effectRef idx="0">
+            <a:schemeClr val="dk1"/>
+          </a:effectRef>
+          <a:fontRef idx="minor">
+            <a:schemeClr val="tx1"/>
+          </a:fontRef>
+        </p:style>
+      </p:cxnSp>
+      <p:sp>
+        <p:nvSpPr>
+          <p:cNvPr id="297" name="Oval 296">
+            <a:extLst>
+              <a:ext uri="{FF2B5EF4-FFF2-40B4-BE49-F238E27FC236}">
+                <a16:creationId xmlns:a16="http://schemas.microsoft.com/office/drawing/2014/main" id="{5867CCDC-C8C4-5749-8A36-80F7CB4ECF4A}"/>
+              </a:ext>
+            </a:extLst>
+          </p:cNvPr>
+          <p:cNvSpPr/>
+          <p:nvPr/>
+        </p:nvSpPr>
+        <p:spPr>
+          <a:xfrm>
+            <a:off x="3158420" y="3097114"/>
+            <a:ext cx="253435" cy="212902"/>
+          </a:xfrm>
+          <a:prstGeom prst="ellipse">
+            <a:avLst/>
+          </a:prstGeom>
+          <a:solidFill>
+            <a:schemeClr val="tx1"/>
+          </a:solidFill>
+          <a:ln>
+            <a:solidFill>
+              <a:schemeClr val="tx1"/>
+            </a:solidFill>
+          </a:ln>
+        </p:spPr>
+        <p:style>
+          <a:lnRef idx="2">
+            <a:schemeClr val="accent1">
+              <a:shade val="50000"/>
+            </a:schemeClr>
+          </a:lnRef>
+          <a:fillRef idx="1">
+            <a:schemeClr val="accent1"/>
+          </a:fillRef>
+          <a:effectRef idx="0">
+            <a:schemeClr val="accent1"/>
+          </a:effectRef>
+          <a:fontRef idx="minor">
+            <a:schemeClr val="lt1"/>
+          </a:fontRef>
+        </p:style>
+        <p:txBody>
           <a:bodyPr lIns="0" tIns="0" rIns="0" bIns="0" rtlCol="0" anchor="ctr"/>
           <a:lstStyle/>
           <a:p>
@@ -7895,7 +7677,1087 @@
                 <a:latin typeface="Arial" panose="020B0604020202020204" pitchFamily="34" charset="0"/>
                 <a:cs typeface="Arial" panose="020B0604020202020204" pitchFamily="34" charset="0"/>
               </a:rPr>
-              <a:t>4.2</a:t>
+              <a:t>1.5</a:t>
+            </a:r>
+          </a:p>
+        </p:txBody>
+      </p:sp>
+      <p:sp>
+        <p:nvSpPr>
+          <p:cNvPr id="298" name="Oval 297">
+            <a:extLst>
+              <a:ext uri="{FF2B5EF4-FFF2-40B4-BE49-F238E27FC236}">
+                <a16:creationId xmlns:a16="http://schemas.microsoft.com/office/drawing/2014/main" id="{FDB50880-CA42-2E40-BA81-32F0C64CFDC8}"/>
+              </a:ext>
+            </a:extLst>
+          </p:cNvPr>
+          <p:cNvSpPr/>
+          <p:nvPr/>
+        </p:nvSpPr>
+        <p:spPr>
+          <a:xfrm>
+            <a:off x="4000068" y="1736037"/>
+            <a:ext cx="253435" cy="212902"/>
+          </a:xfrm>
+          <a:prstGeom prst="ellipse">
+            <a:avLst/>
+          </a:prstGeom>
+          <a:solidFill>
+            <a:schemeClr val="tx1"/>
+          </a:solidFill>
+          <a:ln>
+            <a:solidFill>
+              <a:schemeClr val="tx1"/>
+            </a:solidFill>
+          </a:ln>
+        </p:spPr>
+        <p:style>
+          <a:lnRef idx="2">
+            <a:schemeClr val="accent1">
+              <a:shade val="50000"/>
+            </a:schemeClr>
+          </a:lnRef>
+          <a:fillRef idx="1">
+            <a:schemeClr val="accent1"/>
+          </a:fillRef>
+          <a:effectRef idx="0">
+            <a:schemeClr val="accent1"/>
+          </a:effectRef>
+          <a:fontRef idx="minor">
+            <a:schemeClr val="lt1"/>
+          </a:fontRef>
+        </p:style>
+        <p:txBody>
+          <a:bodyPr lIns="0" tIns="0" rIns="0" bIns="0" rtlCol="0" anchor="ctr"/>
+          <a:lstStyle/>
+          <a:p>
+            <a:pPr algn="ctr"/>
+            <a:r>
+              <a:rPr lang="en-US" sz="800" dirty="0">
+                <a:latin typeface="Arial" panose="020B0604020202020204" pitchFamily="34" charset="0"/>
+                <a:cs typeface="Arial" panose="020B0604020202020204" pitchFamily="34" charset="0"/>
+              </a:rPr>
+              <a:t>1.6</a:t>
+            </a:r>
+          </a:p>
+        </p:txBody>
+      </p:sp>
+      <p:sp>
+        <p:nvSpPr>
+          <p:cNvPr id="299" name="Oval 298">
+            <a:extLst>
+              <a:ext uri="{FF2B5EF4-FFF2-40B4-BE49-F238E27FC236}">
+                <a16:creationId xmlns:a16="http://schemas.microsoft.com/office/drawing/2014/main" id="{9C70E945-B4C3-BE49-9BE2-19B09997C55F}"/>
+              </a:ext>
+            </a:extLst>
+          </p:cNvPr>
+          <p:cNvSpPr/>
+          <p:nvPr/>
+        </p:nvSpPr>
+        <p:spPr>
+          <a:xfrm>
+            <a:off x="5259436" y="1668697"/>
+            <a:ext cx="253435" cy="212902"/>
+          </a:xfrm>
+          <a:prstGeom prst="ellipse">
+            <a:avLst/>
+          </a:prstGeom>
+          <a:solidFill>
+            <a:schemeClr val="tx1"/>
+          </a:solidFill>
+          <a:ln>
+            <a:solidFill>
+              <a:schemeClr val="tx1"/>
+            </a:solidFill>
+          </a:ln>
+        </p:spPr>
+        <p:style>
+          <a:lnRef idx="2">
+            <a:schemeClr val="accent1">
+              <a:shade val="50000"/>
+            </a:schemeClr>
+          </a:lnRef>
+          <a:fillRef idx="1">
+            <a:schemeClr val="accent1"/>
+          </a:fillRef>
+          <a:effectRef idx="0">
+            <a:schemeClr val="accent1"/>
+          </a:effectRef>
+          <a:fontRef idx="minor">
+            <a:schemeClr val="lt1"/>
+          </a:fontRef>
+        </p:style>
+        <p:txBody>
+          <a:bodyPr lIns="0" tIns="0" rIns="0" bIns="0" rtlCol="0" anchor="ctr"/>
+          <a:lstStyle/>
+          <a:p>
+            <a:pPr algn="ctr"/>
+            <a:r>
+              <a:rPr lang="en-US" sz="800" dirty="0">
+                <a:latin typeface="Arial" panose="020B0604020202020204" pitchFamily="34" charset="0"/>
+                <a:cs typeface="Arial" panose="020B0604020202020204" pitchFamily="34" charset="0"/>
+              </a:rPr>
+              <a:t>1.7</a:t>
+            </a:r>
+          </a:p>
+        </p:txBody>
+      </p:sp>
+      <p:pic>
+        <p:nvPicPr>
+          <p:cNvPr id="300" name="Graphic 21">
+            <a:extLst>
+              <a:ext uri="{FF2B5EF4-FFF2-40B4-BE49-F238E27FC236}">
+                <a16:creationId xmlns:a16="http://schemas.microsoft.com/office/drawing/2014/main" id="{62F29EA8-1DA2-0545-A477-EE05EAB7CD8D}"/>
+              </a:ext>
+            </a:extLst>
+          </p:cNvPr>
+          <p:cNvPicPr>
+            <a:picLocks noChangeAspect="1" noChangeArrowheads="1"/>
+          </p:cNvPicPr>
+          <p:nvPr/>
+        </p:nvPicPr>
+        <p:blipFill>
+          <a:blip r:embed="rId12">
+            <a:extLst>
+              <a:ext uri="{28A0092B-C50C-407E-A947-70E740481C1C}">
+                <a14:useLocalDpi xmlns:a14="http://schemas.microsoft.com/office/drawing/2010/main" val="0"/>
+              </a:ext>
+            </a:extLst>
+          </a:blip>
+          <a:srcRect/>
+          <a:stretch>
+            <a:fillRect/>
+          </a:stretch>
+        </p:blipFill>
+        <p:spPr bwMode="auto">
+          <a:xfrm>
+            <a:off x="7956199" y="1551939"/>
+            <a:ext cx="457200" cy="457200"/>
+          </a:xfrm>
+          <a:prstGeom prst="rect">
+            <a:avLst/>
+          </a:prstGeom>
+          <a:noFill/>
+          <a:ln>
+            <a:noFill/>
+          </a:ln>
+          <a:extLst>
+            <a:ext uri="{909E8E84-426E-40DD-AFC4-6F175D3DCCD1}">
+              <a14:hiddenFill xmlns:a14="http://schemas.microsoft.com/office/drawing/2010/main">
+                <a:solidFill>
+                  <a:srgbClr val="FFFFFF"/>
+                </a:solidFill>
+              </a14:hiddenFill>
+            </a:ext>
+            <a:ext uri="{91240B29-F687-4F45-9708-019B960494DF}">
+              <a14:hiddenLine xmlns:a14="http://schemas.microsoft.com/office/drawing/2010/main" w="9525">
+                <a:solidFill>
+                  <a:srgbClr val="000000"/>
+                </a:solidFill>
+                <a:miter lim="800000"/>
+                <a:headEnd/>
+                <a:tailEnd/>
+              </a14:hiddenLine>
+            </a:ext>
+          </a:extLst>
+        </p:spPr>
+      </p:pic>
+      <p:sp>
+        <p:nvSpPr>
+          <p:cNvPr id="255" name="Oval 254">
+            <a:extLst>
+              <a:ext uri="{FF2B5EF4-FFF2-40B4-BE49-F238E27FC236}">
+                <a16:creationId xmlns:a16="http://schemas.microsoft.com/office/drawing/2014/main" id="{F304BB5B-AE73-ED4A-B94A-55ABD58B662D}"/>
+              </a:ext>
+            </a:extLst>
+          </p:cNvPr>
+          <p:cNvSpPr/>
+          <p:nvPr/>
+        </p:nvSpPr>
+        <p:spPr>
+          <a:xfrm>
+            <a:off x="7961697" y="1553683"/>
+            <a:ext cx="253435" cy="212902"/>
+          </a:xfrm>
+          <a:prstGeom prst="ellipse">
+            <a:avLst/>
+          </a:prstGeom>
+          <a:solidFill>
+            <a:schemeClr val="tx1"/>
+          </a:solidFill>
+          <a:ln>
+            <a:solidFill>
+              <a:schemeClr val="tx1"/>
+            </a:solidFill>
+          </a:ln>
+        </p:spPr>
+        <p:style>
+          <a:lnRef idx="2">
+            <a:schemeClr val="accent1">
+              <a:shade val="50000"/>
+            </a:schemeClr>
+          </a:lnRef>
+          <a:fillRef idx="1">
+            <a:schemeClr val="accent1"/>
+          </a:fillRef>
+          <a:effectRef idx="0">
+            <a:schemeClr val="accent1"/>
+          </a:effectRef>
+          <a:fontRef idx="minor">
+            <a:schemeClr val="lt1"/>
+          </a:fontRef>
+        </p:style>
+        <p:txBody>
+          <a:bodyPr lIns="0" tIns="0" rIns="0" bIns="0" rtlCol="0" anchor="ctr"/>
+          <a:lstStyle/>
+          <a:p>
+            <a:pPr algn="ctr"/>
+            <a:r>
+              <a:rPr lang="en-US" sz="800" dirty="0">
+                <a:latin typeface="Arial" panose="020B0604020202020204" pitchFamily="34" charset="0"/>
+                <a:cs typeface="Arial" panose="020B0604020202020204" pitchFamily="34" charset="0"/>
+              </a:rPr>
+              <a:t>2.1</a:t>
+            </a:r>
+          </a:p>
+        </p:txBody>
+      </p:sp>
+      <p:pic>
+        <p:nvPicPr>
+          <p:cNvPr id="301" name="Graphic 21">
+            <a:extLst>
+              <a:ext uri="{FF2B5EF4-FFF2-40B4-BE49-F238E27FC236}">
+                <a16:creationId xmlns:a16="http://schemas.microsoft.com/office/drawing/2014/main" id="{566B58C2-3920-E641-8D19-E7456788F08B}"/>
+              </a:ext>
+            </a:extLst>
+          </p:cNvPr>
+          <p:cNvPicPr>
+            <a:picLocks noChangeAspect="1" noChangeArrowheads="1"/>
+          </p:cNvPicPr>
+          <p:nvPr/>
+        </p:nvPicPr>
+        <p:blipFill>
+          <a:blip r:embed="rId12">
+            <a:extLst>
+              <a:ext uri="{28A0092B-C50C-407E-A947-70E740481C1C}">
+                <a14:useLocalDpi xmlns:a14="http://schemas.microsoft.com/office/drawing/2010/main" val="0"/>
+              </a:ext>
+            </a:extLst>
+          </a:blip>
+          <a:srcRect/>
+          <a:stretch>
+            <a:fillRect/>
+          </a:stretch>
+        </p:blipFill>
+        <p:spPr bwMode="auto">
+          <a:xfrm>
+            <a:off x="1839449" y="5155351"/>
+            <a:ext cx="457200" cy="457200"/>
+          </a:xfrm>
+          <a:prstGeom prst="rect">
+            <a:avLst/>
+          </a:prstGeom>
+          <a:noFill/>
+          <a:ln>
+            <a:noFill/>
+          </a:ln>
+          <a:extLst>
+            <a:ext uri="{909E8E84-426E-40DD-AFC4-6F175D3DCCD1}">
+              <a14:hiddenFill xmlns:a14="http://schemas.microsoft.com/office/drawing/2010/main">
+                <a:solidFill>
+                  <a:srgbClr val="FFFFFF"/>
+                </a:solidFill>
+              </a14:hiddenFill>
+            </a:ext>
+            <a:ext uri="{91240B29-F687-4F45-9708-019B960494DF}">
+              <a14:hiddenLine xmlns:a14="http://schemas.microsoft.com/office/drawing/2010/main" w="9525">
+                <a:solidFill>
+                  <a:srgbClr val="000000"/>
+                </a:solidFill>
+                <a:miter lim="800000"/>
+                <a:headEnd/>
+                <a:tailEnd/>
+              </a14:hiddenLine>
+            </a:ext>
+          </a:extLst>
+        </p:spPr>
+      </p:pic>
+      <p:sp>
+        <p:nvSpPr>
+          <p:cNvPr id="242" name="Oval 241">
+            <a:extLst>
+              <a:ext uri="{FF2B5EF4-FFF2-40B4-BE49-F238E27FC236}">
+                <a16:creationId xmlns:a16="http://schemas.microsoft.com/office/drawing/2014/main" id="{1F258E85-2ABB-0D41-8C24-000BEFE67894}"/>
+              </a:ext>
+            </a:extLst>
+          </p:cNvPr>
+          <p:cNvSpPr/>
+          <p:nvPr/>
+        </p:nvSpPr>
+        <p:spPr>
+          <a:xfrm>
+            <a:off x="1854861" y="5171049"/>
+            <a:ext cx="253435" cy="212902"/>
+          </a:xfrm>
+          <a:prstGeom prst="ellipse">
+            <a:avLst/>
+          </a:prstGeom>
+          <a:solidFill>
+            <a:schemeClr val="tx1"/>
+          </a:solidFill>
+          <a:ln>
+            <a:solidFill>
+              <a:schemeClr val="tx1"/>
+            </a:solidFill>
+          </a:ln>
+        </p:spPr>
+        <p:style>
+          <a:lnRef idx="2">
+            <a:schemeClr val="accent1">
+              <a:shade val="50000"/>
+            </a:schemeClr>
+          </a:lnRef>
+          <a:fillRef idx="1">
+            <a:schemeClr val="accent1"/>
+          </a:fillRef>
+          <a:effectRef idx="0">
+            <a:schemeClr val="accent1"/>
+          </a:effectRef>
+          <a:fontRef idx="minor">
+            <a:schemeClr val="lt1"/>
+          </a:fontRef>
+        </p:style>
+        <p:txBody>
+          <a:bodyPr lIns="0" tIns="0" rIns="0" bIns="0" rtlCol="0" anchor="ctr"/>
+          <a:lstStyle/>
+          <a:p>
+            <a:pPr algn="ctr"/>
+            <a:r>
+              <a:rPr lang="en-US" sz="800" dirty="0">
+                <a:latin typeface="Arial" panose="020B0604020202020204" pitchFamily="34" charset="0"/>
+                <a:cs typeface="Arial" panose="020B0604020202020204" pitchFamily="34" charset="0"/>
+              </a:rPr>
+              <a:t>3.1</a:t>
+            </a:r>
+          </a:p>
+        </p:txBody>
+      </p:sp>
+      <p:pic>
+        <p:nvPicPr>
+          <p:cNvPr id="302" name="Graphic 21">
+            <a:extLst>
+              <a:ext uri="{FF2B5EF4-FFF2-40B4-BE49-F238E27FC236}">
+                <a16:creationId xmlns:a16="http://schemas.microsoft.com/office/drawing/2014/main" id="{7F43DE19-8D27-6440-88BE-5C5D12908D40}"/>
+              </a:ext>
+            </a:extLst>
+          </p:cNvPr>
+          <p:cNvPicPr>
+            <a:picLocks noChangeAspect="1" noChangeArrowheads="1"/>
+          </p:cNvPicPr>
+          <p:nvPr/>
+        </p:nvPicPr>
+        <p:blipFill>
+          <a:blip r:embed="rId12">
+            <a:extLst>
+              <a:ext uri="{28A0092B-C50C-407E-A947-70E740481C1C}">
+                <a14:useLocalDpi xmlns:a14="http://schemas.microsoft.com/office/drawing/2010/main" val="0"/>
+              </a:ext>
+            </a:extLst>
+          </a:blip>
+          <a:srcRect/>
+          <a:stretch>
+            <a:fillRect/>
+          </a:stretch>
+        </p:blipFill>
+        <p:spPr bwMode="auto">
+          <a:xfrm>
+            <a:off x="1904980" y="2056027"/>
+            <a:ext cx="457200" cy="457200"/>
+          </a:xfrm>
+          <a:prstGeom prst="rect">
+            <a:avLst/>
+          </a:prstGeom>
+          <a:noFill/>
+          <a:ln>
+            <a:noFill/>
+          </a:ln>
+          <a:extLst>
+            <a:ext uri="{909E8E84-426E-40DD-AFC4-6F175D3DCCD1}">
+              <a14:hiddenFill xmlns:a14="http://schemas.microsoft.com/office/drawing/2010/main">
+                <a:solidFill>
+                  <a:srgbClr val="FFFFFF"/>
+                </a:solidFill>
+              </a14:hiddenFill>
+            </a:ext>
+            <a:ext uri="{91240B29-F687-4F45-9708-019B960494DF}">
+              <a14:hiddenLine xmlns:a14="http://schemas.microsoft.com/office/drawing/2010/main" w="9525">
+                <a:solidFill>
+                  <a:srgbClr val="000000"/>
+                </a:solidFill>
+                <a:miter lim="800000"/>
+                <a:headEnd/>
+                <a:tailEnd/>
+              </a14:hiddenLine>
+            </a:ext>
+          </a:extLst>
+        </p:spPr>
+      </p:pic>
+      <p:sp>
+        <p:nvSpPr>
+          <p:cNvPr id="231" name="Oval 230">
+            <a:extLst>
+              <a:ext uri="{FF2B5EF4-FFF2-40B4-BE49-F238E27FC236}">
+                <a16:creationId xmlns:a16="http://schemas.microsoft.com/office/drawing/2014/main" id="{A579D774-1460-EA4E-A408-53B55F4B16A1}"/>
+              </a:ext>
+            </a:extLst>
+          </p:cNvPr>
+          <p:cNvSpPr/>
+          <p:nvPr/>
+        </p:nvSpPr>
+        <p:spPr>
+          <a:xfrm>
+            <a:off x="1913603" y="2071725"/>
+            <a:ext cx="253435" cy="212902"/>
+          </a:xfrm>
+          <a:prstGeom prst="ellipse">
+            <a:avLst/>
+          </a:prstGeom>
+          <a:solidFill>
+            <a:schemeClr val="tx1"/>
+          </a:solidFill>
+          <a:ln>
+            <a:solidFill>
+              <a:schemeClr val="tx1"/>
+            </a:solidFill>
+          </a:ln>
+        </p:spPr>
+        <p:style>
+          <a:lnRef idx="2">
+            <a:schemeClr val="accent1">
+              <a:shade val="50000"/>
+            </a:schemeClr>
+          </a:lnRef>
+          <a:fillRef idx="1">
+            <a:schemeClr val="accent1"/>
+          </a:fillRef>
+          <a:effectRef idx="0">
+            <a:schemeClr val="accent1"/>
+          </a:effectRef>
+          <a:fontRef idx="minor">
+            <a:schemeClr val="lt1"/>
+          </a:fontRef>
+        </p:style>
+        <p:txBody>
+          <a:bodyPr lIns="0" tIns="0" rIns="0" bIns="0" rtlCol="0" anchor="ctr"/>
+          <a:lstStyle/>
+          <a:p>
+            <a:pPr algn="ctr"/>
+            <a:r>
+              <a:rPr lang="en-US" sz="800" dirty="0">
+                <a:latin typeface="Arial" panose="020B0604020202020204" pitchFamily="34" charset="0"/>
+                <a:cs typeface="Arial" panose="020B0604020202020204" pitchFamily="34" charset="0"/>
+              </a:rPr>
+              <a:t>1.1</a:t>
+            </a:r>
+          </a:p>
+        </p:txBody>
+      </p:sp>
+      <p:pic>
+        <p:nvPicPr>
+          <p:cNvPr id="303" name="Graphic 6">
+            <a:extLst>
+              <a:ext uri="{FF2B5EF4-FFF2-40B4-BE49-F238E27FC236}">
+                <a16:creationId xmlns:a16="http://schemas.microsoft.com/office/drawing/2014/main" id="{FB609C26-3010-FE4E-B2DC-1CD93B028C5D}"/>
+              </a:ext>
+            </a:extLst>
+          </p:cNvPr>
+          <p:cNvPicPr>
+            <a:picLocks noChangeAspect="1" noChangeArrowheads="1"/>
+          </p:cNvPicPr>
+          <p:nvPr/>
+        </p:nvPicPr>
+        <p:blipFill>
+          <a:blip r:embed="rId13">
+            <a:extLst>
+              <a:ext uri="{28A0092B-C50C-407E-A947-70E740481C1C}">
+                <a14:useLocalDpi xmlns:a14="http://schemas.microsoft.com/office/drawing/2010/main" val="0"/>
+              </a:ext>
+            </a:extLst>
+          </a:blip>
+          <a:srcRect/>
+          <a:stretch>
+            <a:fillRect/>
+          </a:stretch>
+        </p:blipFill>
+        <p:spPr bwMode="auto">
+          <a:xfrm>
+            <a:off x="6426436" y="3081416"/>
+            <a:ext cx="457200" cy="457200"/>
+          </a:xfrm>
+          <a:prstGeom prst="rect">
+            <a:avLst/>
+          </a:prstGeom>
+          <a:noFill/>
+          <a:ln>
+            <a:noFill/>
+          </a:ln>
+          <a:extLst>
+            <a:ext uri="{909E8E84-426E-40DD-AFC4-6F175D3DCCD1}">
+              <a14:hiddenFill xmlns:a14="http://schemas.microsoft.com/office/drawing/2010/main">
+                <a:solidFill>
+                  <a:srgbClr val="FFFFFF"/>
+                </a:solidFill>
+              </a14:hiddenFill>
+            </a:ext>
+            <a:ext uri="{91240B29-F687-4F45-9708-019B960494DF}">
+              <a14:hiddenLine xmlns:a14="http://schemas.microsoft.com/office/drawing/2010/main" w="9525">
+                <a:solidFill>
+                  <a:srgbClr val="000000"/>
+                </a:solidFill>
+                <a:miter lim="800000"/>
+                <a:headEnd/>
+                <a:tailEnd/>
+              </a14:hiddenLine>
+            </a:ext>
+          </a:extLst>
+        </p:spPr>
+      </p:pic>
+      <p:sp>
+        <p:nvSpPr>
+          <p:cNvPr id="274" name="Oval 273">
+            <a:extLst>
+              <a:ext uri="{FF2B5EF4-FFF2-40B4-BE49-F238E27FC236}">
+                <a16:creationId xmlns:a16="http://schemas.microsoft.com/office/drawing/2014/main" id="{00738A56-62A6-4840-8A92-17098CF1920D}"/>
+              </a:ext>
+            </a:extLst>
+          </p:cNvPr>
+          <p:cNvSpPr/>
+          <p:nvPr/>
+        </p:nvSpPr>
+        <p:spPr>
+          <a:xfrm>
+            <a:off x="6437175" y="3098356"/>
+            <a:ext cx="253435" cy="212902"/>
+          </a:xfrm>
+          <a:prstGeom prst="ellipse">
+            <a:avLst/>
+          </a:prstGeom>
+          <a:solidFill>
+            <a:schemeClr val="tx1"/>
+          </a:solidFill>
+          <a:ln>
+            <a:solidFill>
+              <a:schemeClr val="tx1"/>
+            </a:solidFill>
+          </a:ln>
+        </p:spPr>
+        <p:style>
+          <a:lnRef idx="2">
+            <a:schemeClr val="accent1">
+              <a:shade val="50000"/>
+            </a:schemeClr>
+          </a:lnRef>
+          <a:fillRef idx="1">
+            <a:schemeClr val="accent1"/>
+          </a:fillRef>
+          <a:effectRef idx="0">
+            <a:schemeClr val="accent1"/>
+          </a:effectRef>
+          <a:fontRef idx="minor">
+            <a:schemeClr val="lt1"/>
+          </a:fontRef>
+        </p:style>
+        <p:txBody>
+          <a:bodyPr lIns="0" tIns="0" rIns="0" bIns="0" rtlCol="0" anchor="ctr"/>
+          <a:lstStyle/>
+          <a:p>
+            <a:pPr algn="ctr"/>
+            <a:r>
+              <a:rPr lang="en-US" sz="800" dirty="0">
+                <a:latin typeface="Arial" panose="020B0604020202020204" pitchFamily="34" charset="0"/>
+                <a:cs typeface="Arial" panose="020B0604020202020204" pitchFamily="34" charset="0"/>
+              </a:rPr>
+              <a:t>1.8</a:t>
+            </a:r>
+          </a:p>
+        </p:txBody>
+      </p:sp>
+      <p:pic>
+        <p:nvPicPr>
+          <p:cNvPr id="305" name="Graphic 6">
+            <a:extLst>
+              <a:ext uri="{FF2B5EF4-FFF2-40B4-BE49-F238E27FC236}">
+                <a16:creationId xmlns:a16="http://schemas.microsoft.com/office/drawing/2014/main" id="{4CB0D92C-BAA0-EE4E-A127-2DA39002B171}"/>
+              </a:ext>
+            </a:extLst>
+          </p:cNvPr>
+          <p:cNvPicPr>
+            <a:picLocks noChangeAspect="1" noChangeArrowheads="1"/>
+          </p:cNvPicPr>
+          <p:nvPr/>
+        </p:nvPicPr>
+        <p:blipFill>
+          <a:blip r:embed="rId13">
+            <a:extLst>
+              <a:ext uri="{28A0092B-C50C-407E-A947-70E740481C1C}">
+                <a14:useLocalDpi xmlns:a14="http://schemas.microsoft.com/office/drawing/2010/main" val="0"/>
+              </a:ext>
+            </a:extLst>
+          </a:blip>
+          <a:srcRect/>
+          <a:stretch>
+            <a:fillRect/>
+          </a:stretch>
+        </p:blipFill>
+        <p:spPr bwMode="auto">
+          <a:xfrm>
+            <a:off x="6335292" y="5527700"/>
+            <a:ext cx="457200" cy="457200"/>
+          </a:xfrm>
+          <a:prstGeom prst="rect">
+            <a:avLst/>
+          </a:prstGeom>
+          <a:noFill/>
+          <a:ln>
+            <a:noFill/>
+          </a:ln>
+          <a:extLst>
+            <a:ext uri="{909E8E84-426E-40DD-AFC4-6F175D3DCCD1}">
+              <a14:hiddenFill xmlns:a14="http://schemas.microsoft.com/office/drawing/2010/main">
+                <a:solidFill>
+                  <a:srgbClr val="FFFFFF"/>
+                </a:solidFill>
+              </a14:hiddenFill>
+            </a:ext>
+            <a:ext uri="{91240B29-F687-4F45-9708-019B960494DF}">
+              <a14:hiddenLine xmlns:a14="http://schemas.microsoft.com/office/drawing/2010/main" w="9525">
+                <a:solidFill>
+                  <a:srgbClr val="000000"/>
+                </a:solidFill>
+                <a:miter lim="800000"/>
+                <a:headEnd/>
+                <a:tailEnd/>
+              </a14:hiddenLine>
+            </a:ext>
+          </a:extLst>
+        </p:spPr>
+      </p:pic>
+      <p:sp>
+        <p:nvSpPr>
+          <p:cNvPr id="287" name="Oval 286">
+            <a:extLst>
+              <a:ext uri="{FF2B5EF4-FFF2-40B4-BE49-F238E27FC236}">
+                <a16:creationId xmlns:a16="http://schemas.microsoft.com/office/drawing/2014/main" id="{76C3A94C-BCA0-2F4D-8D26-65CA523B4654}"/>
+              </a:ext>
+            </a:extLst>
+          </p:cNvPr>
+          <p:cNvSpPr/>
+          <p:nvPr/>
+        </p:nvSpPr>
+        <p:spPr>
+          <a:xfrm>
+            <a:off x="6347533" y="5538619"/>
+            <a:ext cx="253435" cy="212902"/>
+          </a:xfrm>
+          <a:prstGeom prst="ellipse">
+            <a:avLst/>
+          </a:prstGeom>
+          <a:solidFill>
+            <a:schemeClr val="tx1"/>
+          </a:solidFill>
+          <a:ln>
+            <a:solidFill>
+              <a:schemeClr val="tx1"/>
+            </a:solidFill>
+          </a:ln>
+        </p:spPr>
+        <p:style>
+          <a:lnRef idx="2">
+            <a:schemeClr val="accent1">
+              <a:shade val="50000"/>
+            </a:schemeClr>
+          </a:lnRef>
+          <a:fillRef idx="1">
+            <a:schemeClr val="accent1"/>
+          </a:fillRef>
+          <a:effectRef idx="0">
+            <a:schemeClr val="accent1"/>
+          </a:effectRef>
+          <a:fontRef idx="minor">
+            <a:schemeClr val="lt1"/>
+          </a:fontRef>
+        </p:style>
+        <p:txBody>
+          <a:bodyPr lIns="0" tIns="0" rIns="0" bIns="0" rtlCol="0" anchor="ctr"/>
+          <a:lstStyle/>
+          <a:p>
+            <a:pPr algn="ctr"/>
+            <a:r>
+              <a:rPr lang="en-US" sz="800" dirty="0">
+                <a:latin typeface="Arial" panose="020B0604020202020204" pitchFamily="34" charset="0"/>
+                <a:cs typeface="Arial" panose="020B0604020202020204" pitchFamily="34" charset="0"/>
+              </a:rPr>
+              <a:t>3.4</a:t>
+            </a:r>
+          </a:p>
+        </p:txBody>
+      </p:sp>
+      <p:pic>
+        <p:nvPicPr>
+          <p:cNvPr id="306" name="Graphic 6">
+            <a:extLst>
+              <a:ext uri="{FF2B5EF4-FFF2-40B4-BE49-F238E27FC236}">
+                <a16:creationId xmlns:a16="http://schemas.microsoft.com/office/drawing/2014/main" id="{5F742487-4861-544C-BB1D-3047977CD82C}"/>
+              </a:ext>
+            </a:extLst>
+          </p:cNvPr>
+          <p:cNvPicPr>
+            <a:picLocks noChangeAspect="1" noChangeArrowheads="1"/>
+          </p:cNvPicPr>
+          <p:nvPr/>
+        </p:nvPicPr>
+        <p:blipFill>
+          <a:blip r:embed="rId13">
+            <a:extLst>
+              <a:ext uri="{28A0092B-C50C-407E-A947-70E740481C1C}">
+                <a14:useLocalDpi xmlns:a14="http://schemas.microsoft.com/office/drawing/2010/main" val="0"/>
+              </a:ext>
+            </a:extLst>
+          </a:blip>
+          <a:srcRect/>
+          <a:stretch>
+            <a:fillRect/>
+          </a:stretch>
+        </p:blipFill>
+        <p:spPr bwMode="auto">
+          <a:xfrm>
+            <a:off x="9618231" y="2713966"/>
+            <a:ext cx="457200" cy="457200"/>
+          </a:xfrm>
+          <a:prstGeom prst="rect">
+            <a:avLst/>
+          </a:prstGeom>
+          <a:noFill/>
+          <a:ln>
+            <a:noFill/>
+          </a:ln>
+          <a:extLst>
+            <a:ext uri="{909E8E84-426E-40DD-AFC4-6F175D3DCCD1}">
+              <a14:hiddenFill xmlns:a14="http://schemas.microsoft.com/office/drawing/2010/main">
+                <a:solidFill>
+                  <a:srgbClr val="FFFFFF"/>
+                </a:solidFill>
+              </a14:hiddenFill>
+            </a:ext>
+            <a:ext uri="{91240B29-F687-4F45-9708-019B960494DF}">
+              <a14:hiddenLine xmlns:a14="http://schemas.microsoft.com/office/drawing/2010/main" w="9525">
+                <a:solidFill>
+                  <a:srgbClr val="000000"/>
+                </a:solidFill>
+                <a:miter lim="800000"/>
+                <a:headEnd/>
+                <a:tailEnd/>
+              </a14:hiddenLine>
+            </a:ext>
+          </a:extLst>
+        </p:spPr>
+      </p:pic>
+      <p:sp>
+        <p:nvSpPr>
+          <p:cNvPr id="256" name="Oval 255">
+            <a:extLst>
+              <a:ext uri="{FF2B5EF4-FFF2-40B4-BE49-F238E27FC236}">
+                <a16:creationId xmlns:a16="http://schemas.microsoft.com/office/drawing/2014/main" id="{BAFC9B7F-6A94-E748-B373-13499F7C7CEA}"/>
+              </a:ext>
+            </a:extLst>
+          </p:cNvPr>
+          <p:cNvSpPr/>
+          <p:nvPr/>
+        </p:nvSpPr>
+        <p:spPr>
+          <a:xfrm>
+            <a:off x="9620120" y="2719976"/>
+            <a:ext cx="253435" cy="212902"/>
+          </a:xfrm>
+          <a:prstGeom prst="ellipse">
+            <a:avLst/>
+          </a:prstGeom>
+          <a:solidFill>
+            <a:schemeClr val="tx1"/>
+          </a:solidFill>
+          <a:ln>
+            <a:solidFill>
+              <a:schemeClr val="tx1"/>
+            </a:solidFill>
+          </a:ln>
+        </p:spPr>
+        <p:style>
+          <a:lnRef idx="2">
+            <a:schemeClr val="accent1">
+              <a:shade val="50000"/>
+            </a:schemeClr>
+          </a:lnRef>
+          <a:fillRef idx="1">
+            <a:schemeClr val="accent1"/>
+          </a:fillRef>
+          <a:effectRef idx="0">
+            <a:schemeClr val="accent1"/>
+          </a:effectRef>
+          <a:fontRef idx="minor">
+            <a:schemeClr val="lt1"/>
+          </a:fontRef>
+        </p:style>
+        <p:txBody>
+          <a:bodyPr lIns="0" tIns="0" rIns="0" bIns="0" rtlCol="0" anchor="ctr"/>
+          <a:lstStyle/>
+          <a:p>
+            <a:pPr algn="ctr"/>
+            <a:r>
+              <a:rPr lang="en-US" sz="800" dirty="0">
+                <a:latin typeface="Arial" panose="020B0604020202020204" pitchFamily="34" charset="0"/>
+                <a:cs typeface="Arial" panose="020B0604020202020204" pitchFamily="34" charset="0"/>
+              </a:rPr>
+              <a:t>2.3</a:t>
+            </a:r>
+          </a:p>
+        </p:txBody>
+      </p:sp>
+      <p:pic>
+        <p:nvPicPr>
+          <p:cNvPr id="307" name="Graphic 6">
+            <a:extLst>
+              <a:ext uri="{FF2B5EF4-FFF2-40B4-BE49-F238E27FC236}">
+                <a16:creationId xmlns:a16="http://schemas.microsoft.com/office/drawing/2014/main" id="{5236AD7C-E485-9945-887B-3795B30473C8}"/>
+              </a:ext>
+            </a:extLst>
+          </p:cNvPr>
+          <p:cNvPicPr>
+            <a:picLocks noChangeAspect="1" noChangeArrowheads="1"/>
+          </p:cNvPicPr>
+          <p:nvPr/>
+        </p:nvPicPr>
+        <p:blipFill>
+          <a:blip r:embed="rId13">
+            <a:extLst>
+              <a:ext uri="{28A0092B-C50C-407E-A947-70E740481C1C}">
+                <a14:useLocalDpi xmlns:a14="http://schemas.microsoft.com/office/drawing/2010/main" val="0"/>
+              </a:ext>
+            </a:extLst>
+          </a:blip>
+          <a:srcRect/>
+          <a:stretch>
+            <a:fillRect/>
+          </a:stretch>
+        </p:blipFill>
+        <p:spPr bwMode="auto">
+          <a:xfrm>
+            <a:off x="8497910" y="5288003"/>
+            <a:ext cx="457200" cy="457200"/>
+          </a:xfrm>
+          <a:prstGeom prst="rect">
+            <a:avLst/>
+          </a:prstGeom>
+          <a:noFill/>
+          <a:ln>
+            <a:noFill/>
+          </a:ln>
+          <a:extLst>
+            <a:ext uri="{909E8E84-426E-40DD-AFC4-6F175D3DCCD1}">
+              <a14:hiddenFill xmlns:a14="http://schemas.microsoft.com/office/drawing/2010/main">
+                <a:solidFill>
+                  <a:srgbClr val="FFFFFF"/>
+                </a:solidFill>
+              </a14:hiddenFill>
+            </a:ext>
+            <a:ext uri="{91240B29-F687-4F45-9708-019B960494DF}">
+              <a14:hiddenLine xmlns:a14="http://schemas.microsoft.com/office/drawing/2010/main" w="9525">
+                <a:solidFill>
+                  <a:srgbClr val="000000"/>
+                </a:solidFill>
+                <a:miter lim="800000"/>
+                <a:headEnd/>
+                <a:tailEnd/>
+              </a14:hiddenLine>
+            </a:ext>
+          </a:extLst>
+        </p:spPr>
+      </p:pic>
+      <p:sp>
+        <p:nvSpPr>
+          <p:cNvPr id="281" name="Oval 280">
+            <a:extLst>
+              <a:ext uri="{FF2B5EF4-FFF2-40B4-BE49-F238E27FC236}">
+                <a16:creationId xmlns:a16="http://schemas.microsoft.com/office/drawing/2014/main" id="{09CED976-2F06-5D4B-9F83-B80B88C4BFE0}"/>
+              </a:ext>
+            </a:extLst>
+          </p:cNvPr>
+          <p:cNvSpPr/>
+          <p:nvPr/>
+        </p:nvSpPr>
+        <p:spPr>
+          <a:xfrm>
+            <a:off x="8511831" y="5301481"/>
+            <a:ext cx="253435" cy="212902"/>
+          </a:xfrm>
+          <a:prstGeom prst="ellipse">
+            <a:avLst/>
+          </a:prstGeom>
+          <a:solidFill>
+            <a:schemeClr val="tx1"/>
+          </a:solidFill>
+          <a:ln>
+            <a:solidFill>
+              <a:schemeClr val="tx1"/>
+            </a:solidFill>
+          </a:ln>
+        </p:spPr>
+        <p:style>
+          <a:lnRef idx="2">
+            <a:schemeClr val="accent1">
+              <a:shade val="50000"/>
+            </a:schemeClr>
+          </a:lnRef>
+          <a:fillRef idx="1">
+            <a:schemeClr val="accent1"/>
+          </a:fillRef>
+          <a:effectRef idx="0">
+            <a:schemeClr val="accent1"/>
+          </a:effectRef>
+          <a:fontRef idx="minor">
+            <a:schemeClr val="lt1"/>
+          </a:fontRef>
+        </p:style>
+        <p:txBody>
+          <a:bodyPr lIns="0" tIns="0" rIns="0" bIns="0" rtlCol="0" anchor="ctr"/>
+          <a:lstStyle/>
+          <a:p>
+            <a:pPr algn="ctr"/>
+            <a:r>
+              <a:rPr lang="en-US" sz="800" dirty="0">
+                <a:latin typeface="Arial" panose="020B0604020202020204" pitchFamily="34" charset="0"/>
+                <a:cs typeface="Arial" panose="020B0604020202020204" pitchFamily="34" charset="0"/>
+              </a:rPr>
+              <a:t>4.1</a:t>
+            </a:r>
+          </a:p>
+        </p:txBody>
+      </p:sp>
+      <p:pic>
+        <p:nvPicPr>
+          <p:cNvPr id="308" name="Graphic 7">
+            <a:extLst>
+              <a:ext uri="{FF2B5EF4-FFF2-40B4-BE49-F238E27FC236}">
+                <a16:creationId xmlns:a16="http://schemas.microsoft.com/office/drawing/2014/main" id="{D90B4F35-9B4E-584D-9180-7BDF0A2AE2AC}"/>
+              </a:ext>
+            </a:extLst>
+          </p:cNvPr>
+          <p:cNvPicPr>
+            <a:picLocks noChangeAspect="1" noChangeArrowheads="1"/>
+          </p:cNvPicPr>
+          <p:nvPr/>
+        </p:nvPicPr>
+        <p:blipFill>
+          <a:blip r:embed="rId14">
+            <a:extLst>
+              <a:ext uri="{28A0092B-C50C-407E-A947-70E740481C1C}">
+                <a14:useLocalDpi xmlns:a14="http://schemas.microsoft.com/office/drawing/2010/main" val="0"/>
+              </a:ext>
+            </a:extLst>
+          </a:blip>
+          <a:srcRect/>
+          <a:stretch>
+            <a:fillRect/>
+          </a:stretch>
+        </p:blipFill>
+        <p:spPr bwMode="auto">
+          <a:xfrm>
+            <a:off x="3252718" y="5137328"/>
+            <a:ext cx="457200" cy="457200"/>
+          </a:xfrm>
+          <a:prstGeom prst="rect">
+            <a:avLst/>
+          </a:prstGeom>
+          <a:noFill/>
+          <a:ln>
+            <a:noFill/>
+          </a:ln>
+          <a:extLst>
+            <a:ext uri="{909E8E84-426E-40DD-AFC4-6F175D3DCCD1}">
+              <a14:hiddenFill xmlns:a14="http://schemas.microsoft.com/office/drawing/2010/main">
+                <a:solidFill>
+                  <a:srgbClr val="FFFFFF"/>
+                </a:solidFill>
+              </a14:hiddenFill>
+            </a:ext>
+            <a:ext uri="{91240B29-F687-4F45-9708-019B960494DF}">
+              <a14:hiddenLine xmlns:a14="http://schemas.microsoft.com/office/drawing/2010/main" w="9525">
+                <a:solidFill>
+                  <a:srgbClr val="000000"/>
+                </a:solidFill>
+                <a:miter lim="800000"/>
+                <a:headEnd/>
+                <a:tailEnd/>
+              </a14:hiddenLine>
+            </a:ext>
+          </a:extLst>
+        </p:spPr>
+      </p:pic>
+      <p:sp>
+        <p:nvSpPr>
+          <p:cNvPr id="260" name="Oval 259">
+            <a:extLst>
+              <a:ext uri="{FF2B5EF4-FFF2-40B4-BE49-F238E27FC236}">
+                <a16:creationId xmlns:a16="http://schemas.microsoft.com/office/drawing/2014/main" id="{A8874115-7D6E-8540-AB3A-EAEF3F3CFC11}"/>
+              </a:ext>
+            </a:extLst>
+          </p:cNvPr>
+          <p:cNvSpPr/>
+          <p:nvPr/>
+        </p:nvSpPr>
+        <p:spPr>
+          <a:xfrm>
+            <a:off x="3270337" y="5146520"/>
+            <a:ext cx="253435" cy="212902"/>
+          </a:xfrm>
+          <a:prstGeom prst="ellipse">
+            <a:avLst/>
+          </a:prstGeom>
+          <a:solidFill>
+            <a:schemeClr val="tx1"/>
+          </a:solidFill>
+          <a:ln>
+            <a:solidFill>
+              <a:schemeClr val="tx1"/>
+            </a:solidFill>
+          </a:ln>
+        </p:spPr>
+        <p:style>
+          <a:lnRef idx="2">
+            <a:schemeClr val="accent1">
+              <a:shade val="50000"/>
+            </a:schemeClr>
+          </a:lnRef>
+          <a:fillRef idx="1">
+            <a:schemeClr val="accent1"/>
+          </a:fillRef>
+          <a:effectRef idx="0">
+            <a:schemeClr val="accent1"/>
+          </a:effectRef>
+          <a:fontRef idx="minor">
+            <a:schemeClr val="lt1"/>
+          </a:fontRef>
+        </p:style>
+        <p:txBody>
+          <a:bodyPr lIns="0" tIns="0" rIns="0" bIns="0" rtlCol="0" anchor="ctr"/>
+          <a:lstStyle/>
+          <a:p>
+            <a:pPr algn="ctr"/>
+            <a:r>
+              <a:rPr lang="en-US" sz="800" dirty="0">
+                <a:latin typeface="Arial" panose="020B0604020202020204" pitchFamily="34" charset="0"/>
+                <a:cs typeface="Arial" panose="020B0604020202020204" pitchFamily="34" charset="0"/>
+              </a:rPr>
+              <a:t>3.2</a:t>
             </a:r>
           </a:p>
         </p:txBody>

--- a/aws_sra_examples/solutions/macie/macie_org/documentation/macie-org.pptx
+++ b/aws_sra_examples/solutions/macie/macie_org/documentation/macie-org.pptx
@@ -5,10 +5,11 @@
     <p:sldMasterId id="2147483648" r:id="rId1"/>
   </p:sldMasterIdLst>
   <p:notesMasterIdLst>
-    <p:notesMasterId r:id="rId3"/>
+    <p:notesMasterId r:id="rId4"/>
   </p:notesMasterIdLst>
   <p:sldIdLst>
     <p:sldId id="256" r:id="rId2"/>
+    <p:sldId id="257" r:id="rId3"/>
   </p:sldIdLst>
   <p:sldSz cx="12192000" cy="6858000"/>
   <p:notesSz cx="6858000" cy="9144000"/>
@@ -108,6 +109,20 @@
     </a:lvl9pPr>
   </p:defaultTextStyle>
   <p:extLst>
+    <p:ext uri="{521415D9-36F7-43E2-AB2F-B90AF26B5E84}">
+      <p14:sectionLst xmlns:p14="http://schemas.microsoft.com/office/powerpoint/2010/main">
+        <p14:section name="AWS SRA Macie - CloudFormation" id="{65B09910-BFAB-48E5-B74F-9492D33C5161}">
+          <p14:sldIdLst>
+            <p14:sldId id="256"/>
+          </p14:sldIdLst>
+        </p14:section>
+        <p14:section name="AWS SRA Macie - Terraform" id="{34A45420-8579-416A-999F-4AE60641C29C}">
+          <p14:sldIdLst>
+            <p14:sldId id="257"/>
+          </p14:sldIdLst>
+        </p14:section>
+      </p14:sectionLst>
+    </p:ext>
     <p:ext uri="{EFAFB233-063F-42B5-8137-9DF3F51BA10A}">
       <p15:sldGuideLst xmlns:p15="http://schemas.microsoft.com/office/powerpoint/2012/main"/>
     </p:ext>
@@ -197,7 +212,7 @@
           <a:p>
             <a:fld id="{FD8D84E3-00BA-4A46-8256-7E527D8B4480}" type="datetimeFigureOut">
               <a:rPr lang="en-US" smtClean="0"/>
-              <a:t>3/10/22</a:t>
+              <a:t>2/5/2024</a:t>
             </a:fld>
             <a:endParaRPr lang="en-US"/>
           </a:p>
@@ -548,6 +563,90 @@
 </p:notes>
 </file>
 
+<file path=ppt/notesSlides/notesSlide2.xml><?xml version="1.0" encoding="utf-8"?>
+<p:notes xmlns:a="http://schemas.openxmlformats.org/drawingml/2006/main" xmlns:r="http://schemas.openxmlformats.org/officeDocument/2006/relationships" xmlns:p="http://schemas.openxmlformats.org/presentationml/2006/main">
+  <p:cSld>
+    <p:spTree>
+      <p:nvGrpSpPr>
+        <p:cNvPr id="1" name=""/>
+        <p:cNvGrpSpPr/>
+        <p:nvPr/>
+      </p:nvGrpSpPr>
+      <p:grpSpPr>
+        <a:xfrm>
+          <a:off x="0" y="0"/>
+          <a:ext cx="0" cy="0"/>
+          <a:chOff x="0" y="0"/>
+          <a:chExt cx="0" cy="0"/>
+        </a:xfrm>
+      </p:grpSpPr>
+      <p:sp>
+        <p:nvSpPr>
+          <p:cNvPr id="2" name="Slide Image Placeholder 1"/>
+          <p:cNvSpPr>
+            <a:spLocks noGrp="1" noRot="1" noChangeAspect="1"/>
+          </p:cNvSpPr>
+          <p:nvPr>
+            <p:ph type="sldImg"/>
+          </p:nvPr>
+        </p:nvSpPr>
+        <p:spPr/>
+      </p:sp>
+      <p:sp>
+        <p:nvSpPr>
+          <p:cNvPr id="3" name="Notes Placeholder 2"/>
+          <p:cNvSpPr>
+            <a:spLocks noGrp="1"/>
+          </p:cNvSpPr>
+          <p:nvPr>
+            <p:ph type="body" idx="1"/>
+          </p:nvPr>
+        </p:nvSpPr>
+        <p:spPr/>
+        <p:txBody>
+          <a:bodyPr/>
+          <a:lstStyle/>
+          <a:p>
+            <a:endParaRPr lang="en-US" dirty="0"/>
+          </a:p>
+        </p:txBody>
+      </p:sp>
+      <p:sp>
+        <p:nvSpPr>
+          <p:cNvPr id="4" name="Slide Number Placeholder 3"/>
+          <p:cNvSpPr>
+            <a:spLocks noGrp="1"/>
+          </p:cNvSpPr>
+          <p:nvPr>
+            <p:ph type="sldNum" sz="quarter" idx="5"/>
+          </p:nvPr>
+        </p:nvSpPr>
+        <p:spPr/>
+        <p:txBody>
+          <a:bodyPr/>
+          <a:lstStyle/>
+          <a:p>
+            <a:fld id="{9E1330C4-BBBB-FC4A-85DD-6AFA452BF0C0}" type="slidenum">
+              <a:rPr lang="en-US" smtClean="0"/>
+              <a:t>2</a:t>
+            </a:fld>
+            <a:endParaRPr lang="en-US"/>
+          </a:p>
+        </p:txBody>
+      </p:sp>
+    </p:spTree>
+    <p:extLst>
+      <p:ext uri="{BB962C8B-B14F-4D97-AF65-F5344CB8AC3E}">
+        <p14:creationId xmlns:p14="http://schemas.microsoft.com/office/powerpoint/2010/main" val="27507652"/>
+      </p:ext>
+    </p:extLst>
+  </p:cSld>
+  <p:clrMapOvr>
+    <a:masterClrMapping/>
+  </p:clrMapOvr>
+</p:notes>
+</file>
+
 <file path=ppt/slideLayouts/slideLayout1.xml><?xml version="1.0" encoding="utf-8"?>
 <p:sldLayout xmlns:a="http://schemas.openxmlformats.org/drawingml/2006/main" xmlns:r="http://schemas.openxmlformats.org/officeDocument/2006/relationships" xmlns:p="http://schemas.openxmlformats.org/presentationml/2006/main" type="title" preserve="1">
   <p:cSld name="Title Slide">
@@ -695,7 +794,7 @@
           <a:p>
             <a:fld id="{9FE185F7-9B28-9F45-9F43-9CB5A0B99390}" type="datetimeFigureOut">
               <a:rPr lang="en-US" smtClean="0"/>
-              <a:t>3/10/22</a:t>
+              <a:t>2/5/2024</a:t>
             </a:fld>
             <a:endParaRPr lang="en-US"/>
           </a:p>
@@ -893,7 +992,7 @@
           <a:p>
             <a:fld id="{9FE185F7-9B28-9F45-9F43-9CB5A0B99390}" type="datetimeFigureOut">
               <a:rPr lang="en-US" smtClean="0"/>
-              <a:t>3/10/22</a:t>
+              <a:t>2/5/2024</a:t>
             </a:fld>
             <a:endParaRPr lang="en-US"/>
           </a:p>
@@ -1101,7 +1200,7 @@
           <a:p>
             <a:fld id="{9FE185F7-9B28-9F45-9F43-9CB5A0B99390}" type="datetimeFigureOut">
               <a:rPr lang="en-US" smtClean="0"/>
-              <a:t>3/10/22</a:t>
+              <a:t>2/5/2024</a:t>
             </a:fld>
             <a:endParaRPr lang="en-US"/>
           </a:p>
@@ -1299,7 +1398,7 @@
           <a:p>
             <a:fld id="{9FE185F7-9B28-9F45-9F43-9CB5A0B99390}" type="datetimeFigureOut">
               <a:rPr lang="en-US" smtClean="0"/>
-              <a:t>3/10/22</a:t>
+              <a:t>2/5/2024</a:t>
             </a:fld>
             <a:endParaRPr lang="en-US"/>
           </a:p>
@@ -1574,7 +1673,7 @@
           <a:p>
             <a:fld id="{9FE185F7-9B28-9F45-9F43-9CB5A0B99390}" type="datetimeFigureOut">
               <a:rPr lang="en-US" smtClean="0"/>
-              <a:t>3/10/22</a:t>
+              <a:t>2/5/2024</a:t>
             </a:fld>
             <a:endParaRPr lang="en-US"/>
           </a:p>
@@ -1839,7 +1938,7 @@
           <a:p>
             <a:fld id="{9FE185F7-9B28-9F45-9F43-9CB5A0B99390}" type="datetimeFigureOut">
               <a:rPr lang="en-US" smtClean="0"/>
-              <a:t>3/10/22</a:t>
+              <a:t>2/5/2024</a:t>
             </a:fld>
             <a:endParaRPr lang="en-US"/>
           </a:p>
@@ -2251,7 +2350,7 @@
           <a:p>
             <a:fld id="{9FE185F7-9B28-9F45-9F43-9CB5A0B99390}" type="datetimeFigureOut">
               <a:rPr lang="en-US" smtClean="0"/>
-              <a:t>3/10/22</a:t>
+              <a:t>2/5/2024</a:t>
             </a:fld>
             <a:endParaRPr lang="en-US"/>
           </a:p>
@@ -2392,7 +2491,7 @@
           <a:p>
             <a:fld id="{9FE185F7-9B28-9F45-9F43-9CB5A0B99390}" type="datetimeFigureOut">
               <a:rPr lang="en-US" smtClean="0"/>
-              <a:t>3/10/22</a:t>
+              <a:t>2/5/2024</a:t>
             </a:fld>
             <a:endParaRPr lang="en-US"/>
           </a:p>
@@ -2505,7 +2604,7 @@
           <a:p>
             <a:fld id="{9FE185F7-9B28-9F45-9F43-9CB5A0B99390}" type="datetimeFigureOut">
               <a:rPr lang="en-US" smtClean="0"/>
-              <a:t>3/10/22</a:t>
+              <a:t>2/5/2024</a:t>
             </a:fld>
             <a:endParaRPr lang="en-US"/>
           </a:p>
@@ -2816,7 +2915,7 @@
           <a:p>
             <a:fld id="{9FE185F7-9B28-9F45-9F43-9CB5A0B99390}" type="datetimeFigureOut">
               <a:rPr lang="en-US" smtClean="0"/>
-              <a:t>3/10/22</a:t>
+              <a:t>2/5/2024</a:t>
             </a:fld>
             <a:endParaRPr lang="en-US"/>
           </a:p>
@@ -3104,7 +3203,7 @@
           <a:p>
             <a:fld id="{9FE185F7-9B28-9F45-9F43-9CB5A0B99390}" type="datetimeFigureOut">
               <a:rPr lang="en-US" smtClean="0"/>
-              <a:t>3/10/22</a:t>
+              <a:t>2/5/2024</a:t>
             </a:fld>
             <a:endParaRPr lang="en-US"/>
           </a:p>
@@ -3345,7 +3444,7 @@
           <a:p>
             <a:fld id="{9FE185F7-9B28-9F45-9F43-9CB5A0B99390}" type="datetimeFigureOut">
               <a:rPr lang="en-US" smtClean="0"/>
-              <a:t>3/10/22</a:t>
+              <a:t>2/5/2024</a:t>
             </a:fld>
             <a:endParaRPr lang="en-US"/>
           </a:p>
@@ -8766,6 +8865,4548 @@
     <p:extLst>
       <p:ext uri="{BB962C8B-B14F-4D97-AF65-F5344CB8AC3E}">
         <p14:creationId xmlns:p14="http://schemas.microsoft.com/office/powerpoint/2010/main" val="2296993975"/>
+      </p:ext>
+    </p:extLst>
+  </p:cSld>
+  <p:clrMapOvr>
+    <a:masterClrMapping/>
+  </p:clrMapOvr>
+</p:sld>
+</file>
+
+<file path=ppt/slides/slide2.xml><?xml version="1.0" encoding="utf-8"?>
+<p:sld xmlns:a="http://schemas.openxmlformats.org/drawingml/2006/main" xmlns:r="http://schemas.openxmlformats.org/officeDocument/2006/relationships" xmlns:p="http://schemas.openxmlformats.org/presentationml/2006/main">
+  <p:cSld>
+    <p:spTree>
+      <p:nvGrpSpPr>
+        <p:cNvPr id="1" name=""/>
+        <p:cNvGrpSpPr/>
+        <p:nvPr/>
+      </p:nvGrpSpPr>
+      <p:grpSpPr>
+        <a:xfrm>
+          <a:off x="0" y="0"/>
+          <a:ext cx="0" cy="0"/>
+          <a:chOff x="0" y="0"/>
+          <a:chExt cx="0" cy="0"/>
+        </a:xfrm>
+      </p:grpSpPr>
+      <p:sp>
+        <p:nvSpPr>
+          <p:cNvPr id="201" name="Rectangle 200">
+            <a:extLst>
+              <a:ext uri="{FF2B5EF4-FFF2-40B4-BE49-F238E27FC236}">
+                <a16:creationId xmlns:a16="http://schemas.microsoft.com/office/drawing/2014/main" id="{5F393B6E-D105-6D49-81CE-DE0E0899AE01}"/>
+              </a:ext>
+            </a:extLst>
+          </p:cNvPr>
+          <p:cNvSpPr/>
+          <p:nvPr/>
+        </p:nvSpPr>
+        <p:spPr>
+          <a:xfrm>
+            <a:off x="1175468" y="109318"/>
+            <a:ext cx="9655464" cy="6600827"/>
+          </a:xfrm>
+          <a:prstGeom prst="rect">
+            <a:avLst/>
+          </a:prstGeom>
+          <a:solidFill>
+            <a:schemeClr val="bg1"/>
+          </a:solidFill>
+          <a:ln w="12700">
+            <a:solidFill>
+              <a:schemeClr val="tx1"/>
+            </a:solidFill>
+          </a:ln>
+        </p:spPr>
+        <p:style>
+          <a:lnRef idx="2">
+            <a:schemeClr val="accent1">
+              <a:shade val="50000"/>
+            </a:schemeClr>
+          </a:lnRef>
+          <a:fillRef idx="1">
+            <a:schemeClr val="accent1"/>
+          </a:fillRef>
+          <a:effectRef idx="0">
+            <a:schemeClr val="accent1"/>
+          </a:effectRef>
+          <a:fontRef idx="minor">
+            <a:schemeClr val="lt1"/>
+          </a:fontRef>
+        </p:style>
+        <p:txBody>
+          <a:bodyPr rot="0" spcFirstLastPara="0" vert="horz" wrap="square" lIns="457200" tIns="91440" rIns="91440" bIns="45720" numCol="1" spcCol="0" rtlCol="0" fromWordArt="0" anchor="t" anchorCtr="0" forceAA="0" compatLnSpc="1">
+            <a:prstTxWarp prst="textNoShape">
+              <a:avLst/>
+            </a:prstTxWarp>
+            <a:noAutofit/>
+          </a:bodyPr>
+          <a:lstStyle>
+            <a:lvl1pPr>
+              <a:defRPr>
+                <a:solidFill>
+                  <a:schemeClr val="lt1"/>
+                </a:solidFill>
+                <a:latin typeface="+mn-lt"/>
+                <a:ea typeface="+mn-ea"/>
+                <a:cs typeface="+mn-cs"/>
+              </a:defRPr>
+            </a:lvl1pPr>
+            <a:lvl2pPr>
+              <a:defRPr>
+                <a:solidFill>
+                  <a:schemeClr val="lt1"/>
+                </a:solidFill>
+                <a:latin typeface="+mn-lt"/>
+                <a:ea typeface="+mn-ea"/>
+                <a:cs typeface="+mn-cs"/>
+              </a:defRPr>
+            </a:lvl2pPr>
+            <a:lvl3pPr>
+              <a:defRPr>
+                <a:solidFill>
+                  <a:schemeClr val="lt1"/>
+                </a:solidFill>
+                <a:latin typeface="+mn-lt"/>
+                <a:ea typeface="+mn-ea"/>
+                <a:cs typeface="+mn-cs"/>
+              </a:defRPr>
+            </a:lvl3pPr>
+            <a:lvl4pPr>
+              <a:defRPr>
+                <a:solidFill>
+                  <a:schemeClr val="lt1"/>
+                </a:solidFill>
+                <a:latin typeface="+mn-lt"/>
+                <a:ea typeface="+mn-ea"/>
+                <a:cs typeface="+mn-cs"/>
+              </a:defRPr>
+            </a:lvl4pPr>
+            <a:lvl5pPr>
+              <a:defRPr>
+                <a:solidFill>
+                  <a:schemeClr val="lt1"/>
+                </a:solidFill>
+                <a:latin typeface="+mn-lt"/>
+                <a:ea typeface="+mn-ea"/>
+                <a:cs typeface="+mn-cs"/>
+              </a:defRPr>
+            </a:lvl5pPr>
+            <a:lvl6pPr>
+              <a:defRPr>
+                <a:solidFill>
+                  <a:schemeClr val="lt1"/>
+                </a:solidFill>
+                <a:latin typeface="+mn-lt"/>
+                <a:ea typeface="+mn-ea"/>
+                <a:cs typeface="+mn-cs"/>
+              </a:defRPr>
+            </a:lvl6pPr>
+            <a:lvl7pPr>
+              <a:defRPr>
+                <a:solidFill>
+                  <a:schemeClr val="lt1"/>
+                </a:solidFill>
+                <a:latin typeface="+mn-lt"/>
+                <a:ea typeface="+mn-ea"/>
+                <a:cs typeface="+mn-cs"/>
+              </a:defRPr>
+            </a:lvl7pPr>
+            <a:lvl8pPr>
+              <a:defRPr>
+                <a:solidFill>
+                  <a:schemeClr val="lt1"/>
+                </a:solidFill>
+                <a:latin typeface="+mn-lt"/>
+                <a:ea typeface="+mn-ea"/>
+                <a:cs typeface="+mn-cs"/>
+              </a:defRPr>
+            </a:lvl8pPr>
+            <a:lvl9pPr>
+              <a:defRPr>
+                <a:solidFill>
+                  <a:schemeClr val="lt1"/>
+                </a:solidFill>
+                <a:latin typeface="+mn-lt"/>
+                <a:ea typeface="+mn-ea"/>
+                <a:cs typeface="+mn-cs"/>
+              </a:defRPr>
+            </a:lvl9pPr>
+          </a:lstStyle>
+          <a:p>
+            <a:pPr algn="l"/>
+            <a:r>
+              <a:rPr lang="en-US" sz="1400" dirty="0">
+                <a:solidFill>
+                  <a:sysClr val="windowText" lastClr="000000"/>
+                </a:solidFill>
+                <a:latin typeface="Arial" panose="020B0604020202020204" pitchFamily="34" charset="0"/>
+                <a:cs typeface="Arial" panose="020B0604020202020204" pitchFamily="34" charset="0"/>
+              </a:rPr>
+              <a:t>AWS Cloud</a:t>
+            </a:r>
+          </a:p>
+        </p:txBody>
+      </p:sp>
+      <p:sp>
+        <p:nvSpPr>
+          <p:cNvPr id="202" name="Rectangle 201">
+            <a:extLst>
+              <a:ext uri="{FF2B5EF4-FFF2-40B4-BE49-F238E27FC236}">
+                <a16:creationId xmlns:a16="http://schemas.microsoft.com/office/drawing/2014/main" id="{AE33C853-A977-D848-9CAD-1676CB3D2E99}"/>
+              </a:ext>
+            </a:extLst>
+          </p:cNvPr>
+          <p:cNvSpPr/>
+          <p:nvPr/>
+        </p:nvSpPr>
+        <p:spPr>
+          <a:xfrm>
+            <a:off x="1342199" y="486488"/>
+            <a:ext cx="6028838" cy="3523847"/>
+          </a:xfrm>
+          <a:prstGeom prst="rect">
+            <a:avLst/>
+          </a:prstGeom>
+          <a:noFill/>
+          <a:ln w="12700">
+            <a:solidFill>
+              <a:schemeClr val="tx1"/>
+            </a:solidFill>
+            <a:prstDash val="solid"/>
+          </a:ln>
+        </p:spPr>
+        <p:style>
+          <a:lnRef idx="2">
+            <a:schemeClr val="accent1">
+              <a:shade val="50000"/>
+            </a:schemeClr>
+          </a:lnRef>
+          <a:fillRef idx="1">
+            <a:schemeClr val="accent1"/>
+          </a:fillRef>
+          <a:effectRef idx="0">
+            <a:schemeClr val="accent1"/>
+          </a:effectRef>
+          <a:fontRef idx="minor">
+            <a:schemeClr val="lt1"/>
+          </a:fontRef>
+        </p:style>
+        <p:txBody>
+          <a:bodyPr rot="0" spcFirstLastPara="0" vertOverflow="overflow" horzOverflow="overflow" vert="horz" wrap="square" lIns="91440" tIns="91440" rIns="91440" bIns="45720" numCol="1" spcCol="0" rtlCol="0" fromWordArt="0" anchor="t" anchorCtr="0" forceAA="0" compatLnSpc="1">
+            <a:prstTxWarp prst="textNoShape">
+              <a:avLst/>
+            </a:prstTxWarp>
+            <a:noAutofit/>
+          </a:bodyPr>
+          <a:lstStyle/>
+          <a:p>
+            <a:pPr algn="ctr"/>
+            <a:r>
+              <a:rPr lang="en-US" sz="1400" dirty="0">
+                <a:solidFill>
+                  <a:schemeClr val="tx1"/>
+                </a:solidFill>
+                <a:latin typeface="Arial" panose="020B0604020202020204" pitchFamily="34" charset="0"/>
+                <a:cs typeface="Arial" panose="020B0604020202020204" pitchFamily="34" charset="0"/>
+              </a:rPr>
+              <a:t>Organization Management Account</a:t>
+            </a:r>
+          </a:p>
+        </p:txBody>
+      </p:sp>
+      <p:pic>
+        <p:nvPicPr>
+          <p:cNvPr id="203" name="Graphic 2">
+            <a:extLst>
+              <a:ext uri="{FF2B5EF4-FFF2-40B4-BE49-F238E27FC236}">
+                <a16:creationId xmlns:a16="http://schemas.microsoft.com/office/drawing/2014/main" id="{CC19A815-4C28-4F45-9CE0-0ADA0344C8E5}"/>
+              </a:ext>
+            </a:extLst>
+          </p:cNvPr>
+          <p:cNvPicPr>
+            <a:picLocks noChangeAspect="1"/>
+          </p:cNvPicPr>
+          <p:nvPr/>
+        </p:nvPicPr>
+        <p:blipFill>
+          <a:blip r:embed="rId3">
+            <a:extLst>
+              <a:ext uri="{96DAC541-7B7A-43D3-8B79-37D633B846F1}">
+                <asvg:svgBlip xmlns:asvg="http://schemas.microsoft.com/office/drawing/2016/SVG/main" r:embed="rId4"/>
+              </a:ext>
+            </a:extLst>
+          </a:blip>
+          <a:stretch>
+            <a:fillRect/>
+          </a:stretch>
+        </p:blipFill>
+        <p:spPr>
+          <a:xfrm>
+            <a:off x="1175468" y="109318"/>
+            <a:ext cx="330200" cy="330200"/>
+          </a:xfrm>
+          <a:prstGeom prst="rect">
+            <a:avLst/>
+          </a:prstGeom>
+        </p:spPr>
+      </p:pic>
+      <p:sp>
+        <p:nvSpPr>
+          <p:cNvPr id="204" name="Rectangle 203">
+            <a:extLst>
+              <a:ext uri="{FF2B5EF4-FFF2-40B4-BE49-F238E27FC236}">
+                <a16:creationId xmlns:a16="http://schemas.microsoft.com/office/drawing/2014/main" id="{A7A074E6-1E10-F740-BB5A-2B9C6EC97605}"/>
+              </a:ext>
+            </a:extLst>
+          </p:cNvPr>
+          <p:cNvSpPr/>
+          <p:nvPr/>
+        </p:nvSpPr>
+        <p:spPr>
+          <a:xfrm>
+            <a:off x="1329577" y="4073746"/>
+            <a:ext cx="6041460" cy="2381951"/>
+          </a:xfrm>
+          <a:prstGeom prst="rect">
+            <a:avLst/>
+          </a:prstGeom>
+          <a:noFill/>
+          <a:ln w="12700">
+            <a:solidFill>
+              <a:schemeClr val="tx1"/>
+            </a:solidFill>
+            <a:prstDash val="solid"/>
+          </a:ln>
+        </p:spPr>
+        <p:style>
+          <a:lnRef idx="2">
+            <a:schemeClr val="accent1">
+              <a:shade val="50000"/>
+            </a:schemeClr>
+          </a:lnRef>
+          <a:fillRef idx="1">
+            <a:schemeClr val="accent1"/>
+          </a:fillRef>
+          <a:effectRef idx="0">
+            <a:schemeClr val="accent1"/>
+          </a:effectRef>
+          <a:fontRef idx="minor">
+            <a:schemeClr val="lt1"/>
+          </a:fontRef>
+        </p:style>
+        <p:txBody>
+          <a:bodyPr rot="0" spcFirstLastPara="0" vertOverflow="overflow" horzOverflow="overflow" vert="horz" wrap="square" lIns="91440" tIns="91440" rIns="91440" bIns="45720" numCol="1" spcCol="0" rtlCol="0" fromWordArt="0" anchor="t" anchorCtr="0" forceAA="0" compatLnSpc="1">
+            <a:prstTxWarp prst="textNoShape">
+              <a:avLst/>
+            </a:prstTxWarp>
+            <a:noAutofit/>
+          </a:bodyPr>
+          <a:lstStyle/>
+          <a:p>
+            <a:pPr algn="ctr"/>
+            <a:r>
+              <a:rPr lang="en-US" sz="1400" dirty="0">
+                <a:solidFill>
+                  <a:schemeClr val="tx1"/>
+                </a:solidFill>
+                <a:latin typeface="Arial" panose="020B0604020202020204" pitchFamily="34" charset="0"/>
+                <a:cs typeface="Arial" panose="020B0604020202020204" pitchFamily="34" charset="0"/>
+              </a:rPr>
+              <a:t>Audit Account</a:t>
+            </a:r>
+          </a:p>
+          <a:p>
+            <a:pPr algn="ctr"/>
+            <a:r>
+              <a:rPr lang="en-US" sz="1200" dirty="0">
+                <a:solidFill>
+                  <a:schemeClr val="tx1"/>
+                </a:solidFill>
+                <a:latin typeface="Arial" panose="020B0604020202020204" pitchFamily="34" charset="0"/>
+                <a:cs typeface="Arial" panose="020B0604020202020204" pitchFamily="34" charset="0"/>
+              </a:rPr>
+              <a:t>OU: Security</a:t>
+            </a:r>
+          </a:p>
+        </p:txBody>
+      </p:sp>
+      <p:sp>
+        <p:nvSpPr>
+          <p:cNvPr id="206" name="Rectangle 205">
+            <a:extLst>
+              <a:ext uri="{FF2B5EF4-FFF2-40B4-BE49-F238E27FC236}">
+                <a16:creationId xmlns:a16="http://schemas.microsoft.com/office/drawing/2014/main" id="{959AFEF5-C370-0E4A-AD4D-46A2FA333B7E}"/>
+              </a:ext>
+            </a:extLst>
+          </p:cNvPr>
+          <p:cNvSpPr/>
+          <p:nvPr/>
+        </p:nvSpPr>
+        <p:spPr>
+          <a:xfrm>
+            <a:off x="7439883" y="3858451"/>
+            <a:ext cx="3178486" cy="2381950"/>
+          </a:xfrm>
+          <a:prstGeom prst="rect">
+            <a:avLst/>
+          </a:prstGeom>
+          <a:noFill/>
+          <a:ln w="12700">
+            <a:solidFill>
+              <a:schemeClr val="tx1"/>
+            </a:solidFill>
+            <a:prstDash val="solid"/>
+          </a:ln>
+        </p:spPr>
+        <p:style>
+          <a:lnRef idx="2">
+            <a:schemeClr val="accent1">
+              <a:shade val="50000"/>
+            </a:schemeClr>
+          </a:lnRef>
+          <a:fillRef idx="1">
+            <a:schemeClr val="accent1"/>
+          </a:fillRef>
+          <a:effectRef idx="0">
+            <a:schemeClr val="accent1"/>
+          </a:effectRef>
+          <a:fontRef idx="minor">
+            <a:schemeClr val="lt1"/>
+          </a:fontRef>
+        </p:style>
+        <p:txBody>
+          <a:bodyPr rot="0" spcFirstLastPara="0" vertOverflow="overflow" horzOverflow="overflow" vert="horz" wrap="square" lIns="91440" tIns="91440" rIns="91440" bIns="45720" numCol="1" spcCol="0" rtlCol="0" fromWordArt="0" anchor="t" anchorCtr="0" forceAA="0" compatLnSpc="1">
+            <a:prstTxWarp prst="textNoShape">
+              <a:avLst/>
+            </a:prstTxWarp>
+            <a:noAutofit/>
+          </a:bodyPr>
+          <a:lstStyle/>
+          <a:p>
+            <a:pPr algn="ctr"/>
+            <a:r>
+              <a:rPr lang="en-US" sz="1400" dirty="0">
+                <a:solidFill>
+                  <a:schemeClr val="tx1"/>
+                </a:solidFill>
+                <a:latin typeface="Arial" panose="020B0604020202020204" pitchFamily="34" charset="0"/>
+                <a:cs typeface="Arial" panose="020B0604020202020204" pitchFamily="34" charset="0"/>
+              </a:rPr>
+              <a:t>All Existing and Future </a:t>
+            </a:r>
+          </a:p>
+          <a:p>
+            <a:pPr algn="ctr"/>
+            <a:r>
+              <a:rPr lang="en-US" sz="1400" dirty="0">
+                <a:solidFill>
+                  <a:schemeClr val="tx1"/>
+                </a:solidFill>
+                <a:latin typeface="Arial" panose="020B0604020202020204" pitchFamily="34" charset="0"/>
+                <a:cs typeface="Arial" panose="020B0604020202020204" pitchFamily="34" charset="0"/>
+              </a:rPr>
+              <a:t>Organization Member Accounts</a:t>
+            </a:r>
+          </a:p>
+        </p:txBody>
+      </p:sp>
+      <p:sp>
+        <p:nvSpPr>
+          <p:cNvPr id="207" name="TextBox 2">
+            <a:extLst>
+              <a:ext uri="{FF2B5EF4-FFF2-40B4-BE49-F238E27FC236}">
+                <a16:creationId xmlns:a16="http://schemas.microsoft.com/office/drawing/2014/main" id="{678A7DEA-6F9A-224C-A01E-9E4025149EEA}"/>
+              </a:ext>
+            </a:extLst>
+          </p:cNvPr>
+          <p:cNvSpPr txBox="1"/>
+          <p:nvPr/>
+        </p:nvSpPr>
+        <p:spPr>
+          <a:xfrm>
+            <a:off x="3848982" y="3552853"/>
+            <a:ext cx="1273984" cy="261610"/>
+          </a:xfrm>
+          <a:prstGeom prst="rect">
+            <a:avLst/>
+          </a:prstGeom>
+          <a:noFill/>
+        </p:spPr>
+        <p:style>
+          <a:lnRef idx="0">
+            <a:scrgbClr r="0" g="0" b="0"/>
+          </a:lnRef>
+          <a:fillRef idx="0">
+            <a:scrgbClr r="0" g="0" b="0"/>
+          </a:fillRef>
+          <a:effectRef idx="0">
+            <a:scrgbClr r="0" g="0" b="0"/>
+          </a:effectRef>
+          <a:fontRef idx="major"/>
+        </p:style>
+        <p:txBody>
+          <a:bodyPr wrap="square" rtlCol="0">
+            <a:spAutoFit/>
+          </a:bodyPr>
+          <a:lstStyle>
+            <a:lvl1pPr>
+              <a:defRPr>
+                <a:latin typeface="+mj-lt"/>
+                <a:ea typeface="+mj-ea"/>
+                <a:cs typeface="+mj-cs"/>
+              </a:defRPr>
+            </a:lvl1pPr>
+            <a:lvl2pPr>
+              <a:defRPr>
+                <a:latin typeface="+mj-lt"/>
+                <a:ea typeface="+mj-ea"/>
+                <a:cs typeface="+mj-cs"/>
+              </a:defRPr>
+            </a:lvl2pPr>
+            <a:lvl3pPr>
+              <a:defRPr>
+                <a:latin typeface="+mj-lt"/>
+                <a:ea typeface="+mj-ea"/>
+                <a:cs typeface="+mj-cs"/>
+              </a:defRPr>
+            </a:lvl3pPr>
+            <a:lvl4pPr>
+              <a:defRPr>
+                <a:latin typeface="+mj-lt"/>
+                <a:ea typeface="+mj-ea"/>
+                <a:cs typeface="+mj-cs"/>
+              </a:defRPr>
+            </a:lvl4pPr>
+            <a:lvl5pPr>
+              <a:defRPr>
+                <a:latin typeface="+mj-lt"/>
+                <a:ea typeface="+mj-ea"/>
+                <a:cs typeface="+mj-cs"/>
+              </a:defRPr>
+            </a:lvl5pPr>
+            <a:lvl6pPr>
+              <a:defRPr>
+                <a:latin typeface="+mj-lt"/>
+                <a:ea typeface="+mj-ea"/>
+                <a:cs typeface="+mj-cs"/>
+              </a:defRPr>
+            </a:lvl6pPr>
+            <a:lvl7pPr>
+              <a:defRPr>
+                <a:latin typeface="+mj-lt"/>
+                <a:ea typeface="+mj-ea"/>
+                <a:cs typeface="+mj-cs"/>
+              </a:defRPr>
+            </a:lvl7pPr>
+            <a:lvl8pPr>
+              <a:defRPr>
+                <a:latin typeface="+mj-lt"/>
+                <a:ea typeface="+mj-ea"/>
+                <a:cs typeface="+mj-cs"/>
+              </a:defRPr>
+            </a:lvl8pPr>
+            <a:lvl9pPr>
+              <a:defRPr>
+                <a:latin typeface="+mj-lt"/>
+                <a:ea typeface="+mj-ea"/>
+                <a:cs typeface="+mj-cs"/>
+              </a:defRPr>
+            </a:lvl9pPr>
+          </a:lstStyle>
+          <a:p>
+            <a:pPr algn="ctr"/>
+            <a:r>
+              <a:rPr lang="en-US" sz="1100" dirty="0">
+                <a:latin typeface="Arial" panose="020B0604020202020204" pitchFamily="34" charset="0"/>
+                <a:cs typeface="Arial" panose="020B0604020202020204" pitchFamily="34" charset="0"/>
+              </a:rPr>
+              <a:t>Lambda Function</a:t>
+            </a:r>
+          </a:p>
+        </p:txBody>
+      </p:sp>
+      <p:sp>
+        <p:nvSpPr>
+          <p:cNvPr id="210" name="TextBox 2">
+            <a:extLst>
+              <a:ext uri="{FF2B5EF4-FFF2-40B4-BE49-F238E27FC236}">
+                <a16:creationId xmlns:a16="http://schemas.microsoft.com/office/drawing/2014/main" id="{0BD41343-CCDD-8A42-B9D8-450CBB1259C2}"/>
+              </a:ext>
+            </a:extLst>
+          </p:cNvPr>
+          <p:cNvSpPr txBox="1"/>
+          <p:nvPr/>
+        </p:nvSpPr>
+        <p:spPr>
+          <a:xfrm>
+            <a:off x="2867704" y="2196547"/>
+            <a:ext cx="1098724" cy="430887"/>
+          </a:xfrm>
+          <a:prstGeom prst="rect">
+            <a:avLst/>
+          </a:prstGeom>
+          <a:noFill/>
+        </p:spPr>
+        <p:style>
+          <a:lnRef idx="0">
+            <a:scrgbClr r="0" g="0" b="0"/>
+          </a:lnRef>
+          <a:fillRef idx="0">
+            <a:scrgbClr r="0" g="0" b="0"/>
+          </a:fillRef>
+          <a:effectRef idx="0">
+            <a:scrgbClr r="0" g="0" b="0"/>
+          </a:effectRef>
+          <a:fontRef idx="major"/>
+        </p:style>
+        <p:txBody>
+          <a:bodyPr wrap="square" rtlCol="0">
+            <a:spAutoFit/>
+          </a:bodyPr>
+          <a:lstStyle>
+            <a:lvl1pPr>
+              <a:defRPr>
+                <a:latin typeface="+mj-lt"/>
+                <a:ea typeface="+mj-ea"/>
+                <a:cs typeface="+mj-cs"/>
+              </a:defRPr>
+            </a:lvl1pPr>
+            <a:lvl2pPr>
+              <a:defRPr>
+                <a:latin typeface="+mj-lt"/>
+                <a:ea typeface="+mj-ea"/>
+                <a:cs typeface="+mj-cs"/>
+              </a:defRPr>
+            </a:lvl2pPr>
+            <a:lvl3pPr>
+              <a:defRPr>
+                <a:latin typeface="+mj-lt"/>
+                <a:ea typeface="+mj-ea"/>
+                <a:cs typeface="+mj-cs"/>
+              </a:defRPr>
+            </a:lvl3pPr>
+            <a:lvl4pPr>
+              <a:defRPr>
+                <a:latin typeface="+mj-lt"/>
+                <a:ea typeface="+mj-ea"/>
+                <a:cs typeface="+mj-cs"/>
+              </a:defRPr>
+            </a:lvl4pPr>
+            <a:lvl5pPr>
+              <a:defRPr>
+                <a:latin typeface="+mj-lt"/>
+                <a:ea typeface="+mj-ea"/>
+                <a:cs typeface="+mj-cs"/>
+              </a:defRPr>
+            </a:lvl5pPr>
+            <a:lvl6pPr>
+              <a:defRPr>
+                <a:latin typeface="+mj-lt"/>
+                <a:ea typeface="+mj-ea"/>
+                <a:cs typeface="+mj-cs"/>
+              </a:defRPr>
+            </a:lvl6pPr>
+            <a:lvl7pPr>
+              <a:defRPr>
+                <a:latin typeface="+mj-lt"/>
+                <a:ea typeface="+mj-ea"/>
+                <a:cs typeface="+mj-cs"/>
+              </a:defRPr>
+            </a:lvl7pPr>
+            <a:lvl8pPr>
+              <a:defRPr>
+                <a:latin typeface="+mj-lt"/>
+                <a:ea typeface="+mj-ea"/>
+                <a:cs typeface="+mj-cs"/>
+              </a:defRPr>
+            </a:lvl8pPr>
+            <a:lvl9pPr>
+              <a:defRPr>
+                <a:latin typeface="+mj-lt"/>
+                <a:ea typeface="+mj-ea"/>
+                <a:cs typeface="+mj-cs"/>
+              </a:defRPr>
+            </a:lvl9pPr>
+          </a:lstStyle>
+          <a:p>
+            <a:pPr algn="ctr"/>
+            <a:r>
+              <a:rPr lang="en-US" sz="1100" dirty="0">
+                <a:latin typeface="Arial" panose="020B0604020202020204" pitchFamily="34" charset="0"/>
+                <a:cs typeface="Arial" panose="020B0604020202020204" pitchFamily="34" charset="0"/>
+              </a:rPr>
+              <a:t>CloudWatch Log Group</a:t>
+            </a:r>
+          </a:p>
+        </p:txBody>
+      </p:sp>
+      <p:sp>
+        <p:nvSpPr>
+          <p:cNvPr id="211" name="TextBox 210">
+            <a:extLst>
+              <a:ext uri="{FF2B5EF4-FFF2-40B4-BE49-F238E27FC236}">
+                <a16:creationId xmlns:a16="http://schemas.microsoft.com/office/drawing/2014/main" id="{F9AEB7C6-7787-FF42-8081-DD2966675FEF}"/>
+              </a:ext>
+            </a:extLst>
+          </p:cNvPr>
+          <p:cNvSpPr txBox="1"/>
+          <p:nvPr/>
+        </p:nvSpPr>
+        <p:spPr>
+          <a:xfrm>
+            <a:off x="1591787" y="1596023"/>
+            <a:ext cx="1103001" cy="261610"/>
+          </a:xfrm>
+          <a:prstGeom prst="rect">
+            <a:avLst/>
+          </a:prstGeom>
+          <a:noFill/>
+        </p:spPr>
+        <p:txBody>
+          <a:bodyPr wrap="square" rtlCol="0">
+            <a:spAutoFit/>
+          </a:bodyPr>
+          <a:lstStyle/>
+          <a:p>
+            <a:pPr algn="ctr"/>
+            <a:r>
+              <a:rPr lang="en-US" sz="1100" dirty="0">
+                <a:latin typeface="Arial" panose="020B0604020202020204" pitchFamily="34" charset="0"/>
+                <a:cs typeface="Arial" panose="020B0604020202020204" pitchFamily="34" charset="0"/>
+              </a:rPr>
+              <a:t>Lambda Role</a:t>
+            </a:r>
+          </a:p>
+        </p:txBody>
+      </p:sp>
+      <p:pic>
+        <p:nvPicPr>
+          <p:cNvPr id="212" name="Graphic 211">
+            <a:extLst>
+              <a:ext uri="{FF2B5EF4-FFF2-40B4-BE49-F238E27FC236}">
+                <a16:creationId xmlns:a16="http://schemas.microsoft.com/office/drawing/2014/main" id="{670D1340-BA12-4647-972C-F0891289C266}"/>
+              </a:ext>
+            </a:extLst>
+          </p:cNvPr>
+          <p:cNvPicPr>
+            <a:picLocks noChangeAspect="1"/>
+          </p:cNvPicPr>
+          <p:nvPr/>
+        </p:nvPicPr>
+        <p:blipFill>
+          <a:blip r:embed="rId5">
+            <a:extLst>
+              <a:ext uri="{96DAC541-7B7A-43D3-8B79-37D633B846F1}">
+                <asvg:svgBlip xmlns:asvg="http://schemas.microsoft.com/office/drawing/2016/SVG/main" r:embed="rId6"/>
+              </a:ext>
+            </a:extLst>
+          </a:blip>
+          <a:stretch>
+            <a:fillRect/>
+          </a:stretch>
+        </p:blipFill>
+        <p:spPr>
+          <a:xfrm>
+            <a:off x="1912919" y="1228348"/>
+            <a:ext cx="469900" cy="469900"/>
+          </a:xfrm>
+          <a:prstGeom prst="rect">
+            <a:avLst/>
+          </a:prstGeom>
+        </p:spPr>
+      </p:pic>
+      <p:sp>
+        <p:nvSpPr>
+          <p:cNvPr id="219" name="Rectangle 218">
+            <a:extLst>
+              <a:ext uri="{FF2B5EF4-FFF2-40B4-BE49-F238E27FC236}">
+                <a16:creationId xmlns:a16="http://schemas.microsoft.com/office/drawing/2014/main" id="{35246DDF-7E65-504D-B8BD-BB8A2FB991EF}"/>
+              </a:ext>
+            </a:extLst>
+          </p:cNvPr>
+          <p:cNvSpPr/>
+          <p:nvPr/>
+        </p:nvSpPr>
+        <p:spPr>
+          <a:xfrm>
+            <a:off x="1505668" y="882588"/>
+            <a:ext cx="5702665" cy="3011794"/>
+          </a:xfrm>
+          <a:prstGeom prst="rect">
+            <a:avLst/>
+          </a:prstGeom>
+          <a:noFill/>
+          <a:ln w="12700">
+            <a:solidFill>
+              <a:schemeClr val="tx1"/>
+            </a:solidFill>
+            <a:prstDash val="dash"/>
+          </a:ln>
+        </p:spPr>
+        <p:style>
+          <a:lnRef idx="2">
+            <a:schemeClr val="accent1">
+              <a:shade val="50000"/>
+            </a:schemeClr>
+          </a:lnRef>
+          <a:fillRef idx="1">
+            <a:schemeClr val="accent1"/>
+          </a:fillRef>
+          <a:effectRef idx="0">
+            <a:schemeClr val="accent1"/>
+          </a:effectRef>
+          <a:fontRef idx="minor">
+            <a:schemeClr val="lt1"/>
+          </a:fontRef>
+        </p:style>
+        <p:txBody>
+          <a:bodyPr rot="0" spcFirstLastPara="0" vertOverflow="overflow" horzOverflow="overflow" vert="horz" wrap="square" lIns="91440" tIns="0" rIns="91440" bIns="45720" numCol="1" spcCol="0" rtlCol="0" fromWordArt="0" anchor="t" anchorCtr="0" forceAA="0" compatLnSpc="1">
+            <a:prstTxWarp prst="textNoShape">
+              <a:avLst/>
+            </a:prstTxWarp>
+            <a:noAutofit/>
+          </a:bodyPr>
+          <a:lstStyle/>
+          <a:p>
+            <a:r>
+              <a:rPr lang="en-US" sz="1200" b="1" dirty="0">
+                <a:solidFill>
+                  <a:schemeClr val="tx1"/>
+                </a:solidFill>
+                <a:latin typeface="Arial" panose="020B0604020202020204" pitchFamily="34" charset="0"/>
+                <a:cs typeface="Arial" panose="020B0604020202020204" pitchFamily="34" charset="0"/>
+              </a:rPr>
+              <a:t>Home-region</a:t>
+            </a:r>
+          </a:p>
+        </p:txBody>
+      </p:sp>
+      <p:sp>
+        <p:nvSpPr>
+          <p:cNvPr id="220" name="TextBox 219">
+            <a:extLst>
+              <a:ext uri="{FF2B5EF4-FFF2-40B4-BE49-F238E27FC236}">
+                <a16:creationId xmlns:a16="http://schemas.microsoft.com/office/drawing/2014/main" id="{BA0BA3EB-7425-9141-BDCB-BEAF897AA527}"/>
+              </a:ext>
+            </a:extLst>
+          </p:cNvPr>
+          <p:cNvSpPr txBox="1"/>
+          <p:nvPr/>
+        </p:nvSpPr>
+        <p:spPr>
+          <a:xfrm>
+            <a:off x="3572005" y="5616246"/>
+            <a:ext cx="1103001" cy="430887"/>
+          </a:xfrm>
+          <a:prstGeom prst="rect">
+            <a:avLst/>
+          </a:prstGeom>
+          <a:noFill/>
+        </p:spPr>
+        <p:txBody>
+          <a:bodyPr wrap="square" rtlCol="0">
+            <a:spAutoFit/>
+          </a:bodyPr>
+          <a:lstStyle/>
+          <a:p>
+            <a:pPr algn="ctr"/>
+            <a:r>
+              <a:rPr lang="en-US" sz="1100" dirty="0">
+                <a:latin typeface="Arial" panose="020B0604020202020204" pitchFamily="34" charset="0"/>
+                <a:cs typeface="Arial" panose="020B0604020202020204" pitchFamily="34" charset="0"/>
+              </a:rPr>
+              <a:t>Configuration Role</a:t>
+            </a:r>
+          </a:p>
+        </p:txBody>
+      </p:sp>
+      <p:pic>
+        <p:nvPicPr>
+          <p:cNvPr id="221" name="Graphic 220">
+            <a:extLst>
+              <a:ext uri="{FF2B5EF4-FFF2-40B4-BE49-F238E27FC236}">
+                <a16:creationId xmlns:a16="http://schemas.microsoft.com/office/drawing/2014/main" id="{E13F3DEE-D82E-7440-98A6-F6124F39932C}"/>
+              </a:ext>
+            </a:extLst>
+          </p:cNvPr>
+          <p:cNvPicPr>
+            <a:picLocks noChangeAspect="1"/>
+          </p:cNvPicPr>
+          <p:nvPr/>
+        </p:nvPicPr>
+        <p:blipFill>
+          <a:blip r:embed="rId5">
+            <a:extLst>
+              <a:ext uri="{96DAC541-7B7A-43D3-8B79-37D633B846F1}">
+                <asvg:svgBlip xmlns:asvg="http://schemas.microsoft.com/office/drawing/2016/SVG/main" r:embed="rId6"/>
+              </a:ext>
+            </a:extLst>
+          </a:blip>
+          <a:stretch>
+            <a:fillRect/>
+          </a:stretch>
+        </p:blipFill>
+        <p:spPr>
+          <a:xfrm>
+            <a:off x="3896270" y="5226508"/>
+            <a:ext cx="469900" cy="469900"/>
+          </a:xfrm>
+          <a:prstGeom prst="rect">
+            <a:avLst/>
+          </a:prstGeom>
+        </p:spPr>
+      </p:pic>
+      <p:sp>
+        <p:nvSpPr>
+          <p:cNvPr id="224" name="Rectangle 223">
+            <a:extLst>
+              <a:ext uri="{FF2B5EF4-FFF2-40B4-BE49-F238E27FC236}">
+                <a16:creationId xmlns:a16="http://schemas.microsoft.com/office/drawing/2014/main" id="{372565BF-3038-A34F-B25C-AFBFFEA536BB}"/>
+              </a:ext>
+            </a:extLst>
+          </p:cNvPr>
+          <p:cNvSpPr/>
+          <p:nvPr/>
+        </p:nvSpPr>
+        <p:spPr>
+          <a:xfrm>
+            <a:off x="1505668" y="4629686"/>
+            <a:ext cx="5702665" cy="1714979"/>
+          </a:xfrm>
+          <a:prstGeom prst="rect">
+            <a:avLst/>
+          </a:prstGeom>
+          <a:noFill/>
+          <a:ln w="12700">
+            <a:solidFill>
+              <a:schemeClr val="tx1"/>
+            </a:solidFill>
+            <a:prstDash val="dash"/>
+          </a:ln>
+        </p:spPr>
+        <p:style>
+          <a:lnRef idx="2">
+            <a:schemeClr val="accent1">
+              <a:shade val="50000"/>
+            </a:schemeClr>
+          </a:lnRef>
+          <a:fillRef idx="1">
+            <a:schemeClr val="accent1"/>
+          </a:fillRef>
+          <a:effectRef idx="0">
+            <a:schemeClr val="accent1"/>
+          </a:effectRef>
+          <a:fontRef idx="minor">
+            <a:schemeClr val="lt1"/>
+          </a:fontRef>
+        </p:style>
+        <p:txBody>
+          <a:bodyPr rot="0" spcFirstLastPara="0" vertOverflow="overflow" horzOverflow="overflow" vert="horz" wrap="square" lIns="91440" tIns="0" rIns="91440" bIns="45720" numCol="1" spcCol="0" rtlCol="0" fromWordArt="0" anchor="t" anchorCtr="0" forceAA="0" compatLnSpc="1">
+            <a:prstTxWarp prst="textNoShape">
+              <a:avLst/>
+            </a:prstTxWarp>
+            <a:noAutofit/>
+          </a:bodyPr>
+          <a:lstStyle/>
+          <a:p>
+            <a:r>
+              <a:rPr lang="en-US" sz="1200" b="1" dirty="0">
+                <a:solidFill>
+                  <a:schemeClr val="tx1"/>
+                </a:solidFill>
+                <a:latin typeface="Arial" panose="020B0604020202020204" pitchFamily="34" charset="0"/>
+                <a:cs typeface="Arial" panose="020B0604020202020204" pitchFamily="34" charset="0"/>
+              </a:rPr>
+              <a:t>Home-region</a:t>
+            </a:r>
+          </a:p>
+        </p:txBody>
+      </p:sp>
+      <p:sp>
+        <p:nvSpPr>
+          <p:cNvPr id="225" name="Oval 224">
+            <a:extLst>
+              <a:ext uri="{FF2B5EF4-FFF2-40B4-BE49-F238E27FC236}">
+                <a16:creationId xmlns:a16="http://schemas.microsoft.com/office/drawing/2014/main" id="{1C3AF7CE-204C-9149-B2A8-30957AE08A9C}"/>
+              </a:ext>
+            </a:extLst>
+          </p:cNvPr>
+          <p:cNvSpPr/>
+          <p:nvPr/>
+        </p:nvSpPr>
+        <p:spPr>
+          <a:xfrm>
+            <a:off x="1367383" y="513335"/>
+            <a:ext cx="253435" cy="212902"/>
+          </a:xfrm>
+          <a:prstGeom prst="ellipse">
+            <a:avLst/>
+          </a:prstGeom>
+          <a:solidFill>
+            <a:schemeClr val="tx1"/>
+          </a:solidFill>
+          <a:ln>
+            <a:solidFill>
+              <a:schemeClr val="tx1"/>
+            </a:solidFill>
+          </a:ln>
+        </p:spPr>
+        <p:style>
+          <a:lnRef idx="2">
+            <a:schemeClr val="accent1">
+              <a:shade val="50000"/>
+            </a:schemeClr>
+          </a:lnRef>
+          <a:fillRef idx="1">
+            <a:schemeClr val="accent1"/>
+          </a:fillRef>
+          <a:effectRef idx="0">
+            <a:schemeClr val="accent1"/>
+          </a:effectRef>
+          <a:fontRef idx="minor">
+            <a:schemeClr val="lt1"/>
+          </a:fontRef>
+        </p:style>
+        <p:txBody>
+          <a:bodyPr lIns="0" tIns="0" rIns="0" bIns="0" rtlCol="0" anchor="ctr"/>
+          <a:lstStyle/>
+          <a:p>
+            <a:pPr algn="ctr"/>
+            <a:r>
+              <a:rPr lang="en-US" sz="800" dirty="0">
+                <a:latin typeface="Arial" panose="020B0604020202020204" pitchFamily="34" charset="0"/>
+                <a:cs typeface="Arial" panose="020B0604020202020204" pitchFamily="34" charset="0"/>
+              </a:rPr>
+              <a:t>1.0</a:t>
+            </a:r>
+          </a:p>
+        </p:txBody>
+      </p:sp>
+      <p:sp>
+        <p:nvSpPr>
+          <p:cNvPr id="235" name="Oval 234">
+            <a:extLst>
+              <a:ext uri="{FF2B5EF4-FFF2-40B4-BE49-F238E27FC236}">
+                <a16:creationId xmlns:a16="http://schemas.microsoft.com/office/drawing/2014/main" id="{33289B52-3BEF-4541-AA1C-6C5AC91B9470}"/>
+              </a:ext>
+            </a:extLst>
+          </p:cNvPr>
+          <p:cNvSpPr/>
+          <p:nvPr/>
+        </p:nvSpPr>
+        <p:spPr>
+          <a:xfrm>
+            <a:off x="1709767" y="1271603"/>
+            <a:ext cx="253435" cy="212902"/>
+          </a:xfrm>
+          <a:prstGeom prst="ellipse">
+            <a:avLst/>
+          </a:prstGeom>
+          <a:solidFill>
+            <a:schemeClr val="tx1"/>
+          </a:solidFill>
+          <a:ln>
+            <a:solidFill>
+              <a:schemeClr val="tx1"/>
+            </a:solidFill>
+          </a:ln>
+        </p:spPr>
+        <p:style>
+          <a:lnRef idx="2">
+            <a:schemeClr val="accent1">
+              <a:shade val="50000"/>
+            </a:schemeClr>
+          </a:lnRef>
+          <a:fillRef idx="1">
+            <a:schemeClr val="accent1"/>
+          </a:fillRef>
+          <a:effectRef idx="0">
+            <a:schemeClr val="accent1"/>
+          </a:effectRef>
+          <a:fontRef idx="minor">
+            <a:schemeClr val="lt1"/>
+          </a:fontRef>
+        </p:style>
+        <p:txBody>
+          <a:bodyPr lIns="0" tIns="0" rIns="0" bIns="0" rtlCol="0" anchor="ctr"/>
+          <a:lstStyle/>
+          <a:p>
+            <a:pPr algn="ctr"/>
+            <a:r>
+              <a:rPr lang="en-US" sz="800" dirty="0">
+                <a:latin typeface="Arial" panose="020B0604020202020204" pitchFamily="34" charset="0"/>
+                <a:cs typeface="Arial" panose="020B0604020202020204" pitchFamily="34" charset="0"/>
+              </a:rPr>
+              <a:t>1.2</a:t>
+            </a:r>
+          </a:p>
+        </p:txBody>
+      </p:sp>
+      <p:sp>
+        <p:nvSpPr>
+          <p:cNvPr id="236" name="Oval 235">
+            <a:extLst>
+              <a:ext uri="{FF2B5EF4-FFF2-40B4-BE49-F238E27FC236}">
+                <a16:creationId xmlns:a16="http://schemas.microsoft.com/office/drawing/2014/main" id="{90E58747-D05A-1B49-BA76-DF58BE01124F}"/>
+              </a:ext>
+            </a:extLst>
+          </p:cNvPr>
+          <p:cNvSpPr/>
+          <p:nvPr/>
+        </p:nvSpPr>
+        <p:spPr>
+          <a:xfrm>
+            <a:off x="3015049" y="1852118"/>
+            <a:ext cx="253435" cy="212902"/>
+          </a:xfrm>
+          <a:prstGeom prst="ellipse">
+            <a:avLst/>
+          </a:prstGeom>
+          <a:solidFill>
+            <a:schemeClr val="tx1"/>
+          </a:solidFill>
+          <a:ln>
+            <a:solidFill>
+              <a:schemeClr val="tx1"/>
+            </a:solidFill>
+          </a:ln>
+        </p:spPr>
+        <p:style>
+          <a:lnRef idx="2">
+            <a:schemeClr val="accent1">
+              <a:shade val="50000"/>
+            </a:schemeClr>
+          </a:lnRef>
+          <a:fillRef idx="1">
+            <a:schemeClr val="accent1"/>
+          </a:fillRef>
+          <a:effectRef idx="0">
+            <a:schemeClr val="accent1"/>
+          </a:effectRef>
+          <a:fontRef idx="minor">
+            <a:schemeClr val="lt1"/>
+          </a:fontRef>
+        </p:style>
+        <p:txBody>
+          <a:bodyPr lIns="0" tIns="0" rIns="0" bIns="0" rtlCol="0" anchor="ctr"/>
+          <a:lstStyle/>
+          <a:p>
+            <a:pPr algn="ctr"/>
+            <a:r>
+              <a:rPr lang="en-US" sz="800" dirty="0">
+                <a:latin typeface="Arial" panose="020B0604020202020204" pitchFamily="34" charset="0"/>
+                <a:cs typeface="Arial" panose="020B0604020202020204" pitchFamily="34" charset="0"/>
+              </a:rPr>
+              <a:t>1.3</a:t>
+            </a:r>
+          </a:p>
+        </p:txBody>
+      </p:sp>
+      <p:sp>
+        <p:nvSpPr>
+          <p:cNvPr id="238" name="Oval 237">
+            <a:extLst>
+              <a:ext uri="{FF2B5EF4-FFF2-40B4-BE49-F238E27FC236}">
+                <a16:creationId xmlns:a16="http://schemas.microsoft.com/office/drawing/2014/main" id="{EF16BDD5-5011-2E46-95B9-E9DB5EB4CA72}"/>
+              </a:ext>
+            </a:extLst>
+          </p:cNvPr>
+          <p:cNvSpPr/>
+          <p:nvPr/>
+        </p:nvSpPr>
+        <p:spPr>
+          <a:xfrm>
+            <a:off x="1363576" y="4108339"/>
+            <a:ext cx="253435" cy="212902"/>
+          </a:xfrm>
+          <a:prstGeom prst="ellipse">
+            <a:avLst/>
+          </a:prstGeom>
+          <a:solidFill>
+            <a:schemeClr val="tx1"/>
+          </a:solidFill>
+          <a:ln>
+            <a:solidFill>
+              <a:schemeClr val="tx1"/>
+            </a:solidFill>
+          </a:ln>
+        </p:spPr>
+        <p:style>
+          <a:lnRef idx="2">
+            <a:schemeClr val="accent1">
+              <a:shade val="50000"/>
+            </a:schemeClr>
+          </a:lnRef>
+          <a:fillRef idx="1">
+            <a:schemeClr val="accent1"/>
+          </a:fillRef>
+          <a:effectRef idx="0">
+            <a:schemeClr val="accent1"/>
+          </a:effectRef>
+          <a:fontRef idx="minor">
+            <a:schemeClr val="lt1"/>
+          </a:fontRef>
+        </p:style>
+        <p:txBody>
+          <a:bodyPr lIns="0" tIns="0" rIns="0" bIns="0" rtlCol="0" anchor="ctr"/>
+          <a:lstStyle/>
+          <a:p>
+            <a:pPr algn="ctr"/>
+            <a:r>
+              <a:rPr lang="en-US" sz="800" dirty="0">
+                <a:latin typeface="Arial" panose="020B0604020202020204" pitchFamily="34" charset="0"/>
+                <a:cs typeface="Arial" panose="020B0604020202020204" pitchFamily="34" charset="0"/>
+              </a:rPr>
+              <a:t>3.0</a:t>
+            </a:r>
+          </a:p>
+        </p:txBody>
+      </p:sp>
+      <p:sp>
+        <p:nvSpPr>
+          <p:cNvPr id="239" name="Oval 238">
+            <a:extLst>
+              <a:ext uri="{FF2B5EF4-FFF2-40B4-BE49-F238E27FC236}">
+                <a16:creationId xmlns:a16="http://schemas.microsoft.com/office/drawing/2014/main" id="{9692254B-A694-4741-8446-955D06D3DAFF}"/>
+              </a:ext>
+            </a:extLst>
+          </p:cNvPr>
+          <p:cNvSpPr/>
+          <p:nvPr/>
+        </p:nvSpPr>
+        <p:spPr>
+          <a:xfrm>
+            <a:off x="7484576" y="3893043"/>
+            <a:ext cx="253435" cy="212902"/>
+          </a:xfrm>
+          <a:prstGeom prst="ellipse">
+            <a:avLst/>
+          </a:prstGeom>
+          <a:solidFill>
+            <a:schemeClr val="tx1"/>
+          </a:solidFill>
+          <a:ln>
+            <a:solidFill>
+              <a:schemeClr val="tx1"/>
+            </a:solidFill>
+          </a:ln>
+        </p:spPr>
+        <p:style>
+          <a:lnRef idx="2">
+            <a:schemeClr val="accent1">
+              <a:shade val="50000"/>
+            </a:schemeClr>
+          </a:lnRef>
+          <a:fillRef idx="1">
+            <a:schemeClr val="accent1"/>
+          </a:fillRef>
+          <a:effectRef idx="0">
+            <a:schemeClr val="accent1"/>
+          </a:effectRef>
+          <a:fontRef idx="minor">
+            <a:schemeClr val="lt1"/>
+          </a:fontRef>
+        </p:style>
+        <p:txBody>
+          <a:bodyPr lIns="0" tIns="0" rIns="0" bIns="0" rtlCol="0" anchor="ctr"/>
+          <a:lstStyle/>
+          <a:p>
+            <a:pPr algn="ctr"/>
+            <a:r>
+              <a:rPr lang="en-US" sz="800" dirty="0">
+                <a:latin typeface="Arial" panose="020B0604020202020204" pitchFamily="34" charset="0"/>
+                <a:cs typeface="Arial" panose="020B0604020202020204" pitchFamily="34" charset="0"/>
+              </a:rPr>
+              <a:t>4.0</a:t>
+            </a:r>
+          </a:p>
+        </p:txBody>
+      </p:sp>
+      <p:sp>
+        <p:nvSpPr>
+          <p:cNvPr id="243" name="Oval 242">
+            <a:extLst>
+              <a:ext uri="{FF2B5EF4-FFF2-40B4-BE49-F238E27FC236}">
+                <a16:creationId xmlns:a16="http://schemas.microsoft.com/office/drawing/2014/main" id="{5CE7B8F4-8F29-A640-817C-00C7F8E034BB}"/>
+              </a:ext>
+            </a:extLst>
+          </p:cNvPr>
+          <p:cNvSpPr/>
+          <p:nvPr/>
+        </p:nvSpPr>
+        <p:spPr>
+          <a:xfrm>
+            <a:off x="3735069" y="5068092"/>
+            <a:ext cx="253435" cy="212902"/>
+          </a:xfrm>
+          <a:prstGeom prst="ellipse">
+            <a:avLst/>
+          </a:prstGeom>
+          <a:solidFill>
+            <a:schemeClr val="tx1"/>
+          </a:solidFill>
+          <a:ln>
+            <a:solidFill>
+              <a:schemeClr val="tx1"/>
+            </a:solidFill>
+          </a:ln>
+        </p:spPr>
+        <p:style>
+          <a:lnRef idx="2">
+            <a:schemeClr val="accent1">
+              <a:shade val="50000"/>
+            </a:schemeClr>
+          </a:lnRef>
+          <a:fillRef idx="1">
+            <a:schemeClr val="accent1"/>
+          </a:fillRef>
+          <a:effectRef idx="0">
+            <a:schemeClr val="accent1"/>
+          </a:effectRef>
+          <a:fontRef idx="minor">
+            <a:schemeClr val="lt1"/>
+          </a:fontRef>
+        </p:style>
+        <p:txBody>
+          <a:bodyPr lIns="0" tIns="0" rIns="0" bIns="0" rtlCol="0" anchor="ctr"/>
+          <a:lstStyle/>
+          <a:p>
+            <a:pPr algn="ctr"/>
+            <a:r>
+              <a:rPr lang="en-US" sz="800" dirty="0">
+                <a:latin typeface="Arial" panose="020B0604020202020204" pitchFamily="34" charset="0"/>
+                <a:cs typeface="Arial" panose="020B0604020202020204" pitchFamily="34" charset="0"/>
+              </a:rPr>
+              <a:t>3.2</a:t>
+            </a:r>
+          </a:p>
+        </p:txBody>
+      </p:sp>
+      <p:sp>
+        <p:nvSpPr>
+          <p:cNvPr id="244" name="Rectangle 243">
+            <a:extLst>
+              <a:ext uri="{FF2B5EF4-FFF2-40B4-BE49-F238E27FC236}">
+                <a16:creationId xmlns:a16="http://schemas.microsoft.com/office/drawing/2014/main" id="{2E74786F-F274-9B4E-ACBD-C18291751AFE}"/>
+              </a:ext>
+            </a:extLst>
+          </p:cNvPr>
+          <p:cNvSpPr/>
+          <p:nvPr/>
+        </p:nvSpPr>
+        <p:spPr>
+          <a:xfrm>
+            <a:off x="7437600" y="679404"/>
+            <a:ext cx="3183403" cy="3106931"/>
+          </a:xfrm>
+          <a:prstGeom prst="rect">
+            <a:avLst/>
+          </a:prstGeom>
+          <a:noFill/>
+          <a:ln w="12700">
+            <a:solidFill>
+              <a:schemeClr val="tx1"/>
+            </a:solidFill>
+            <a:prstDash val="solid"/>
+          </a:ln>
+        </p:spPr>
+        <p:style>
+          <a:lnRef idx="2">
+            <a:schemeClr val="accent1">
+              <a:shade val="50000"/>
+            </a:schemeClr>
+          </a:lnRef>
+          <a:fillRef idx="1">
+            <a:schemeClr val="accent1"/>
+          </a:fillRef>
+          <a:effectRef idx="0">
+            <a:schemeClr val="accent1"/>
+          </a:effectRef>
+          <a:fontRef idx="minor">
+            <a:schemeClr val="lt1"/>
+          </a:fontRef>
+        </p:style>
+        <p:txBody>
+          <a:bodyPr rot="0" spcFirstLastPara="0" vertOverflow="overflow" horzOverflow="overflow" vert="horz" wrap="square" lIns="91440" tIns="91440" rIns="91440" bIns="45720" numCol="1" spcCol="0" rtlCol="0" fromWordArt="0" anchor="t" anchorCtr="0" forceAA="0" compatLnSpc="1">
+            <a:prstTxWarp prst="textNoShape">
+              <a:avLst/>
+            </a:prstTxWarp>
+            <a:noAutofit/>
+          </a:bodyPr>
+          <a:lstStyle/>
+          <a:p>
+            <a:pPr algn="ctr"/>
+            <a:r>
+              <a:rPr lang="en-US" sz="1400" dirty="0">
+                <a:solidFill>
+                  <a:schemeClr val="tx1"/>
+                </a:solidFill>
+                <a:latin typeface="Arial" panose="020B0604020202020204" pitchFamily="34" charset="0"/>
+                <a:cs typeface="Arial" panose="020B0604020202020204" pitchFamily="34" charset="0"/>
+              </a:rPr>
+              <a:t>Log Archive Account</a:t>
+            </a:r>
+          </a:p>
+          <a:p>
+            <a:pPr algn="ctr"/>
+            <a:r>
+              <a:rPr lang="en-US" sz="1200" dirty="0">
+                <a:solidFill>
+                  <a:schemeClr val="tx1"/>
+                </a:solidFill>
+                <a:latin typeface="Arial" panose="020B0604020202020204" pitchFamily="34" charset="0"/>
+                <a:cs typeface="Arial" panose="020B0604020202020204" pitchFamily="34" charset="0"/>
+              </a:rPr>
+              <a:t>OU: Security</a:t>
+            </a:r>
+          </a:p>
+        </p:txBody>
+      </p:sp>
+      <p:sp>
+        <p:nvSpPr>
+          <p:cNvPr id="245" name="TextBox 2">
+            <a:extLst>
+              <a:ext uri="{FF2B5EF4-FFF2-40B4-BE49-F238E27FC236}">
+                <a16:creationId xmlns:a16="http://schemas.microsoft.com/office/drawing/2014/main" id="{9B0DB50C-C9B1-9448-A81F-030280827857}"/>
+              </a:ext>
+            </a:extLst>
+          </p:cNvPr>
+          <p:cNvSpPr txBox="1"/>
+          <p:nvPr/>
+        </p:nvSpPr>
+        <p:spPr>
+          <a:xfrm>
+            <a:off x="7727398" y="2338288"/>
+            <a:ext cx="834101" cy="430887"/>
+          </a:xfrm>
+          <a:prstGeom prst="rect">
+            <a:avLst/>
+          </a:prstGeom>
+          <a:noFill/>
+        </p:spPr>
+        <p:style>
+          <a:lnRef idx="0">
+            <a:scrgbClr r="0" g="0" b="0"/>
+          </a:lnRef>
+          <a:fillRef idx="0">
+            <a:scrgbClr r="0" g="0" b="0"/>
+          </a:fillRef>
+          <a:effectRef idx="0">
+            <a:scrgbClr r="0" g="0" b="0"/>
+          </a:effectRef>
+          <a:fontRef idx="major"/>
+        </p:style>
+        <p:txBody>
+          <a:bodyPr wrap="square" rtlCol="0">
+            <a:spAutoFit/>
+          </a:bodyPr>
+          <a:lstStyle>
+            <a:lvl1pPr>
+              <a:defRPr>
+                <a:latin typeface="+mj-lt"/>
+                <a:ea typeface="+mj-ea"/>
+                <a:cs typeface="+mj-cs"/>
+              </a:defRPr>
+            </a:lvl1pPr>
+            <a:lvl2pPr>
+              <a:defRPr>
+                <a:latin typeface="+mj-lt"/>
+                <a:ea typeface="+mj-ea"/>
+                <a:cs typeface="+mj-cs"/>
+              </a:defRPr>
+            </a:lvl2pPr>
+            <a:lvl3pPr>
+              <a:defRPr>
+                <a:latin typeface="+mj-lt"/>
+                <a:ea typeface="+mj-ea"/>
+                <a:cs typeface="+mj-cs"/>
+              </a:defRPr>
+            </a:lvl3pPr>
+            <a:lvl4pPr>
+              <a:defRPr>
+                <a:latin typeface="+mj-lt"/>
+                <a:ea typeface="+mj-ea"/>
+                <a:cs typeface="+mj-cs"/>
+              </a:defRPr>
+            </a:lvl4pPr>
+            <a:lvl5pPr>
+              <a:defRPr>
+                <a:latin typeface="+mj-lt"/>
+                <a:ea typeface="+mj-ea"/>
+                <a:cs typeface="+mj-cs"/>
+              </a:defRPr>
+            </a:lvl5pPr>
+            <a:lvl6pPr>
+              <a:defRPr>
+                <a:latin typeface="+mj-lt"/>
+                <a:ea typeface="+mj-ea"/>
+                <a:cs typeface="+mj-cs"/>
+              </a:defRPr>
+            </a:lvl6pPr>
+            <a:lvl7pPr>
+              <a:defRPr>
+                <a:latin typeface="+mj-lt"/>
+                <a:ea typeface="+mj-ea"/>
+                <a:cs typeface="+mj-cs"/>
+              </a:defRPr>
+            </a:lvl7pPr>
+            <a:lvl8pPr>
+              <a:defRPr>
+                <a:latin typeface="+mj-lt"/>
+                <a:ea typeface="+mj-ea"/>
+                <a:cs typeface="+mj-cs"/>
+              </a:defRPr>
+            </a:lvl8pPr>
+            <a:lvl9pPr>
+              <a:defRPr>
+                <a:latin typeface="+mj-lt"/>
+                <a:ea typeface="+mj-ea"/>
+                <a:cs typeface="+mj-cs"/>
+              </a:defRPr>
+            </a:lvl9pPr>
+          </a:lstStyle>
+          <a:p>
+            <a:pPr algn="ctr"/>
+            <a:r>
+              <a:rPr lang="en-US" sz="1100" dirty="0">
+                <a:latin typeface="Arial" panose="020B0604020202020204" pitchFamily="34" charset="0"/>
+                <a:cs typeface="Arial" panose="020B0604020202020204" pitchFamily="34" charset="0"/>
+              </a:rPr>
+              <a:t>Delivery S3 Bucket</a:t>
+            </a:r>
+          </a:p>
+        </p:txBody>
+      </p:sp>
+      <p:sp>
+        <p:nvSpPr>
+          <p:cNvPr id="248" name="Rectangle 247">
+            <a:extLst>
+              <a:ext uri="{FF2B5EF4-FFF2-40B4-BE49-F238E27FC236}">
+                <a16:creationId xmlns:a16="http://schemas.microsoft.com/office/drawing/2014/main" id="{4F68761F-79C6-6B4C-8A98-14656FA8ABC1}"/>
+              </a:ext>
+            </a:extLst>
+          </p:cNvPr>
+          <p:cNvSpPr/>
+          <p:nvPr/>
+        </p:nvSpPr>
+        <p:spPr>
+          <a:xfrm>
+            <a:off x="7564225" y="1284952"/>
+            <a:ext cx="2937845" cy="2360247"/>
+          </a:xfrm>
+          <a:prstGeom prst="rect">
+            <a:avLst/>
+          </a:prstGeom>
+          <a:noFill/>
+          <a:ln w="12700">
+            <a:solidFill>
+              <a:schemeClr val="tx1"/>
+            </a:solidFill>
+            <a:prstDash val="dash"/>
+          </a:ln>
+        </p:spPr>
+        <p:style>
+          <a:lnRef idx="2">
+            <a:schemeClr val="accent1">
+              <a:shade val="50000"/>
+            </a:schemeClr>
+          </a:lnRef>
+          <a:fillRef idx="1">
+            <a:schemeClr val="accent1"/>
+          </a:fillRef>
+          <a:effectRef idx="0">
+            <a:schemeClr val="accent1"/>
+          </a:effectRef>
+          <a:fontRef idx="minor">
+            <a:schemeClr val="lt1"/>
+          </a:fontRef>
+        </p:style>
+        <p:txBody>
+          <a:bodyPr rot="0" spcFirstLastPara="0" vertOverflow="overflow" horzOverflow="overflow" vert="horz" wrap="square" lIns="91440" tIns="0" rIns="91440" bIns="45720" numCol="1" spcCol="0" rtlCol="0" fromWordArt="0" anchor="t" anchorCtr="0" forceAA="0" compatLnSpc="1">
+            <a:prstTxWarp prst="textNoShape">
+              <a:avLst/>
+            </a:prstTxWarp>
+            <a:noAutofit/>
+          </a:bodyPr>
+          <a:lstStyle/>
+          <a:p>
+            <a:r>
+              <a:rPr lang="en-US" sz="1200" b="1" dirty="0">
+                <a:solidFill>
+                  <a:schemeClr val="tx1"/>
+                </a:solidFill>
+                <a:latin typeface="Arial" panose="020B0604020202020204" pitchFamily="34" charset="0"/>
+                <a:cs typeface="Arial" panose="020B0604020202020204" pitchFamily="34" charset="0"/>
+              </a:rPr>
+              <a:t>Home-region</a:t>
+            </a:r>
+          </a:p>
+        </p:txBody>
+      </p:sp>
+      <p:sp>
+        <p:nvSpPr>
+          <p:cNvPr id="249" name="Rectangle 248">
+            <a:extLst>
+              <a:ext uri="{FF2B5EF4-FFF2-40B4-BE49-F238E27FC236}">
+                <a16:creationId xmlns:a16="http://schemas.microsoft.com/office/drawing/2014/main" id="{A2986284-688D-2D4C-ADE5-D0467623872F}"/>
+              </a:ext>
+            </a:extLst>
+          </p:cNvPr>
+          <p:cNvSpPr/>
+          <p:nvPr/>
+        </p:nvSpPr>
+        <p:spPr>
+          <a:xfrm>
+            <a:off x="9060079" y="1997104"/>
+            <a:ext cx="1298909" cy="1435376"/>
+          </a:xfrm>
+          <a:prstGeom prst="rect">
+            <a:avLst/>
+          </a:prstGeom>
+          <a:noFill/>
+          <a:ln w="12700">
+            <a:solidFill>
+              <a:schemeClr val="tx1"/>
+            </a:solidFill>
+            <a:prstDash val="dash"/>
+          </a:ln>
+        </p:spPr>
+        <p:style>
+          <a:lnRef idx="2">
+            <a:schemeClr val="accent1">
+              <a:shade val="50000"/>
+            </a:schemeClr>
+          </a:lnRef>
+          <a:fillRef idx="1">
+            <a:schemeClr val="accent1"/>
+          </a:fillRef>
+          <a:effectRef idx="0">
+            <a:schemeClr val="accent1"/>
+          </a:effectRef>
+          <a:fontRef idx="minor">
+            <a:schemeClr val="lt1"/>
+          </a:fontRef>
+        </p:style>
+        <p:txBody>
+          <a:bodyPr rot="0" spcFirstLastPara="0" vertOverflow="overflow" horzOverflow="overflow" vert="horz" wrap="square" lIns="91440" tIns="0" rIns="91440" bIns="45720" numCol="1" spcCol="0" rtlCol="0" fromWordArt="0" anchor="t" anchorCtr="0" forceAA="0" compatLnSpc="1">
+            <a:noAutofit/>
+          </a:bodyPr>
+          <a:lstStyle/>
+          <a:p>
+            <a:r>
+              <a:rPr lang="en-US" sz="1100" b="1" dirty="0">
+                <a:solidFill>
+                  <a:schemeClr val="tx1"/>
+                </a:solidFill>
+                <a:latin typeface="Arial" panose="020B0604020202020204" pitchFamily="34" charset="0"/>
+                <a:cs typeface="Arial" panose="020B0604020202020204" pitchFamily="34" charset="0"/>
+              </a:rPr>
+              <a:t>region-1</a:t>
+            </a:r>
+          </a:p>
+        </p:txBody>
+      </p:sp>
+      <p:sp>
+        <p:nvSpPr>
+          <p:cNvPr id="251" name="TextBox 250">
+            <a:extLst>
+              <a:ext uri="{FF2B5EF4-FFF2-40B4-BE49-F238E27FC236}">
+                <a16:creationId xmlns:a16="http://schemas.microsoft.com/office/drawing/2014/main" id="{3C525726-B52E-5046-82A0-DA41C8FD51C2}"/>
+              </a:ext>
+            </a:extLst>
+          </p:cNvPr>
+          <p:cNvSpPr txBox="1"/>
+          <p:nvPr/>
+        </p:nvSpPr>
+        <p:spPr>
+          <a:xfrm>
+            <a:off x="9348230" y="3158486"/>
+            <a:ext cx="1047687" cy="261610"/>
+          </a:xfrm>
+          <a:prstGeom prst="rect">
+            <a:avLst/>
+          </a:prstGeom>
+          <a:noFill/>
+        </p:spPr>
+        <p:txBody>
+          <a:bodyPr wrap="square" rtlCol="0">
+            <a:spAutoFit/>
+          </a:bodyPr>
+          <a:lstStyle/>
+          <a:p>
+            <a:pPr algn="ctr"/>
+            <a:r>
+              <a:rPr lang="en-US" sz="1100" dirty="0">
+                <a:latin typeface="Arial" panose="020B0604020202020204" pitchFamily="34" charset="0"/>
+                <a:cs typeface="Arial" panose="020B0604020202020204" pitchFamily="34" charset="0"/>
+              </a:rPr>
+              <a:t>Macie</a:t>
+            </a:r>
+          </a:p>
+        </p:txBody>
+      </p:sp>
+      <p:sp>
+        <p:nvSpPr>
+          <p:cNvPr id="252" name="Rectangle 251">
+            <a:extLst>
+              <a:ext uri="{FF2B5EF4-FFF2-40B4-BE49-F238E27FC236}">
+                <a16:creationId xmlns:a16="http://schemas.microsoft.com/office/drawing/2014/main" id="{A461E271-0DAB-8445-A363-7DD31E1E3749}"/>
+              </a:ext>
+            </a:extLst>
+          </p:cNvPr>
+          <p:cNvSpPr/>
+          <p:nvPr/>
+        </p:nvSpPr>
+        <p:spPr>
+          <a:xfrm>
+            <a:off x="9188858" y="2219512"/>
+            <a:ext cx="1170130" cy="1212968"/>
+          </a:xfrm>
+          <a:prstGeom prst="rect">
+            <a:avLst/>
+          </a:prstGeom>
+          <a:noFill/>
+          <a:ln w="12700">
+            <a:solidFill>
+              <a:schemeClr val="tx1"/>
+            </a:solidFill>
+            <a:prstDash val="dash"/>
+          </a:ln>
+        </p:spPr>
+        <p:style>
+          <a:lnRef idx="2">
+            <a:schemeClr val="accent1">
+              <a:shade val="50000"/>
+            </a:schemeClr>
+          </a:lnRef>
+          <a:fillRef idx="1">
+            <a:schemeClr val="accent1"/>
+          </a:fillRef>
+          <a:effectRef idx="0">
+            <a:schemeClr val="accent1"/>
+          </a:effectRef>
+          <a:fontRef idx="minor">
+            <a:schemeClr val="lt1"/>
+          </a:fontRef>
+        </p:style>
+        <p:txBody>
+          <a:bodyPr rot="0" spcFirstLastPara="0" vertOverflow="overflow" horzOverflow="overflow" vert="horz" wrap="square" lIns="91440" tIns="0" rIns="91440" bIns="45720" numCol="1" spcCol="0" rtlCol="0" fromWordArt="0" anchor="t" anchorCtr="0" forceAA="0" compatLnSpc="1">
+            <a:noAutofit/>
+          </a:bodyPr>
+          <a:lstStyle/>
+          <a:p>
+            <a:r>
+              <a:rPr lang="en-US" sz="1100" b="1" dirty="0">
+                <a:solidFill>
+                  <a:schemeClr val="tx1"/>
+                </a:solidFill>
+                <a:latin typeface="Arial" panose="020B0604020202020204" pitchFamily="34" charset="0"/>
+                <a:cs typeface="Arial" panose="020B0604020202020204" pitchFamily="34" charset="0"/>
+              </a:rPr>
+              <a:t>region-2</a:t>
+            </a:r>
+          </a:p>
+        </p:txBody>
+      </p:sp>
+      <p:sp>
+        <p:nvSpPr>
+          <p:cNvPr id="253" name="Rectangle 252">
+            <a:extLst>
+              <a:ext uri="{FF2B5EF4-FFF2-40B4-BE49-F238E27FC236}">
+                <a16:creationId xmlns:a16="http://schemas.microsoft.com/office/drawing/2014/main" id="{B2FA736C-08E6-5E49-9D58-251F15693D70}"/>
+              </a:ext>
+            </a:extLst>
+          </p:cNvPr>
+          <p:cNvSpPr/>
+          <p:nvPr/>
+        </p:nvSpPr>
+        <p:spPr>
+          <a:xfrm>
+            <a:off x="9306055" y="2452736"/>
+            <a:ext cx="1052932" cy="979744"/>
+          </a:xfrm>
+          <a:prstGeom prst="rect">
+            <a:avLst/>
+          </a:prstGeom>
+          <a:noFill/>
+          <a:ln w="12700">
+            <a:solidFill>
+              <a:schemeClr val="tx1"/>
+            </a:solidFill>
+            <a:prstDash val="dash"/>
+          </a:ln>
+        </p:spPr>
+        <p:style>
+          <a:lnRef idx="2">
+            <a:schemeClr val="accent1">
+              <a:shade val="50000"/>
+            </a:schemeClr>
+          </a:lnRef>
+          <a:fillRef idx="1">
+            <a:schemeClr val="accent1"/>
+          </a:fillRef>
+          <a:effectRef idx="0">
+            <a:schemeClr val="accent1"/>
+          </a:effectRef>
+          <a:fontRef idx="minor">
+            <a:schemeClr val="lt1"/>
+          </a:fontRef>
+        </p:style>
+        <p:txBody>
+          <a:bodyPr rot="0" spcFirstLastPara="0" vertOverflow="overflow" horzOverflow="overflow" vert="horz" wrap="square" lIns="91440" tIns="0" rIns="91440" bIns="45720" numCol="1" spcCol="0" rtlCol="0" fromWordArt="0" anchor="t" anchorCtr="0" forceAA="0" compatLnSpc="1">
+            <a:noAutofit/>
+          </a:bodyPr>
+          <a:lstStyle/>
+          <a:p>
+            <a:r>
+              <a:rPr lang="en-US" sz="1100" b="1" dirty="0">
+                <a:solidFill>
+                  <a:schemeClr val="tx1"/>
+                </a:solidFill>
+                <a:latin typeface="Arial" panose="020B0604020202020204" pitchFamily="34" charset="0"/>
+                <a:cs typeface="Arial" panose="020B0604020202020204" pitchFamily="34" charset="0"/>
+              </a:rPr>
+              <a:t>region-n</a:t>
+            </a:r>
+          </a:p>
+        </p:txBody>
+      </p:sp>
+      <p:sp>
+        <p:nvSpPr>
+          <p:cNvPr id="254" name="Oval 253">
+            <a:extLst>
+              <a:ext uri="{FF2B5EF4-FFF2-40B4-BE49-F238E27FC236}">
+                <a16:creationId xmlns:a16="http://schemas.microsoft.com/office/drawing/2014/main" id="{046C9846-B1B8-324B-99F4-530715C14749}"/>
+              </a:ext>
+            </a:extLst>
+          </p:cNvPr>
+          <p:cNvSpPr/>
+          <p:nvPr/>
+        </p:nvSpPr>
+        <p:spPr>
+          <a:xfrm>
+            <a:off x="7474847" y="714413"/>
+            <a:ext cx="253435" cy="212902"/>
+          </a:xfrm>
+          <a:prstGeom prst="ellipse">
+            <a:avLst/>
+          </a:prstGeom>
+          <a:solidFill>
+            <a:schemeClr val="tx1"/>
+          </a:solidFill>
+          <a:ln>
+            <a:solidFill>
+              <a:schemeClr val="tx1"/>
+            </a:solidFill>
+          </a:ln>
+        </p:spPr>
+        <p:style>
+          <a:lnRef idx="2">
+            <a:schemeClr val="accent1">
+              <a:shade val="50000"/>
+            </a:schemeClr>
+          </a:lnRef>
+          <a:fillRef idx="1">
+            <a:schemeClr val="accent1"/>
+          </a:fillRef>
+          <a:effectRef idx="0">
+            <a:schemeClr val="accent1"/>
+          </a:effectRef>
+          <a:fontRef idx="minor">
+            <a:schemeClr val="lt1"/>
+          </a:fontRef>
+        </p:style>
+        <p:txBody>
+          <a:bodyPr lIns="0" tIns="0" rIns="0" bIns="0" rtlCol="0" anchor="ctr"/>
+          <a:lstStyle/>
+          <a:p>
+            <a:pPr algn="ctr"/>
+            <a:r>
+              <a:rPr lang="en-US" sz="800" dirty="0">
+                <a:latin typeface="Arial" panose="020B0604020202020204" pitchFamily="34" charset="0"/>
+                <a:cs typeface="Arial" panose="020B0604020202020204" pitchFamily="34" charset="0"/>
+              </a:rPr>
+              <a:t>2.0</a:t>
+            </a:r>
+          </a:p>
+        </p:txBody>
+      </p:sp>
+      <p:sp>
+        <p:nvSpPr>
+          <p:cNvPr id="257" name="Oval 256">
+            <a:extLst>
+              <a:ext uri="{FF2B5EF4-FFF2-40B4-BE49-F238E27FC236}">
+                <a16:creationId xmlns:a16="http://schemas.microsoft.com/office/drawing/2014/main" id="{11ACEA41-62BF-684C-83BD-D1F1D0674BEC}"/>
+              </a:ext>
+            </a:extLst>
+          </p:cNvPr>
+          <p:cNvSpPr/>
+          <p:nvPr/>
+        </p:nvSpPr>
+        <p:spPr>
+          <a:xfrm>
+            <a:off x="8018224" y="1673617"/>
+            <a:ext cx="253435" cy="212902"/>
+          </a:xfrm>
+          <a:prstGeom prst="ellipse">
+            <a:avLst/>
+          </a:prstGeom>
+          <a:solidFill>
+            <a:schemeClr val="tx1"/>
+          </a:solidFill>
+          <a:ln>
+            <a:solidFill>
+              <a:schemeClr val="tx1"/>
+            </a:solidFill>
+          </a:ln>
+        </p:spPr>
+        <p:style>
+          <a:lnRef idx="2">
+            <a:schemeClr val="accent1">
+              <a:shade val="50000"/>
+            </a:schemeClr>
+          </a:lnRef>
+          <a:fillRef idx="1">
+            <a:schemeClr val="accent1"/>
+          </a:fillRef>
+          <a:effectRef idx="0">
+            <a:schemeClr val="accent1"/>
+          </a:effectRef>
+          <a:fontRef idx="minor">
+            <a:schemeClr val="lt1"/>
+          </a:fontRef>
+        </p:style>
+        <p:txBody>
+          <a:bodyPr lIns="0" tIns="0" rIns="0" bIns="0" rtlCol="0" anchor="ctr"/>
+          <a:lstStyle/>
+          <a:p>
+            <a:pPr algn="ctr"/>
+            <a:r>
+              <a:rPr lang="en-US" sz="800" dirty="0">
+                <a:latin typeface="Arial" panose="020B0604020202020204" pitchFamily="34" charset="0"/>
+                <a:cs typeface="Arial" panose="020B0604020202020204" pitchFamily="34" charset="0"/>
+              </a:rPr>
+              <a:t>2.1</a:t>
+            </a:r>
+          </a:p>
+        </p:txBody>
+      </p:sp>
+      <p:sp>
+        <p:nvSpPr>
+          <p:cNvPr id="259" name="TextBox 258">
+            <a:extLst>
+              <a:ext uri="{FF2B5EF4-FFF2-40B4-BE49-F238E27FC236}">
+                <a16:creationId xmlns:a16="http://schemas.microsoft.com/office/drawing/2014/main" id="{F16354E4-1788-2840-AF43-019E5DAF735C}"/>
+              </a:ext>
+            </a:extLst>
+          </p:cNvPr>
+          <p:cNvSpPr txBox="1"/>
+          <p:nvPr/>
+        </p:nvSpPr>
+        <p:spPr>
+          <a:xfrm>
+            <a:off x="1599441" y="5616045"/>
+            <a:ext cx="907653" cy="430887"/>
+          </a:xfrm>
+          <a:prstGeom prst="rect">
+            <a:avLst/>
+          </a:prstGeom>
+          <a:noFill/>
+        </p:spPr>
+        <p:txBody>
+          <a:bodyPr wrap="square" rtlCol="0">
+            <a:spAutoFit/>
+          </a:bodyPr>
+          <a:lstStyle/>
+          <a:p>
+            <a:pPr algn="ctr"/>
+            <a:r>
+              <a:rPr lang="en-US" sz="1100" dirty="0">
+                <a:latin typeface="Arial" panose="020B0604020202020204" pitchFamily="34" charset="0"/>
+                <a:cs typeface="Arial" panose="020B0604020202020204" pitchFamily="34" charset="0"/>
+              </a:rPr>
+              <a:t>Delivery KMS Key</a:t>
+            </a:r>
+          </a:p>
+        </p:txBody>
+      </p:sp>
+      <p:sp>
+        <p:nvSpPr>
+          <p:cNvPr id="261" name="TextBox 260">
+            <a:extLst>
+              <a:ext uri="{FF2B5EF4-FFF2-40B4-BE49-F238E27FC236}">
+                <a16:creationId xmlns:a16="http://schemas.microsoft.com/office/drawing/2014/main" id="{46A2B6BA-793A-7640-9867-E9F409C7C5BB}"/>
+              </a:ext>
+            </a:extLst>
+          </p:cNvPr>
+          <p:cNvSpPr txBox="1"/>
+          <p:nvPr/>
+        </p:nvSpPr>
+        <p:spPr>
+          <a:xfrm>
+            <a:off x="9308870" y="5370628"/>
+            <a:ext cx="1103001" cy="430887"/>
+          </a:xfrm>
+          <a:prstGeom prst="rect">
+            <a:avLst/>
+          </a:prstGeom>
+          <a:noFill/>
+        </p:spPr>
+        <p:txBody>
+          <a:bodyPr wrap="square" rtlCol="0">
+            <a:spAutoFit/>
+          </a:bodyPr>
+          <a:lstStyle/>
+          <a:p>
+            <a:pPr algn="ctr"/>
+            <a:r>
+              <a:rPr lang="en-US" sz="1100" dirty="0">
+                <a:latin typeface="Arial" panose="020B0604020202020204" pitchFamily="34" charset="0"/>
+                <a:cs typeface="Arial" panose="020B0604020202020204" pitchFamily="34" charset="0"/>
+              </a:rPr>
+              <a:t>Disable Macie Role</a:t>
+            </a:r>
+          </a:p>
+        </p:txBody>
+      </p:sp>
+      <p:pic>
+        <p:nvPicPr>
+          <p:cNvPr id="262" name="Graphic 261">
+            <a:extLst>
+              <a:ext uri="{FF2B5EF4-FFF2-40B4-BE49-F238E27FC236}">
+                <a16:creationId xmlns:a16="http://schemas.microsoft.com/office/drawing/2014/main" id="{A1BA5688-D63A-D64E-A020-F057F86C52FA}"/>
+              </a:ext>
+            </a:extLst>
+          </p:cNvPr>
+          <p:cNvPicPr>
+            <a:picLocks noChangeAspect="1"/>
+          </p:cNvPicPr>
+          <p:nvPr/>
+        </p:nvPicPr>
+        <p:blipFill>
+          <a:blip r:embed="rId5">
+            <a:extLst>
+              <a:ext uri="{96DAC541-7B7A-43D3-8B79-37D633B846F1}">
+                <asvg:svgBlip xmlns:asvg="http://schemas.microsoft.com/office/drawing/2016/SVG/main" r:embed="rId6"/>
+              </a:ext>
+            </a:extLst>
+          </a:blip>
+          <a:stretch>
+            <a:fillRect/>
+          </a:stretch>
+        </p:blipFill>
+        <p:spPr>
+          <a:xfrm>
+            <a:off x="9589394" y="5022961"/>
+            <a:ext cx="469900" cy="469900"/>
+          </a:xfrm>
+          <a:prstGeom prst="rect">
+            <a:avLst/>
+          </a:prstGeom>
+        </p:spPr>
+      </p:pic>
+      <p:sp>
+        <p:nvSpPr>
+          <p:cNvPr id="263" name="Oval 262">
+            <a:extLst>
+              <a:ext uri="{FF2B5EF4-FFF2-40B4-BE49-F238E27FC236}">
+                <a16:creationId xmlns:a16="http://schemas.microsoft.com/office/drawing/2014/main" id="{0FEA7298-465F-DD48-8A05-6286FBCD20BC}"/>
+              </a:ext>
+            </a:extLst>
+          </p:cNvPr>
+          <p:cNvSpPr/>
+          <p:nvPr/>
+        </p:nvSpPr>
+        <p:spPr>
+          <a:xfrm>
+            <a:off x="9720114" y="4879142"/>
+            <a:ext cx="253435" cy="212902"/>
+          </a:xfrm>
+          <a:prstGeom prst="ellipse">
+            <a:avLst/>
+          </a:prstGeom>
+          <a:solidFill>
+            <a:schemeClr val="tx1"/>
+          </a:solidFill>
+          <a:ln>
+            <a:solidFill>
+              <a:schemeClr val="tx1"/>
+            </a:solidFill>
+          </a:ln>
+        </p:spPr>
+        <p:style>
+          <a:lnRef idx="2">
+            <a:schemeClr val="accent1">
+              <a:shade val="50000"/>
+            </a:schemeClr>
+          </a:lnRef>
+          <a:fillRef idx="1">
+            <a:schemeClr val="accent1"/>
+          </a:fillRef>
+          <a:effectRef idx="0">
+            <a:schemeClr val="accent1"/>
+          </a:effectRef>
+          <a:fontRef idx="minor">
+            <a:schemeClr val="lt1"/>
+          </a:fontRef>
+        </p:style>
+        <p:txBody>
+          <a:bodyPr lIns="0" tIns="0" rIns="0" bIns="0" rtlCol="0" anchor="ctr"/>
+          <a:lstStyle/>
+          <a:p>
+            <a:pPr algn="ctr"/>
+            <a:r>
+              <a:rPr lang="en-US" sz="800" dirty="0">
+                <a:latin typeface="Arial" panose="020B0604020202020204" pitchFamily="34" charset="0"/>
+                <a:cs typeface="Arial" panose="020B0604020202020204" pitchFamily="34" charset="0"/>
+              </a:rPr>
+              <a:t>4.2</a:t>
+            </a:r>
+          </a:p>
+        </p:txBody>
+      </p:sp>
+      <p:pic>
+        <p:nvPicPr>
+          <p:cNvPr id="264" name="Graphic 13">
+            <a:extLst>
+              <a:ext uri="{FF2B5EF4-FFF2-40B4-BE49-F238E27FC236}">
+                <a16:creationId xmlns:a16="http://schemas.microsoft.com/office/drawing/2014/main" id="{FB7840C9-37B4-384E-9711-D09A4FF5CEF3}"/>
+              </a:ext>
+            </a:extLst>
+          </p:cNvPr>
+          <p:cNvPicPr>
+            <a:picLocks noChangeAspect="1" noChangeArrowheads="1"/>
+          </p:cNvPicPr>
+          <p:nvPr/>
+        </p:nvPicPr>
+        <p:blipFill>
+          <a:blip r:embed="rId7">
+            <a:extLst>
+              <a:ext uri="{28A0092B-C50C-407E-A947-70E740481C1C}">
+                <a14:useLocalDpi xmlns:a14="http://schemas.microsoft.com/office/drawing/2010/main" val="0"/>
+              </a:ext>
+            </a:extLst>
+          </a:blip>
+          <a:srcRect/>
+          <a:stretch>
+            <a:fillRect/>
+          </a:stretch>
+        </p:blipFill>
+        <p:spPr bwMode="auto">
+          <a:xfrm>
+            <a:off x="4258467" y="3101157"/>
+            <a:ext cx="457200" cy="457200"/>
+          </a:xfrm>
+          <a:prstGeom prst="rect">
+            <a:avLst/>
+          </a:prstGeom>
+          <a:noFill/>
+          <a:ln>
+            <a:noFill/>
+          </a:ln>
+          <a:extLst>
+            <a:ext uri="{909E8E84-426E-40DD-AFC4-6F175D3DCCD1}">
+              <a14:hiddenFill xmlns:a14="http://schemas.microsoft.com/office/drawing/2010/main">
+                <a:solidFill>
+                  <a:srgbClr val="FFFFFF"/>
+                </a:solidFill>
+              </a14:hiddenFill>
+            </a:ext>
+            <a:ext uri="{91240B29-F687-4F45-9708-019B960494DF}">
+              <a14:hiddenLine xmlns:a14="http://schemas.microsoft.com/office/drawing/2010/main" w="9525">
+                <a:solidFill>
+                  <a:srgbClr val="000000"/>
+                </a:solidFill>
+                <a:miter lim="800000"/>
+                <a:headEnd/>
+                <a:tailEnd/>
+              </a14:hiddenLine>
+            </a:ext>
+          </a:extLst>
+        </p:spPr>
+      </p:pic>
+      <p:sp>
+        <p:nvSpPr>
+          <p:cNvPr id="265" name="Oval 264">
+            <a:extLst>
+              <a:ext uri="{FF2B5EF4-FFF2-40B4-BE49-F238E27FC236}">
+                <a16:creationId xmlns:a16="http://schemas.microsoft.com/office/drawing/2014/main" id="{FA13A6A4-6700-AE46-A064-503448024C09}"/>
+              </a:ext>
+            </a:extLst>
+          </p:cNvPr>
+          <p:cNvSpPr/>
+          <p:nvPr/>
+        </p:nvSpPr>
+        <p:spPr>
+          <a:xfrm>
+            <a:off x="4097362" y="3013658"/>
+            <a:ext cx="253435" cy="212902"/>
+          </a:xfrm>
+          <a:prstGeom prst="ellipse">
+            <a:avLst/>
+          </a:prstGeom>
+          <a:solidFill>
+            <a:schemeClr val="tx1"/>
+          </a:solidFill>
+          <a:ln>
+            <a:solidFill>
+              <a:schemeClr val="tx1"/>
+            </a:solidFill>
+          </a:ln>
+        </p:spPr>
+        <p:style>
+          <a:lnRef idx="2">
+            <a:schemeClr val="accent1">
+              <a:shade val="50000"/>
+            </a:schemeClr>
+          </a:lnRef>
+          <a:fillRef idx="1">
+            <a:schemeClr val="accent1"/>
+          </a:fillRef>
+          <a:effectRef idx="0">
+            <a:schemeClr val="accent1"/>
+          </a:effectRef>
+          <a:fontRef idx="minor">
+            <a:schemeClr val="lt1"/>
+          </a:fontRef>
+        </p:style>
+        <p:txBody>
+          <a:bodyPr lIns="0" tIns="0" rIns="0" bIns="0" rtlCol="0" anchor="ctr"/>
+          <a:lstStyle/>
+          <a:p>
+            <a:pPr algn="ctr"/>
+            <a:r>
+              <a:rPr lang="en-US" sz="800" dirty="0">
+                <a:latin typeface="Arial" panose="020B0604020202020204" pitchFamily="34" charset="0"/>
+                <a:cs typeface="Arial" panose="020B0604020202020204" pitchFamily="34" charset="0"/>
+              </a:rPr>
+              <a:t>1.1</a:t>
+            </a:r>
+          </a:p>
+        </p:txBody>
+      </p:sp>
+      <p:pic>
+        <p:nvPicPr>
+          <p:cNvPr id="266" name="Graphic 14">
+            <a:extLst>
+              <a:ext uri="{FF2B5EF4-FFF2-40B4-BE49-F238E27FC236}">
+                <a16:creationId xmlns:a16="http://schemas.microsoft.com/office/drawing/2014/main" id="{BCC21AA9-6F6F-154F-A023-C2B5FB86EF4B}"/>
+              </a:ext>
+            </a:extLst>
+          </p:cNvPr>
+          <p:cNvPicPr>
+            <a:picLocks noChangeAspect="1" noChangeArrowheads="1"/>
+          </p:cNvPicPr>
+          <p:nvPr/>
+        </p:nvPicPr>
+        <p:blipFill>
+          <a:blip r:embed="rId8">
+            <a:extLst>
+              <a:ext uri="{28A0092B-C50C-407E-A947-70E740481C1C}">
+                <a14:useLocalDpi xmlns:a14="http://schemas.microsoft.com/office/drawing/2010/main" val="0"/>
+              </a:ext>
+            </a:extLst>
+          </a:blip>
+          <a:srcRect/>
+          <a:stretch>
+            <a:fillRect/>
+          </a:stretch>
+        </p:blipFill>
+        <p:spPr bwMode="auto">
+          <a:xfrm>
+            <a:off x="7916342" y="1898914"/>
+            <a:ext cx="457200" cy="457200"/>
+          </a:xfrm>
+          <a:prstGeom prst="rect">
+            <a:avLst/>
+          </a:prstGeom>
+          <a:noFill/>
+          <a:ln>
+            <a:noFill/>
+          </a:ln>
+          <a:extLst>
+            <a:ext uri="{909E8E84-426E-40DD-AFC4-6F175D3DCCD1}">
+              <a14:hiddenFill xmlns:a14="http://schemas.microsoft.com/office/drawing/2010/main">
+                <a:solidFill>
+                  <a:srgbClr val="FFFFFF"/>
+                </a:solidFill>
+              </a14:hiddenFill>
+            </a:ext>
+            <a:ext uri="{91240B29-F687-4F45-9708-019B960494DF}">
+              <a14:hiddenLine xmlns:a14="http://schemas.microsoft.com/office/drawing/2010/main" w="9525">
+                <a:solidFill>
+                  <a:srgbClr val="000000"/>
+                </a:solidFill>
+                <a:miter lim="800000"/>
+                <a:headEnd/>
+                <a:tailEnd/>
+              </a14:hiddenLine>
+            </a:ext>
+          </a:extLst>
+        </p:spPr>
+      </p:pic>
+      <p:pic>
+        <p:nvPicPr>
+          <p:cNvPr id="267" name="Graphic 7">
+            <a:extLst>
+              <a:ext uri="{FF2B5EF4-FFF2-40B4-BE49-F238E27FC236}">
+                <a16:creationId xmlns:a16="http://schemas.microsoft.com/office/drawing/2014/main" id="{251291D2-1290-0140-A42E-600AD58CA081}"/>
+              </a:ext>
+            </a:extLst>
+          </p:cNvPr>
+          <p:cNvPicPr>
+            <a:picLocks noChangeAspect="1" noChangeArrowheads="1"/>
+          </p:cNvPicPr>
+          <p:nvPr/>
+        </p:nvPicPr>
+        <p:blipFill>
+          <a:blip r:embed="rId9">
+            <a:extLst>
+              <a:ext uri="{28A0092B-C50C-407E-A947-70E740481C1C}">
+                <a14:useLocalDpi xmlns:a14="http://schemas.microsoft.com/office/drawing/2010/main" val="0"/>
+              </a:ext>
+            </a:extLst>
+          </a:blip>
+          <a:srcRect/>
+          <a:stretch>
+            <a:fillRect/>
+          </a:stretch>
+        </p:blipFill>
+        <p:spPr bwMode="auto">
+          <a:xfrm>
+            <a:off x="3309601" y="1786933"/>
+            <a:ext cx="457200" cy="457200"/>
+          </a:xfrm>
+          <a:prstGeom prst="rect">
+            <a:avLst/>
+          </a:prstGeom>
+          <a:noFill/>
+          <a:ln>
+            <a:noFill/>
+          </a:ln>
+          <a:extLst>
+            <a:ext uri="{909E8E84-426E-40DD-AFC4-6F175D3DCCD1}">
+              <a14:hiddenFill xmlns:a14="http://schemas.microsoft.com/office/drawing/2010/main">
+                <a:solidFill>
+                  <a:srgbClr val="FFFFFF"/>
+                </a:solidFill>
+              </a14:hiddenFill>
+            </a:ext>
+            <a:ext uri="{91240B29-F687-4F45-9708-019B960494DF}">
+              <a14:hiddenLine xmlns:a14="http://schemas.microsoft.com/office/drawing/2010/main" w="9525">
+                <a:solidFill>
+                  <a:srgbClr val="000000"/>
+                </a:solidFill>
+                <a:miter lim="800000"/>
+                <a:headEnd/>
+                <a:tailEnd/>
+              </a14:hiddenLine>
+            </a:ext>
+          </a:extLst>
+        </p:spPr>
+      </p:pic>
+      <p:cxnSp>
+        <p:nvCxnSpPr>
+          <p:cNvPr id="268" name="Straight Arrow Connector 267">
+            <a:extLst>
+              <a:ext uri="{FF2B5EF4-FFF2-40B4-BE49-F238E27FC236}">
+                <a16:creationId xmlns:a16="http://schemas.microsoft.com/office/drawing/2014/main" id="{92B6C9FB-1DE3-0E48-B06C-C284E06F7440}"/>
+              </a:ext>
+            </a:extLst>
+          </p:cNvPr>
+          <p:cNvCxnSpPr>
+            <a:cxnSpLocks/>
+          </p:cNvCxnSpPr>
+          <p:nvPr/>
+        </p:nvCxnSpPr>
+        <p:spPr>
+          <a:xfrm flipH="1" flipV="1">
+            <a:off x="3908376" y="2614566"/>
+            <a:ext cx="206160" cy="328000"/>
+          </a:xfrm>
+          <a:prstGeom prst="straightConnector1">
+            <a:avLst/>
+          </a:prstGeom>
+          <a:ln>
+            <a:tailEnd type="triangle"/>
+          </a:ln>
+        </p:spPr>
+        <p:style>
+          <a:lnRef idx="1">
+            <a:schemeClr val="dk1"/>
+          </a:lnRef>
+          <a:fillRef idx="0">
+            <a:schemeClr val="dk1"/>
+          </a:fillRef>
+          <a:effectRef idx="0">
+            <a:schemeClr val="dk1"/>
+          </a:effectRef>
+          <a:fontRef idx="minor">
+            <a:schemeClr val="tx1"/>
+          </a:fontRef>
+        </p:style>
+      </p:cxnSp>
+      <p:sp>
+        <p:nvSpPr>
+          <p:cNvPr id="269" name="Rectangle 268">
+            <a:extLst>
+              <a:ext uri="{FF2B5EF4-FFF2-40B4-BE49-F238E27FC236}">
+                <a16:creationId xmlns:a16="http://schemas.microsoft.com/office/drawing/2014/main" id="{B3648405-44AF-7543-A07D-CE9A20758F38}"/>
+              </a:ext>
+            </a:extLst>
+          </p:cNvPr>
+          <p:cNvSpPr/>
+          <p:nvPr/>
+        </p:nvSpPr>
+        <p:spPr>
+          <a:xfrm>
+            <a:off x="5886124" y="2376544"/>
+            <a:ext cx="1215960" cy="1429548"/>
+          </a:xfrm>
+          <a:prstGeom prst="rect">
+            <a:avLst/>
+          </a:prstGeom>
+          <a:noFill/>
+          <a:ln w="12700">
+            <a:solidFill>
+              <a:schemeClr val="tx1"/>
+            </a:solidFill>
+            <a:prstDash val="dash"/>
+          </a:ln>
+        </p:spPr>
+        <p:style>
+          <a:lnRef idx="2">
+            <a:schemeClr val="accent1">
+              <a:shade val="50000"/>
+            </a:schemeClr>
+          </a:lnRef>
+          <a:fillRef idx="1">
+            <a:schemeClr val="accent1"/>
+          </a:fillRef>
+          <a:effectRef idx="0">
+            <a:schemeClr val="accent1"/>
+          </a:effectRef>
+          <a:fontRef idx="minor">
+            <a:schemeClr val="lt1"/>
+          </a:fontRef>
+        </p:style>
+        <p:txBody>
+          <a:bodyPr rot="0" spcFirstLastPara="0" vertOverflow="overflow" horzOverflow="overflow" vert="horz" wrap="square" lIns="91440" tIns="0" rIns="91440" bIns="45720" numCol="1" spcCol="0" rtlCol="0" fromWordArt="0" anchor="t" anchorCtr="0" forceAA="0" compatLnSpc="1">
+            <a:noAutofit/>
+          </a:bodyPr>
+          <a:lstStyle/>
+          <a:p>
+            <a:r>
+              <a:rPr lang="en-US" sz="1100" b="1" dirty="0">
+                <a:solidFill>
+                  <a:schemeClr val="tx1"/>
+                </a:solidFill>
+                <a:latin typeface="Arial" panose="020B0604020202020204" pitchFamily="34" charset="0"/>
+                <a:cs typeface="Arial" panose="020B0604020202020204" pitchFamily="34" charset="0"/>
+              </a:rPr>
+              <a:t>region-1</a:t>
+            </a:r>
+          </a:p>
+        </p:txBody>
+      </p:sp>
+      <p:sp>
+        <p:nvSpPr>
+          <p:cNvPr id="271" name="TextBox 270">
+            <a:extLst>
+              <a:ext uri="{FF2B5EF4-FFF2-40B4-BE49-F238E27FC236}">
+                <a16:creationId xmlns:a16="http://schemas.microsoft.com/office/drawing/2014/main" id="{377B276E-F221-E94E-BC9D-3FB2A6D410AD}"/>
+              </a:ext>
+            </a:extLst>
+          </p:cNvPr>
+          <p:cNvSpPr txBox="1"/>
+          <p:nvPr/>
+        </p:nvSpPr>
+        <p:spPr>
+          <a:xfrm>
+            <a:off x="6149926" y="3544482"/>
+            <a:ext cx="1047687" cy="261610"/>
+          </a:xfrm>
+          <a:prstGeom prst="rect">
+            <a:avLst/>
+          </a:prstGeom>
+          <a:noFill/>
+        </p:spPr>
+        <p:txBody>
+          <a:bodyPr wrap="square" rtlCol="0">
+            <a:spAutoFit/>
+          </a:bodyPr>
+          <a:lstStyle/>
+          <a:p>
+            <a:pPr algn="ctr"/>
+            <a:r>
+              <a:rPr lang="en-US" sz="1100" dirty="0">
+                <a:latin typeface="Arial" panose="020B0604020202020204" pitchFamily="34" charset="0"/>
+                <a:cs typeface="Arial" panose="020B0604020202020204" pitchFamily="34" charset="0"/>
+              </a:rPr>
+              <a:t>Macie</a:t>
+            </a:r>
+          </a:p>
+        </p:txBody>
+      </p:sp>
+      <p:sp>
+        <p:nvSpPr>
+          <p:cNvPr id="272" name="Rectangle 271">
+            <a:extLst>
+              <a:ext uri="{FF2B5EF4-FFF2-40B4-BE49-F238E27FC236}">
+                <a16:creationId xmlns:a16="http://schemas.microsoft.com/office/drawing/2014/main" id="{0BAB9E1A-093E-2F4E-867C-165B3F0C4493}"/>
+              </a:ext>
+            </a:extLst>
+          </p:cNvPr>
+          <p:cNvSpPr/>
+          <p:nvPr/>
+        </p:nvSpPr>
+        <p:spPr>
+          <a:xfrm>
+            <a:off x="6027914" y="2598952"/>
+            <a:ext cx="1074169" cy="1207140"/>
+          </a:xfrm>
+          <a:prstGeom prst="rect">
+            <a:avLst/>
+          </a:prstGeom>
+          <a:noFill/>
+          <a:ln w="12700">
+            <a:solidFill>
+              <a:schemeClr val="tx1"/>
+            </a:solidFill>
+            <a:prstDash val="dash"/>
+          </a:ln>
+        </p:spPr>
+        <p:style>
+          <a:lnRef idx="2">
+            <a:schemeClr val="accent1">
+              <a:shade val="50000"/>
+            </a:schemeClr>
+          </a:lnRef>
+          <a:fillRef idx="1">
+            <a:schemeClr val="accent1"/>
+          </a:fillRef>
+          <a:effectRef idx="0">
+            <a:schemeClr val="accent1"/>
+          </a:effectRef>
+          <a:fontRef idx="minor">
+            <a:schemeClr val="lt1"/>
+          </a:fontRef>
+        </p:style>
+        <p:txBody>
+          <a:bodyPr rot="0" spcFirstLastPara="0" vertOverflow="overflow" horzOverflow="overflow" vert="horz" wrap="square" lIns="91440" tIns="0" rIns="91440" bIns="45720" numCol="1" spcCol="0" rtlCol="0" fromWordArt="0" anchor="t" anchorCtr="0" forceAA="0" compatLnSpc="1">
+            <a:noAutofit/>
+          </a:bodyPr>
+          <a:lstStyle/>
+          <a:p>
+            <a:r>
+              <a:rPr lang="en-US" sz="1100" b="1" dirty="0">
+                <a:solidFill>
+                  <a:schemeClr val="tx1"/>
+                </a:solidFill>
+                <a:latin typeface="Arial" panose="020B0604020202020204" pitchFamily="34" charset="0"/>
+                <a:cs typeface="Arial" panose="020B0604020202020204" pitchFamily="34" charset="0"/>
+              </a:rPr>
+              <a:t>region-2</a:t>
+            </a:r>
+          </a:p>
+        </p:txBody>
+      </p:sp>
+      <p:sp>
+        <p:nvSpPr>
+          <p:cNvPr id="273" name="Rectangle 272">
+            <a:extLst>
+              <a:ext uri="{FF2B5EF4-FFF2-40B4-BE49-F238E27FC236}">
+                <a16:creationId xmlns:a16="http://schemas.microsoft.com/office/drawing/2014/main" id="{D94A79AC-BA80-C64D-B5BB-D19290F083AB}"/>
+              </a:ext>
+            </a:extLst>
+          </p:cNvPr>
+          <p:cNvSpPr/>
+          <p:nvPr/>
+        </p:nvSpPr>
+        <p:spPr>
+          <a:xfrm>
+            <a:off x="6145759" y="2832176"/>
+            <a:ext cx="956324" cy="973916"/>
+          </a:xfrm>
+          <a:prstGeom prst="rect">
+            <a:avLst/>
+          </a:prstGeom>
+          <a:noFill/>
+          <a:ln w="12700">
+            <a:solidFill>
+              <a:schemeClr val="tx1"/>
+            </a:solidFill>
+            <a:prstDash val="dash"/>
+          </a:ln>
+        </p:spPr>
+        <p:style>
+          <a:lnRef idx="2">
+            <a:schemeClr val="accent1">
+              <a:shade val="50000"/>
+            </a:schemeClr>
+          </a:lnRef>
+          <a:fillRef idx="1">
+            <a:schemeClr val="accent1"/>
+          </a:fillRef>
+          <a:effectRef idx="0">
+            <a:schemeClr val="accent1"/>
+          </a:effectRef>
+          <a:fontRef idx="minor">
+            <a:schemeClr val="lt1"/>
+          </a:fontRef>
+        </p:style>
+        <p:txBody>
+          <a:bodyPr rot="0" spcFirstLastPara="0" vertOverflow="overflow" horzOverflow="overflow" vert="horz" wrap="square" lIns="91440" tIns="0" rIns="91440" bIns="45720" numCol="1" spcCol="0" rtlCol="0" fromWordArt="0" anchor="t" anchorCtr="0" forceAA="0" compatLnSpc="1">
+            <a:noAutofit/>
+          </a:bodyPr>
+          <a:lstStyle/>
+          <a:p>
+            <a:r>
+              <a:rPr lang="en-US" sz="1100" b="1" dirty="0">
+                <a:solidFill>
+                  <a:schemeClr val="tx1"/>
+                </a:solidFill>
+                <a:latin typeface="Arial" panose="020B0604020202020204" pitchFamily="34" charset="0"/>
+                <a:cs typeface="Arial" panose="020B0604020202020204" pitchFamily="34" charset="0"/>
+              </a:rPr>
+              <a:t>region-n</a:t>
+            </a:r>
+          </a:p>
+        </p:txBody>
+      </p:sp>
+      <p:cxnSp>
+        <p:nvCxnSpPr>
+          <p:cNvPr id="275" name="Straight Arrow Connector 274">
+            <a:extLst>
+              <a:ext uri="{FF2B5EF4-FFF2-40B4-BE49-F238E27FC236}">
+                <a16:creationId xmlns:a16="http://schemas.microsoft.com/office/drawing/2014/main" id="{4519B75B-30A1-A049-9013-376D48BD25F3}"/>
+              </a:ext>
+            </a:extLst>
+          </p:cNvPr>
+          <p:cNvCxnSpPr>
+            <a:cxnSpLocks/>
+          </p:cNvCxnSpPr>
+          <p:nvPr/>
+        </p:nvCxnSpPr>
+        <p:spPr>
+          <a:xfrm>
+            <a:off x="4810361" y="3320936"/>
+            <a:ext cx="955130" cy="0"/>
+          </a:xfrm>
+          <a:prstGeom prst="straightConnector1">
+            <a:avLst/>
+          </a:prstGeom>
+          <a:ln>
+            <a:tailEnd type="triangle"/>
+          </a:ln>
+        </p:spPr>
+        <p:style>
+          <a:lnRef idx="1">
+            <a:schemeClr val="dk1"/>
+          </a:lnRef>
+          <a:fillRef idx="0">
+            <a:schemeClr val="dk1"/>
+          </a:fillRef>
+          <a:effectRef idx="0">
+            <a:schemeClr val="dk1"/>
+          </a:effectRef>
+          <a:fontRef idx="minor">
+            <a:schemeClr val="tx1"/>
+          </a:fontRef>
+        </p:style>
+      </p:cxnSp>
+      <p:sp>
+        <p:nvSpPr>
+          <p:cNvPr id="276" name="Rectangle 275">
+            <a:extLst>
+              <a:ext uri="{FF2B5EF4-FFF2-40B4-BE49-F238E27FC236}">
+                <a16:creationId xmlns:a16="http://schemas.microsoft.com/office/drawing/2014/main" id="{5BED5F59-DD67-9241-BA17-C114690529E2}"/>
+              </a:ext>
+            </a:extLst>
+          </p:cNvPr>
+          <p:cNvSpPr/>
+          <p:nvPr/>
+        </p:nvSpPr>
+        <p:spPr>
+          <a:xfrm>
+            <a:off x="7940306" y="4564364"/>
+            <a:ext cx="1313004" cy="1464814"/>
+          </a:xfrm>
+          <a:prstGeom prst="rect">
+            <a:avLst/>
+          </a:prstGeom>
+          <a:noFill/>
+          <a:ln w="12700">
+            <a:solidFill>
+              <a:schemeClr val="tx1"/>
+            </a:solidFill>
+            <a:prstDash val="dash"/>
+          </a:ln>
+        </p:spPr>
+        <p:style>
+          <a:lnRef idx="2">
+            <a:schemeClr val="accent1">
+              <a:shade val="50000"/>
+            </a:schemeClr>
+          </a:lnRef>
+          <a:fillRef idx="1">
+            <a:schemeClr val="accent1"/>
+          </a:fillRef>
+          <a:effectRef idx="0">
+            <a:schemeClr val="accent1"/>
+          </a:effectRef>
+          <a:fontRef idx="minor">
+            <a:schemeClr val="lt1"/>
+          </a:fontRef>
+        </p:style>
+        <p:txBody>
+          <a:bodyPr rot="0" spcFirstLastPara="0" vertOverflow="overflow" horzOverflow="overflow" vert="horz" wrap="square" lIns="91440" tIns="0" rIns="91440" bIns="45720" numCol="1" spcCol="0" rtlCol="0" fromWordArt="0" anchor="t" anchorCtr="0" forceAA="0" compatLnSpc="1">
+            <a:noAutofit/>
+          </a:bodyPr>
+          <a:lstStyle/>
+          <a:p>
+            <a:r>
+              <a:rPr lang="en-US" sz="1100" b="1" dirty="0">
+                <a:solidFill>
+                  <a:schemeClr val="tx1"/>
+                </a:solidFill>
+                <a:latin typeface="Arial" panose="020B0604020202020204" pitchFamily="34" charset="0"/>
+                <a:cs typeface="Arial" panose="020B0604020202020204" pitchFamily="34" charset="0"/>
+              </a:rPr>
+              <a:t>region-1</a:t>
+            </a:r>
+          </a:p>
+        </p:txBody>
+      </p:sp>
+      <p:sp>
+        <p:nvSpPr>
+          <p:cNvPr id="278" name="TextBox 277">
+            <a:extLst>
+              <a:ext uri="{FF2B5EF4-FFF2-40B4-BE49-F238E27FC236}">
+                <a16:creationId xmlns:a16="http://schemas.microsoft.com/office/drawing/2014/main" id="{78FF5145-7003-F046-9444-FE99EB5C0204}"/>
+              </a:ext>
+            </a:extLst>
+          </p:cNvPr>
+          <p:cNvSpPr txBox="1"/>
+          <p:nvPr/>
+        </p:nvSpPr>
+        <p:spPr>
+          <a:xfrm>
+            <a:off x="8212608" y="5767568"/>
+            <a:ext cx="1047687" cy="261610"/>
+          </a:xfrm>
+          <a:prstGeom prst="rect">
+            <a:avLst/>
+          </a:prstGeom>
+          <a:noFill/>
+        </p:spPr>
+        <p:txBody>
+          <a:bodyPr wrap="square" rtlCol="0">
+            <a:spAutoFit/>
+          </a:bodyPr>
+          <a:lstStyle/>
+          <a:p>
+            <a:pPr algn="ctr"/>
+            <a:r>
+              <a:rPr lang="en-US" sz="1100" dirty="0">
+                <a:latin typeface="Arial" panose="020B0604020202020204" pitchFamily="34" charset="0"/>
+                <a:cs typeface="Arial" panose="020B0604020202020204" pitchFamily="34" charset="0"/>
+              </a:rPr>
+              <a:t>Macie</a:t>
+            </a:r>
+          </a:p>
+        </p:txBody>
+      </p:sp>
+      <p:sp>
+        <p:nvSpPr>
+          <p:cNvPr id="279" name="Rectangle 278">
+            <a:extLst>
+              <a:ext uri="{FF2B5EF4-FFF2-40B4-BE49-F238E27FC236}">
+                <a16:creationId xmlns:a16="http://schemas.microsoft.com/office/drawing/2014/main" id="{A5C45638-4D4E-1B49-9139-87C607B6053E}"/>
+              </a:ext>
+            </a:extLst>
+          </p:cNvPr>
+          <p:cNvSpPr/>
+          <p:nvPr/>
+        </p:nvSpPr>
+        <p:spPr>
+          <a:xfrm>
+            <a:off x="8066662" y="4786772"/>
+            <a:ext cx="1186648" cy="1242406"/>
+          </a:xfrm>
+          <a:prstGeom prst="rect">
+            <a:avLst/>
+          </a:prstGeom>
+          <a:noFill/>
+          <a:ln w="12700">
+            <a:solidFill>
+              <a:schemeClr val="tx1"/>
+            </a:solidFill>
+            <a:prstDash val="dash"/>
+          </a:ln>
+        </p:spPr>
+        <p:style>
+          <a:lnRef idx="2">
+            <a:schemeClr val="accent1">
+              <a:shade val="50000"/>
+            </a:schemeClr>
+          </a:lnRef>
+          <a:fillRef idx="1">
+            <a:schemeClr val="accent1"/>
+          </a:fillRef>
+          <a:effectRef idx="0">
+            <a:schemeClr val="accent1"/>
+          </a:effectRef>
+          <a:fontRef idx="minor">
+            <a:schemeClr val="lt1"/>
+          </a:fontRef>
+        </p:style>
+        <p:txBody>
+          <a:bodyPr rot="0" spcFirstLastPara="0" vertOverflow="overflow" horzOverflow="overflow" vert="horz" wrap="square" lIns="91440" tIns="0" rIns="91440" bIns="45720" numCol="1" spcCol="0" rtlCol="0" fromWordArt="0" anchor="t" anchorCtr="0" forceAA="0" compatLnSpc="1">
+            <a:noAutofit/>
+          </a:bodyPr>
+          <a:lstStyle/>
+          <a:p>
+            <a:r>
+              <a:rPr lang="en-US" sz="1100" b="1" dirty="0">
+                <a:solidFill>
+                  <a:schemeClr val="tx1"/>
+                </a:solidFill>
+                <a:latin typeface="Arial" panose="020B0604020202020204" pitchFamily="34" charset="0"/>
+                <a:cs typeface="Arial" panose="020B0604020202020204" pitchFamily="34" charset="0"/>
+              </a:rPr>
+              <a:t>region-2</a:t>
+            </a:r>
+          </a:p>
+        </p:txBody>
+      </p:sp>
+      <p:sp>
+        <p:nvSpPr>
+          <p:cNvPr id="280" name="Rectangle 279">
+            <a:extLst>
+              <a:ext uri="{FF2B5EF4-FFF2-40B4-BE49-F238E27FC236}">
+                <a16:creationId xmlns:a16="http://schemas.microsoft.com/office/drawing/2014/main" id="{1AB62F62-E430-DE4B-BAA5-52E07460C252}"/>
+              </a:ext>
+            </a:extLst>
+          </p:cNvPr>
+          <p:cNvSpPr/>
+          <p:nvPr/>
+        </p:nvSpPr>
+        <p:spPr>
+          <a:xfrm>
+            <a:off x="8168146" y="5019996"/>
+            <a:ext cx="1085163" cy="1009182"/>
+          </a:xfrm>
+          <a:prstGeom prst="rect">
+            <a:avLst/>
+          </a:prstGeom>
+          <a:noFill/>
+          <a:ln w="12700">
+            <a:solidFill>
+              <a:schemeClr val="tx1"/>
+            </a:solidFill>
+            <a:prstDash val="dash"/>
+          </a:ln>
+        </p:spPr>
+        <p:style>
+          <a:lnRef idx="2">
+            <a:schemeClr val="accent1">
+              <a:shade val="50000"/>
+            </a:schemeClr>
+          </a:lnRef>
+          <a:fillRef idx="1">
+            <a:schemeClr val="accent1"/>
+          </a:fillRef>
+          <a:effectRef idx="0">
+            <a:schemeClr val="accent1"/>
+          </a:effectRef>
+          <a:fontRef idx="minor">
+            <a:schemeClr val="lt1"/>
+          </a:fontRef>
+        </p:style>
+        <p:txBody>
+          <a:bodyPr rot="0" spcFirstLastPara="0" vertOverflow="overflow" horzOverflow="overflow" vert="horz" wrap="square" lIns="91440" tIns="0" rIns="91440" bIns="45720" numCol="1" spcCol="0" rtlCol="0" fromWordArt="0" anchor="t" anchorCtr="0" forceAA="0" compatLnSpc="1">
+            <a:noAutofit/>
+          </a:bodyPr>
+          <a:lstStyle/>
+          <a:p>
+            <a:r>
+              <a:rPr lang="en-US" sz="1100" b="1" dirty="0">
+                <a:solidFill>
+                  <a:schemeClr val="tx1"/>
+                </a:solidFill>
+                <a:latin typeface="Arial" panose="020B0604020202020204" pitchFamily="34" charset="0"/>
+                <a:cs typeface="Arial" panose="020B0604020202020204" pitchFamily="34" charset="0"/>
+              </a:rPr>
+              <a:t>region-n</a:t>
+            </a:r>
+          </a:p>
+        </p:txBody>
+      </p:sp>
+      <p:sp>
+        <p:nvSpPr>
+          <p:cNvPr id="282" name="Rectangle 281">
+            <a:extLst>
+              <a:ext uri="{FF2B5EF4-FFF2-40B4-BE49-F238E27FC236}">
+                <a16:creationId xmlns:a16="http://schemas.microsoft.com/office/drawing/2014/main" id="{2A8B7758-CE1B-0C40-9538-19F68000D5BC}"/>
+              </a:ext>
+            </a:extLst>
+          </p:cNvPr>
+          <p:cNvSpPr/>
+          <p:nvPr/>
+        </p:nvSpPr>
+        <p:spPr>
+          <a:xfrm>
+            <a:off x="5814135" y="4779660"/>
+            <a:ext cx="1273618" cy="1464814"/>
+          </a:xfrm>
+          <a:prstGeom prst="rect">
+            <a:avLst/>
+          </a:prstGeom>
+          <a:noFill/>
+          <a:ln w="12700">
+            <a:solidFill>
+              <a:schemeClr val="tx1"/>
+            </a:solidFill>
+            <a:prstDash val="dash"/>
+          </a:ln>
+        </p:spPr>
+        <p:style>
+          <a:lnRef idx="2">
+            <a:schemeClr val="accent1">
+              <a:shade val="50000"/>
+            </a:schemeClr>
+          </a:lnRef>
+          <a:fillRef idx="1">
+            <a:schemeClr val="accent1"/>
+          </a:fillRef>
+          <a:effectRef idx="0">
+            <a:schemeClr val="accent1"/>
+          </a:effectRef>
+          <a:fontRef idx="minor">
+            <a:schemeClr val="lt1"/>
+          </a:fontRef>
+        </p:style>
+        <p:txBody>
+          <a:bodyPr rot="0" spcFirstLastPara="0" vertOverflow="overflow" horzOverflow="overflow" vert="horz" wrap="square" lIns="91440" tIns="0" rIns="91440" bIns="45720" numCol="1" spcCol="0" rtlCol="0" fromWordArt="0" anchor="t" anchorCtr="0" forceAA="0" compatLnSpc="1">
+            <a:noAutofit/>
+          </a:bodyPr>
+          <a:lstStyle/>
+          <a:p>
+            <a:r>
+              <a:rPr lang="en-US" sz="1100" b="1" dirty="0">
+                <a:solidFill>
+                  <a:schemeClr val="tx1"/>
+                </a:solidFill>
+                <a:latin typeface="Arial" panose="020B0604020202020204" pitchFamily="34" charset="0"/>
+                <a:cs typeface="Arial" panose="020B0604020202020204" pitchFamily="34" charset="0"/>
+              </a:rPr>
+              <a:t>region-1</a:t>
+            </a:r>
+          </a:p>
+        </p:txBody>
+      </p:sp>
+      <p:sp>
+        <p:nvSpPr>
+          <p:cNvPr id="284" name="TextBox 283">
+            <a:extLst>
+              <a:ext uri="{FF2B5EF4-FFF2-40B4-BE49-F238E27FC236}">
+                <a16:creationId xmlns:a16="http://schemas.microsoft.com/office/drawing/2014/main" id="{7024E7A9-C0E9-914F-A8DF-0FB301467205}"/>
+              </a:ext>
+            </a:extLst>
+          </p:cNvPr>
+          <p:cNvSpPr txBox="1"/>
+          <p:nvPr/>
+        </p:nvSpPr>
+        <p:spPr>
+          <a:xfrm>
+            <a:off x="6043062" y="5970768"/>
+            <a:ext cx="1047687" cy="261610"/>
+          </a:xfrm>
+          <a:prstGeom prst="rect">
+            <a:avLst/>
+          </a:prstGeom>
+          <a:noFill/>
+        </p:spPr>
+        <p:txBody>
+          <a:bodyPr wrap="square" rtlCol="0">
+            <a:spAutoFit/>
+          </a:bodyPr>
+          <a:lstStyle/>
+          <a:p>
+            <a:pPr algn="ctr"/>
+            <a:r>
+              <a:rPr lang="en-US" sz="1100" dirty="0">
+                <a:latin typeface="Arial" panose="020B0604020202020204" pitchFamily="34" charset="0"/>
+                <a:cs typeface="Arial" panose="020B0604020202020204" pitchFamily="34" charset="0"/>
+              </a:rPr>
+              <a:t>Macie</a:t>
+            </a:r>
+          </a:p>
+        </p:txBody>
+      </p:sp>
+      <p:sp>
+        <p:nvSpPr>
+          <p:cNvPr id="285" name="Rectangle 284">
+            <a:extLst>
+              <a:ext uri="{FF2B5EF4-FFF2-40B4-BE49-F238E27FC236}">
+                <a16:creationId xmlns:a16="http://schemas.microsoft.com/office/drawing/2014/main" id="{0F227C04-CC34-454A-BDA0-4C3A5A763446}"/>
+              </a:ext>
+            </a:extLst>
+          </p:cNvPr>
+          <p:cNvSpPr/>
+          <p:nvPr/>
+        </p:nvSpPr>
+        <p:spPr>
+          <a:xfrm>
+            <a:off x="5931941" y="5002068"/>
+            <a:ext cx="1155811" cy="1242406"/>
+          </a:xfrm>
+          <a:prstGeom prst="rect">
+            <a:avLst/>
+          </a:prstGeom>
+          <a:noFill/>
+          <a:ln w="12700">
+            <a:solidFill>
+              <a:schemeClr val="tx1"/>
+            </a:solidFill>
+            <a:prstDash val="dash"/>
+          </a:ln>
+        </p:spPr>
+        <p:style>
+          <a:lnRef idx="2">
+            <a:schemeClr val="accent1">
+              <a:shade val="50000"/>
+            </a:schemeClr>
+          </a:lnRef>
+          <a:fillRef idx="1">
+            <a:schemeClr val="accent1"/>
+          </a:fillRef>
+          <a:effectRef idx="0">
+            <a:schemeClr val="accent1"/>
+          </a:effectRef>
+          <a:fontRef idx="minor">
+            <a:schemeClr val="lt1"/>
+          </a:fontRef>
+        </p:style>
+        <p:txBody>
+          <a:bodyPr rot="0" spcFirstLastPara="0" vertOverflow="overflow" horzOverflow="overflow" vert="horz" wrap="square" lIns="91440" tIns="0" rIns="91440" bIns="45720" numCol="1" spcCol="0" rtlCol="0" fromWordArt="0" anchor="t" anchorCtr="0" forceAA="0" compatLnSpc="1">
+            <a:noAutofit/>
+          </a:bodyPr>
+          <a:lstStyle/>
+          <a:p>
+            <a:r>
+              <a:rPr lang="en-US" sz="1100" b="1" dirty="0">
+                <a:solidFill>
+                  <a:schemeClr val="tx1"/>
+                </a:solidFill>
+                <a:latin typeface="Arial" panose="020B0604020202020204" pitchFamily="34" charset="0"/>
+                <a:cs typeface="Arial" panose="020B0604020202020204" pitchFamily="34" charset="0"/>
+              </a:rPr>
+              <a:t>region-2</a:t>
+            </a:r>
+          </a:p>
+        </p:txBody>
+      </p:sp>
+      <p:sp>
+        <p:nvSpPr>
+          <p:cNvPr id="286" name="Rectangle 285">
+            <a:extLst>
+              <a:ext uri="{FF2B5EF4-FFF2-40B4-BE49-F238E27FC236}">
+                <a16:creationId xmlns:a16="http://schemas.microsoft.com/office/drawing/2014/main" id="{7560D1FB-3CD5-8149-84D1-C24D365FF22A}"/>
+              </a:ext>
+            </a:extLst>
+          </p:cNvPr>
+          <p:cNvSpPr/>
+          <p:nvPr/>
+        </p:nvSpPr>
+        <p:spPr>
+          <a:xfrm>
+            <a:off x="6040065" y="5235292"/>
+            <a:ext cx="1047687" cy="1009182"/>
+          </a:xfrm>
+          <a:prstGeom prst="rect">
+            <a:avLst/>
+          </a:prstGeom>
+          <a:noFill/>
+          <a:ln w="12700">
+            <a:solidFill>
+              <a:schemeClr val="tx1"/>
+            </a:solidFill>
+            <a:prstDash val="dash"/>
+          </a:ln>
+        </p:spPr>
+        <p:style>
+          <a:lnRef idx="2">
+            <a:schemeClr val="accent1">
+              <a:shade val="50000"/>
+            </a:schemeClr>
+          </a:lnRef>
+          <a:fillRef idx="1">
+            <a:schemeClr val="accent1"/>
+          </a:fillRef>
+          <a:effectRef idx="0">
+            <a:schemeClr val="accent1"/>
+          </a:effectRef>
+          <a:fontRef idx="minor">
+            <a:schemeClr val="lt1"/>
+          </a:fontRef>
+        </p:style>
+        <p:txBody>
+          <a:bodyPr rot="0" spcFirstLastPara="0" vertOverflow="overflow" horzOverflow="overflow" vert="horz" wrap="square" lIns="91440" tIns="0" rIns="91440" bIns="45720" numCol="1" spcCol="0" rtlCol="0" fromWordArt="0" anchor="t" anchorCtr="0" forceAA="0" compatLnSpc="1">
+            <a:noAutofit/>
+          </a:bodyPr>
+          <a:lstStyle/>
+          <a:p>
+            <a:r>
+              <a:rPr lang="en-US" sz="1100" b="1" dirty="0">
+                <a:solidFill>
+                  <a:schemeClr val="tx1"/>
+                </a:solidFill>
+                <a:latin typeface="Arial" panose="020B0604020202020204" pitchFamily="34" charset="0"/>
+                <a:cs typeface="Arial" panose="020B0604020202020204" pitchFamily="34" charset="0"/>
+              </a:rPr>
+              <a:t>region-n</a:t>
+            </a:r>
+          </a:p>
+        </p:txBody>
+      </p:sp>
+      <p:pic>
+        <p:nvPicPr>
+          <p:cNvPr id="288" name="Graphic 17">
+            <a:extLst>
+              <a:ext uri="{FF2B5EF4-FFF2-40B4-BE49-F238E27FC236}">
+                <a16:creationId xmlns:a16="http://schemas.microsoft.com/office/drawing/2014/main" id="{8430E185-2565-794E-96C5-F0CCF3AE30C5}"/>
+              </a:ext>
+            </a:extLst>
+          </p:cNvPr>
+          <p:cNvPicPr>
+            <a:picLocks noChangeAspect="1" noChangeArrowheads="1"/>
+          </p:cNvPicPr>
+          <p:nvPr/>
+        </p:nvPicPr>
+        <p:blipFill>
+          <a:blip r:embed="rId10">
+            <a:extLst>
+              <a:ext uri="{28A0092B-C50C-407E-A947-70E740481C1C}">
+                <a14:useLocalDpi xmlns:a14="http://schemas.microsoft.com/office/drawing/2010/main" val="0"/>
+              </a:ext>
+            </a:extLst>
+          </a:blip>
+          <a:srcRect/>
+          <a:stretch>
+            <a:fillRect/>
+          </a:stretch>
+        </p:blipFill>
+        <p:spPr bwMode="auto">
+          <a:xfrm>
+            <a:off x="3131174" y="3060606"/>
+            <a:ext cx="457200" cy="457200"/>
+          </a:xfrm>
+          <a:prstGeom prst="rect">
+            <a:avLst/>
+          </a:prstGeom>
+          <a:noFill/>
+          <a:ln>
+            <a:noFill/>
+          </a:ln>
+          <a:extLst>
+            <a:ext uri="{909E8E84-426E-40DD-AFC4-6F175D3DCCD1}">
+              <a14:hiddenFill xmlns:a14="http://schemas.microsoft.com/office/drawing/2010/main">
+                <a:solidFill>
+                  <a:srgbClr val="FFFFFF"/>
+                </a:solidFill>
+              </a14:hiddenFill>
+            </a:ext>
+            <a:ext uri="{91240B29-F687-4F45-9708-019B960494DF}">
+              <a14:hiddenLine xmlns:a14="http://schemas.microsoft.com/office/drawing/2010/main" w="9525">
+                <a:solidFill>
+                  <a:srgbClr val="000000"/>
+                </a:solidFill>
+                <a:miter lim="800000"/>
+                <a:headEnd/>
+                <a:tailEnd/>
+              </a14:hiddenLine>
+            </a:ext>
+          </a:extLst>
+        </p:spPr>
+      </p:pic>
+      <p:sp>
+        <p:nvSpPr>
+          <p:cNvPr id="289" name="TextBox 2">
+            <a:extLst>
+              <a:ext uri="{FF2B5EF4-FFF2-40B4-BE49-F238E27FC236}">
+                <a16:creationId xmlns:a16="http://schemas.microsoft.com/office/drawing/2014/main" id="{A8200F79-8898-3F48-988B-6547DD2DD3AC}"/>
+              </a:ext>
+            </a:extLst>
+          </p:cNvPr>
+          <p:cNvSpPr txBox="1"/>
+          <p:nvPr/>
+        </p:nvSpPr>
+        <p:spPr>
+          <a:xfrm>
+            <a:off x="2738134" y="3453699"/>
+            <a:ext cx="1273984" cy="430887"/>
+          </a:xfrm>
+          <a:prstGeom prst="rect">
+            <a:avLst/>
+          </a:prstGeom>
+          <a:noFill/>
+        </p:spPr>
+        <p:style>
+          <a:lnRef idx="0">
+            <a:scrgbClr r="0" g="0" b="0"/>
+          </a:lnRef>
+          <a:fillRef idx="0">
+            <a:scrgbClr r="0" g="0" b="0"/>
+          </a:fillRef>
+          <a:effectRef idx="0">
+            <a:scrgbClr r="0" g="0" b="0"/>
+          </a:effectRef>
+          <a:fontRef idx="major"/>
+        </p:style>
+        <p:txBody>
+          <a:bodyPr wrap="square" rtlCol="0">
+            <a:spAutoFit/>
+          </a:bodyPr>
+          <a:lstStyle>
+            <a:lvl1pPr>
+              <a:defRPr>
+                <a:latin typeface="+mj-lt"/>
+                <a:ea typeface="+mj-ea"/>
+                <a:cs typeface="+mj-cs"/>
+              </a:defRPr>
+            </a:lvl1pPr>
+            <a:lvl2pPr>
+              <a:defRPr>
+                <a:latin typeface="+mj-lt"/>
+                <a:ea typeface="+mj-ea"/>
+                <a:cs typeface="+mj-cs"/>
+              </a:defRPr>
+            </a:lvl2pPr>
+            <a:lvl3pPr>
+              <a:defRPr>
+                <a:latin typeface="+mj-lt"/>
+                <a:ea typeface="+mj-ea"/>
+                <a:cs typeface="+mj-cs"/>
+              </a:defRPr>
+            </a:lvl3pPr>
+            <a:lvl4pPr>
+              <a:defRPr>
+                <a:latin typeface="+mj-lt"/>
+                <a:ea typeface="+mj-ea"/>
+                <a:cs typeface="+mj-cs"/>
+              </a:defRPr>
+            </a:lvl4pPr>
+            <a:lvl5pPr>
+              <a:defRPr>
+                <a:latin typeface="+mj-lt"/>
+                <a:ea typeface="+mj-ea"/>
+                <a:cs typeface="+mj-cs"/>
+              </a:defRPr>
+            </a:lvl5pPr>
+            <a:lvl6pPr>
+              <a:defRPr>
+                <a:latin typeface="+mj-lt"/>
+                <a:ea typeface="+mj-ea"/>
+                <a:cs typeface="+mj-cs"/>
+              </a:defRPr>
+            </a:lvl6pPr>
+            <a:lvl7pPr>
+              <a:defRPr>
+                <a:latin typeface="+mj-lt"/>
+                <a:ea typeface="+mj-ea"/>
+                <a:cs typeface="+mj-cs"/>
+              </a:defRPr>
+            </a:lvl7pPr>
+            <a:lvl8pPr>
+              <a:defRPr>
+                <a:latin typeface="+mj-lt"/>
+                <a:ea typeface="+mj-ea"/>
+                <a:cs typeface="+mj-cs"/>
+              </a:defRPr>
+            </a:lvl8pPr>
+            <a:lvl9pPr>
+              <a:defRPr>
+                <a:latin typeface="+mj-lt"/>
+                <a:ea typeface="+mj-ea"/>
+                <a:cs typeface="+mj-cs"/>
+              </a:defRPr>
+            </a:lvl9pPr>
+          </a:lstStyle>
+          <a:p>
+            <a:pPr algn="ctr"/>
+            <a:r>
+              <a:rPr lang="en-US" sz="1100" dirty="0">
+                <a:latin typeface="Arial" panose="020B0604020202020204" pitchFamily="34" charset="0"/>
+                <a:cs typeface="Arial" panose="020B0604020202020204" pitchFamily="34" charset="0"/>
+              </a:rPr>
+              <a:t>Configuration Topic</a:t>
+            </a:r>
+          </a:p>
+        </p:txBody>
+      </p:sp>
+      <p:cxnSp>
+        <p:nvCxnSpPr>
+          <p:cNvPr id="290" name="Straight Arrow Connector 289">
+            <a:extLst>
+              <a:ext uri="{FF2B5EF4-FFF2-40B4-BE49-F238E27FC236}">
+                <a16:creationId xmlns:a16="http://schemas.microsoft.com/office/drawing/2014/main" id="{74E0F3FC-F7FB-4D4E-93BA-58F0B2D41041}"/>
+              </a:ext>
+            </a:extLst>
+          </p:cNvPr>
+          <p:cNvCxnSpPr>
+            <a:cxnSpLocks/>
+          </p:cNvCxnSpPr>
+          <p:nvPr/>
+        </p:nvCxnSpPr>
+        <p:spPr>
+          <a:xfrm flipV="1">
+            <a:off x="4501013" y="2328402"/>
+            <a:ext cx="0" cy="685256"/>
+          </a:xfrm>
+          <a:prstGeom prst="straightConnector1">
+            <a:avLst/>
+          </a:prstGeom>
+          <a:ln>
+            <a:tailEnd type="triangle"/>
+          </a:ln>
+        </p:spPr>
+        <p:style>
+          <a:lnRef idx="1">
+            <a:schemeClr val="dk1"/>
+          </a:lnRef>
+          <a:fillRef idx="0">
+            <a:schemeClr val="dk1"/>
+          </a:fillRef>
+          <a:effectRef idx="0">
+            <a:schemeClr val="dk1"/>
+          </a:effectRef>
+          <a:fontRef idx="minor">
+            <a:schemeClr val="tx1"/>
+          </a:fontRef>
+        </p:style>
+      </p:cxnSp>
+      <p:pic>
+        <p:nvPicPr>
+          <p:cNvPr id="291" name="Graphic 17">
+            <a:extLst>
+              <a:ext uri="{FF2B5EF4-FFF2-40B4-BE49-F238E27FC236}">
+                <a16:creationId xmlns:a16="http://schemas.microsoft.com/office/drawing/2014/main" id="{8507FAAA-0918-A242-83C1-1580BA8CA12B}"/>
+              </a:ext>
+            </a:extLst>
+          </p:cNvPr>
+          <p:cNvPicPr>
+            <a:picLocks noChangeAspect="1" noChangeArrowheads="1"/>
+          </p:cNvPicPr>
+          <p:nvPr/>
+        </p:nvPicPr>
+        <p:blipFill>
+          <a:blip r:embed="rId10">
+            <a:extLst>
+              <a:ext uri="{28A0092B-C50C-407E-A947-70E740481C1C}">
+                <a14:useLocalDpi xmlns:a14="http://schemas.microsoft.com/office/drawing/2010/main" val="0"/>
+              </a:ext>
+            </a:extLst>
+          </a:blip>
+          <a:srcRect/>
+          <a:stretch>
+            <a:fillRect/>
+          </a:stretch>
+        </p:blipFill>
+        <p:spPr bwMode="auto">
+          <a:xfrm>
+            <a:off x="5234358" y="1617892"/>
+            <a:ext cx="457200" cy="457200"/>
+          </a:xfrm>
+          <a:prstGeom prst="rect">
+            <a:avLst/>
+          </a:prstGeom>
+          <a:noFill/>
+          <a:ln>
+            <a:noFill/>
+          </a:ln>
+          <a:extLst>
+            <a:ext uri="{909E8E84-426E-40DD-AFC4-6F175D3DCCD1}">
+              <a14:hiddenFill xmlns:a14="http://schemas.microsoft.com/office/drawing/2010/main">
+                <a:solidFill>
+                  <a:srgbClr val="FFFFFF"/>
+                </a:solidFill>
+              </a14:hiddenFill>
+            </a:ext>
+            <a:ext uri="{91240B29-F687-4F45-9708-019B960494DF}">
+              <a14:hiddenLine xmlns:a14="http://schemas.microsoft.com/office/drawing/2010/main" w="9525">
+                <a:solidFill>
+                  <a:srgbClr val="000000"/>
+                </a:solidFill>
+                <a:miter lim="800000"/>
+                <a:headEnd/>
+                <a:tailEnd/>
+              </a14:hiddenLine>
+            </a:ext>
+          </a:extLst>
+        </p:spPr>
+      </p:pic>
+      <p:sp>
+        <p:nvSpPr>
+          <p:cNvPr id="292" name="TextBox 2">
+            <a:extLst>
+              <a:ext uri="{FF2B5EF4-FFF2-40B4-BE49-F238E27FC236}">
+                <a16:creationId xmlns:a16="http://schemas.microsoft.com/office/drawing/2014/main" id="{75BB7BAD-2A9A-F04A-8A45-9E6548FE452A}"/>
+              </a:ext>
+            </a:extLst>
+          </p:cNvPr>
+          <p:cNvSpPr txBox="1"/>
+          <p:nvPr/>
+        </p:nvSpPr>
+        <p:spPr>
+          <a:xfrm>
+            <a:off x="4999833" y="2005292"/>
+            <a:ext cx="932275" cy="261610"/>
+          </a:xfrm>
+          <a:prstGeom prst="rect">
+            <a:avLst/>
+          </a:prstGeom>
+          <a:noFill/>
+        </p:spPr>
+        <p:style>
+          <a:lnRef idx="0">
+            <a:scrgbClr r="0" g="0" b="0"/>
+          </a:lnRef>
+          <a:fillRef idx="0">
+            <a:scrgbClr r="0" g="0" b="0"/>
+          </a:fillRef>
+          <a:effectRef idx="0">
+            <a:scrgbClr r="0" g="0" b="0"/>
+          </a:effectRef>
+          <a:fontRef idx="major"/>
+        </p:style>
+        <p:txBody>
+          <a:bodyPr wrap="square" rtlCol="0">
+            <a:spAutoFit/>
+          </a:bodyPr>
+          <a:lstStyle>
+            <a:lvl1pPr>
+              <a:defRPr>
+                <a:latin typeface="+mj-lt"/>
+                <a:ea typeface="+mj-ea"/>
+                <a:cs typeface="+mj-cs"/>
+              </a:defRPr>
+            </a:lvl1pPr>
+            <a:lvl2pPr>
+              <a:defRPr>
+                <a:latin typeface="+mj-lt"/>
+                <a:ea typeface="+mj-ea"/>
+                <a:cs typeface="+mj-cs"/>
+              </a:defRPr>
+            </a:lvl2pPr>
+            <a:lvl3pPr>
+              <a:defRPr>
+                <a:latin typeface="+mj-lt"/>
+                <a:ea typeface="+mj-ea"/>
+                <a:cs typeface="+mj-cs"/>
+              </a:defRPr>
+            </a:lvl3pPr>
+            <a:lvl4pPr>
+              <a:defRPr>
+                <a:latin typeface="+mj-lt"/>
+                <a:ea typeface="+mj-ea"/>
+                <a:cs typeface="+mj-cs"/>
+              </a:defRPr>
+            </a:lvl4pPr>
+            <a:lvl5pPr>
+              <a:defRPr>
+                <a:latin typeface="+mj-lt"/>
+                <a:ea typeface="+mj-ea"/>
+                <a:cs typeface="+mj-cs"/>
+              </a:defRPr>
+            </a:lvl5pPr>
+            <a:lvl6pPr>
+              <a:defRPr>
+                <a:latin typeface="+mj-lt"/>
+                <a:ea typeface="+mj-ea"/>
+                <a:cs typeface="+mj-cs"/>
+              </a:defRPr>
+            </a:lvl6pPr>
+            <a:lvl7pPr>
+              <a:defRPr>
+                <a:latin typeface="+mj-lt"/>
+                <a:ea typeface="+mj-ea"/>
+                <a:cs typeface="+mj-cs"/>
+              </a:defRPr>
+            </a:lvl7pPr>
+            <a:lvl8pPr>
+              <a:defRPr>
+                <a:latin typeface="+mj-lt"/>
+                <a:ea typeface="+mj-ea"/>
+                <a:cs typeface="+mj-cs"/>
+              </a:defRPr>
+            </a:lvl8pPr>
+            <a:lvl9pPr>
+              <a:defRPr>
+                <a:latin typeface="+mj-lt"/>
+                <a:ea typeface="+mj-ea"/>
+                <a:cs typeface="+mj-cs"/>
+              </a:defRPr>
+            </a:lvl9pPr>
+          </a:lstStyle>
+          <a:p>
+            <a:pPr algn="ctr"/>
+            <a:r>
+              <a:rPr lang="en-US" sz="1100" dirty="0">
+                <a:latin typeface="Arial" panose="020B0604020202020204" pitchFamily="34" charset="0"/>
+                <a:cs typeface="Arial" panose="020B0604020202020204" pitchFamily="34" charset="0"/>
+              </a:rPr>
+              <a:t>Alarm Topic</a:t>
+            </a:r>
+          </a:p>
+        </p:txBody>
+      </p:sp>
+      <p:cxnSp>
+        <p:nvCxnSpPr>
+          <p:cNvPr id="293" name="Straight Arrow Connector 292">
+            <a:extLst>
+              <a:ext uri="{FF2B5EF4-FFF2-40B4-BE49-F238E27FC236}">
+                <a16:creationId xmlns:a16="http://schemas.microsoft.com/office/drawing/2014/main" id="{E2DFEF94-9D42-4947-8400-86CD6F54A586}"/>
+              </a:ext>
+            </a:extLst>
+          </p:cNvPr>
+          <p:cNvCxnSpPr>
+            <a:cxnSpLocks/>
+          </p:cNvCxnSpPr>
+          <p:nvPr/>
+        </p:nvCxnSpPr>
+        <p:spPr>
+          <a:xfrm flipV="1">
+            <a:off x="3651606" y="3324677"/>
+            <a:ext cx="479614" cy="1"/>
+          </a:xfrm>
+          <a:prstGeom prst="straightConnector1">
+            <a:avLst/>
+          </a:prstGeom>
+          <a:ln>
+            <a:headEnd type="triangle"/>
+            <a:tailEnd type="triangle"/>
+          </a:ln>
+        </p:spPr>
+        <p:style>
+          <a:lnRef idx="1">
+            <a:schemeClr val="dk1"/>
+          </a:lnRef>
+          <a:fillRef idx="0">
+            <a:schemeClr val="dk1"/>
+          </a:fillRef>
+          <a:effectRef idx="0">
+            <a:schemeClr val="dk1"/>
+          </a:effectRef>
+          <a:fontRef idx="minor">
+            <a:schemeClr val="tx1"/>
+          </a:fontRef>
+        </p:style>
+      </p:cxnSp>
+      <p:pic>
+        <p:nvPicPr>
+          <p:cNvPr id="294" name="Graphic 29">
+            <a:extLst>
+              <a:ext uri="{FF2B5EF4-FFF2-40B4-BE49-F238E27FC236}">
+                <a16:creationId xmlns:a16="http://schemas.microsoft.com/office/drawing/2014/main" id="{A3497171-9D16-2647-A3A0-556643DFE693}"/>
+              </a:ext>
+            </a:extLst>
+          </p:cNvPr>
+          <p:cNvPicPr>
+            <a:picLocks noChangeAspect="1" noChangeArrowheads="1"/>
+          </p:cNvPicPr>
+          <p:nvPr/>
+        </p:nvPicPr>
+        <p:blipFill>
+          <a:blip r:embed="rId11">
+            <a:extLst>
+              <a:ext uri="{28A0092B-C50C-407E-A947-70E740481C1C}">
+                <a14:useLocalDpi xmlns:a14="http://schemas.microsoft.com/office/drawing/2010/main" val="0"/>
+              </a:ext>
+            </a:extLst>
+          </a:blip>
+          <a:srcRect/>
+          <a:stretch>
+            <a:fillRect/>
+          </a:stretch>
+        </p:blipFill>
+        <p:spPr bwMode="auto">
+          <a:xfrm>
+            <a:off x="4258218" y="1623518"/>
+            <a:ext cx="457200" cy="457200"/>
+          </a:xfrm>
+          <a:prstGeom prst="rect">
+            <a:avLst/>
+          </a:prstGeom>
+          <a:noFill/>
+          <a:ln>
+            <a:noFill/>
+          </a:ln>
+          <a:extLst>
+            <a:ext uri="{909E8E84-426E-40DD-AFC4-6F175D3DCCD1}">
+              <a14:hiddenFill xmlns:a14="http://schemas.microsoft.com/office/drawing/2010/main">
+                <a:solidFill>
+                  <a:srgbClr val="FFFFFF"/>
+                </a:solidFill>
+              </a14:hiddenFill>
+            </a:ext>
+            <a:ext uri="{91240B29-F687-4F45-9708-019B960494DF}">
+              <a14:hiddenLine xmlns:a14="http://schemas.microsoft.com/office/drawing/2010/main" w="9525">
+                <a:solidFill>
+                  <a:srgbClr val="000000"/>
+                </a:solidFill>
+                <a:miter lim="800000"/>
+                <a:headEnd/>
+                <a:tailEnd/>
+              </a14:hiddenLine>
+            </a:ext>
+          </a:extLst>
+        </p:spPr>
+      </p:pic>
+      <p:sp>
+        <p:nvSpPr>
+          <p:cNvPr id="295" name="TextBox 2">
+            <a:extLst>
+              <a:ext uri="{FF2B5EF4-FFF2-40B4-BE49-F238E27FC236}">
+                <a16:creationId xmlns:a16="http://schemas.microsoft.com/office/drawing/2014/main" id="{1AEE7F45-A298-EB48-A4DC-6DD9A3254F2D}"/>
+              </a:ext>
+            </a:extLst>
+          </p:cNvPr>
+          <p:cNvSpPr txBox="1"/>
+          <p:nvPr/>
+        </p:nvSpPr>
+        <p:spPr>
+          <a:xfrm>
+            <a:off x="4019412" y="1998007"/>
+            <a:ext cx="932275" cy="261610"/>
+          </a:xfrm>
+          <a:prstGeom prst="rect">
+            <a:avLst/>
+          </a:prstGeom>
+          <a:noFill/>
+        </p:spPr>
+        <p:style>
+          <a:lnRef idx="0">
+            <a:scrgbClr r="0" g="0" b="0"/>
+          </a:lnRef>
+          <a:fillRef idx="0">
+            <a:scrgbClr r="0" g="0" b="0"/>
+          </a:fillRef>
+          <a:effectRef idx="0">
+            <a:scrgbClr r="0" g="0" b="0"/>
+          </a:effectRef>
+          <a:fontRef idx="major"/>
+        </p:style>
+        <p:txBody>
+          <a:bodyPr wrap="square" rtlCol="0">
+            <a:spAutoFit/>
+          </a:bodyPr>
+          <a:lstStyle>
+            <a:lvl1pPr>
+              <a:defRPr>
+                <a:latin typeface="+mj-lt"/>
+                <a:ea typeface="+mj-ea"/>
+                <a:cs typeface="+mj-cs"/>
+              </a:defRPr>
+            </a:lvl1pPr>
+            <a:lvl2pPr>
+              <a:defRPr>
+                <a:latin typeface="+mj-lt"/>
+                <a:ea typeface="+mj-ea"/>
+                <a:cs typeface="+mj-cs"/>
+              </a:defRPr>
+            </a:lvl2pPr>
+            <a:lvl3pPr>
+              <a:defRPr>
+                <a:latin typeface="+mj-lt"/>
+                <a:ea typeface="+mj-ea"/>
+                <a:cs typeface="+mj-cs"/>
+              </a:defRPr>
+            </a:lvl3pPr>
+            <a:lvl4pPr>
+              <a:defRPr>
+                <a:latin typeface="+mj-lt"/>
+                <a:ea typeface="+mj-ea"/>
+                <a:cs typeface="+mj-cs"/>
+              </a:defRPr>
+            </a:lvl4pPr>
+            <a:lvl5pPr>
+              <a:defRPr>
+                <a:latin typeface="+mj-lt"/>
+                <a:ea typeface="+mj-ea"/>
+                <a:cs typeface="+mj-cs"/>
+              </a:defRPr>
+            </a:lvl5pPr>
+            <a:lvl6pPr>
+              <a:defRPr>
+                <a:latin typeface="+mj-lt"/>
+                <a:ea typeface="+mj-ea"/>
+                <a:cs typeface="+mj-cs"/>
+              </a:defRPr>
+            </a:lvl6pPr>
+            <a:lvl7pPr>
+              <a:defRPr>
+                <a:latin typeface="+mj-lt"/>
+                <a:ea typeface="+mj-ea"/>
+                <a:cs typeface="+mj-cs"/>
+              </a:defRPr>
+            </a:lvl7pPr>
+            <a:lvl8pPr>
+              <a:defRPr>
+                <a:latin typeface="+mj-lt"/>
+                <a:ea typeface="+mj-ea"/>
+                <a:cs typeface="+mj-cs"/>
+              </a:defRPr>
+            </a:lvl8pPr>
+            <a:lvl9pPr>
+              <a:defRPr>
+                <a:latin typeface="+mj-lt"/>
+                <a:ea typeface="+mj-ea"/>
+                <a:cs typeface="+mj-cs"/>
+              </a:defRPr>
+            </a:lvl9pPr>
+          </a:lstStyle>
+          <a:p>
+            <a:pPr algn="ctr"/>
+            <a:r>
+              <a:rPr lang="en-US" sz="1100" dirty="0">
+                <a:latin typeface="Arial" panose="020B0604020202020204" pitchFamily="34" charset="0"/>
+                <a:cs typeface="Arial" panose="020B0604020202020204" pitchFamily="34" charset="0"/>
+              </a:rPr>
+              <a:t>DLQ</a:t>
+            </a:r>
+          </a:p>
+        </p:txBody>
+      </p:sp>
+      <p:cxnSp>
+        <p:nvCxnSpPr>
+          <p:cNvPr id="296" name="Straight Arrow Connector 295">
+            <a:extLst>
+              <a:ext uri="{FF2B5EF4-FFF2-40B4-BE49-F238E27FC236}">
+                <a16:creationId xmlns:a16="http://schemas.microsoft.com/office/drawing/2014/main" id="{781C47FF-2886-A848-AC19-385E5B33B506}"/>
+              </a:ext>
+            </a:extLst>
+          </p:cNvPr>
+          <p:cNvCxnSpPr>
+            <a:cxnSpLocks/>
+          </p:cNvCxnSpPr>
+          <p:nvPr/>
+        </p:nvCxnSpPr>
+        <p:spPr>
+          <a:xfrm>
+            <a:off x="4773417" y="1852118"/>
+            <a:ext cx="356540" cy="0"/>
+          </a:xfrm>
+          <a:prstGeom prst="straightConnector1">
+            <a:avLst/>
+          </a:prstGeom>
+          <a:ln>
+            <a:tailEnd type="triangle"/>
+          </a:ln>
+        </p:spPr>
+        <p:style>
+          <a:lnRef idx="1">
+            <a:schemeClr val="dk1"/>
+          </a:lnRef>
+          <a:fillRef idx="0">
+            <a:schemeClr val="dk1"/>
+          </a:fillRef>
+          <a:effectRef idx="0">
+            <a:schemeClr val="dk1"/>
+          </a:effectRef>
+          <a:fontRef idx="minor">
+            <a:schemeClr val="tx1"/>
+          </a:fontRef>
+        </p:style>
+      </p:cxnSp>
+      <p:sp>
+        <p:nvSpPr>
+          <p:cNvPr id="297" name="Oval 296">
+            <a:extLst>
+              <a:ext uri="{FF2B5EF4-FFF2-40B4-BE49-F238E27FC236}">
+                <a16:creationId xmlns:a16="http://schemas.microsoft.com/office/drawing/2014/main" id="{5867CCDC-C8C4-5749-8A36-80F7CB4ECF4A}"/>
+              </a:ext>
+            </a:extLst>
+          </p:cNvPr>
+          <p:cNvSpPr/>
+          <p:nvPr/>
+        </p:nvSpPr>
+        <p:spPr>
+          <a:xfrm>
+            <a:off x="3158420" y="3097114"/>
+            <a:ext cx="253435" cy="212902"/>
+          </a:xfrm>
+          <a:prstGeom prst="ellipse">
+            <a:avLst/>
+          </a:prstGeom>
+          <a:solidFill>
+            <a:schemeClr val="tx1"/>
+          </a:solidFill>
+          <a:ln>
+            <a:solidFill>
+              <a:schemeClr val="tx1"/>
+            </a:solidFill>
+          </a:ln>
+        </p:spPr>
+        <p:style>
+          <a:lnRef idx="2">
+            <a:schemeClr val="accent1">
+              <a:shade val="50000"/>
+            </a:schemeClr>
+          </a:lnRef>
+          <a:fillRef idx="1">
+            <a:schemeClr val="accent1"/>
+          </a:fillRef>
+          <a:effectRef idx="0">
+            <a:schemeClr val="accent1"/>
+          </a:effectRef>
+          <a:fontRef idx="minor">
+            <a:schemeClr val="lt1"/>
+          </a:fontRef>
+        </p:style>
+        <p:txBody>
+          <a:bodyPr lIns="0" tIns="0" rIns="0" bIns="0" rtlCol="0" anchor="ctr"/>
+          <a:lstStyle/>
+          <a:p>
+            <a:pPr algn="ctr"/>
+            <a:r>
+              <a:rPr lang="en-US" sz="800" dirty="0">
+                <a:latin typeface="Arial" panose="020B0604020202020204" pitchFamily="34" charset="0"/>
+                <a:cs typeface="Arial" panose="020B0604020202020204" pitchFamily="34" charset="0"/>
+              </a:rPr>
+              <a:t>1.4</a:t>
+            </a:r>
+          </a:p>
+        </p:txBody>
+      </p:sp>
+      <p:sp>
+        <p:nvSpPr>
+          <p:cNvPr id="298" name="Oval 297">
+            <a:extLst>
+              <a:ext uri="{FF2B5EF4-FFF2-40B4-BE49-F238E27FC236}">
+                <a16:creationId xmlns:a16="http://schemas.microsoft.com/office/drawing/2014/main" id="{FDB50880-CA42-2E40-BA81-32F0C64CFDC8}"/>
+              </a:ext>
+            </a:extLst>
+          </p:cNvPr>
+          <p:cNvSpPr/>
+          <p:nvPr/>
+        </p:nvSpPr>
+        <p:spPr>
+          <a:xfrm>
+            <a:off x="4000068" y="1736037"/>
+            <a:ext cx="253435" cy="212902"/>
+          </a:xfrm>
+          <a:prstGeom prst="ellipse">
+            <a:avLst/>
+          </a:prstGeom>
+          <a:solidFill>
+            <a:schemeClr val="tx1"/>
+          </a:solidFill>
+          <a:ln>
+            <a:solidFill>
+              <a:schemeClr val="tx1"/>
+            </a:solidFill>
+          </a:ln>
+        </p:spPr>
+        <p:style>
+          <a:lnRef idx="2">
+            <a:schemeClr val="accent1">
+              <a:shade val="50000"/>
+            </a:schemeClr>
+          </a:lnRef>
+          <a:fillRef idx="1">
+            <a:schemeClr val="accent1"/>
+          </a:fillRef>
+          <a:effectRef idx="0">
+            <a:schemeClr val="accent1"/>
+          </a:effectRef>
+          <a:fontRef idx="minor">
+            <a:schemeClr val="lt1"/>
+          </a:fontRef>
+        </p:style>
+        <p:txBody>
+          <a:bodyPr lIns="0" tIns="0" rIns="0" bIns="0" rtlCol="0" anchor="ctr"/>
+          <a:lstStyle/>
+          <a:p>
+            <a:pPr algn="ctr"/>
+            <a:r>
+              <a:rPr lang="en-US" sz="800" dirty="0">
+                <a:latin typeface="Arial" panose="020B0604020202020204" pitchFamily="34" charset="0"/>
+                <a:cs typeface="Arial" panose="020B0604020202020204" pitchFamily="34" charset="0"/>
+              </a:rPr>
+              <a:t>1.5</a:t>
+            </a:r>
+          </a:p>
+        </p:txBody>
+      </p:sp>
+      <p:sp>
+        <p:nvSpPr>
+          <p:cNvPr id="299" name="Oval 298">
+            <a:extLst>
+              <a:ext uri="{FF2B5EF4-FFF2-40B4-BE49-F238E27FC236}">
+                <a16:creationId xmlns:a16="http://schemas.microsoft.com/office/drawing/2014/main" id="{9C70E945-B4C3-BE49-9BE2-19B09997C55F}"/>
+              </a:ext>
+            </a:extLst>
+          </p:cNvPr>
+          <p:cNvSpPr/>
+          <p:nvPr/>
+        </p:nvSpPr>
+        <p:spPr>
+          <a:xfrm>
+            <a:off x="5259436" y="1668697"/>
+            <a:ext cx="253435" cy="212902"/>
+          </a:xfrm>
+          <a:prstGeom prst="ellipse">
+            <a:avLst/>
+          </a:prstGeom>
+          <a:solidFill>
+            <a:schemeClr val="tx1"/>
+          </a:solidFill>
+          <a:ln>
+            <a:solidFill>
+              <a:schemeClr val="tx1"/>
+            </a:solidFill>
+          </a:ln>
+        </p:spPr>
+        <p:style>
+          <a:lnRef idx="2">
+            <a:schemeClr val="accent1">
+              <a:shade val="50000"/>
+            </a:schemeClr>
+          </a:lnRef>
+          <a:fillRef idx="1">
+            <a:schemeClr val="accent1"/>
+          </a:fillRef>
+          <a:effectRef idx="0">
+            <a:schemeClr val="accent1"/>
+          </a:effectRef>
+          <a:fontRef idx="minor">
+            <a:schemeClr val="lt1"/>
+          </a:fontRef>
+        </p:style>
+        <p:txBody>
+          <a:bodyPr lIns="0" tIns="0" rIns="0" bIns="0" rtlCol="0" anchor="ctr"/>
+          <a:lstStyle/>
+          <a:p>
+            <a:pPr algn="ctr"/>
+            <a:r>
+              <a:rPr lang="en-US" sz="800" dirty="0">
+                <a:latin typeface="Arial" panose="020B0604020202020204" pitchFamily="34" charset="0"/>
+                <a:cs typeface="Arial" panose="020B0604020202020204" pitchFamily="34" charset="0"/>
+              </a:rPr>
+              <a:t>1.6</a:t>
+            </a:r>
+          </a:p>
+        </p:txBody>
+      </p:sp>
+      <p:pic>
+        <p:nvPicPr>
+          <p:cNvPr id="303" name="Graphic 6">
+            <a:extLst>
+              <a:ext uri="{FF2B5EF4-FFF2-40B4-BE49-F238E27FC236}">
+                <a16:creationId xmlns:a16="http://schemas.microsoft.com/office/drawing/2014/main" id="{FB609C26-3010-FE4E-B2DC-1CD93B028C5D}"/>
+              </a:ext>
+            </a:extLst>
+          </p:cNvPr>
+          <p:cNvPicPr>
+            <a:picLocks noChangeAspect="1" noChangeArrowheads="1"/>
+          </p:cNvPicPr>
+          <p:nvPr/>
+        </p:nvPicPr>
+        <p:blipFill>
+          <a:blip r:embed="rId12">
+            <a:extLst>
+              <a:ext uri="{28A0092B-C50C-407E-A947-70E740481C1C}">
+                <a14:useLocalDpi xmlns:a14="http://schemas.microsoft.com/office/drawing/2010/main" val="0"/>
+              </a:ext>
+            </a:extLst>
+          </a:blip>
+          <a:srcRect/>
+          <a:stretch>
+            <a:fillRect/>
+          </a:stretch>
+        </p:blipFill>
+        <p:spPr bwMode="auto">
+          <a:xfrm>
+            <a:off x="6426436" y="3081416"/>
+            <a:ext cx="457200" cy="457200"/>
+          </a:xfrm>
+          <a:prstGeom prst="rect">
+            <a:avLst/>
+          </a:prstGeom>
+          <a:noFill/>
+          <a:ln>
+            <a:noFill/>
+          </a:ln>
+          <a:extLst>
+            <a:ext uri="{909E8E84-426E-40DD-AFC4-6F175D3DCCD1}">
+              <a14:hiddenFill xmlns:a14="http://schemas.microsoft.com/office/drawing/2010/main">
+                <a:solidFill>
+                  <a:srgbClr val="FFFFFF"/>
+                </a:solidFill>
+              </a14:hiddenFill>
+            </a:ext>
+            <a:ext uri="{91240B29-F687-4F45-9708-019B960494DF}">
+              <a14:hiddenLine xmlns:a14="http://schemas.microsoft.com/office/drawing/2010/main" w="9525">
+                <a:solidFill>
+                  <a:srgbClr val="000000"/>
+                </a:solidFill>
+                <a:miter lim="800000"/>
+                <a:headEnd/>
+                <a:tailEnd/>
+              </a14:hiddenLine>
+            </a:ext>
+          </a:extLst>
+        </p:spPr>
+      </p:pic>
+      <p:sp>
+        <p:nvSpPr>
+          <p:cNvPr id="274" name="Oval 273">
+            <a:extLst>
+              <a:ext uri="{FF2B5EF4-FFF2-40B4-BE49-F238E27FC236}">
+                <a16:creationId xmlns:a16="http://schemas.microsoft.com/office/drawing/2014/main" id="{00738A56-62A6-4840-8A92-17098CF1920D}"/>
+              </a:ext>
+            </a:extLst>
+          </p:cNvPr>
+          <p:cNvSpPr/>
+          <p:nvPr/>
+        </p:nvSpPr>
+        <p:spPr>
+          <a:xfrm>
+            <a:off x="6437175" y="3098356"/>
+            <a:ext cx="253435" cy="212902"/>
+          </a:xfrm>
+          <a:prstGeom prst="ellipse">
+            <a:avLst/>
+          </a:prstGeom>
+          <a:solidFill>
+            <a:schemeClr val="tx1"/>
+          </a:solidFill>
+          <a:ln>
+            <a:solidFill>
+              <a:schemeClr val="tx1"/>
+            </a:solidFill>
+          </a:ln>
+        </p:spPr>
+        <p:style>
+          <a:lnRef idx="2">
+            <a:schemeClr val="accent1">
+              <a:shade val="50000"/>
+            </a:schemeClr>
+          </a:lnRef>
+          <a:fillRef idx="1">
+            <a:schemeClr val="accent1"/>
+          </a:fillRef>
+          <a:effectRef idx="0">
+            <a:schemeClr val="accent1"/>
+          </a:effectRef>
+          <a:fontRef idx="minor">
+            <a:schemeClr val="lt1"/>
+          </a:fontRef>
+        </p:style>
+        <p:txBody>
+          <a:bodyPr lIns="0" tIns="0" rIns="0" bIns="0" rtlCol="0" anchor="ctr"/>
+          <a:lstStyle/>
+          <a:p>
+            <a:pPr algn="ctr"/>
+            <a:r>
+              <a:rPr lang="en-US" sz="800" dirty="0">
+                <a:latin typeface="Arial" panose="020B0604020202020204" pitchFamily="34" charset="0"/>
+                <a:cs typeface="Arial" panose="020B0604020202020204" pitchFamily="34" charset="0"/>
+              </a:rPr>
+              <a:t>1.7</a:t>
+            </a:r>
+          </a:p>
+        </p:txBody>
+      </p:sp>
+      <p:pic>
+        <p:nvPicPr>
+          <p:cNvPr id="305" name="Graphic 6">
+            <a:extLst>
+              <a:ext uri="{FF2B5EF4-FFF2-40B4-BE49-F238E27FC236}">
+                <a16:creationId xmlns:a16="http://schemas.microsoft.com/office/drawing/2014/main" id="{4CB0D92C-BAA0-EE4E-A127-2DA39002B171}"/>
+              </a:ext>
+            </a:extLst>
+          </p:cNvPr>
+          <p:cNvPicPr>
+            <a:picLocks noChangeAspect="1" noChangeArrowheads="1"/>
+          </p:cNvPicPr>
+          <p:nvPr/>
+        </p:nvPicPr>
+        <p:blipFill>
+          <a:blip r:embed="rId12">
+            <a:extLst>
+              <a:ext uri="{28A0092B-C50C-407E-A947-70E740481C1C}">
+                <a14:useLocalDpi xmlns:a14="http://schemas.microsoft.com/office/drawing/2010/main" val="0"/>
+              </a:ext>
+            </a:extLst>
+          </a:blip>
+          <a:srcRect/>
+          <a:stretch>
+            <a:fillRect/>
+          </a:stretch>
+        </p:blipFill>
+        <p:spPr bwMode="auto">
+          <a:xfrm>
+            <a:off x="6335292" y="5527700"/>
+            <a:ext cx="457200" cy="457200"/>
+          </a:xfrm>
+          <a:prstGeom prst="rect">
+            <a:avLst/>
+          </a:prstGeom>
+          <a:noFill/>
+          <a:ln>
+            <a:noFill/>
+          </a:ln>
+          <a:extLst>
+            <a:ext uri="{909E8E84-426E-40DD-AFC4-6F175D3DCCD1}">
+              <a14:hiddenFill xmlns:a14="http://schemas.microsoft.com/office/drawing/2010/main">
+                <a:solidFill>
+                  <a:srgbClr val="FFFFFF"/>
+                </a:solidFill>
+              </a14:hiddenFill>
+            </a:ext>
+            <a:ext uri="{91240B29-F687-4F45-9708-019B960494DF}">
+              <a14:hiddenLine xmlns:a14="http://schemas.microsoft.com/office/drawing/2010/main" w="9525">
+                <a:solidFill>
+                  <a:srgbClr val="000000"/>
+                </a:solidFill>
+                <a:miter lim="800000"/>
+                <a:headEnd/>
+                <a:tailEnd/>
+              </a14:hiddenLine>
+            </a:ext>
+          </a:extLst>
+        </p:spPr>
+      </p:pic>
+      <p:sp>
+        <p:nvSpPr>
+          <p:cNvPr id="287" name="Oval 286">
+            <a:extLst>
+              <a:ext uri="{FF2B5EF4-FFF2-40B4-BE49-F238E27FC236}">
+                <a16:creationId xmlns:a16="http://schemas.microsoft.com/office/drawing/2014/main" id="{76C3A94C-BCA0-2F4D-8D26-65CA523B4654}"/>
+              </a:ext>
+            </a:extLst>
+          </p:cNvPr>
+          <p:cNvSpPr/>
+          <p:nvPr/>
+        </p:nvSpPr>
+        <p:spPr>
+          <a:xfrm>
+            <a:off x="6347533" y="5538619"/>
+            <a:ext cx="253435" cy="212902"/>
+          </a:xfrm>
+          <a:prstGeom prst="ellipse">
+            <a:avLst/>
+          </a:prstGeom>
+          <a:solidFill>
+            <a:schemeClr val="tx1"/>
+          </a:solidFill>
+          <a:ln>
+            <a:solidFill>
+              <a:schemeClr val="tx1"/>
+            </a:solidFill>
+          </a:ln>
+        </p:spPr>
+        <p:style>
+          <a:lnRef idx="2">
+            <a:schemeClr val="accent1">
+              <a:shade val="50000"/>
+            </a:schemeClr>
+          </a:lnRef>
+          <a:fillRef idx="1">
+            <a:schemeClr val="accent1"/>
+          </a:fillRef>
+          <a:effectRef idx="0">
+            <a:schemeClr val="accent1"/>
+          </a:effectRef>
+          <a:fontRef idx="minor">
+            <a:schemeClr val="lt1"/>
+          </a:fontRef>
+        </p:style>
+        <p:txBody>
+          <a:bodyPr lIns="0" tIns="0" rIns="0" bIns="0" rtlCol="0" anchor="ctr"/>
+          <a:lstStyle/>
+          <a:p>
+            <a:pPr algn="ctr"/>
+            <a:r>
+              <a:rPr lang="en-US" sz="800" dirty="0">
+                <a:latin typeface="Arial" panose="020B0604020202020204" pitchFamily="34" charset="0"/>
+                <a:cs typeface="Arial" panose="020B0604020202020204" pitchFamily="34" charset="0"/>
+              </a:rPr>
+              <a:t>3.3</a:t>
+            </a:r>
+          </a:p>
+        </p:txBody>
+      </p:sp>
+      <p:pic>
+        <p:nvPicPr>
+          <p:cNvPr id="306" name="Graphic 6">
+            <a:extLst>
+              <a:ext uri="{FF2B5EF4-FFF2-40B4-BE49-F238E27FC236}">
+                <a16:creationId xmlns:a16="http://schemas.microsoft.com/office/drawing/2014/main" id="{5F742487-4861-544C-BB1D-3047977CD82C}"/>
+              </a:ext>
+            </a:extLst>
+          </p:cNvPr>
+          <p:cNvPicPr>
+            <a:picLocks noChangeAspect="1" noChangeArrowheads="1"/>
+          </p:cNvPicPr>
+          <p:nvPr/>
+        </p:nvPicPr>
+        <p:blipFill>
+          <a:blip r:embed="rId12">
+            <a:extLst>
+              <a:ext uri="{28A0092B-C50C-407E-A947-70E740481C1C}">
+                <a14:useLocalDpi xmlns:a14="http://schemas.microsoft.com/office/drawing/2010/main" val="0"/>
+              </a:ext>
+            </a:extLst>
+          </a:blip>
+          <a:srcRect/>
+          <a:stretch>
+            <a:fillRect/>
+          </a:stretch>
+        </p:blipFill>
+        <p:spPr bwMode="auto">
+          <a:xfrm>
+            <a:off x="9618231" y="2713966"/>
+            <a:ext cx="457200" cy="457200"/>
+          </a:xfrm>
+          <a:prstGeom prst="rect">
+            <a:avLst/>
+          </a:prstGeom>
+          <a:noFill/>
+          <a:ln>
+            <a:noFill/>
+          </a:ln>
+          <a:extLst>
+            <a:ext uri="{909E8E84-426E-40DD-AFC4-6F175D3DCCD1}">
+              <a14:hiddenFill xmlns:a14="http://schemas.microsoft.com/office/drawing/2010/main">
+                <a:solidFill>
+                  <a:srgbClr val="FFFFFF"/>
+                </a:solidFill>
+              </a14:hiddenFill>
+            </a:ext>
+            <a:ext uri="{91240B29-F687-4F45-9708-019B960494DF}">
+              <a14:hiddenLine xmlns:a14="http://schemas.microsoft.com/office/drawing/2010/main" w="9525">
+                <a:solidFill>
+                  <a:srgbClr val="000000"/>
+                </a:solidFill>
+                <a:miter lim="800000"/>
+                <a:headEnd/>
+                <a:tailEnd/>
+              </a14:hiddenLine>
+            </a:ext>
+          </a:extLst>
+        </p:spPr>
+      </p:pic>
+      <p:sp>
+        <p:nvSpPr>
+          <p:cNvPr id="256" name="Oval 255">
+            <a:extLst>
+              <a:ext uri="{FF2B5EF4-FFF2-40B4-BE49-F238E27FC236}">
+                <a16:creationId xmlns:a16="http://schemas.microsoft.com/office/drawing/2014/main" id="{BAFC9B7F-6A94-E748-B373-13499F7C7CEA}"/>
+              </a:ext>
+            </a:extLst>
+          </p:cNvPr>
+          <p:cNvSpPr/>
+          <p:nvPr/>
+        </p:nvSpPr>
+        <p:spPr>
+          <a:xfrm>
+            <a:off x="9620120" y="2719976"/>
+            <a:ext cx="253435" cy="212902"/>
+          </a:xfrm>
+          <a:prstGeom prst="ellipse">
+            <a:avLst/>
+          </a:prstGeom>
+          <a:solidFill>
+            <a:schemeClr val="tx1"/>
+          </a:solidFill>
+          <a:ln>
+            <a:solidFill>
+              <a:schemeClr val="tx1"/>
+            </a:solidFill>
+          </a:ln>
+        </p:spPr>
+        <p:style>
+          <a:lnRef idx="2">
+            <a:schemeClr val="accent1">
+              <a:shade val="50000"/>
+            </a:schemeClr>
+          </a:lnRef>
+          <a:fillRef idx="1">
+            <a:schemeClr val="accent1"/>
+          </a:fillRef>
+          <a:effectRef idx="0">
+            <a:schemeClr val="accent1"/>
+          </a:effectRef>
+          <a:fontRef idx="minor">
+            <a:schemeClr val="lt1"/>
+          </a:fontRef>
+        </p:style>
+        <p:txBody>
+          <a:bodyPr lIns="0" tIns="0" rIns="0" bIns="0" rtlCol="0" anchor="ctr"/>
+          <a:lstStyle/>
+          <a:p>
+            <a:pPr algn="ctr"/>
+            <a:r>
+              <a:rPr lang="en-US" sz="800" dirty="0">
+                <a:latin typeface="Arial" panose="020B0604020202020204" pitchFamily="34" charset="0"/>
+                <a:cs typeface="Arial" panose="020B0604020202020204" pitchFamily="34" charset="0"/>
+              </a:rPr>
+              <a:t>2.2</a:t>
+            </a:r>
+          </a:p>
+        </p:txBody>
+      </p:sp>
+      <p:pic>
+        <p:nvPicPr>
+          <p:cNvPr id="307" name="Graphic 6">
+            <a:extLst>
+              <a:ext uri="{FF2B5EF4-FFF2-40B4-BE49-F238E27FC236}">
+                <a16:creationId xmlns:a16="http://schemas.microsoft.com/office/drawing/2014/main" id="{5236AD7C-E485-9945-887B-3795B30473C8}"/>
+              </a:ext>
+            </a:extLst>
+          </p:cNvPr>
+          <p:cNvPicPr>
+            <a:picLocks noChangeAspect="1" noChangeArrowheads="1"/>
+          </p:cNvPicPr>
+          <p:nvPr/>
+        </p:nvPicPr>
+        <p:blipFill>
+          <a:blip r:embed="rId12">
+            <a:extLst>
+              <a:ext uri="{28A0092B-C50C-407E-A947-70E740481C1C}">
+                <a14:useLocalDpi xmlns:a14="http://schemas.microsoft.com/office/drawing/2010/main" val="0"/>
+              </a:ext>
+            </a:extLst>
+          </a:blip>
+          <a:srcRect/>
+          <a:stretch>
+            <a:fillRect/>
+          </a:stretch>
+        </p:blipFill>
+        <p:spPr bwMode="auto">
+          <a:xfrm>
+            <a:off x="8497910" y="5288003"/>
+            <a:ext cx="457200" cy="457200"/>
+          </a:xfrm>
+          <a:prstGeom prst="rect">
+            <a:avLst/>
+          </a:prstGeom>
+          <a:noFill/>
+          <a:ln>
+            <a:noFill/>
+          </a:ln>
+          <a:extLst>
+            <a:ext uri="{909E8E84-426E-40DD-AFC4-6F175D3DCCD1}">
+              <a14:hiddenFill xmlns:a14="http://schemas.microsoft.com/office/drawing/2010/main">
+                <a:solidFill>
+                  <a:srgbClr val="FFFFFF"/>
+                </a:solidFill>
+              </a14:hiddenFill>
+            </a:ext>
+            <a:ext uri="{91240B29-F687-4F45-9708-019B960494DF}">
+              <a14:hiddenLine xmlns:a14="http://schemas.microsoft.com/office/drawing/2010/main" w="9525">
+                <a:solidFill>
+                  <a:srgbClr val="000000"/>
+                </a:solidFill>
+                <a:miter lim="800000"/>
+                <a:headEnd/>
+                <a:tailEnd/>
+              </a14:hiddenLine>
+            </a:ext>
+          </a:extLst>
+        </p:spPr>
+      </p:pic>
+      <p:sp>
+        <p:nvSpPr>
+          <p:cNvPr id="281" name="Oval 280">
+            <a:extLst>
+              <a:ext uri="{FF2B5EF4-FFF2-40B4-BE49-F238E27FC236}">
+                <a16:creationId xmlns:a16="http://schemas.microsoft.com/office/drawing/2014/main" id="{09CED976-2F06-5D4B-9F83-B80B88C4BFE0}"/>
+              </a:ext>
+            </a:extLst>
+          </p:cNvPr>
+          <p:cNvSpPr/>
+          <p:nvPr/>
+        </p:nvSpPr>
+        <p:spPr>
+          <a:xfrm>
+            <a:off x="8511831" y="5301481"/>
+            <a:ext cx="253435" cy="212902"/>
+          </a:xfrm>
+          <a:prstGeom prst="ellipse">
+            <a:avLst/>
+          </a:prstGeom>
+          <a:solidFill>
+            <a:schemeClr val="tx1"/>
+          </a:solidFill>
+          <a:ln>
+            <a:solidFill>
+              <a:schemeClr val="tx1"/>
+            </a:solidFill>
+          </a:ln>
+        </p:spPr>
+        <p:style>
+          <a:lnRef idx="2">
+            <a:schemeClr val="accent1">
+              <a:shade val="50000"/>
+            </a:schemeClr>
+          </a:lnRef>
+          <a:fillRef idx="1">
+            <a:schemeClr val="accent1"/>
+          </a:fillRef>
+          <a:effectRef idx="0">
+            <a:schemeClr val="accent1"/>
+          </a:effectRef>
+          <a:fontRef idx="minor">
+            <a:schemeClr val="lt1"/>
+          </a:fontRef>
+        </p:style>
+        <p:txBody>
+          <a:bodyPr lIns="0" tIns="0" rIns="0" bIns="0" rtlCol="0" anchor="ctr"/>
+          <a:lstStyle/>
+          <a:p>
+            <a:pPr algn="ctr"/>
+            <a:r>
+              <a:rPr lang="en-US" sz="800" dirty="0">
+                <a:latin typeface="Arial" panose="020B0604020202020204" pitchFamily="34" charset="0"/>
+                <a:cs typeface="Arial" panose="020B0604020202020204" pitchFamily="34" charset="0"/>
+              </a:rPr>
+              <a:t>4.1</a:t>
+            </a:r>
+          </a:p>
+        </p:txBody>
+      </p:sp>
+      <p:pic>
+        <p:nvPicPr>
+          <p:cNvPr id="308" name="Graphic 7">
+            <a:extLst>
+              <a:ext uri="{FF2B5EF4-FFF2-40B4-BE49-F238E27FC236}">
+                <a16:creationId xmlns:a16="http://schemas.microsoft.com/office/drawing/2014/main" id="{D90B4F35-9B4E-584D-9180-7BDF0A2AE2AC}"/>
+              </a:ext>
+            </a:extLst>
+          </p:cNvPr>
+          <p:cNvPicPr>
+            <a:picLocks noChangeAspect="1" noChangeArrowheads="1"/>
+          </p:cNvPicPr>
+          <p:nvPr/>
+        </p:nvPicPr>
+        <p:blipFill>
+          <a:blip r:embed="rId13">
+            <a:extLst>
+              <a:ext uri="{28A0092B-C50C-407E-A947-70E740481C1C}">
+                <a14:useLocalDpi xmlns:a14="http://schemas.microsoft.com/office/drawing/2010/main" val="0"/>
+              </a:ext>
+            </a:extLst>
+          </a:blip>
+          <a:srcRect/>
+          <a:stretch>
+            <a:fillRect/>
+          </a:stretch>
+        </p:blipFill>
+        <p:spPr bwMode="auto">
+          <a:xfrm>
+            <a:off x="1827554" y="5158845"/>
+            <a:ext cx="457200" cy="457200"/>
+          </a:xfrm>
+          <a:prstGeom prst="rect">
+            <a:avLst/>
+          </a:prstGeom>
+          <a:noFill/>
+          <a:ln>
+            <a:noFill/>
+          </a:ln>
+          <a:extLst>
+            <a:ext uri="{909E8E84-426E-40DD-AFC4-6F175D3DCCD1}">
+              <a14:hiddenFill xmlns:a14="http://schemas.microsoft.com/office/drawing/2010/main">
+                <a:solidFill>
+                  <a:srgbClr val="FFFFFF"/>
+                </a:solidFill>
+              </a14:hiddenFill>
+            </a:ext>
+            <a:ext uri="{91240B29-F687-4F45-9708-019B960494DF}">
+              <a14:hiddenLine xmlns:a14="http://schemas.microsoft.com/office/drawing/2010/main" w="9525">
+                <a:solidFill>
+                  <a:srgbClr val="000000"/>
+                </a:solidFill>
+                <a:miter lim="800000"/>
+                <a:headEnd/>
+                <a:tailEnd/>
+              </a14:hiddenLine>
+            </a:ext>
+          </a:extLst>
+        </p:spPr>
+      </p:pic>
+      <p:sp>
+        <p:nvSpPr>
+          <p:cNvPr id="260" name="Oval 259">
+            <a:extLst>
+              <a:ext uri="{FF2B5EF4-FFF2-40B4-BE49-F238E27FC236}">
+                <a16:creationId xmlns:a16="http://schemas.microsoft.com/office/drawing/2014/main" id="{A8874115-7D6E-8540-AB3A-EAEF3F3CFC11}"/>
+              </a:ext>
+            </a:extLst>
+          </p:cNvPr>
+          <p:cNvSpPr/>
+          <p:nvPr/>
+        </p:nvSpPr>
+        <p:spPr>
+          <a:xfrm>
+            <a:off x="1709767" y="5068092"/>
+            <a:ext cx="253435" cy="212902"/>
+          </a:xfrm>
+          <a:prstGeom prst="ellipse">
+            <a:avLst/>
+          </a:prstGeom>
+          <a:solidFill>
+            <a:schemeClr val="tx1"/>
+          </a:solidFill>
+          <a:ln>
+            <a:solidFill>
+              <a:schemeClr val="tx1"/>
+            </a:solidFill>
+          </a:ln>
+        </p:spPr>
+        <p:style>
+          <a:lnRef idx="2">
+            <a:schemeClr val="accent1">
+              <a:shade val="50000"/>
+            </a:schemeClr>
+          </a:lnRef>
+          <a:fillRef idx="1">
+            <a:schemeClr val="accent1"/>
+          </a:fillRef>
+          <a:effectRef idx="0">
+            <a:schemeClr val="accent1"/>
+          </a:effectRef>
+          <a:fontRef idx="minor">
+            <a:schemeClr val="lt1"/>
+          </a:fontRef>
+        </p:style>
+        <p:txBody>
+          <a:bodyPr lIns="0" tIns="0" rIns="0" bIns="0" rtlCol="0" anchor="ctr"/>
+          <a:lstStyle/>
+          <a:p>
+            <a:pPr algn="ctr"/>
+            <a:r>
+              <a:rPr lang="en-US" sz="800" dirty="0">
+                <a:latin typeface="Arial" panose="020B0604020202020204" pitchFamily="34" charset="0"/>
+                <a:cs typeface="Arial" panose="020B0604020202020204" pitchFamily="34" charset="0"/>
+              </a:rPr>
+              <a:t>3.1</a:t>
+            </a:r>
+          </a:p>
+        </p:txBody>
+      </p:sp>
+    </p:spTree>
+    <p:extLst>
+      <p:ext uri="{BB962C8B-B14F-4D97-AF65-F5344CB8AC3E}">
+        <p14:creationId xmlns:p14="http://schemas.microsoft.com/office/powerpoint/2010/main" val="3822573393"/>
       </p:ext>
     </p:extLst>
   </p:cSld>
